--- a/presentation/Tripster Presentation.pptx
+++ b/presentation/Tripster Presentation.pptx
@@ -9,6 +9,9 @@
     <p:sldId id="257" r:id="rId3"/>
     <p:sldId id="258" r:id="rId4"/>
     <p:sldId id="259" r:id="rId5"/>
+    <p:sldId id="260" r:id="rId6"/>
+    <p:sldId id="261" r:id="rId7"/>
+    <p:sldId id="262" r:id="rId8"/>
   </p:sldIdLst>
   <p:sldSz cx="12192000" cy="6858000"/>
   <p:notesSz cx="6858000" cy="9144000"/>
@@ -6996,7 +6999,7 @@
         </p:nvSpPr>
         <p:spPr>
           <a:xfrm>
-            <a:off x="4583259" y="1871870"/>
+            <a:off x="4585074" y="2281542"/>
             <a:ext cx="2331883" cy="914400"/>
           </a:xfrm>
         </p:spPr>
@@ -7052,7 +7055,7 @@
         </p:nvSpPr>
         <p:spPr>
           <a:xfrm>
-            <a:off x="-1815" y="1656906"/>
+            <a:off x="0" y="2066578"/>
             <a:ext cx="671979" cy="1569660"/>
           </a:xfrm>
           <a:prstGeom prst="rect">
@@ -7090,7 +7093,7 @@
         </p:nvSpPr>
         <p:spPr>
           <a:xfrm>
-            <a:off x="4089882" y="1641832"/>
+            <a:off x="4091697" y="2051504"/>
             <a:ext cx="671979" cy="1569660"/>
           </a:xfrm>
           <a:prstGeom prst="rect">
@@ -7142,7 +7145,7 @@
         </p:blipFill>
         <p:spPr>
           <a:xfrm>
-            <a:off x="6055831" y="2883862"/>
+            <a:off x="6057646" y="3293534"/>
             <a:ext cx="874183" cy="874183"/>
           </a:xfrm>
           <a:prstGeom prst="rect">
@@ -7172,7 +7175,7 @@
         </p:blipFill>
         <p:spPr>
           <a:xfrm>
-            <a:off x="4321731" y="2924303"/>
+            <a:off x="4323546" y="3333975"/>
             <a:ext cx="869318" cy="869318"/>
           </a:xfrm>
           <a:prstGeom prst="rect">
@@ -7202,7 +7205,7 @@
         </p:blipFill>
         <p:spPr>
           <a:xfrm>
-            <a:off x="5214030" y="2883862"/>
+            <a:off x="5215845" y="3293534"/>
             <a:ext cx="818820" cy="818820"/>
           </a:xfrm>
           <a:prstGeom prst="rect">
@@ -7220,7 +7223,7 @@
         </p:nvSpPr>
         <p:spPr>
           <a:xfrm>
-            <a:off x="456325" y="1894665"/>
+            <a:off x="458140" y="2304337"/>
             <a:ext cx="1777048" cy="914400"/>
           </a:xfrm>
           <a:prstGeom prst="rect">
@@ -7512,7 +7515,7 @@
         </p:nvSpPr>
         <p:spPr>
           <a:xfrm>
-            <a:off x="8315184" y="1554804"/>
+            <a:off x="8316999" y="1964476"/>
             <a:ext cx="671979" cy="1569660"/>
           </a:xfrm>
           <a:prstGeom prst="rect">
@@ -7552,7 +7555,7 @@
         </p:nvSpPr>
         <p:spPr>
           <a:xfrm>
-            <a:off x="8773324" y="1792563"/>
+            <a:off x="8775139" y="2202235"/>
             <a:ext cx="1777048" cy="914400"/>
           </a:xfrm>
           <a:prstGeom prst="rect">
@@ -7837,7 +7840,7 @@
         </p:nvSpPr>
         <p:spPr>
           <a:xfrm>
-            <a:off x="159553" y="727432"/>
+            <a:off x="160866" y="795367"/>
             <a:ext cx="11238122" cy="914400"/>
           </a:xfrm>
           <a:prstGeom prst="rect">
@@ -8079,21 +8082,33 @@
             </a:pPr>
             <a:r>
               <a:rPr lang="en-GB" sz="3600" dirty="0" smtClean="0">
+                <a:latin typeface="Bebas Neue" panose="020B0606020202050201" pitchFamily="34" charset="0"/>
+              </a:rPr>
+              <a:t>Many people </a:t>
+            </a:r>
+            <a:r>
+              <a:rPr lang="en-GB" sz="3600" dirty="0" smtClean="0">
                 <a:solidFill>
                   <a:srgbClr val="6F8183"/>
                 </a:solidFill>
                 <a:latin typeface="Bebas Neue" panose="020B0606020202050201" pitchFamily="34" charset="0"/>
               </a:rPr>
-              <a:t>Many people in a circle has their own plan for trip, some of the plan will be better to </a:t>
+              <a:t>in a circle has their own </a:t>
             </a:r>
             <a:r>
-              <a:rPr lang="en-GB" sz="3600" smtClean="0">
+              <a:rPr lang="en-GB" sz="3600" dirty="0" smtClean="0">
+                <a:latin typeface="Bebas Neue" panose="020B0606020202050201" pitchFamily="34" charset="0"/>
+              </a:rPr>
+              <a:t>plan for trip</a:t>
+            </a:r>
+            <a:r>
+              <a:rPr lang="en-GB" sz="3600" dirty="0" smtClean="0">
                 <a:solidFill>
                   <a:srgbClr val="6F8183"/>
                 </a:solidFill>
                 <a:latin typeface="Bebas Neue" panose="020B0606020202050201" pitchFamily="34" charset="0"/>
               </a:rPr>
-              <a:t>do together. </a:t>
+              <a:t>, some of the plan will be better to do together. </a:t>
             </a:r>
             <a:endParaRPr lang="en-US" sz="3600" dirty="0" smtClean="0">
               <a:solidFill>
@@ -8104,6 +8119,453 @@
           </a:p>
         </p:txBody>
       </p:sp>
+      <p:sp>
+        <p:nvSpPr>
+          <p:cNvPr id="17" name="Rectangle 16"/>
+          <p:cNvSpPr/>
+          <p:nvPr/>
+        </p:nvSpPr>
+        <p:spPr>
+          <a:xfrm>
+            <a:off x="155391" y="4331859"/>
+            <a:ext cx="1531330" cy="646331"/>
+          </a:xfrm>
+          <a:prstGeom prst="rect">
+            <a:avLst/>
+          </a:prstGeom>
+        </p:spPr>
+        <p:txBody>
+          <a:bodyPr wrap="square">
+            <a:spAutoFit/>
+          </a:bodyPr>
+          <a:lstStyle/>
+          <a:p>
+            <a:r>
+              <a:rPr lang="en-GB" sz="3600" dirty="0" err="1" smtClean="0">
+                <a:solidFill>
+                  <a:srgbClr val="6F8183"/>
+                </a:solidFill>
+                <a:latin typeface="Bebas Neue" panose="020B0606020202050201" pitchFamily="34" charset="0"/>
+              </a:rPr>
+              <a:t>Tripster</a:t>
+            </a:r>
+            <a:endParaRPr lang="en-GB" sz="3600" dirty="0"/>
+          </a:p>
+        </p:txBody>
+      </p:sp>
+      <p:sp>
+        <p:nvSpPr>
+          <p:cNvPr id="18" name="Rectangle 17"/>
+          <p:cNvSpPr/>
+          <p:nvPr/>
+        </p:nvSpPr>
+        <p:spPr>
+          <a:xfrm>
+            <a:off x="117739" y="4847040"/>
+            <a:ext cx="1673856" cy="369332"/>
+          </a:xfrm>
+          <a:prstGeom prst="rect">
+            <a:avLst/>
+          </a:prstGeom>
+        </p:spPr>
+        <p:txBody>
+          <a:bodyPr wrap="none">
+            <a:spAutoFit/>
+          </a:bodyPr>
+          <a:lstStyle/>
+          <a:p>
+            <a:r>
+              <a:rPr lang="en-GB" dirty="0" smtClean="0">
+                <a:solidFill>
+                  <a:srgbClr val="6F8183"/>
+                </a:solidFill>
+                <a:latin typeface="Bebas Neue" panose="020B0606020202050201" pitchFamily="34" charset="0"/>
+              </a:rPr>
+              <a:t>Our trip announcer</a:t>
+            </a:r>
+            <a:endParaRPr lang="en-GB" dirty="0"/>
+          </a:p>
+        </p:txBody>
+      </p:sp>
+      <p:cxnSp>
+        <p:nvCxnSpPr>
+          <p:cNvPr id="20" name="Straight Arrow Connector 19"/>
+          <p:cNvCxnSpPr/>
+          <p:nvPr/>
+        </p:nvCxnSpPr>
+        <p:spPr>
+          <a:xfrm>
+            <a:off x="1555423" y="4814509"/>
+            <a:ext cx="1225484" cy="1255150"/>
+          </a:xfrm>
+          <a:prstGeom prst="straightConnector1">
+            <a:avLst/>
+          </a:prstGeom>
+          <a:ln>
+            <a:tailEnd type="triangle"/>
+          </a:ln>
+        </p:spPr>
+        <p:style>
+          <a:lnRef idx="1">
+            <a:schemeClr val="accent1"/>
+          </a:lnRef>
+          <a:fillRef idx="0">
+            <a:schemeClr val="accent1"/>
+          </a:fillRef>
+          <a:effectRef idx="0">
+            <a:schemeClr val="accent1"/>
+          </a:effectRef>
+          <a:fontRef idx="minor">
+            <a:schemeClr val="tx1"/>
+          </a:fontRef>
+        </p:style>
+      </p:cxnSp>
+      <p:sp>
+        <p:nvSpPr>
+          <p:cNvPr id="25" name="Rectangle 24"/>
+          <p:cNvSpPr/>
+          <p:nvPr/>
+        </p:nvSpPr>
+        <p:spPr>
+          <a:xfrm>
+            <a:off x="2780907" y="5950871"/>
+            <a:ext cx="3373231" cy="369332"/>
+          </a:xfrm>
+          <a:prstGeom prst="rect">
+            <a:avLst/>
+          </a:prstGeom>
+        </p:spPr>
+        <p:txBody>
+          <a:bodyPr wrap="none">
+            <a:spAutoFit/>
+          </a:bodyPr>
+          <a:lstStyle/>
+          <a:p>
+            <a:r>
+              <a:rPr lang="en-GB" dirty="0" smtClean="0">
+                <a:solidFill>
+                  <a:srgbClr val="6F8183"/>
+                </a:solidFill>
+                <a:latin typeface="Bebas Neue" panose="020B0606020202050201" pitchFamily="34" charset="0"/>
+              </a:rPr>
+              <a:t>Using HTML, </a:t>
+            </a:r>
+            <a:r>
+              <a:rPr lang="en-GB" dirty="0" err="1" smtClean="0">
+                <a:solidFill>
+                  <a:srgbClr val="6F8183"/>
+                </a:solidFill>
+                <a:latin typeface="Bebas Neue" panose="020B0606020202050201" pitchFamily="34" charset="0"/>
+              </a:rPr>
+              <a:t>AgnularJS</a:t>
+            </a:r>
+            <a:r>
+              <a:rPr lang="en-GB" dirty="0" smtClean="0">
+                <a:solidFill>
+                  <a:srgbClr val="6F8183"/>
+                </a:solidFill>
+                <a:latin typeface="Bebas Neue" panose="020B0606020202050201" pitchFamily="34" charset="0"/>
+              </a:rPr>
+              <a:t>, CSS and bootstrap</a:t>
+            </a:r>
+            <a:endParaRPr lang="en-GB" dirty="0"/>
+          </a:p>
+        </p:txBody>
+      </p:sp>
+      <p:sp>
+        <p:nvSpPr>
+          <p:cNvPr id="26" name="Rectangle 25"/>
+          <p:cNvSpPr/>
+          <p:nvPr/>
+        </p:nvSpPr>
+        <p:spPr>
+          <a:xfrm>
+            <a:off x="4904447" y="5566529"/>
+            <a:ext cx="2027382" cy="369332"/>
+          </a:xfrm>
+          <a:prstGeom prst="rect">
+            <a:avLst/>
+          </a:prstGeom>
+        </p:spPr>
+        <p:txBody>
+          <a:bodyPr wrap="square">
+            <a:spAutoFit/>
+          </a:bodyPr>
+          <a:lstStyle/>
+          <a:p>
+            <a:r>
+              <a:rPr lang="en-GB" dirty="0" smtClean="0">
+                <a:solidFill>
+                  <a:srgbClr val="6F8183"/>
+                </a:solidFill>
+                <a:latin typeface="Bebas Neue" panose="020B0606020202050201" pitchFamily="34" charset="0"/>
+              </a:rPr>
+              <a:t>Using </a:t>
+            </a:r>
+            <a:r>
+              <a:rPr lang="en-GB" dirty="0" err="1" smtClean="0">
+                <a:solidFill>
+                  <a:srgbClr val="6F8183"/>
+                </a:solidFill>
+                <a:latin typeface="Bebas Neue" panose="020B0606020202050201" pitchFamily="34" charset="0"/>
+              </a:rPr>
+              <a:t>NodeJS</a:t>
+            </a:r>
+            <a:r>
+              <a:rPr lang="en-GB" dirty="0" smtClean="0">
+                <a:solidFill>
+                  <a:srgbClr val="6F8183"/>
+                </a:solidFill>
+                <a:latin typeface="Bebas Neue" panose="020B0606020202050201" pitchFamily="34" charset="0"/>
+              </a:rPr>
+              <a:t> </a:t>
+            </a:r>
+            <a:r>
+              <a:rPr lang="en-GB" dirty="0" err="1" smtClean="0">
+                <a:solidFill>
+                  <a:srgbClr val="6F8183"/>
+                </a:solidFill>
+                <a:latin typeface="Bebas Neue" panose="020B0606020202050201" pitchFamily="34" charset="0"/>
+              </a:rPr>
+              <a:t>ejs</a:t>
+            </a:r>
+            <a:r>
+              <a:rPr lang="en-GB" dirty="0" smtClean="0">
+                <a:solidFill>
+                  <a:srgbClr val="6F8183"/>
+                </a:solidFill>
+                <a:latin typeface="Bebas Neue" panose="020B0606020202050201" pitchFamily="34" charset="0"/>
+              </a:rPr>
+              <a:t> style</a:t>
+            </a:r>
+            <a:endParaRPr lang="en-GB" dirty="0"/>
+          </a:p>
+        </p:txBody>
+      </p:sp>
+      <p:cxnSp>
+        <p:nvCxnSpPr>
+          <p:cNvPr id="27" name="Straight Arrow Connector 26"/>
+          <p:cNvCxnSpPr>
+            <a:endCxn id="26" idx="1"/>
+          </p:cNvCxnSpPr>
+          <p:nvPr/>
+        </p:nvCxnSpPr>
+        <p:spPr>
+          <a:xfrm>
+            <a:off x="2235188" y="5474081"/>
+            <a:ext cx="2669259" cy="277114"/>
+          </a:xfrm>
+          <a:prstGeom prst="straightConnector1">
+            <a:avLst/>
+          </a:prstGeom>
+          <a:ln>
+            <a:tailEnd type="triangle"/>
+          </a:ln>
+        </p:spPr>
+        <p:style>
+          <a:lnRef idx="1">
+            <a:schemeClr val="accent1"/>
+          </a:lnRef>
+          <a:fillRef idx="0">
+            <a:schemeClr val="accent1"/>
+          </a:fillRef>
+          <a:effectRef idx="0">
+            <a:schemeClr val="accent1"/>
+          </a:effectRef>
+          <a:fontRef idx="minor">
+            <a:schemeClr val="tx1"/>
+          </a:fontRef>
+        </p:style>
+      </p:cxnSp>
+      <p:pic>
+        <p:nvPicPr>
+          <p:cNvPr id="39" name="Picture 38"/>
+          <p:cNvPicPr>
+            <a:picLocks noChangeAspect="1"/>
+          </p:cNvPicPr>
+          <p:nvPr/>
+        </p:nvPicPr>
+        <p:blipFill>
+          <a:blip r:embed="rId5">
+            <a:extLst>
+              <a:ext uri="{28A0092B-C50C-407E-A947-70E740481C1C}">
+                <a14:useLocalDpi xmlns:a14="http://schemas.microsoft.com/office/drawing/2010/main" val="0"/>
+              </a:ext>
+            </a:extLst>
+          </a:blip>
+          <a:stretch>
+            <a:fillRect/>
+          </a:stretch>
+        </p:blipFill>
+        <p:spPr>
+          <a:xfrm>
+            <a:off x="8826130" y="5624351"/>
+            <a:ext cx="1424683" cy="854810"/>
+          </a:xfrm>
+          <a:prstGeom prst="rect">
+            <a:avLst/>
+          </a:prstGeom>
+        </p:spPr>
+      </p:pic>
+      <p:pic>
+        <p:nvPicPr>
+          <p:cNvPr id="40" name="Picture 39"/>
+          <p:cNvPicPr>
+            <a:picLocks noChangeAspect="1"/>
+          </p:cNvPicPr>
+          <p:nvPr/>
+        </p:nvPicPr>
+        <p:blipFill>
+          <a:blip r:embed="rId6">
+            <a:extLst>
+              <a:ext uri="{28A0092B-C50C-407E-A947-70E740481C1C}">
+                <a14:useLocalDpi xmlns:a14="http://schemas.microsoft.com/office/drawing/2010/main" val="0"/>
+              </a:ext>
+            </a:extLst>
+          </a:blip>
+          <a:stretch>
+            <a:fillRect/>
+          </a:stretch>
+        </p:blipFill>
+        <p:spPr>
+          <a:xfrm>
+            <a:off x="9970011" y="5709672"/>
+            <a:ext cx="679656" cy="682375"/>
+          </a:xfrm>
+          <a:prstGeom prst="rect">
+            <a:avLst/>
+          </a:prstGeom>
+        </p:spPr>
+      </p:pic>
+      <p:pic>
+        <p:nvPicPr>
+          <p:cNvPr id="41" name="Picture 40"/>
+          <p:cNvPicPr>
+            <a:picLocks noChangeAspect="1"/>
+          </p:cNvPicPr>
+          <p:nvPr/>
+        </p:nvPicPr>
+        <p:blipFill>
+          <a:blip r:embed="rId7">
+            <a:extLst>
+              <a:ext uri="{28A0092B-C50C-407E-A947-70E740481C1C}">
+                <a14:useLocalDpi xmlns:a14="http://schemas.microsoft.com/office/drawing/2010/main" val="0"/>
+              </a:ext>
+            </a:extLst>
+          </a:blip>
+          <a:stretch>
+            <a:fillRect/>
+          </a:stretch>
+        </p:blipFill>
+        <p:spPr>
+          <a:xfrm>
+            <a:off x="6916957" y="5552362"/>
+            <a:ext cx="2185446" cy="851319"/>
+          </a:xfrm>
+          <a:prstGeom prst="rect">
+            <a:avLst/>
+          </a:prstGeom>
+        </p:spPr>
+      </p:pic>
+      <p:pic>
+        <p:nvPicPr>
+          <p:cNvPr id="42" name="Picture 41"/>
+          <p:cNvPicPr>
+            <a:picLocks noChangeAspect="1"/>
+          </p:cNvPicPr>
+          <p:nvPr/>
+        </p:nvPicPr>
+        <p:blipFill>
+          <a:blip r:embed="rId8">
+            <a:extLst>
+              <a:ext uri="{28A0092B-C50C-407E-A947-70E740481C1C}">
+                <a14:useLocalDpi xmlns:a14="http://schemas.microsoft.com/office/drawing/2010/main" val="0"/>
+              </a:ext>
+            </a:extLst>
+          </a:blip>
+          <a:stretch>
+            <a:fillRect/>
+          </a:stretch>
+        </p:blipFill>
+        <p:spPr>
+          <a:xfrm>
+            <a:off x="10496337" y="5364858"/>
+            <a:ext cx="1226326" cy="1226326"/>
+          </a:xfrm>
+          <a:prstGeom prst="rect">
+            <a:avLst/>
+          </a:prstGeom>
+        </p:spPr>
+      </p:pic>
+      <p:sp>
+        <p:nvSpPr>
+          <p:cNvPr id="43" name="Rectangle 42"/>
+          <p:cNvSpPr/>
+          <p:nvPr/>
+        </p:nvSpPr>
+        <p:spPr>
+          <a:xfrm>
+            <a:off x="4393632" y="5059681"/>
+            <a:ext cx="2027382" cy="369332"/>
+          </a:xfrm>
+          <a:prstGeom prst="rect">
+            <a:avLst/>
+          </a:prstGeom>
+        </p:spPr>
+        <p:txBody>
+          <a:bodyPr wrap="square">
+            <a:spAutoFit/>
+          </a:bodyPr>
+          <a:lstStyle/>
+          <a:p>
+            <a:r>
+              <a:rPr lang="en-GB" dirty="0" smtClean="0">
+                <a:solidFill>
+                  <a:srgbClr val="6F8183"/>
+                </a:solidFill>
+                <a:latin typeface="Bebas Neue" panose="020B0606020202050201" pitchFamily="34" charset="0"/>
+              </a:rPr>
+              <a:t>Using MySQL</a:t>
+            </a:r>
+            <a:endParaRPr lang="en-GB" dirty="0"/>
+          </a:p>
+        </p:txBody>
+      </p:sp>
+      <p:cxnSp>
+        <p:nvCxnSpPr>
+          <p:cNvPr id="44" name="Straight Arrow Connector 43"/>
+          <p:cNvCxnSpPr>
+            <a:endCxn id="43" idx="1"/>
+          </p:cNvCxnSpPr>
+          <p:nvPr/>
+        </p:nvCxnSpPr>
+        <p:spPr>
+          <a:xfrm>
+            <a:off x="1724373" y="4967233"/>
+            <a:ext cx="2669259" cy="277114"/>
+          </a:xfrm>
+          <a:prstGeom prst="straightConnector1">
+            <a:avLst/>
+          </a:prstGeom>
+          <a:ln>
+            <a:tailEnd type="triangle"/>
+          </a:ln>
+        </p:spPr>
+        <p:style>
+          <a:lnRef idx="1">
+            <a:schemeClr val="accent1"/>
+          </a:lnRef>
+          <a:fillRef idx="0">
+            <a:schemeClr val="accent1"/>
+          </a:fillRef>
+          <a:effectRef idx="0">
+            <a:schemeClr val="accent1"/>
+          </a:effectRef>
+          <a:fontRef idx="minor">
+            <a:schemeClr val="tx1"/>
+          </a:fontRef>
+        </p:style>
+      </p:cxnSp>
     </p:spTree>
     <p:extLst>
       <p:ext uri="{BB962C8B-B14F-4D97-AF65-F5344CB8AC3E}">
@@ -8126,9 +8588,6 @@
                     <p:cTn id="3" fill="hold">
                       <p:stCondLst>
                         <p:cond delay="indefinite"/>
-                        <p:cond evt="onBegin" delay="0">
-                          <p:tn val="2"/>
-                        </p:cond>
                       </p:stCondLst>
                       <p:childTnLst>
                         <p:par>
@@ -8138,7 +8597,7 @@
                             </p:stCondLst>
                             <p:childTnLst>
                               <p:par>
-                                <p:cTn id="5" presetID="42" presetClass="entr" presetSubtype="0" fill="hold" nodeType="afterEffect">
+                                <p:cTn id="5" presetID="22" presetClass="entr" presetSubtype="1" fill="hold" grpId="0" nodeType="clickEffect">
                                   <p:stCondLst>
                                     <p:cond delay="0"/>
                                   </p:stCondLst>
@@ -8151,7 +8610,7 @@
                                           </p:stCondLst>
                                         </p:cTn>
                                         <p:tgtEl>
-                                          <p:spTgt spid="4"/>
+                                          <p:spTgt spid="16"/>
                                         </p:tgtEl>
                                         <p:attrNameLst>
                                           <p:attrName>style.visibility</p:attrName>
@@ -8161,60 +8620,1009 @@
                                         <p:strVal val="visible"/>
                                       </p:to>
                                     </p:set>
-                                    <p:animEffect transition="in" filter="fade">
+                                    <p:animEffect transition="in" filter="wipe(up)">
                                       <p:cBhvr>
-                                        <p:cTn id="7" dur="1000"/>
+                                        <p:cTn id="7" dur="500"/>
                                         <p:tgtEl>
-                                          <p:spTgt spid="4"/>
+                                          <p:spTgt spid="16"/>
                                         </p:tgtEl>
                                       </p:cBhvr>
                                     </p:animEffect>
-                                    <p:anim calcmode="lin" valueType="num">
+                                  </p:childTnLst>
+                                </p:cTn>
+                              </p:par>
+                            </p:childTnLst>
+                          </p:cTn>
+                        </p:par>
+                      </p:childTnLst>
+                    </p:cTn>
+                  </p:par>
+                  <p:par>
+                    <p:cTn id="8" fill="hold">
+                      <p:stCondLst>
+                        <p:cond delay="indefinite"/>
+                      </p:stCondLst>
+                      <p:childTnLst>
+                        <p:par>
+                          <p:cTn id="9" fill="hold">
+                            <p:stCondLst>
+                              <p:cond delay="0"/>
+                            </p:stCondLst>
+                            <p:childTnLst>
+                              <p:par>
+                                <p:cTn id="10" presetID="22" presetClass="entr" presetSubtype="1" fill="hold" grpId="0" nodeType="clickEffect">
+                                  <p:stCondLst>
+                                    <p:cond delay="0"/>
+                                  </p:stCondLst>
+                                  <p:childTnLst>
+                                    <p:set>
                                       <p:cBhvr>
-                                        <p:cTn id="8" dur="1000" fill="hold"/>
+                                        <p:cTn id="11" dur="1" fill="hold">
+                                          <p:stCondLst>
+                                            <p:cond delay="0"/>
+                                          </p:stCondLst>
+                                        </p:cTn>
                                         <p:tgtEl>
-                                          <p:spTgt spid="4"/>
+                                          <p:spTgt spid="12"/>
                                         </p:tgtEl>
                                         <p:attrNameLst>
-                                          <p:attrName>ppt_x</p:attrName>
+                                          <p:attrName>style.visibility</p:attrName>
                                         </p:attrNameLst>
                                       </p:cBhvr>
-                                      <p:tavLst>
-                                        <p:tav tm="0">
-                                          <p:val>
-                                            <p:strVal val="#ppt_x"/>
-                                          </p:val>
-                                        </p:tav>
-                                        <p:tav tm="100000">
-                                          <p:val>
-                                            <p:strVal val="#ppt_x"/>
-                                          </p:val>
-                                        </p:tav>
-                                      </p:tavLst>
-                                    </p:anim>
-                                    <p:anim calcmode="lin" valueType="num">
+                                      <p:to>
+                                        <p:strVal val="visible"/>
+                                      </p:to>
+                                    </p:set>
+                                    <p:animEffect transition="in" filter="wipe(up)">
                                       <p:cBhvr>
-                                        <p:cTn id="9" dur="1000" fill="hold"/>
+                                        <p:cTn id="12" dur="500"/>
                                         <p:tgtEl>
-                                          <p:spTgt spid="4"/>
+                                          <p:spTgt spid="12"/>
+                                        </p:tgtEl>
+                                      </p:cBhvr>
+                                    </p:animEffect>
+                                  </p:childTnLst>
+                                </p:cTn>
+                              </p:par>
+                              <p:par>
+                                <p:cTn id="13" presetID="22" presetClass="entr" presetSubtype="1" fill="hold" grpId="0" nodeType="withEffect">
+                                  <p:stCondLst>
+                                    <p:cond delay="0"/>
+                                  </p:stCondLst>
+                                  <p:childTnLst>
+                                    <p:set>
+                                      <p:cBhvr>
+                                        <p:cTn id="14" dur="1" fill="hold">
+                                          <p:stCondLst>
+                                            <p:cond delay="0"/>
+                                          </p:stCondLst>
+                                        </p:cTn>
+                                        <p:tgtEl>
+                                          <p:spTgt spid="13"/>
                                         </p:tgtEl>
                                         <p:attrNameLst>
-                                          <p:attrName>ppt_y</p:attrName>
+                                          <p:attrName>style.visibility</p:attrName>
                                         </p:attrNameLst>
                                       </p:cBhvr>
-                                      <p:tavLst>
-                                        <p:tav tm="0">
-                                          <p:val>
-                                            <p:strVal val="#ppt_y+.1"/>
-                                          </p:val>
-                                        </p:tav>
-                                        <p:tav tm="100000">
-                                          <p:val>
-                                            <p:strVal val="#ppt_y"/>
-                                          </p:val>
-                                        </p:tav>
-                                      </p:tavLst>
-                                    </p:anim>
+                                      <p:to>
+                                        <p:strVal val="visible"/>
+                                      </p:to>
+                                    </p:set>
+                                    <p:animEffect transition="in" filter="wipe(up)">
+                                      <p:cBhvr>
+                                        <p:cTn id="15" dur="500"/>
+                                        <p:tgtEl>
+                                          <p:spTgt spid="13"/>
+                                        </p:tgtEl>
+                                      </p:cBhvr>
+                                    </p:animEffect>
+                                  </p:childTnLst>
+                                </p:cTn>
+                              </p:par>
+                            </p:childTnLst>
+                          </p:cTn>
+                        </p:par>
+                      </p:childTnLst>
+                    </p:cTn>
+                  </p:par>
+                  <p:par>
+                    <p:cTn id="16" fill="hold">
+                      <p:stCondLst>
+                        <p:cond delay="indefinite"/>
+                      </p:stCondLst>
+                      <p:childTnLst>
+                        <p:par>
+                          <p:cTn id="17" fill="hold">
+                            <p:stCondLst>
+                              <p:cond delay="0"/>
+                            </p:stCondLst>
+                            <p:childTnLst>
+                              <p:par>
+                                <p:cTn id="18" presetID="22" presetClass="entr" presetSubtype="1" fill="hold" grpId="0" nodeType="clickEffect">
+                                  <p:stCondLst>
+                                    <p:cond delay="0"/>
+                                  </p:stCondLst>
+                                  <p:childTnLst>
+                                    <p:set>
+                                      <p:cBhvr>
+                                        <p:cTn id="19" dur="1" fill="hold">
+                                          <p:stCondLst>
+                                            <p:cond delay="0"/>
+                                          </p:stCondLst>
+                                        </p:cTn>
+                                        <p:tgtEl>
+                                          <p:spTgt spid="8"/>
+                                        </p:tgtEl>
+                                        <p:attrNameLst>
+                                          <p:attrName>style.visibility</p:attrName>
+                                        </p:attrNameLst>
+                                      </p:cBhvr>
+                                      <p:to>
+                                        <p:strVal val="visible"/>
+                                      </p:to>
+                                    </p:set>
+                                    <p:animEffect transition="in" filter="wipe(up)">
+                                      <p:cBhvr>
+                                        <p:cTn id="20" dur="500"/>
+                                        <p:tgtEl>
+                                          <p:spTgt spid="8"/>
+                                        </p:tgtEl>
+                                      </p:cBhvr>
+                                    </p:animEffect>
+                                  </p:childTnLst>
+                                </p:cTn>
+                              </p:par>
+                              <p:par>
+                                <p:cTn id="21" presetID="22" presetClass="entr" presetSubtype="1" fill="hold" grpId="0" nodeType="withEffect">
+                                  <p:stCondLst>
+                                    <p:cond delay="0"/>
+                                  </p:stCondLst>
+                                  <p:childTnLst>
+                                    <p:set>
+                                      <p:cBhvr>
+                                        <p:cTn id="22" dur="1" fill="hold">
+                                          <p:stCondLst>
+                                            <p:cond delay="0"/>
+                                          </p:stCondLst>
+                                        </p:cTn>
+                                        <p:tgtEl>
+                                          <p:spTgt spid="3">
+                                            <p:txEl>
+                                              <p:pRg st="0" end="0"/>
+                                            </p:txEl>
+                                          </p:spTgt>
+                                        </p:tgtEl>
+                                        <p:attrNameLst>
+                                          <p:attrName>style.visibility</p:attrName>
+                                        </p:attrNameLst>
+                                      </p:cBhvr>
+                                      <p:to>
+                                        <p:strVal val="visible"/>
+                                      </p:to>
+                                    </p:set>
+                                    <p:animEffect transition="in" filter="wipe(up)">
+                                      <p:cBhvr>
+                                        <p:cTn id="23" dur="500"/>
+                                        <p:tgtEl>
+                                          <p:spTgt spid="3">
+                                            <p:txEl>
+                                              <p:pRg st="0" end="0"/>
+                                            </p:txEl>
+                                          </p:spTgt>
+                                        </p:tgtEl>
+                                      </p:cBhvr>
+                                    </p:animEffect>
+                                  </p:childTnLst>
+                                </p:cTn>
+                              </p:par>
+                            </p:childTnLst>
+                          </p:cTn>
+                        </p:par>
+                      </p:childTnLst>
+                    </p:cTn>
+                  </p:par>
+                  <p:par>
+                    <p:cTn id="24" fill="hold">
+                      <p:stCondLst>
+                        <p:cond delay="indefinite"/>
+                      </p:stCondLst>
+                      <p:childTnLst>
+                        <p:par>
+                          <p:cTn id="25" fill="hold">
+                            <p:stCondLst>
+                              <p:cond delay="0"/>
+                            </p:stCondLst>
+                            <p:childTnLst>
+                              <p:par>
+                                <p:cTn id="26" presetID="22" presetClass="entr" presetSubtype="1" fill="hold" nodeType="clickEffect">
+                                  <p:stCondLst>
+                                    <p:cond delay="0"/>
+                                  </p:stCondLst>
+                                  <p:childTnLst>
+                                    <p:set>
+                                      <p:cBhvr>
+                                        <p:cTn id="27" dur="1" fill="hold">
+                                          <p:stCondLst>
+                                            <p:cond delay="0"/>
+                                          </p:stCondLst>
+                                        </p:cTn>
+                                        <p:tgtEl>
+                                          <p:spTgt spid="10"/>
+                                        </p:tgtEl>
+                                        <p:attrNameLst>
+                                          <p:attrName>style.visibility</p:attrName>
+                                        </p:attrNameLst>
+                                      </p:cBhvr>
+                                      <p:to>
+                                        <p:strVal val="visible"/>
+                                      </p:to>
+                                    </p:set>
+                                    <p:animEffect transition="in" filter="wipe(up)">
+                                      <p:cBhvr>
+                                        <p:cTn id="28" dur="500"/>
+                                        <p:tgtEl>
+                                          <p:spTgt spid="10"/>
+                                        </p:tgtEl>
+                                      </p:cBhvr>
+                                    </p:animEffect>
+                                  </p:childTnLst>
+                                </p:cTn>
+                              </p:par>
+                            </p:childTnLst>
+                          </p:cTn>
+                        </p:par>
+                      </p:childTnLst>
+                    </p:cTn>
+                  </p:par>
+                  <p:par>
+                    <p:cTn id="29" fill="hold">
+                      <p:stCondLst>
+                        <p:cond delay="indefinite"/>
+                      </p:stCondLst>
+                      <p:childTnLst>
+                        <p:par>
+                          <p:cTn id="30" fill="hold">
+                            <p:stCondLst>
+                              <p:cond delay="0"/>
+                            </p:stCondLst>
+                            <p:childTnLst>
+                              <p:par>
+                                <p:cTn id="31" presetID="22" presetClass="entr" presetSubtype="1" fill="hold" nodeType="clickEffect">
+                                  <p:stCondLst>
+                                    <p:cond delay="0"/>
+                                  </p:stCondLst>
+                                  <p:childTnLst>
+                                    <p:set>
+                                      <p:cBhvr>
+                                        <p:cTn id="32" dur="1" fill="hold">
+                                          <p:stCondLst>
+                                            <p:cond delay="0"/>
+                                          </p:stCondLst>
+                                        </p:cTn>
+                                        <p:tgtEl>
+                                          <p:spTgt spid="11"/>
+                                        </p:tgtEl>
+                                        <p:attrNameLst>
+                                          <p:attrName>style.visibility</p:attrName>
+                                        </p:attrNameLst>
+                                      </p:cBhvr>
+                                      <p:to>
+                                        <p:strVal val="visible"/>
+                                      </p:to>
+                                    </p:set>
+                                    <p:animEffect transition="in" filter="wipe(up)">
+                                      <p:cBhvr>
+                                        <p:cTn id="33" dur="500"/>
+                                        <p:tgtEl>
+                                          <p:spTgt spid="11"/>
+                                        </p:tgtEl>
+                                      </p:cBhvr>
+                                    </p:animEffect>
+                                  </p:childTnLst>
+                                </p:cTn>
+                              </p:par>
+                            </p:childTnLst>
+                          </p:cTn>
+                        </p:par>
+                      </p:childTnLst>
+                    </p:cTn>
+                  </p:par>
+                  <p:par>
+                    <p:cTn id="34" fill="hold">
+                      <p:stCondLst>
+                        <p:cond delay="indefinite"/>
+                      </p:stCondLst>
+                      <p:childTnLst>
+                        <p:par>
+                          <p:cTn id="35" fill="hold">
+                            <p:stCondLst>
+                              <p:cond delay="0"/>
+                            </p:stCondLst>
+                            <p:childTnLst>
+                              <p:par>
+                                <p:cTn id="36" presetID="22" presetClass="entr" presetSubtype="1" fill="hold" nodeType="clickEffect">
+                                  <p:stCondLst>
+                                    <p:cond delay="0"/>
+                                  </p:stCondLst>
+                                  <p:childTnLst>
+                                    <p:set>
+                                      <p:cBhvr>
+                                        <p:cTn id="37" dur="1" fill="hold">
+                                          <p:stCondLst>
+                                            <p:cond delay="0"/>
+                                          </p:stCondLst>
+                                        </p:cTn>
+                                        <p:tgtEl>
+                                          <p:spTgt spid="9"/>
+                                        </p:tgtEl>
+                                        <p:attrNameLst>
+                                          <p:attrName>style.visibility</p:attrName>
+                                        </p:attrNameLst>
+                                      </p:cBhvr>
+                                      <p:to>
+                                        <p:strVal val="visible"/>
+                                      </p:to>
+                                    </p:set>
+                                    <p:animEffect transition="in" filter="wipe(up)">
+                                      <p:cBhvr>
+                                        <p:cTn id="38" dur="500"/>
+                                        <p:tgtEl>
+                                          <p:spTgt spid="9"/>
+                                        </p:tgtEl>
+                                      </p:cBhvr>
+                                    </p:animEffect>
+                                  </p:childTnLst>
+                                </p:cTn>
+                              </p:par>
+                            </p:childTnLst>
+                          </p:cTn>
+                        </p:par>
+                      </p:childTnLst>
+                    </p:cTn>
+                  </p:par>
+                  <p:par>
+                    <p:cTn id="39" fill="hold">
+                      <p:stCondLst>
+                        <p:cond delay="indefinite"/>
+                      </p:stCondLst>
+                      <p:childTnLst>
+                        <p:par>
+                          <p:cTn id="40" fill="hold">
+                            <p:stCondLst>
+                              <p:cond delay="0"/>
+                            </p:stCondLst>
+                            <p:childTnLst>
+                              <p:par>
+                                <p:cTn id="41" presetID="22" presetClass="entr" presetSubtype="1" fill="hold" grpId="0" nodeType="clickEffect">
+                                  <p:stCondLst>
+                                    <p:cond delay="0"/>
+                                  </p:stCondLst>
+                                  <p:childTnLst>
+                                    <p:set>
+                                      <p:cBhvr>
+                                        <p:cTn id="42" dur="1" fill="hold">
+                                          <p:stCondLst>
+                                            <p:cond delay="0"/>
+                                          </p:stCondLst>
+                                        </p:cTn>
+                                        <p:tgtEl>
+                                          <p:spTgt spid="15"/>
+                                        </p:tgtEl>
+                                        <p:attrNameLst>
+                                          <p:attrName>style.visibility</p:attrName>
+                                        </p:attrNameLst>
+                                      </p:cBhvr>
+                                      <p:to>
+                                        <p:strVal val="visible"/>
+                                      </p:to>
+                                    </p:set>
+                                    <p:animEffect transition="in" filter="wipe(up)">
+                                      <p:cBhvr>
+                                        <p:cTn id="43" dur="500"/>
+                                        <p:tgtEl>
+                                          <p:spTgt spid="15"/>
+                                        </p:tgtEl>
+                                      </p:cBhvr>
+                                    </p:animEffect>
+                                  </p:childTnLst>
+                                </p:cTn>
+                              </p:par>
+                              <p:par>
+                                <p:cTn id="44" presetID="22" presetClass="entr" presetSubtype="1" fill="hold" grpId="0" nodeType="withEffect">
+                                  <p:stCondLst>
+                                    <p:cond delay="0"/>
+                                  </p:stCondLst>
+                                  <p:childTnLst>
+                                    <p:set>
+                                      <p:cBhvr>
+                                        <p:cTn id="45" dur="1" fill="hold">
+                                          <p:stCondLst>
+                                            <p:cond delay="0"/>
+                                          </p:stCondLst>
+                                        </p:cTn>
+                                        <p:tgtEl>
+                                          <p:spTgt spid="14"/>
+                                        </p:tgtEl>
+                                        <p:attrNameLst>
+                                          <p:attrName>style.visibility</p:attrName>
+                                        </p:attrNameLst>
+                                      </p:cBhvr>
+                                      <p:to>
+                                        <p:strVal val="visible"/>
+                                      </p:to>
+                                    </p:set>
+                                    <p:animEffect transition="in" filter="wipe(up)">
+                                      <p:cBhvr>
+                                        <p:cTn id="46" dur="500"/>
+                                        <p:tgtEl>
+                                          <p:spTgt spid="14"/>
+                                        </p:tgtEl>
+                                      </p:cBhvr>
+                                    </p:animEffect>
+                                  </p:childTnLst>
+                                </p:cTn>
+                              </p:par>
+                            </p:childTnLst>
+                          </p:cTn>
+                        </p:par>
+                      </p:childTnLst>
+                    </p:cTn>
+                  </p:par>
+                  <p:par>
+                    <p:cTn id="47" fill="hold">
+                      <p:stCondLst>
+                        <p:cond delay="indefinite"/>
+                      </p:stCondLst>
+                      <p:childTnLst>
+                        <p:par>
+                          <p:cTn id="48" fill="hold">
+                            <p:stCondLst>
+                              <p:cond delay="0"/>
+                            </p:stCondLst>
+                            <p:childTnLst>
+                              <p:par>
+                                <p:cTn id="49" presetID="22" presetClass="entr" presetSubtype="1" fill="hold" grpId="0" nodeType="clickEffect">
+                                  <p:stCondLst>
+                                    <p:cond delay="0"/>
+                                  </p:stCondLst>
+                                  <p:childTnLst>
+                                    <p:set>
+                                      <p:cBhvr>
+                                        <p:cTn id="50" dur="1" fill="hold">
+                                          <p:stCondLst>
+                                            <p:cond delay="0"/>
+                                          </p:stCondLst>
+                                        </p:cTn>
+                                        <p:tgtEl>
+                                          <p:spTgt spid="18"/>
+                                        </p:tgtEl>
+                                        <p:attrNameLst>
+                                          <p:attrName>style.visibility</p:attrName>
+                                        </p:attrNameLst>
+                                      </p:cBhvr>
+                                      <p:to>
+                                        <p:strVal val="visible"/>
+                                      </p:to>
+                                    </p:set>
+                                    <p:animEffect transition="in" filter="wipe(up)">
+                                      <p:cBhvr>
+                                        <p:cTn id="51" dur="500"/>
+                                        <p:tgtEl>
+                                          <p:spTgt spid="18"/>
+                                        </p:tgtEl>
+                                      </p:cBhvr>
+                                    </p:animEffect>
+                                  </p:childTnLst>
+                                </p:cTn>
+                              </p:par>
+                              <p:par>
+                                <p:cTn id="52" presetID="22" presetClass="entr" presetSubtype="1" fill="hold" grpId="0" nodeType="withEffect">
+                                  <p:stCondLst>
+                                    <p:cond delay="0"/>
+                                  </p:stCondLst>
+                                  <p:childTnLst>
+                                    <p:set>
+                                      <p:cBhvr>
+                                        <p:cTn id="53" dur="1" fill="hold">
+                                          <p:stCondLst>
+                                            <p:cond delay="0"/>
+                                          </p:stCondLst>
+                                        </p:cTn>
+                                        <p:tgtEl>
+                                          <p:spTgt spid="17"/>
+                                        </p:tgtEl>
+                                        <p:attrNameLst>
+                                          <p:attrName>style.visibility</p:attrName>
+                                        </p:attrNameLst>
+                                      </p:cBhvr>
+                                      <p:to>
+                                        <p:strVal val="visible"/>
+                                      </p:to>
+                                    </p:set>
+                                    <p:animEffect transition="in" filter="wipe(up)">
+                                      <p:cBhvr>
+                                        <p:cTn id="54" dur="500"/>
+                                        <p:tgtEl>
+                                          <p:spTgt spid="17"/>
+                                        </p:tgtEl>
+                                      </p:cBhvr>
+                                    </p:animEffect>
+                                  </p:childTnLst>
+                                </p:cTn>
+                              </p:par>
+                            </p:childTnLst>
+                          </p:cTn>
+                        </p:par>
+                      </p:childTnLst>
+                    </p:cTn>
+                  </p:par>
+                  <p:par>
+                    <p:cTn id="55" fill="hold">
+                      <p:stCondLst>
+                        <p:cond delay="indefinite"/>
+                      </p:stCondLst>
+                      <p:childTnLst>
+                        <p:par>
+                          <p:cTn id="56" fill="hold">
+                            <p:stCondLst>
+                              <p:cond delay="0"/>
+                            </p:stCondLst>
+                            <p:childTnLst>
+                              <p:par>
+                                <p:cTn id="57" presetID="22" presetClass="entr" presetSubtype="8" fill="hold" nodeType="clickEffect">
+                                  <p:stCondLst>
+                                    <p:cond delay="0"/>
+                                  </p:stCondLst>
+                                  <p:childTnLst>
+                                    <p:set>
+                                      <p:cBhvr>
+                                        <p:cTn id="58" dur="1" fill="hold">
+                                          <p:stCondLst>
+                                            <p:cond delay="0"/>
+                                          </p:stCondLst>
+                                        </p:cTn>
+                                        <p:tgtEl>
+                                          <p:spTgt spid="20"/>
+                                        </p:tgtEl>
+                                        <p:attrNameLst>
+                                          <p:attrName>style.visibility</p:attrName>
+                                        </p:attrNameLst>
+                                      </p:cBhvr>
+                                      <p:to>
+                                        <p:strVal val="visible"/>
+                                      </p:to>
+                                    </p:set>
+                                    <p:animEffect transition="in" filter="wipe(left)">
+                                      <p:cBhvr>
+                                        <p:cTn id="59" dur="500"/>
+                                        <p:tgtEl>
+                                          <p:spTgt spid="20"/>
+                                        </p:tgtEl>
+                                      </p:cBhvr>
+                                    </p:animEffect>
+                                  </p:childTnLst>
+                                </p:cTn>
+                              </p:par>
+                            </p:childTnLst>
+                          </p:cTn>
+                        </p:par>
+                        <p:par>
+                          <p:cTn id="60" fill="hold">
+                            <p:stCondLst>
+                              <p:cond delay="500"/>
+                            </p:stCondLst>
+                            <p:childTnLst>
+                              <p:par>
+                                <p:cTn id="61" presetID="22" presetClass="entr" presetSubtype="8" fill="hold" grpId="0" nodeType="afterEffect">
+                                  <p:stCondLst>
+                                    <p:cond delay="0"/>
+                                  </p:stCondLst>
+                                  <p:childTnLst>
+                                    <p:set>
+                                      <p:cBhvr>
+                                        <p:cTn id="62" dur="1" fill="hold">
+                                          <p:stCondLst>
+                                            <p:cond delay="0"/>
+                                          </p:stCondLst>
+                                        </p:cTn>
+                                        <p:tgtEl>
+                                          <p:spTgt spid="25"/>
+                                        </p:tgtEl>
+                                        <p:attrNameLst>
+                                          <p:attrName>style.visibility</p:attrName>
+                                        </p:attrNameLst>
+                                      </p:cBhvr>
+                                      <p:to>
+                                        <p:strVal val="visible"/>
+                                      </p:to>
+                                    </p:set>
+                                    <p:animEffect transition="in" filter="wipe(left)">
+                                      <p:cBhvr>
+                                        <p:cTn id="63" dur="500"/>
+                                        <p:tgtEl>
+                                          <p:spTgt spid="25"/>
+                                        </p:tgtEl>
+                                      </p:cBhvr>
+                                    </p:animEffect>
+                                  </p:childTnLst>
+                                </p:cTn>
+                              </p:par>
+                            </p:childTnLst>
+                          </p:cTn>
+                        </p:par>
+                      </p:childTnLst>
+                    </p:cTn>
+                  </p:par>
+                  <p:par>
+                    <p:cTn id="64" fill="hold">
+                      <p:stCondLst>
+                        <p:cond delay="indefinite"/>
+                      </p:stCondLst>
+                      <p:childTnLst>
+                        <p:par>
+                          <p:cTn id="65" fill="hold">
+                            <p:stCondLst>
+                              <p:cond delay="0"/>
+                            </p:stCondLst>
+                            <p:childTnLst>
+                              <p:par>
+                                <p:cTn id="66" presetID="22" presetClass="entr" presetSubtype="8" fill="hold" nodeType="clickEffect">
+                                  <p:stCondLst>
+                                    <p:cond delay="0"/>
+                                  </p:stCondLst>
+                                  <p:childTnLst>
+                                    <p:set>
+                                      <p:cBhvr>
+                                        <p:cTn id="67" dur="1" fill="hold">
+                                          <p:stCondLst>
+                                            <p:cond delay="0"/>
+                                          </p:stCondLst>
+                                        </p:cTn>
+                                        <p:tgtEl>
+                                          <p:spTgt spid="27"/>
+                                        </p:tgtEl>
+                                        <p:attrNameLst>
+                                          <p:attrName>style.visibility</p:attrName>
+                                        </p:attrNameLst>
+                                      </p:cBhvr>
+                                      <p:to>
+                                        <p:strVal val="visible"/>
+                                      </p:to>
+                                    </p:set>
+                                    <p:animEffect transition="in" filter="wipe(left)">
+                                      <p:cBhvr>
+                                        <p:cTn id="68" dur="500"/>
+                                        <p:tgtEl>
+                                          <p:spTgt spid="27"/>
+                                        </p:tgtEl>
+                                      </p:cBhvr>
+                                    </p:animEffect>
+                                  </p:childTnLst>
+                                </p:cTn>
+                              </p:par>
+                            </p:childTnLst>
+                          </p:cTn>
+                        </p:par>
+                        <p:par>
+                          <p:cTn id="69" fill="hold">
+                            <p:stCondLst>
+                              <p:cond delay="500"/>
+                            </p:stCondLst>
+                            <p:childTnLst>
+                              <p:par>
+                                <p:cTn id="70" presetID="22" presetClass="entr" presetSubtype="8" fill="hold" grpId="0" nodeType="afterEffect">
+                                  <p:stCondLst>
+                                    <p:cond delay="0"/>
+                                  </p:stCondLst>
+                                  <p:childTnLst>
+                                    <p:set>
+                                      <p:cBhvr>
+                                        <p:cTn id="71" dur="1" fill="hold">
+                                          <p:stCondLst>
+                                            <p:cond delay="0"/>
+                                          </p:stCondLst>
+                                        </p:cTn>
+                                        <p:tgtEl>
+                                          <p:spTgt spid="26"/>
+                                        </p:tgtEl>
+                                        <p:attrNameLst>
+                                          <p:attrName>style.visibility</p:attrName>
+                                        </p:attrNameLst>
+                                      </p:cBhvr>
+                                      <p:to>
+                                        <p:strVal val="visible"/>
+                                      </p:to>
+                                    </p:set>
+                                    <p:animEffect transition="in" filter="wipe(left)">
+                                      <p:cBhvr>
+                                        <p:cTn id="72" dur="500"/>
+                                        <p:tgtEl>
+                                          <p:spTgt spid="26"/>
+                                        </p:tgtEl>
+                                      </p:cBhvr>
+                                    </p:animEffect>
+                                  </p:childTnLst>
+                                </p:cTn>
+                              </p:par>
+                            </p:childTnLst>
+                          </p:cTn>
+                        </p:par>
+                      </p:childTnLst>
+                    </p:cTn>
+                  </p:par>
+                  <p:par>
+                    <p:cTn id="73" fill="hold">
+                      <p:stCondLst>
+                        <p:cond delay="indefinite"/>
+                      </p:stCondLst>
+                      <p:childTnLst>
+                        <p:par>
+                          <p:cTn id="74" fill="hold">
+                            <p:stCondLst>
+                              <p:cond delay="0"/>
+                            </p:stCondLst>
+                            <p:childTnLst>
+                              <p:par>
+                                <p:cTn id="75" presetID="22" presetClass="entr" presetSubtype="8" fill="hold" nodeType="clickEffect">
+                                  <p:stCondLst>
+                                    <p:cond delay="0"/>
+                                  </p:stCondLst>
+                                  <p:childTnLst>
+                                    <p:set>
+                                      <p:cBhvr>
+                                        <p:cTn id="76" dur="1" fill="hold">
+                                          <p:stCondLst>
+                                            <p:cond delay="0"/>
+                                          </p:stCondLst>
+                                        </p:cTn>
+                                        <p:tgtEl>
+                                          <p:spTgt spid="44"/>
+                                        </p:tgtEl>
+                                        <p:attrNameLst>
+                                          <p:attrName>style.visibility</p:attrName>
+                                        </p:attrNameLst>
+                                      </p:cBhvr>
+                                      <p:to>
+                                        <p:strVal val="visible"/>
+                                      </p:to>
+                                    </p:set>
+                                    <p:animEffect transition="in" filter="wipe(left)">
+                                      <p:cBhvr>
+                                        <p:cTn id="77" dur="500"/>
+                                        <p:tgtEl>
+                                          <p:spTgt spid="44"/>
+                                        </p:tgtEl>
+                                      </p:cBhvr>
+                                    </p:animEffect>
+                                  </p:childTnLst>
+                                </p:cTn>
+                              </p:par>
+                            </p:childTnLst>
+                          </p:cTn>
+                        </p:par>
+                        <p:par>
+                          <p:cTn id="78" fill="hold">
+                            <p:stCondLst>
+                              <p:cond delay="500"/>
+                            </p:stCondLst>
+                            <p:childTnLst>
+                              <p:par>
+                                <p:cTn id="79" presetID="22" presetClass="entr" presetSubtype="8" fill="hold" grpId="0" nodeType="afterEffect">
+                                  <p:stCondLst>
+                                    <p:cond delay="0"/>
+                                  </p:stCondLst>
+                                  <p:childTnLst>
+                                    <p:set>
+                                      <p:cBhvr>
+                                        <p:cTn id="80" dur="1" fill="hold">
+                                          <p:stCondLst>
+                                            <p:cond delay="0"/>
+                                          </p:stCondLst>
+                                        </p:cTn>
+                                        <p:tgtEl>
+                                          <p:spTgt spid="43"/>
+                                        </p:tgtEl>
+                                        <p:attrNameLst>
+                                          <p:attrName>style.visibility</p:attrName>
+                                        </p:attrNameLst>
+                                      </p:cBhvr>
+                                      <p:to>
+                                        <p:strVal val="visible"/>
+                                      </p:to>
+                                    </p:set>
+                                    <p:animEffect transition="in" filter="wipe(left)">
+                                      <p:cBhvr>
+                                        <p:cTn id="81" dur="500"/>
+                                        <p:tgtEl>
+                                          <p:spTgt spid="43"/>
+                                        </p:tgtEl>
+                                      </p:cBhvr>
+                                    </p:animEffect>
+                                  </p:childTnLst>
+                                </p:cTn>
+                              </p:par>
+                            </p:childTnLst>
+                          </p:cTn>
+                        </p:par>
+                      </p:childTnLst>
+                    </p:cTn>
+                  </p:par>
+                  <p:par>
+                    <p:cTn id="82" fill="hold">
+                      <p:stCondLst>
+                        <p:cond delay="indefinite"/>
+                      </p:stCondLst>
+                      <p:childTnLst>
+                        <p:par>
+                          <p:cTn id="83" fill="hold">
+                            <p:stCondLst>
+                              <p:cond delay="0"/>
+                            </p:stCondLst>
+                            <p:childTnLst>
+                              <p:par>
+                                <p:cTn id="84" presetID="22" presetClass="entr" presetSubtype="8" fill="hold" nodeType="clickEffect">
+                                  <p:stCondLst>
+                                    <p:cond delay="0"/>
+                                  </p:stCondLst>
+                                  <p:childTnLst>
+                                    <p:set>
+                                      <p:cBhvr>
+                                        <p:cTn id="85" dur="1" fill="hold">
+                                          <p:stCondLst>
+                                            <p:cond delay="0"/>
+                                          </p:stCondLst>
+                                        </p:cTn>
+                                        <p:tgtEl>
+                                          <p:spTgt spid="41"/>
+                                        </p:tgtEl>
+                                        <p:attrNameLst>
+                                          <p:attrName>style.visibility</p:attrName>
+                                        </p:attrNameLst>
+                                      </p:cBhvr>
+                                      <p:to>
+                                        <p:strVal val="visible"/>
+                                      </p:to>
+                                    </p:set>
+                                    <p:animEffect transition="in" filter="wipe(left)">
+                                      <p:cBhvr>
+                                        <p:cTn id="86" dur="500"/>
+                                        <p:tgtEl>
+                                          <p:spTgt spid="41"/>
+                                        </p:tgtEl>
+                                      </p:cBhvr>
+                                    </p:animEffect>
+                                  </p:childTnLst>
+                                </p:cTn>
+                              </p:par>
+                            </p:childTnLst>
+                          </p:cTn>
+                        </p:par>
+                        <p:par>
+                          <p:cTn id="87" fill="hold">
+                            <p:stCondLst>
+                              <p:cond delay="500"/>
+                            </p:stCondLst>
+                            <p:childTnLst>
+                              <p:par>
+                                <p:cTn id="88" presetID="22" presetClass="entr" presetSubtype="8" fill="hold" nodeType="afterEffect">
+                                  <p:stCondLst>
+                                    <p:cond delay="0"/>
+                                  </p:stCondLst>
+                                  <p:childTnLst>
+                                    <p:set>
+                                      <p:cBhvr>
+                                        <p:cTn id="89" dur="1" fill="hold">
+                                          <p:stCondLst>
+                                            <p:cond delay="0"/>
+                                          </p:stCondLst>
+                                        </p:cTn>
+                                        <p:tgtEl>
+                                          <p:spTgt spid="39"/>
+                                        </p:tgtEl>
+                                        <p:attrNameLst>
+                                          <p:attrName>style.visibility</p:attrName>
+                                        </p:attrNameLst>
+                                      </p:cBhvr>
+                                      <p:to>
+                                        <p:strVal val="visible"/>
+                                      </p:to>
+                                    </p:set>
+                                    <p:animEffect transition="in" filter="wipe(left)">
+                                      <p:cBhvr>
+                                        <p:cTn id="90" dur="500"/>
+                                        <p:tgtEl>
+                                          <p:spTgt spid="39"/>
+                                        </p:tgtEl>
+                                      </p:cBhvr>
+                                    </p:animEffect>
+                                  </p:childTnLst>
+                                </p:cTn>
+                              </p:par>
+                            </p:childTnLst>
+                          </p:cTn>
+                        </p:par>
+                        <p:par>
+                          <p:cTn id="91" fill="hold">
+                            <p:stCondLst>
+                              <p:cond delay="1000"/>
+                            </p:stCondLst>
+                            <p:childTnLst>
+                              <p:par>
+                                <p:cTn id="92" presetID="22" presetClass="entr" presetSubtype="8" fill="hold" nodeType="afterEffect">
+                                  <p:stCondLst>
+                                    <p:cond delay="0"/>
+                                  </p:stCondLst>
+                                  <p:childTnLst>
+                                    <p:set>
+                                      <p:cBhvr>
+                                        <p:cTn id="93" dur="1" fill="hold">
+                                          <p:stCondLst>
+                                            <p:cond delay="0"/>
+                                          </p:stCondLst>
+                                        </p:cTn>
+                                        <p:tgtEl>
+                                          <p:spTgt spid="40"/>
+                                        </p:tgtEl>
+                                        <p:attrNameLst>
+                                          <p:attrName>style.visibility</p:attrName>
+                                        </p:attrNameLst>
+                                      </p:cBhvr>
+                                      <p:to>
+                                        <p:strVal val="visible"/>
+                                      </p:to>
+                                    </p:set>
+                                    <p:animEffect transition="in" filter="wipe(left)">
+                                      <p:cBhvr>
+                                        <p:cTn id="94" dur="500"/>
+                                        <p:tgtEl>
+                                          <p:spTgt spid="40"/>
+                                        </p:tgtEl>
+                                      </p:cBhvr>
+                                    </p:animEffect>
+                                  </p:childTnLst>
+                                </p:cTn>
+                              </p:par>
+                            </p:childTnLst>
+                          </p:cTn>
+                        </p:par>
+                        <p:par>
+                          <p:cTn id="95" fill="hold">
+                            <p:stCondLst>
+                              <p:cond delay="1500"/>
+                            </p:stCondLst>
+                            <p:childTnLst>
+                              <p:par>
+                                <p:cTn id="96" presetID="22" presetClass="entr" presetSubtype="8" fill="hold" nodeType="afterEffect">
+                                  <p:stCondLst>
+                                    <p:cond delay="0"/>
+                                  </p:stCondLst>
+                                  <p:childTnLst>
+                                    <p:set>
+                                      <p:cBhvr>
+                                        <p:cTn id="97" dur="1" fill="hold">
+                                          <p:stCondLst>
+                                            <p:cond delay="0"/>
+                                          </p:stCondLst>
+                                        </p:cTn>
+                                        <p:tgtEl>
+                                          <p:spTgt spid="42"/>
+                                        </p:tgtEl>
+                                        <p:attrNameLst>
+                                          <p:attrName>style.visibility</p:attrName>
+                                        </p:attrNameLst>
+                                      </p:cBhvr>
+                                      <p:to>
+                                        <p:strVal val="visible"/>
+                                      </p:to>
+                                    </p:set>
+                                    <p:animEffect transition="in" filter="wipe(left)">
+                                      <p:cBhvr>
+                                        <p:cTn id="98" dur="500"/>
+                                        <p:tgtEl>
+                                          <p:spTgt spid="42"/>
+                                        </p:tgtEl>
+                                      </p:cBhvr>
+                                    </p:animEffect>
                                   </p:childTnLst>
                                 </p:cTn>
                               </p:par>
@@ -8243,6 +9651,1333 @@
             </p:seq>
           </p:childTnLst>
         </p:cTn>
+      </p:par>
+    </p:tnLst>
+    <p:bldLst>
+      <p:bldP spid="3" grpId="0" build="p"/>
+      <p:bldP spid="12" grpId="0"/>
+      <p:bldP spid="8" grpId="0"/>
+      <p:bldP spid="13" grpId="0"/>
+      <p:bldP spid="14" grpId="0"/>
+      <p:bldP spid="15" grpId="0"/>
+      <p:bldP spid="16" grpId="0"/>
+      <p:bldP spid="17" grpId="0"/>
+      <p:bldP spid="18" grpId="0"/>
+      <p:bldP spid="25" grpId="0"/>
+      <p:bldP spid="26" grpId="0"/>
+      <p:bldP spid="43" grpId="0"/>
+    </p:bldLst>
+  </p:timing>
+</p:sld>
+</file>
+
+<file path=ppt/slides/slide5.xml><?xml version="1.0" encoding="utf-8"?>
+<p:sld xmlns:a="http://schemas.openxmlformats.org/drawingml/2006/main" xmlns:r="http://schemas.openxmlformats.org/officeDocument/2006/relationships" xmlns:p="http://schemas.openxmlformats.org/presentationml/2006/main">
+  <p:cSld>
+    <p:spTree>
+      <p:nvGrpSpPr>
+        <p:cNvPr id="1" name=""/>
+        <p:cNvGrpSpPr/>
+        <p:nvPr/>
+      </p:nvGrpSpPr>
+      <p:grpSpPr>
+        <a:xfrm>
+          <a:off x="0" y="0"/>
+          <a:ext cx="0" cy="0"/>
+          <a:chOff x="0" y="0"/>
+          <a:chExt cx="0" cy="0"/>
+        </a:xfrm>
+      </p:grpSpPr>
+      <p:sp>
+        <p:nvSpPr>
+          <p:cNvPr id="2" name="Title 1"/>
+          <p:cNvSpPr>
+            <a:spLocks noGrp="1"/>
+          </p:cNvSpPr>
+          <p:nvPr>
+            <p:ph type="title"/>
+          </p:nvPr>
+        </p:nvSpPr>
+        <p:spPr/>
+        <p:txBody>
+          <a:bodyPr/>
+          <a:lstStyle/>
+          <a:p>
+            <a:r>
+              <a:rPr lang="en-US" dirty="0" smtClean="0"/>
+              <a:t>Background</a:t>
+            </a:r>
+            <a:endParaRPr lang="en-GB" dirty="0"/>
+          </a:p>
+        </p:txBody>
+      </p:sp>
+      <p:pic>
+        <p:nvPicPr>
+          <p:cNvPr id="7" name="Picture Placeholder 6"/>
+          <p:cNvPicPr>
+            <a:picLocks noGrp="1" noChangeAspect="1"/>
+          </p:cNvPicPr>
+          <p:nvPr>
+            <p:ph type="pic" idx="1"/>
+          </p:nvPr>
+        </p:nvPicPr>
+        <p:blipFill>
+          <a:blip r:embed="rId2">
+            <a:extLst>
+              <a:ext uri="{28A0092B-C50C-407E-A947-70E740481C1C}">
+                <a14:useLocalDpi xmlns:a14="http://schemas.microsoft.com/office/drawing/2010/main" val="0"/>
+              </a:ext>
+            </a:extLst>
+          </a:blip>
+          <a:srcRect t="22472" b="22472"/>
+          <a:stretch>
+            <a:fillRect/>
+          </a:stretch>
+        </p:blipFill>
+        <p:spPr/>
+      </p:pic>
+      <p:sp>
+        <p:nvSpPr>
+          <p:cNvPr id="6" name="Text Placeholder 5"/>
+          <p:cNvSpPr>
+            <a:spLocks noGrp="1"/>
+          </p:cNvSpPr>
+          <p:nvPr>
+            <p:ph type="body" sz="half" idx="2"/>
+          </p:nvPr>
+        </p:nvSpPr>
+        <p:spPr/>
+        <p:txBody>
+          <a:bodyPr>
+            <a:normAutofit/>
+          </a:bodyPr>
+          <a:lstStyle/>
+          <a:p>
+            <a:r>
+              <a:rPr lang="en-US" sz="3200" dirty="0" smtClean="0"/>
+              <a:t>With 20 people, the possibility of trips enormous. </a:t>
+            </a:r>
+          </a:p>
+          <a:p>
+            <a:endParaRPr lang="en-GB" sz="2400" dirty="0"/>
+          </a:p>
+        </p:txBody>
+      </p:sp>
+      <p:graphicFrame>
+        <p:nvGraphicFramePr>
+          <p:cNvPr id="4" name="Table 3"/>
+          <p:cNvGraphicFramePr>
+            <a:graphicFrameLocks noGrp="1"/>
+          </p:cNvGraphicFramePr>
+          <p:nvPr>
+            <p:extLst>
+              <p:ext uri="{D42A27DB-BD31-4B8C-83A1-F6EECF244321}">
+                <p14:modId xmlns:p14="http://schemas.microsoft.com/office/powerpoint/2010/main" val="2257432803"/>
+              </p:ext>
+            </p:extLst>
+          </p:nvPr>
+        </p:nvGraphicFramePr>
+        <p:xfrm>
+          <a:off x="0" y="6487160"/>
+          <a:ext cx="11397675" cy="370840"/>
+        </p:xfrm>
+        <a:graphic>
+          <a:graphicData uri="http://schemas.openxmlformats.org/drawingml/2006/table">
+            <a:tbl>
+              <a:tblPr firstRow="1" bandRow="1">
+                <a:tableStyleId>{5C22544A-7EE6-4342-B048-85BDC9FD1C3A}</a:tableStyleId>
+              </a:tblPr>
+              <a:tblGrid>
+                <a:gridCol w="2279535">
+                  <a:extLst>
+                    <a:ext uri="{9D8B030D-6E8A-4147-A177-3AD203B41FA5}">
+                      <a16:colId xmlns:a16="http://schemas.microsoft.com/office/drawing/2014/main" val="1650481923"/>
+                    </a:ext>
+                  </a:extLst>
+                </a:gridCol>
+                <a:gridCol w="2279535">
+                  <a:extLst>
+                    <a:ext uri="{9D8B030D-6E8A-4147-A177-3AD203B41FA5}">
+                      <a16:colId xmlns:a16="http://schemas.microsoft.com/office/drawing/2014/main" val="363490094"/>
+                    </a:ext>
+                  </a:extLst>
+                </a:gridCol>
+                <a:gridCol w="2279535">
+                  <a:extLst>
+                    <a:ext uri="{9D8B030D-6E8A-4147-A177-3AD203B41FA5}">
+                      <a16:colId xmlns:a16="http://schemas.microsoft.com/office/drawing/2014/main" val="2961371462"/>
+                    </a:ext>
+                  </a:extLst>
+                </a:gridCol>
+                <a:gridCol w="2279535">
+                  <a:extLst>
+                    <a:ext uri="{9D8B030D-6E8A-4147-A177-3AD203B41FA5}">
+                      <a16:colId xmlns:a16="http://schemas.microsoft.com/office/drawing/2014/main" val="1073095120"/>
+                    </a:ext>
+                  </a:extLst>
+                </a:gridCol>
+                <a:gridCol w="2279535">
+                  <a:extLst>
+                    <a:ext uri="{9D8B030D-6E8A-4147-A177-3AD203B41FA5}">
+                      <a16:colId xmlns:a16="http://schemas.microsoft.com/office/drawing/2014/main" val="1682139684"/>
+                    </a:ext>
+                  </a:extLst>
+                </a:gridCol>
+              </a:tblGrid>
+              <a:tr h="370840">
+                <a:tc>
+                  <a:txBody>
+                    <a:bodyPr/>
+                    <a:lstStyle/>
+                    <a:p>
+                      <a:r>
+                        <a:rPr lang="en-US" sz="1400" dirty="0" smtClean="0">
+                          <a:solidFill>
+                            <a:schemeClr val="bg1"/>
+                          </a:solidFill>
+                        </a:rPr>
+                        <a:t>Executive</a:t>
+                      </a:r>
+                      <a:r>
+                        <a:rPr lang="en-US" sz="1400" baseline="0" dirty="0" smtClean="0">
+                          <a:solidFill>
+                            <a:schemeClr val="bg1"/>
+                          </a:solidFill>
+                        </a:rPr>
+                        <a:t> Summary</a:t>
+                      </a:r>
+                      <a:endParaRPr lang="en-GB" sz="1400" dirty="0">
+                        <a:solidFill>
+                          <a:schemeClr val="bg1"/>
+                        </a:solidFill>
+                      </a:endParaRPr>
+                    </a:p>
+                  </a:txBody>
+                  <a:tcPr>
+                    <a:lnL w="12700" cmpd="sng">
+                      <a:noFill/>
+                    </a:lnL>
+                    <a:lnR w="12700" cap="flat" cmpd="sng" algn="ctr">
+                      <a:solidFill>
+                        <a:schemeClr val="bg1"/>
+                      </a:solidFill>
+                      <a:prstDash val="solid"/>
+                      <a:round/>
+                      <a:headEnd type="none" w="med" len="med"/>
+                      <a:tailEnd type="none" w="med" len="med"/>
+                    </a:lnR>
+                    <a:lnT w="12700" cmpd="sng">
+                      <a:noFill/>
+                    </a:lnT>
+                    <a:lnB w="38100" cmpd="sng">
+                      <a:noFill/>
+                    </a:lnB>
+                    <a:lnTlToBr w="12700" cmpd="sng">
+                      <a:noFill/>
+                      <a:prstDash val="solid"/>
+                    </a:lnTlToBr>
+                    <a:lnBlToTr w="12700" cmpd="sng">
+                      <a:noFill/>
+                      <a:prstDash val="solid"/>
+                    </a:lnBlToTr>
+                    <a:solidFill>
+                      <a:srgbClr val="6F8183"/>
+                    </a:solidFill>
+                  </a:tcPr>
+                </a:tc>
+                <a:tc>
+                  <a:txBody>
+                    <a:bodyPr/>
+                    <a:lstStyle/>
+                    <a:p>
+                      <a:r>
+                        <a:rPr lang="en-US" sz="1600" dirty="0" smtClean="0">
+                          <a:solidFill>
+                            <a:srgbClr val="6F8183"/>
+                          </a:solidFill>
+                        </a:rPr>
+                        <a:t>Background</a:t>
+                      </a:r>
+                      <a:endParaRPr lang="en-GB" sz="1600" dirty="0">
+                        <a:solidFill>
+                          <a:srgbClr val="6F8183"/>
+                        </a:solidFill>
+                      </a:endParaRPr>
+                    </a:p>
+                  </a:txBody>
+                  <a:tcPr>
+                    <a:lnL w="12700" cap="flat" cmpd="sng" algn="ctr">
+                      <a:solidFill>
+                        <a:schemeClr val="bg1"/>
+                      </a:solidFill>
+                      <a:prstDash val="solid"/>
+                      <a:round/>
+                      <a:headEnd type="none" w="med" len="med"/>
+                      <a:tailEnd type="none" w="med" len="med"/>
+                    </a:lnL>
+                    <a:lnR w="12700" cap="flat" cmpd="sng" algn="ctr">
+                      <a:solidFill>
+                        <a:schemeClr val="bg1"/>
+                      </a:solidFill>
+                      <a:prstDash val="solid"/>
+                      <a:round/>
+                      <a:headEnd type="none" w="med" len="med"/>
+                      <a:tailEnd type="none" w="med" len="med"/>
+                    </a:lnR>
+                    <a:lnT w="12700" cmpd="sng">
+                      <a:noFill/>
+                    </a:lnT>
+                    <a:lnB w="38100" cmpd="sng">
+                      <a:noFill/>
+                    </a:lnB>
+                    <a:lnTlToBr w="12700" cmpd="sng">
+                      <a:noFill/>
+                      <a:prstDash val="solid"/>
+                    </a:lnTlToBr>
+                    <a:lnBlToTr w="12700" cmpd="sng">
+                      <a:noFill/>
+                      <a:prstDash val="solid"/>
+                    </a:lnBlToTr>
+                    <a:solidFill>
+                      <a:srgbClr val="F1F3F3"/>
+                    </a:solidFill>
+                  </a:tcPr>
+                </a:tc>
+                <a:tc>
+                  <a:txBody>
+                    <a:bodyPr/>
+                    <a:lstStyle/>
+                    <a:p>
+                      <a:r>
+                        <a:rPr lang="en-US" sz="1600" dirty="0" smtClean="0"/>
+                        <a:t>Objective</a:t>
+                      </a:r>
+                      <a:endParaRPr lang="en-GB" sz="1600" dirty="0"/>
+                    </a:p>
+                  </a:txBody>
+                  <a:tcPr>
+                    <a:lnL w="12700" cap="flat" cmpd="sng" algn="ctr">
+                      <a:solidFill>
+                        <a:schemeClr val="bg1"/>
+                      </a:solidFill>
+                      <a:prstDash val="solid"/>
+                      <a:round/>
+                      <a:headEnd type="none" w="med" len="med"/>
+                      <a:tailEnd type="none" w="med" len="med"/>
+                    </a:lnL>
+                    <a:lnR w="12700" cap="flat" cmpd="sng" algn="ctr">
+                      <a:solidFill>
+                        <a:schemeClr val="bg1"/>
+                      </a:solidFill>
+                      <a:prstDash val="solid"/>
+                      <a:round/>
+                      <a:headEnd type="none" w="med" len="med"/>
+                      <a:tailEnd type="none" w="med" len="med"/>
+                    </a:lnR>
+                    <a:lnT w="12700" cmpd="sng">
+                      <a:noFill/>
+                    </a:lnT>
+                    <a:lnB w="38100" cmpd="sng">
+                      <a:noFill/>
+                    </a:lnB>
+                    <a:lnTlToBr w="12700" cmpd="sng">
+                      <a:noFill/>
+                      <a:prstDash val="solid"/>
+                    </a:lnTlToBr>
+                    <a:lnBlToTr w="12700" cmpd="sng">
+                      <a:noFill/>
+                      <a:prstDash val="solid"/>
+                    </a:lnBlToTr>
+                  </a:tcPr>
+                </a:tc>
+                <a:tc>
+                  <a:txBody>
+                    <a:bodyPr/>
+                    <a:lstStyle/>
+                    <a:p>
+                      <a:r>
+                        <a:rPr lang="en-US" sz="1600" dirty="0" smtClean="0"/>
+                        <a:t>Architecture</a:t>
+                      </a:r>
+                      <a:endParaRPr lang="en-GB" sz="1600" dirty="0"/>
+                    </a:p>
+                  </a:txBody>
+                  <a:tcPr>
+                    <a:lnL w="12700" cap="flat" cmpd="sng" algn="ctr">
+                      <a:solidFill>
+                        <a:schemeClr val="bg1"/>
+                      </a:solidFill>
+                      <a:prstDash val="solid"/>
+                      <a:round/>
+                      <a:headEnd type="none" w="med" len="med"/>
+                      <a:tailEnd type="none" w="med" len="med"/>
+                    </a:lnL>
+                    <a:lnR w="12700" cap="flat" cmpd="sng" algn="ctr">
+                      <a:solidFill>
+                        <a:schemeClr val="bg1"/>
+                      </a:solidFill>
+                      <a:prstDash val="solid"/>
+                      <a:round/>
+                      <a:headEnd type="none" w="med" len="med"/>
+                      <a:tailEnd type="none" w="med" len="med"/>
+                    </a:lnR>
+                    <a:lnT w="12700" cmpd="sng">
+                      <a:noFill/>
+                    </a:lnT>
+                    <a:lnB w="38100" cmpd="sng">
+                      <a:noFill/>
+                    </a:lnB>
+                    <a:lnTlToBr w="12700" cmpd="sng">
+                      <a:noFill/>
+                      <a:prstDash val="solid"/>
+                    </a:lnTlToBr>
+                    <a:lnBlToTr w="12700" cmpd="sng">
+                      <a:noFill/>
+                      <a:prstDash val="solid"/>
+                    </a:lnBlToTr>
+                  </a:tcPr>
+                </a:tc>
+                <a:tc>
+                  <a:txBody>
+                    <a:bodyPr/>
+                    <a:lstStyle/>
+                    <a:p>
+                      <a:r>
+                        <a:rPr lang="en-US" sz="1600" dirty="0" smtClean="0"/>
+                        <a:t>Core Code &amp; Demo</a:t>
+                      </a:r>
+                      <a:endParaRPr lang="en-GB" sz="1600" dirty="0"/>
+                    </a:p>
+                  </a:txBody>
+                  <a:tcPr>
+                    <a:lnL w="12700" cap="flat" cmpd="sng" algn="ctr">
+                      <a:solidFill>
+                        <a:schemeClr val="bg1"/>
+                      </a:solidFill>
+                      <a:prstDash val="solid"/>
+                      <a:round/>
+                      <a:headEnd type="none" w="med" len="med"/>
+                      <a:tailEnd type="none" w="med" len="med"/>
+                    </a:lnL>
+                    <a:lnR w="12700" cmpd="sng">
+                      <a:noFill/>
+                    </a:lnR>
+                    <a:lnT w="12700" cmpd="sng">
+                      <a:noFill/>
+                    </a:lnT>
+                    <a:lnB w="38100" cmpd="sng">
+                      <a:noFill/>
+                    </a:lnB>
+                    <a:lnTlToBr w="12700" cmpd="sng">
+                      <a:noFill/>
+                      <a:prstDash val="solid"/>
+                    </a:lnTlToBr>
+                    <a:lnBlToTr w="12700" cmpd="sng">
+                      <a:noFill/>
+                      <a:prstDash val="solid"/>
+                    </a:lnBlToTr>
+                  </a:tcPr>
+                </a:tc>
+                <a:extLst>
+                  <a:ext uri="{0D108BD9-81ED-4DB2-BD59-A6C34878D82A}">
+                    <a16:rowId xmlns:a16="http://schemas.microsoft.com/office/drawing/2014/main" val="3571636592"/>
+                  </a:ext>
+                </a:extLst>
+              </a:tr>
+            </a:tbl>
+          </a:graphicData>
+        </a:graphic>
+      </p:graphicFrame>
+    </p:spTree>
+    <p:extLst>
+      <p:ext uri="{BB962C8B-B14F-4D97-AF65-F5344CB8AC3E}">
+        <p14:creationId xmlns:p14="http://schemas.microsoft.com/office/powerpoint/2010/main" val="2990176418"/>
+      </p:ext>
+    </p:extLst>
+  </p:cSld>
+  <p:clrMapOvr>
+    <a:masterClrMapping/>
+  </p:clrMapOvr>
+  <p:timing>
+    <p:tnLst>
+      <p:par>
+        <p:cTn id="1" dur="indefinite" restart="never" nodeType="tmRoot"/>
+      </p:par>
+    </p:tnLst>
+  </p:timing>
+</p:sld>
+</file>
+
+<file path=ppt/slides/slide6.xml><?xml version="1.0" encoding="utf-8"?>
+<p:sld xmlns:a="http://schemas.openxmlformats.org/drawingml/2006/main" xmlns:r="http://schemas.openxmlformats.org/officeDocument/2006/relationships" xmlns:p="http://schemas.openxmlformats.org/presentationml/2006/main">
+  <p:cSld>
+    <p:spTree>
+      <p:nvGrpSpPr>
+        <p:cNvPr id="1" name=""/>
+        <p:cNvGrpSpPr/>
+        <p:nvPr/>
+      </p:nvGrpSpPr>
+      <p:grpSpPr>
+        <a:xfrm>
+          <a:off x="0" y="0"/>
+          <a:ext cx="0" cy="0"/>
+          <a:chOff x="0" y="0"/>
+          <a:chExt cx="0" cy="0"/>
+        </a:xfrm>
+      </p:grpSpPr>
+      <p:sp>
+        <p:nvSpPr>
+          <p:cNvPr id="2" name="Title 1"/>
+          <p:cNvSpPr>
+            <a:spLocks noGrp="1"/>
+          </p:cNvSpPr>
+          <p:nvPr>
+            <p:ph type="title"/>
+          </p:nvPr>
+        </p:nvSpPr>
+        <p:spPr/>
+        <p:txBody>
+          <a:bodyPr/>
+          <a:lstStyle/>
+          <a:p>
+            <a:r>
+              <a:rPr lang="en-US" dirty="0" smtClean="0"/>
+              <a:t>Background</a:t>
+            </a:r>
+            <a:endParaRPr lang="en-GB" dirty="0"/>
+          </a:p>
+        </p:txBody>
+      </p:sp>
+      <p:pic>
+        <p:nvPicPr>
+          <p:cNvPr id="5" name="Picture Placeholder 4"/>
+          <p:cNvPicPr>
+            <a:picLocks noGrp="1" noChangeAspect="1"/>
+          </p:cNvPicPr>
+          <p:nvPr>
+            <p:ph type="pic" idx="1"/>
+          </p:nvPr>
+        </p:nvPicPr>
+        <p:blipFill>
+          <a:blip r:embed="rId2">
+            <a:extLst>
+              <a:ext uri="{28A0092B-C50C-407E-A947-70E740481C1C}">
+                <a14:useLocalDpi xmlns:a14="http://schemas.microsoft.com/office/drawing/2010/main" val="0"/>
+              </a:ext>
+            </a:extLst>
+          </a:blip>
+          <a:srcRect l="13674" r="13674"/>
+          <a:stretch>
+            <a:fillRect/>
+          </a:stretch>
+        </p:blipFill>
+        <p:spPr/>
+      </p:pic>
+      <p:sp>
+        <p:nvSpPr>
+          <p:cNvPr id="4" name="Text Placeholder 3"/>
+          <p:cNvSpPr>
+            <a:spLocks noGrp="1"/>
+          </p:cNvSpPr>
+          <p:nvPr>
+            <p:ph type="body" sz="half" idx="2"/>
+          </p:nvPr>
+        </p:nvSpPr>
+        <p:spPr/>
+        <p:txBody>
+          <a:bodyPr>
+            <a:normAutofit/>
+          </a:bodyPr>
+          <a:lstStyle/>
+          <a:p>
+            <a:r>
+              <a:rPr lang="en-US" sz="4000" dirty="0"/>
+              <a:t>However, some prefer to join a planned </a:t>
+            </a:r>
+            <a:r>
+              <a:rPr lang="en-US" sz="4000" dirty="0" smtClean="0"/>
+              <a:t>trip</a:t>
+            </a:r>
+            <a:endParaRPr lang="en-GB" sz="4000" dirty="0"/>
+          </a:p>
+        </p:txBody>
+      </p:sp>
+      <p:graphicFrame>
+        <p:nvGraphicFramePr>
+          <p:cNvPr id="6" name="Table 5"/>
+          <p:cNvGraphicFramePr>
+            <a:graphicFrameLocks noGrp="1"/>
+          </p:cNvGraphicFramePr>
+          <p:nvPr>
+            <p:extLst>
+              <p:ext uri="{D42A27DB-BD31-4B8C-83A1-F6EECF244321}">
+                <p14:modId xmlns:p14="http://schemas.microsoft.com/office/powerpoint/2010/main" val="3400804083"/>
+              </p:ext>
+            </p:extLst>
+          </p:nvPr>
+        </p:nvGraphicFramePr>
+        <p:xfrm>
+          <a:off x="0" y="6487160"/>
+          <a:ext cx="11397675" cy="370840"/>
+        </p:xfrm>
+        <a:graphic>
+          <a:graphicData uri="http://schemas.openxmlformats.org/drawingml/2006/table">
+            <a:tbl>
+              <a:tblPr firstRow="1" bandRow="1">
+                <a:tableStyleId>{5C22544A-7EE6-4342-B048-85BDC9FD1C3A}</a:tableStyleId>
+              </a:tblPr>
+              <a:tblGrid>
+                <a:gridCol w="2279535">
+                  <a:extLst>
+                    <a:ext uri="{9D8B030D-6E8A-4147-A177-3AD203B41FA5}">
+                      <a16:colId xmlns:a16="http://schemas.microsoft.com/office/drawing/2014/main" val="1650481923"/>
+                    </a:ext>
+                  </a:extLst>
+                </a:gridCol>
+                <a:gridCol w="2279535">
+                  <a:extLst>
+                    <a:ext uri="{9D8B030D-6E8A-4147-A177-3AD203B41FA5}">
+                      <a16:colId xmlns:a16="http://schemas.microsoft.com/office/drawing/2014/main" val="363490094"/>
+                    </a:ext>
+                  </a:extLst>
+                </a:gridCol>
+                <a:gridCol w="2279535">
+                  <a:extLst>
+                    <a:ext uri="{9D8B030D-6E8A-4147-A177-3AD203B41FA5}">
+                      <a16:colId xmlns:a16="http://schemas.microsoft.com/office/drawing/2014/main" val="2961371462"/>
+                    </a:ext>
+                  </a:extLst>
+                </a:gridCol>
+                <a:gridCol w="2279535">
+                  <a:extLst>
+                    <a:ext uri="{9D8B030D-6E8A-4147-A177-3AD203B41FA5}">
+                      <a16:colId xmlns:a16="http://schemas.microsoft.com/office/drawing/2014/main" val="1073095120"/>
+                    </a:ext>
+                  </a:extLst>
+                </a:gridCol>
+                <a:gridCol w="2279535">
+                  <a:extLst>
+                    <a:ext uri="{9D8B030D-6E8A-4147-A177-3AD203B41FA5}">
+                      <a16:colId xmlns:a16="http://schemas.microsoft.com/office/drawing/2014/main" val="1682139684"/>
+                    </a:ext>
+                  </a:extLst>
+                </a:gridCol>
+              </a:tblGrid>
+              <a:tr h="370840">
+                <a:tc>
+                  <a:txBody>
+                    <a:bodyPr/>
+                    <a:lstStyle/>
+                    <a:p>
+                      <a:r>
+                        <a:rPr lang="en-US" sz="1400" dirty="0" smtClean="0">
+                          <a:solidFill>
+                            <a:schemeClr val="bg1"/>
+                          </a:solidFill>
+                        </a:rPr>
+                        <a:t>Executive</a:t>
+                      </a:r>
+                      <a:r>
+                        <a:rPr lang="en-US" sz="1400" baseline="0" dirty="0" smtClean="0">
+                          <a:solidFill>
+                            <a:schemeClr val="bg1"/>
+                          </a:solidFill>
+                        </a:rPr>
+                        <a:t> Summary</a:t>
+                      </a:r>
+                      <a:endParaRPr lang="en-GB" sz="1400" dirty="0">
+                        <a:solidFill>
+                          <a:schemeClr val="bg1"/>
+                        </a:solidFill>
+                      </a:endParaRPr>
+                    </a:p>
+                  </a:txBody>
+                  <a:tcPr>
+                    <a:lnL w="12700" cmpd="sng">
+                      <a:noFill/>
+                    </a:lnL>
+                    <a:lnR w="12700" cap="flat" cmpd="sng" algn="ctr">
+                      <a:solidFill>
+                        <a:schemeClr val="bg1"/>
+                      </a:solidFill>
+                      <a:prstDash val="solid"/>
+                      <a:round/>
+                      <a:headEnd type="none" w="med" len="med"/>
+                      <a:tailEnd type="none" w="med" len="med"/>
+                    </a:lnR>
+                    <a:lnT w="12700" cmpd="sng">
+                      <a:noFill/>
+                    </a:lnT>
+                    <a:lnB w="38100" cmpd="sng">
+                      <a:noFill/>
+                    </a:lnB>
+                    <a:lnTlToBr w="12700" cmpd="sng">
+                      <a:noFill/>
+                      <a:prstDash val="solid"/>
+                    </a:lnTlToBr>
+                    <a:lnBlToTr w="12700" cmpd="sng">
+                      <a:noFill/>
+                      <a:prstDash val="solid"/>
+                    </a:lnBlToTr>
+                    <a:solidFill>
+                      <a:srgbClr val="6F8183"/>
+                    </a:solidFill>
+                  </a:tcPr>
+                </a:tc>
+                <a:tc>
+                  <a:txBody>
+                    <a:bodyPr/>
+                    <a:lstStyle/>
+                    <a:p>
+                      <a:r>
+                        <a:rPr lang="en-US" sz="1600" dirty="0" smtClean="0">
+                          <a:solidFill>
+                            <a:srgbClr val="6F8183"/>
+                          </a:solidFill>
+                        </a:rPr>
+                        <a:t>Background</a:t>
+                      </a:r>
+                      <a:endParaRPr lang="en-GB" sz="1600" dirty="0">
+                        <a:solidFill>
+                          <a:srgbClr val="6F8183"/>
+                        </a:solidFill>
+                      </a:endParaRPr>
+                    </a:p>
+                  </a:txBody>
+                  <a:tcPr>
+                    <a:lnL w="12700" cap="flat" cmpd="sng" algn="ctr">
+                      <a:solidFill>
+                        <a:schemeClr val="bg1"/>
+                      </a:solidFill>
+                      <a:prstDash val="solid"/>
+                      <a:round/>
+                      <a:headEnd type="none" w="med" len="med"/>
+                      <a:tailEnd type="none" w="med" len="med"/>
+                    </a:lnL>
+                    <a:lnR w="12700" cap="flat" cmpd="sng" algn="ctr">
+                      <a:solidFill>
+                        <a:schemeClr val="bg1"/>
+                      </a:solidFill>
+                      <a:prstDash val="solid"/>
+                      <a:round/>
+                      <a:headEnd type="none" w="med" len="med"/>
+                      <a:tailEnd type="none" w="med" len="med"/>
+                    </a:lnR>
+                    <a:lnT w="12700" cmpd="sng">
+                      <a:noFill/>
+                    </a:lnT>
+                    <a:lnB w="38100" cmpd="sng">
+                      <a:noFill/>
+                    </a:lnB>
+                    <a:lnTlToBr w="12700" cmpd="sng">
+                      <a:noFill/>
+                      <a:prstDash val="solid"/>
+                    </a:lnTlToBr>
+                    <a:lnBlToTr w="12700" cmpd="sng">
+                      <a:noFill/>
+                      <a:prstDash val="solid"/>
+                    </a:lnBlToTr>
+                    <a:solidFill>
+                      <a:srgbClr val="F1F3F3"/>
+                    </a:solidFill>
+                  </a:tcPr>
+                </a:tc>
+                <a:tc>
+                  <a:txBody>
+                    <a:bodyPr/>
+                    <a:lstStyle/>
+                    <a:p>
+                      <a:r>
+                        <a:rPr lang="en-US" sz="1600" dirty="0" smtClean="0"/>
+                        <a:t>Objective</a:t>
+                      </a:r>
+                      <a:endParaRPr lang="en-GB" sz="1600" dirty="0"/>
+                    </a:p>
+                  </a:txBody>
+                  <a:tcPr>
+                    <a:lnL w="12700" cap="flat" cmpd="sng" algn="ctr">
+                      <a:solidFill>
+                        <a:schemeClr val="bg1"/>
+                      </a:solidFill>
+                      <a:prstDash val="solid"/>
+                      <a:round/>
+                      <a:headEnd type="none" w="med" len="med"/>
+                      <a:tailEnd type="none" w="med" len="med"/>
+                    </a:lnL>
+                    <a:lnR w="12700" cap="flat" cmpd="sng" algn="ctr">
+                      <a:solidFill>
+                        <a:schemeClr val="bg1"/>
+                      </a:solidFill>
+                      <a:prstDash val="solid"/>
+                      <a:round/>
+                      <a:headEnd type="none" w="med" len="med"/>
+                      <a:tailEnd type="none" w="med" len="med"/>
+                    </a:lnR>
+                    <a:lnT w="12700" cmpd="sng">
+                      <a:noFill/>
+                    </a:lnT>
+                    <a:lnB w="38100" cmpd="sng">
+                      <a:noFill/>
+                    </a:lnB>
+                    <a:lnTlToBr w="12700" cmpd="sng">
+                      <a:noFill/>
+                      <a:prstDash val="solid"/>
+                    </a:lnTlToBr>
+                    <a:lnBlToTr w="12700" cmpd="sng">
+                      <a:noFill/>
+                      <a:prstDash val="solid"/>
+                    </a:lnBlToTr>
+                  </a:tcPr>
+                </a:tc>
+                <a:tc>
+                  <a:txBody>
+                    <a:bodyPr/>
+                    <a:lstStyle/>
+                    <a:p>
+                      <a:r>
+                        <a:rPr lang="en-US" sz="1600" dirty="0" smtClean="0"/>
+                        <a:t>Architecture</a:t>
+                      </a:r>
+                      <a:endParaRPr lang="en-GB" sz="1600" dirty="0"/>
+                    </a:p>
+                  </a:txBody>
+                  <a:tcPr>
+                    <a:lnL w="12700" cap="flat" cmpd="sng" algn="ctr">
+                      <a:solidFill>
+                        <a:schemeClr val="bg1"/>
+                      </a:solidFill>
+                      <a:prstDash val="solid"/>
+                      <a:round/>
+                      <a:headEnd type="none" w="med" len="med"/>
+                      <a:tailEnd type="none" w="med" len="med"/>
+                    </a:lnL>
+                    <a:lnR w="12700" cap="flat" cmpd="sng" algn="ctr">
+                      <a:solidFill>
+                        <a:schemeClr val="bg1"/>
+                      </a:solidFill>
+                      <a:prstDash val="solid"/>
+                      <a:round/>
+                      <a:headEnd type="none" w="med" len="med"/>
+                      <a:tailEnd type="none" w="med" len="med"/>
+                    </a:lnR>
+                    <a:lnT w="12700" cmpd="sng">
+                      <a:noFill/>
+                    </a:lnT>
+                    <a:lnB w="38100" cmpd="sng">
+                      <a:noFill/>
+                    </a:lnB>
+                    <a:lnTlToBr w="12700" cmpd="sng">
+                      <a:noFill/>
+                      <a:prstDash val="solid"/>
+                    </a:lnTlToBr>
+                    <a:lnBlToTr w="12700" cmpd="sng">
+                      <a:noFill/>
+                      <a:prstDash val="solid"/>
+                    </a:lnBlToTr>
+                  </a:tcPr>
+                </a:tc>
+                <a:tc>
+                  <a:txBody>
+                    <a:bodyPr/>
+                    <a:lstStyle/>
+                    <a:p>
+                      <a:r>
+                        <a:rPr lang="en-US" sz="1600" dirty="0" smtClean="0"/>
+                        <a:t>Core Code &amp; Demo</a:t>
+                      </a:r>
+                      <a:endParaRPr lang="en-GB" sz="1600" dirty="0"/>
+                    </a:p>
+                  </a:txBody>
+                  <a:tcPr>
+                    <a:lnL w="12700" cap="flat" cmpd="sng" algn="ctr">
+                      <a:solidFill>
+                        <a:schemeClr val="bg1"/>
+                      </a:solidFill>
+                      <a:prstDash val="solid"/>
+                      <a:round/>
+                      <a:headEnd type="none" w="med" len="med"/>
+                      <a:tailEnd type="none" w="med" len="med"/>
+                    </a:lnL>
+                    <a:lnR w="12700" cmpd="sng">
+                      <a:noFill/>
+                    </a:lnR>
+                    <a:lnT w="12700" cmpd="sng">
+                      <a:noFill/>
+                    </a:lnT>
+                    <a:lnB w="38100" cmpd="sng">
+                      <a:noFill/>
+                    </a:lnB>
+                    <a:lnTlToBr w="12700" cmpd="sng">
+                      <a:noFill/>
+                      <a:prstDash val="solid"/>
+                    </a:lnTlToBr>
+                    <a:lnBlToTr w="12700" cmpd="sng">
+                      <a:noFill/>
+                      <a:prstDash val="solid"/>
+                    </a:lnBlToTr>
+                  </a:tcPr>
+                </a:tc>
+                <a:extLst>
+                  <a:ext uri="{0D108BD9-81ED-4DB2-BD59-A6C34878D82A}">
+                    <a16:rowId xmlns:a16="http://schemas.microsoft.com/office/drawing/2014/main" val="3571636592"/>
+                  </a:ext>
+                </a:extLst>
+              </a:tr>
+            </a:tbl>
+          </a:graphicData>
+        </a:graphic>
+      </p:graphicFrame>
+    </p:spTree>
+    <p:extLst>
+      <p:ext uri="{BB962C8B-B14F-4D97-AF65-F5344CB8AC3E}">
+        <p14:creationId xmlns:p14="http://schemas.microsoft.com/office/powerpoint/2010/main" val="2913467312"/>
+      </p:ext>
+    </p:extLst>
+  </p:cSld>
+  <p:clrMapOvr>
+    <a:masterClrMapping/>
+  </p:clrMapOvr>
+  <p:timing>
+    <p:tnLst>
+      <p:par>
+        <p:cTn id="1" dur="indefinite" restart="never" nodeType="tmRoot"/>
+      </p:par>
+    </p:tnLst>
+  </p:timing>
+</p:sld>
+</file>
+
+<file path=ppt/slides/slide7.xml><?xml version="1.0" encoding="utf-8"?>
+<p:sld xmlns:a="http://schemas.openxmlformats.org/drawingml/2006/main" xmlns:r="http://schemas.openxmlformats.org/officeDocument/2006/relationships" xmlns:p="http://schemas.openxmlformats.org/presentationml/2006/main">
+  <p:cSld>
+    <p:spTree>
+      <p:nvGrpSpPr>
+        <p:cNvPr id="1" name=""/>
+        <p:cNvGrpSpPr/>
+        <p:nvPr/>
+      </p:nvGrpSpPr>
+      <p:grpSpPr>
+        <a:xfrm>
+          <a:off x="0" y="0"/>
+          <a:ext cx="0" cy="0"/>
+          <a:chOff x="0" y="0"/>
+          <a:chExt cx="0" cy="0"/>
+        </a:xfrm>
+      </p:grpSpPr>
+      <p:sp>
+        <p:nvSpPr>
+          <p:cNvPr id="2" name="Title 1"/>
+          <p:cNvSpPr>
+            <a:spLocks noGrp="1"/>
+          </p:cNvSpPr>
+          <p:nvPr>
+            <p:ph type="title"/>
+          </p:nvPr>
+        </p:nvSpPr>
+        <p:spPr/>
+        <p:txBody>
+          <a:bodyPr/>
+          <a:lstStyle/>
+          <a:p>
+            <a:r>
+              <a:rPr lang="en-US" dirty="0" smtClean="0"/>
+              <a:t>Background</a:t>
+            </a:r>
+            <a:endParaRPr lang="en-GB" dirty="0"/>
+          </a:p>
+        </p:txBody>
+      </p:sp>
+      <p:pic>
+        <p:nvPicPr>
+          <p:cNvPr id="5" name="Picture Placeholder 4"/>
+          <p:cNvPicPr>
+            <a:picLocks noGrp="1" noChangeAspect="1"/>
+          </p:cNvPicPr>
+          <p:nvPr>
+            <p:ph type="pic" idx="1"/>
+          </p:nvPr>
+        </p:nvPicPr>
+        <p:blipFill>
+          <a:blip r:embed="rId2">
+            <a:extLst>
+              <a:ext uri="{28A0092B-C50C-407E-A947-70E740481C1C}">
+                <a14:useLocalDpi xmlns:a14="http://schemas.microsoft.com/office/drawing/2010/main" val="0"/>
+              </a:ext>
+            </a:extLst>
+          </a:blip>
+          <a:srcRect l="11627" r="11627"/>
+          <a:stretch>
+            <a:fillRect/>
+          </a:stretch>
+        </p:blipFill>
+        <p:spPr/>
+      </p:pic>
+      <p:sp>
+        <p:nvSpPr>
+          <p:cNvPr id="4" name="Text Placeholder 3"/>
+          <p:cNvSpPr>
+            <a:spLocks noGrp="1"/>
+          </p:cNvSpPr>
+          <p:nvPr>
+            <p:ph type="body" sz="half" idx="2"/>
+          </p:nvPr>
+        </p:nvSpPr>
+        <p:spPr/>
+        <p:txBody>
+          <a:bodyPr>
+            <a:noAutofit/>
+          </a:bodyPr>
+          <a:lstStyle/>
+          <a:p>
+            <a:r>
+              <a:rPr lang="en-US" sz="3600" dirty="0"/>
+              <a:t>while some other prefer to make the plan and offer anyone to join</a:t>
+            </a:r>
+          </a:p>
+          <a:p>
+            <a:endParaRPr lang="en-GB" sz="3600" dirty="0"/>
+          </a:p>
+        </p:txBody>
+      </p:sp>
+      <p:graphicFrame>
+        <p:nvGraphicFramePr>
+          <p:cNvPr id="7" name="Table 6"/>
+          <p:cNvGraphicFramePr>
+            <a:graphicFrameLocks noGrp="1"/>
+          </p:cNvGraphicFramePr>
+          <p:nvPr>
+            <p:extLst>
+              <p:ext uri="{D42A27DB-BD31-4B8C-83A1-F6EECF244321}">
+                <p14:modId xmlns:p14="http://schemas.microsoft.com/office/powerpoint/2010/main" val="1593138543"/>
+              </p:ext>
+            </p:extLst>
+          </p:nvPr>
+        </p:nvGraphicFramePr>
+        <p:xfrm>
+          <a:off x="0" y="6487160"/>
+          <a:ext cx="11397675" cy="370840"/>
+        </p:xfrm>
+        <a:graphic>
+          <a:graphicData uri="http://schemas.openxmlformats.org/drawingml/2006/table">
+            <a:tbl>
+              <a:tblPr firstRow="1" bandRow="1">
+                <a:tableStyleId>{5C22544A-7EE6-4342-B048-85BDC9FD1C3A}</a:tableStyleId>
+              </a:tblPr>
+              <a:tblGrid>
+                <a:gridCol w="2279535">
+                  <a:extLst>
+                    <a:ext uri="{9D8B030D-6E8A-4147-A177-3AD203B41FA5}">
+                      <a16:colId xmlns:a16="http://schemas.microsoft.com/office/drawing/2014/main" val="1650481923"/>
+                    </a:ext>
+                  </a:extLst>
+                </a:gridCol>
+                <a:gridCol w="2279535">
+                  <a:extLst>
+                    <a:ext uri="{9D8B030D-6E8A-4147-A177-3AD203B41FA5}">
+                      <a16:colId xmlns:a16="http://schemas.microsoft.com/office/drawing/2014/main" val="363490094"/>
+                    </a:ext>
+                  </a:extLst>
+                </a:gridCol>
+                <a:gridCol w="2279535">
+                  <a:extLst>
+                    <a:ext uri="{9D8B030D-6E8A-4147-A177-3AD203B41FA5}">
+                      <a16:colId xmlns:a16="http://schemas.microsoft.com/office/drawing/2014/main" val="2961371462"/>
+                    </a:ext>
+                  </a:extLst>
+                </a:gridCol>
+                <a:gridCol w="2279535">
+                  <a:extLst>
+                    <a:ext uri="{9D8B030D-6E8A-4147-A177-3AD203B41FA5}">
+                      <a16:colId xmlns:a16="http://schemas.microsoft.com/office/drawing/2014/main" val="1073095120"/>
+                    </a:ext>
+                  </a:extLst>
+                </a:gridCol>
+                <a:gridCol w="2279535">
+                  <a:extLst>
+                    <a:ext uri="{9D8B030D-6E8A-4147-A177-3AD203B41FA5}">
+                      <a16:colId xmlns:a16="http://schemas.microsoft.com/office/drawing/2014/main" val="1682139684"/>
+                    </a:ext>
+                  </a:extLst>
+                </a:gridCol>
+              </a:tblGrid>
+              <a:tr h="370840">
+                <a:tc>
+                  <a:txBody>
+                    <a:bodyPr/>
+                    <a:lstStyle/>
+                    <a:p>
+                      <a:r>
+                        <a:rPr lang="en-US" sz="1400" dirty="0" smtClean="0">
+                          <a:solidFill>
+                            <a:schemeClr val="bg1"/>
+                          </a:solidFill>
+                        </a:rPr>
+                        <a:t>Executive</a:t>
+                      </a:r>
+                      <a:r>
+                        <a:rPr lang="en-US" sz="1400" baseline="0" dirty="0" smtClean="0">
+                          <a:solidFill>
+                            <a:schemeClr val="bg1"/>
+                          </a:solidFill>
+                        </a:rPr>
+                        <a:t> Summary</a:t>
+                      </a:r>
+                      <a:endParaRPr lang="en-GB" sz="1400" dirty="0">
+                        <a:solidFill>
+                          <a:schemeClr val="bg1"/>
+                        </a:solidFill>
+                      </a:endParaRPr>
+                    </a:p>
+                  </a:txBody>
+                  <a:tcPr>
+                    <a:lnL w="12700" cmpd="sng">
+                      <a:noFill/>
+                    </a:lnL>
+                    <a:lnR w="12700" cap="flat" cmpd="sng" algn="ctr">
+                      <a:solidFill>
+                        <a:schemeClr val="bg1"/>
+                      </a:solidFill>
+                      <a:prstDash val="solid"/>
+                      <a:round/>
+                      <a:headEnd type="none" w="med" len="med"/>
+                      <a:tailEnd type="none" w="med" len="med"/>
+                    </a:lnR>
+                    <a:lnT w="12700" cmpd="sng">
+                      <a:noFill/>
+                    </a:lnT>
+                    <a:lnB w="38100" cmpd="sng">
+                      <a:noFill/>
+                    </a:lnB>
+                    <a:lnTlToBr w="12700" cmpd="sng">
+                      <a:noFill/>
+                      <a:prstDash val="solid"/>
+                    </a:lnTlToBr>
+                    <a:lnBlToTr w="12700" cmpd="sng">
+                      <a:noFill/>
+                      <a:prstDash val="solid"/>
+                    </a:lnBlToTr>
+                    <a:solidFill>
+                      <a:srgbClr val="6F8183"/>
+                    </a:solidFill>
+                  </a:tcPr>
+                </a:tc>
+                <a:tc>
+                  <a:txBody>
+                    <a:bodyPr/>
+                    <a:lstStyle/>
+                    <a:p>
+                      <a:r>
+                        <a:rPr lang="en-US" sz="1600" dirty="0" smtClean="0">
+                          <a:solidFill>
+                            <a:srgbClr val="6F8183"/>
+                          </a:solidFill>
+                        </a:rPr>
+                        <a:t>Background</a:t>
+                      </a:r>
+                      <a:endParaRPr lang="en-GB" sz="1600" dirty="0">
+                        <a:solidFill>
+                          <a:srgbClr val="6F8183"/>
+                        </a:solidFill>
+                      </a:endParaRPr>
+                    </a:p>
+                  </a:txBody>
+                  <a:tcPr>
+                    <a:lnL w="12700" cap="flat" cmpd="sng" algn="ctr">
+                      <a:solidFill>
+                        <a:schemeClr val="bg1"/>
+                      </a:solidFill>
+                      <a:prstDash val="solid"/>
+                      <a:round/>
+                      <a:headEnd type="none" w="med" len="med"/>
+                      <a:tailEnd type="none" w="med" len="med"/>
+                    </a:lnL>
+                    <a:lnR w="12700" cap="flat" cmpd="sng" algn="ctr">
+                      <a:solidFill>
+                        <a:schemeClr val="bg1"/>
+                      </a:solidFill>
+                      <a:prstDash val="solid"/>
+                      <a:round/>
+                      <a:headEnd type="none" w="med" len="med"/>
+                      <a:tailEnd type="none" w="med" len="med"/>
+                    </a:lnR>
+                    <a:lnT w="12700" cmpd="sng">
+                      <a:noFill/>
+                    </a:lnT>
+                    <a:lnB w="38100" cmpd="sng">
+                      <a:noFill/>
+                    </a:lnB>
+                    <a:lnTlToBr w="12700" cmpd="sng">
+                      <a:noFill/>
+                      <a:prstDash val="solid"/>
+                    </a:lnTlToBr>
+                    <a:lnBlToTr w="12700" cmpd="sng">
+                      <a:noFill/>
+                      <a:prstDash val="solid"/>
+                    </a:lnBlToTr>
+                    <a:solidFill>
+                      <a:srgbClr val="F1F3F3"/>
+                    </a:solidFill>
+                  </a:tcPr>
+                </a:tc>
+                <a:tc>
+                  <a:txBody>
+                    <a:bodyPr/>
+                    <a:lstStyle/>
+                    <a:p>
+                      <a:r>
+                        <a:rPr lang="en-US" sz="1600" dirty="0" smtClean="0"/>
+                        <a:t>Objective</a:t>
+                      </a:r>
+                      <a:endParaRPr lang="en-GB" sz="1600" dirty="0"/>
+                    </a:p>
+                  </a:txBody>
+                  <a:tcPr>
+                    <a:lnL w="12700" cap="flat" cmpd="sng" algn="ctr">
+                      <a:solidFill>
+                        <a:schemeClr val="bg1"/>
+                      </a:solidFill>
+                      <a:prstDash val="solid"/>
+                      <a:round/>
+                      <a:headEnd type="none" w="med" len="med"/>
+                      <a:tailEnd type="none" w="med" len="med"/>
+                    </a:lnL>
+                    <a:lnR w="12700" cap="flat" cmpd="sng" algn="ctr">
+                      <a:solidFill>
+                        <a:schemeClr val="bg1"/>
+                      </a:solidFill>
+                      <a:prstDash val="solid"/>
+                      <a:round/>
+                      <a:headEnd type="none" w="med" len="med"/>
+                      <a:tailEnd type="none" w="med" len="med"/>
+                    </a:lnR>
+                    <a:lnT w="12700" cmpd="sng">
+                      <a:noFill/>
+                    </a:lnT>
+                    <a:lnB w="38100" cmpd="sng">
+                      <a:noFill/>
+                    </a:lnB>
+                    <a:lnTlToBr w="12700" cmpd="sng">
+                      <a:noFill/>
+                      <a:prstDash val="solid"/>
+                    </a:lnTlToBr>
+                    <a:lnBlToTr w="12700" cmpd="sng">
+                      <a:noFill/>
+                      <a:prstDash val="solid"/>
+                    </a:lnBlToTr>
+                  </a:tcPr>
+                </a:tc>
+                <a:tc>
+                  <a:txBody>
+                    <a:bodyPr/>
+                    <a:lstStyle/>
+                    <a:p>
+                      <a:r>
+                        <a:rPr lang="en-US" sz="1600" dirty="0" smtClean="0"/>
+                        <a:t>Architecture</a:t>
+                      </a:r>
+                      <a:endParaRPr lang="en-GB" sz="1600" dirty="0"/>
+                    </a:p>
+                  </a:txBody>
+                  <a:tcPr>
+                    <a:lnL w="12700" cap="flat" cmpd="sng" algn="ctr">
+                      <a:solidFill>
+                        <a:schemeClr val="bg1"/>
+                      </a:solidFill>
+                      <a:prstDash val="solid"/>
+                      <a:round/>
+                      <a:headEnd type="none" w="med" len="med"/>
+                      <a:tailEnd type="none" w="med" len="med"/>
+                    </a:lnL>
+                    <a:lnR w="12700" cap="flat" cmpd="sng" algn="ctr">
+                      <a:solidFill>
+                        <a:schemeClr val="bg1"/>
+                      </a:solidFill>
+                      <a:prstDash val="solid"/>
+                      <a:round/>
+                      <a:headEnd type="none" w="med" len="med"/>
+                      <a:tailEnd type="none" w="med" len="med"/>
+                    </a:lnR>
+                    <a:lnT w="12700" cmpd="sng">
+                      <a:noFill/>
+                    </a:lnT>
+                    <a:lnB w="38100" cmpd="sng">
+                      <a:noFill/>
+                    </a:lnB>
+                    <a:lnTlToBr w="12700" cmpd="sng">
+                      <a:noFill/>
+                      <a:prstDash val="solid"/>
+                    </a:lnTlToBr>
+                    <a:lnBlToTr w="12700" cmpd="sng">
+                      <a:noFill/>
+                      <a:prstDash val="solid"/>
+                    </a:lnBlToTr>
+                  </a:tcPr>
+                </a:tc>
+                <a:tc>
+                  <a:txBody>
+                    <a:bodyPr/>
+                    <a:lstStyle/>
+                    <a:p>
+                      <a:r>
+                        <a:rPr lang="en-US" sz="1600" dirty="0" smtClean="0"/>
+                        <a:t>Core Code &amp; Demo</a:t>
+                      </a:r>
+                      <a:endParaRPr lang="en-GB" sz="1600" dirty="0"/>
+                    </a:p>
+                  </a:txBody>
+                  <a:tcPr>
+                    <a:lnL w="12700" cap="flat" cmpd="sng" algn="ctr">
+                      <a:solidFill>
+                        <a:schemeClr val="bg1"/>
+                      </a:solidFill>
+                      <a:prstDash val="solid"/>
+                      <a:round/>
+                      <a:headEnd type="none" w="med" len="med"/>
+                      <a:tailEnd type="none" w="med" len="med"/>
+                    </a:lnL>
+                    <a:lnR w="12700" cmpd="sng">
+                      <a:noFill/>
+                    </a:lnR>
+                    <a:lnT w="12700" cmpd="sng">
+                      <a:noFill/>
+                    </a:lnT>
+                    <a:lnB w="38100" cmpd="sng">
+                      <a:noFill/>
+                    </a:lnB>
+                    <a:lnTlToBr w="12700" cmpd="sng">
+                      <a:noFill/>
+                      <a:prstDash val="solid"/>
+                    </a:lnTlToBr>
+                    <a:lnBlToTr w="12700" cmpd="sng">
+                      <a:noFill/>
+                      <a:prstDash val="solid"/>
+                    </a:lnBlToTr>
+                  </a:tcPr>
+                </a:tc>
+                <a:extLst>
+                  <a:ext uri="{0D108BD9-81ED-4DB2-BD59-A6C34878D82A}">
+                    <a16:rowId xmlns:a16="http://schemas.microsoft.com/office/drawing/2014/main" val="3571636592"/>
+                  </a:ext>
+                </a:extLst>
+              </a:tr>
+            </a:tbl>
+          </a:graphicData>
+        </a:graphic>
+      </p:graphicFrame>
+    </p:spTree>
+    <p:extLst>
+      <p:ext uri="{BB962C8B-B14F-4D97-AF65-F5344CB8AC3E}">
+        <p14:creationId xmlns:p14="http://schemas.microsoft.com/office/powerpoint/2010/main" val="4163891799"/>
+      </p:ext>
+    </p:extLst>
+  </p:cSld>
+  <p:clrMapOvr>
+    <a:masterClrMapping/>
+  </p:clrMapOvr>
+  <p:timing>
+    <p:tnLst>
+      <p:par>
+        <p:cTn id="1" dur="indefinite" restart="never" nodeType="tmRoot"/>
       </p:par>
     </p:tnLst>
   </p:timing>

--- a/presentation/Tripster Presentation.pptx
+++ b/presentation/Tripster Presentation.pptx
@@ -12,6 +12,7 @@
     <p:sldId id="260" r:id="rId6"/>
     <p:sldId id="261" r:id="rId7"/>
     <p:sldId id="262" r:id="rId8"/>
+    <p:sldId id="263" r:id="rId9"/>
   </p:sldIdLst>
   <p:sldSz cx="12192000" cy="6858000"/>
   <p:notesSz cx="6858000" cy="9144000"/>
@@ -10984,6 +10985,417 @@
 </p:sld>
 </file>
 
+<file path=ppt/slides/slide8.xml><?xml version="1.0" encoding="utf-8"?>
+<p:sld xmlns:a="http://schemas.openxmlformats.org/drawingml/2006/main" xmlns:r="http://schemas.openxmlformats.org/officeDocument/2006/relationships" xmlns:p="http://schemas.openxmlformats.org/presentationml/2006/main">
+  <p:cSld>
+    <p:spTree>
+      <p:nvGrpSpPr>
+        <p:cNvPr id="1" name=""/>
+        <p:cNvGrpSpPr/>
+        <p:nvPr/>
+      </p:nvGrpSpPr>
+      <p:grpSpPr>
+        <a:xfrm>
+          <a:off x="0" y="0"/>
+          <a:ext cx="0" cy="0"/>
+          <a:chOff x="0" y="0"/>
+          <a:chExt cx="0" cy="0"/>
+        </a:xfrm>
+      </p:grpSpPr>
+      <p:sp>
+        <p:nvSpPr>
+          <p:cNvPr id="5" name="Title 4"/>
+          <p:cNvSpPr>
+            <a:spLocks noGrp="1"/>
+          </p:cNvSpPr>
+          <p:nvPr>
+            <p:ph type="title"/>
+          </p:nvPr>
+        </p:nvSpPr>
+        <p:spPr/>
+        <p:txBody>
+          <a:bodyPr/>
+          <a:lstStyle/>
+          <a:p>
+            <a:endParaRPr lang="en-GB"/>
+          </a:p>
+        </p:txBody>
+      </p:sp>
+      <p:sp>
+        <p:nvSpPr>
+          <p:cNvPr id="6" name="Content Placeholder 5"/>
+          <p:cNvSpPr>
+            <a:spLocks noGrp="1"/>
+          </p:cNvSpPr>
+          <p:nvPr>
+            <p:ph idx="1"/>
+          </p:nvPr>
+        </p:nvSpPr>
+        <p:spPr/>
+        <p:txBody>
+          <a:bodyPr/>
+          <a:lstStyle/>
+          <a:p>
+            <a:endParaRPr lang="en-GB"/>
+          </a:p>
+        </p:txBody>
+      </p:sp>
+      <p:graphicFrame>
+        <p:nvGraphicFramePr>
+          <p:cNvPr id="7" name="Table 6"/>
+          <p:cNvGraphicFramePr>
+            <a:graphicFrameLocks noGrp="1"/>
+          </p:cNvGraphicFramePr>
+          <p:nvPr>
+            <p:extLst>
+              <p:ext uri="{D42A27DB-BD31-4B8C-83A1-F6EECF244321}">
+                <p14:modId xmlns:p14="http://schemas.microsoft.com/office/powerpoint/2010/main" val="3845011511"/>
+              </p:ext>
+            </p:extLst>
+          </p:nvPr>
+        </p:nvGraphicFramePr>
+        <p:xfrm>
+          <a:off x="0" y="6487160"/>
+          <a:ext cx="11397675" cy="370840"/>
+        </p:xfrm>
+        <a:graphic>
+          <a:graphicData uri="http://schemas.openxmlformats.org/drawingml/2006/table">
+            <a:tbl>
+              <a:tblPr firstRow="1" bandRow="1">
+                <a:tableStyleId>{5C22544A-7EE6-4342-B048-85BDC9FD1C3A}</a:tableStyleId>
+              </a:tblPr>
+              <a:tblGrid>
+                <a:gridCol w="2279535">
+                  <a:extLst>
+                    <a:ext uri="{9D8B030D-6E8A-4147-A177-3AD203B41FA5}">
+                      <a16:colId xmlns:a16="http://schemas.microsoft.com/office/drawing/2014/main" val="1650481923"/>
+                    </a:ext>
+                  </a:extLst>
+                </a:gridCol>
+                <a:gridCol w="2279535">
+                  <a:extLst>
+                    <a:ext uri="{9D8B030D-6E8A-4147-A177-3AD203B41FA5}">
+                      <a16:colId xmlns:a16="http://schemas.microsoft.com/office/drawing/2014/main" val="363490094"/>
+                    </a:ext>
+                  </a:extLst>
+                </a:gridCol>
+                <a:gridCol w="2279535">
+                  <a:extLst>
+                    <a:ext uri="{9D8B030D-6E8A-4147-A177-3AD203B41FA5}">
+                      <a16:colId xmlns:a16="http://schemas.microsoft.com/office/drawing/2014/main" val="2961371462"/>
+                    </a:ext>
+                  </a:extLst>
+                </a:gridCol>
+                <a:gridCol w="2279535">
+                  <a:extLst>
+                    <a:ext uri="{9D8B030D-6E8A-4147-A177-3AD203B41FA5}">
+                      <a16:colId xmlns:a16="http://schemas.microsoft.com/office/drawing/2014/main" val="1073095120"/>
+                    </a:ext>
+                  </a:extLst>
+                </a:gridCol>
+                <a:gridCol w="2279535">
+                  <a:extLst>
+                    <a:ext uri="{9D8B030D-6E8A-4147-A177-3AD203B41FA5}">
+                      <a16:colId xmlns:a16="http://schemas.microsoft.com/office/drawing/2014/main" val="1682139684"/>
+                    </a:ext>
+                  </a:extLst>
+                </a:gridCol>
+              </a:tblGrid>
+              <a:tr h="370840">
+                <a:tc>
+                  <a:txBody>
+                    <a:bodyPr/>
+                    <a:lstStyle/>
+                    <a:p>
+                      <a:r>
+                        <a:rPr lang="en-US" sz="1400" dirty="0" smtClean="0">
+                          <a:solidFill>
+                            <a:schemeClr val="bg1"/>
+                          </a:solidFill>
+                        </a:rPr>
+                        <a:t>Executive</a:t>
+                      </a:r>
+                      <a:r>
+                        <a:rPr lang="en-US" sz="1400" baseline="0" dirty="0" smtClean="0">
+                          <a:solidFill>
+                            <a:schemeClr val="bg1"/>
+                          </a:solidFill>
+                        </a:rPr>
+                        <a:t> Summary</a:t>
+                      </a:r>
+                      <a:endParaRPr lang="en-GB" sz="1400" dirty="0">
+                        <a:solidFill>
+                          <a:schemeClr val="bg1"/>
+                        </a:solidFill>
+                      </a:endParaRPr>
+                    </a:p>
+                  </a:txBody>
+                  <a:tcPr>
+                    <a:lnL w="12700" cmpd="sng">
+                      <a:noFill/>
+                    </a:lnL>
+                    <a:lnR w="12700" cap="flat" cmpd="sng" algn="ctr">
+                      <a:solidFill>
+                        <a:schemeClr val="bg1"/>
+                      </a:solidFill>
+                      <a:prstDash val="solid"/>
+                      <a:round/>
+                      <a:headEnd type="none" w="med" len="med"/>
+                      <a:tailEnd type="none" w="med" len="med"/>
+                    </a:lnR>
+                    <a:lnT w="12700" cmpd="sng">
+                      <a:noFill/>
+                    </a:lnT>
+                    <a:lnB w="38100" cmpd="sng">
+                      <a:noFill/>
+                    </a:lnB>
+                    <a:lnTlToBr w="12700" cmpd="sng">
+                      <a:noFill/>
+                      <a:prstDash val="solid"/>
+                    </a:lnTlToBr>
+                    <a:lnBlToTr w="12700" cmpd="sng">
+                      <a:noFill/>
+                      <a:prstDash val="solid"/>
+                    </a:lnBlToTr>
+                    <a:solidFill>
+                      <a:srgbClr val="6F8183"/>
+                    </a:solidFill>
+                  </a:tcPr>
+                </a:tc>
+                <a:tc>
+                  <a:txBody>
+                    <a:bodyPr/>
+                    <a:lstStyle/>
+                    <a:p>
+                      <a:r>
+                        <a:rPr lang="en-US" sz="1600" dirty="0" smtClean="0">
+                          <a:solidFill>
+                            <a:schemeClr val="bg1"/>
+                          </a:solidFill>
+                        </a:rPr>
+                        <a:t>Background</a:t>
+                      </a:r>
+                      <a:endParaRPr lang="en-GB" sz="1600" dirty="0">
+                        <a:solidFill>
+                          <a:schemeClr val="bg1"/>
+                        </a:solidFill>
+                      </a:endParaRPr>
+                    </a:p>
+                  </a:txBody>
+                  <a:tcPr>
+                    <a:lnL w="12700" cap="flat" cmpd="sng" algn="ctr">
+                      <a:solidFill>
+                        <a:schemeClr val="bg1"/>
+                      </a:solidFill>
+                      <a:prstDash val="solid"/>
+                      <a:round/>
+                      <a:headEnd type="none" w="med" len="med"/>
+                      <a:tailEnd type="none" w="med" len="med"/>
+                    </a:lnL>
+                    <a:lnR w="12700" cap="flat" cmpd="sng" algn="ctr">
+                      <a:solidFill>
+                        <a:schemeClr val="bg1"/>
+                      </a:solidFill>
+                      <a:prstDash val="solid"/>
+                      <a:round/>
+                      <a:headEnd type="none" w="med" len="med"/>
+                      <a:tailEnd type="none" w="med" len="med"/>
+                    </a:lnR>
+                    <a:lnT w="12700" cmpd="sng">
+                      <a:noFill/>
+                    </a:lnT>
+                    <a:lnB w="38100" cmpd="sng">
+                      <a:noFill/>
+                    </a:lnB>
+                    <a:lnTlToBr w="12700" cmpd="sng">
+                      <a:noFill/>
+                      <a:prstDash val="solid"/>
+                    </a:lnTlToBr>
+                    <a:lnBlToTr w="12700" cmpd="sng">
+                      <a:noFill/>
+                      <a:prstDash val="solid"/>
+                    </a:lnBlToTr>
+                    <a:solidFill>
+                      <a:srgbClr val="6F8183"/>
+                    </a:solidFill>
+                  </a:tcPr>
+                </a:tc>
+                <a:tc>
+                  <a:txBody>
+                    <a:bodyPr/>
+                    <a:lstStyle/>
+                    <a:p>
+                      <a:r>
+                        <a:rPr lang="en-US" sz="1600" dirty="0" smtClean="0">
+                          <a:solidFill>
+                            <a:srgbClr val="6F8183"/>
+                          </a:solidFill>
+                        </a:rPr>
+                        <a:t>Objective</a:t>
+                      </a:r>
+                      <a:endParaRPr lang="en-GB" sz="1600" dirty="0">
+                        <a:solidFill>
+                          <a:srgbClr val="6F8183"/>
+                        </a:solidFill>
+                      </a:endParaRPr>
+                    </a:p>
+                  </a:txBody>
+                  <a:tcPr>
+                    <a:lnL w="12700" cap="flat" cmpd="sng" algn="ctr">
+                      <a:solidFill>
+                        <a:schemeClr val="bg1"/>
+                      </a:solidFill>
+                      <a:prstDash val="solid"/>
+                      <a:round/>
+                      <a:headEnd type="none" w="med" len="med"/>
+                      <a:tailEnd type="none" w="med" len="med"/>
+                    </a:lnL>
+                    <a:lnR w="12700" cap="flat" cmpd="sng" algn="ctr">
+                      <a:solidFill>
+                        <a:schemeClr val="bg1"/>
+                      </a:solidFill>
+                      <a:prstDash val="solid"/>
+                      <a:round/>
+                      <a:headEnd type="none" w="med" len="med"/>
+                      <a:tailEnd type="none" w="med" len="med"/>
+                    </a:lnR>
+                    <a:lnT w="12700" cmpd="sng">
+                      <a:noFill/>
+                    </a:lnT>
+                    <a:lnB w="38100" cmpd="sng">
+                      <a:noFill/>
+                    </a:lnB>
+                    <a:lnTlToBr w="12700" cmpd="sng">
+                      <a:noFill/>
+                      <a:prstDash val="solid"/>
+                    </a:lnTlToBr>
+                    <a:lnBlToTr w="12700" cmpd="sng">
+                      <a:noFill/>
+                      <a:prstDash val="solid"/>
+                    </a:lnBlToTr>
+                    <a:solidFill>
+                      <a:srgbClr val="F1F3F3"/>
+                    </a:solidFill>
+                  </a:tcPr>
+                </a:tc>
+                <a:tc>
+                  <a:txBody>
+                    <a:bodyPr/>
+                    <a:lstStyle/>
+                    <a:p>
+                      <a:r>
+                        <a:rPr lang="en-US" sz="1600" dirty="0" smtClean="0"/>
+                        <a:t>Architecture</a:t>
+                      </a:r>
+                      <a:endParaRPr lang="en-GB" sz="1600" dirty="0"/>
+                    </a:p>
+                  </a:txBody>
+                  <a:tcPr>
+                    <a:lnL w="12700" cap="flat" cmpd="sng" algn="ctr">
+                      <a:solidFill>
+                        <a:schemeClr val="bg1"/>
+                      </a:solidFill>
+                      <a:prstDash val="solid"/>
+                      <a:round/>
+                      <a:headEnd type="none" w="med" len="med"/>
+                      <a:tailEnd type="none" w="med" len="med"/>
+                    </a:lnL>
+                    <a:lnR w="12700" cap="flat" cmpd="sng" algn="ctr">
+                      <a:solidFill>
+                        <a:schemeClr val="bg1"/>
+                      </a:solidFill>
+                      <a:prstDash val="solid"/>
+                      <a:round/>
+                      <a:headEnd type="none" w="med" len="med"/>
+                      <a:tailEnd type="none" w="med" len="med"/>
+                    </a:lnR>
+                    <a:lnT w="12700" cmpd="sng">
+                      <a:noFill/>
+                    </a:lnT>
+                    <a:lnB w="38100" cmpd="sng">
+                      <a:noFill/>
+                    </a:lnB>
+                    <a:lnTlToBr w="12700" cmpd="sng">
+                      <a:noFill/>
+                      <a:prstDash val="solid"/>
+                    </a:lnTlToBr>
+                    <a:lnBlToTr w="12700" cmpd="sng">
+                      <a:noFill/>
+                      <a:prstDash val="solid"/>
+                    </a:lnBlToTr>
+                  </a:tcPr>
+                </a:tc>
+                <a:tc>
+                  <a:txBody>
+                    <a:bodyPr/>
+                    <a:lstStyle/>
+                    <a:p>
+                      <a:r>
+                        <a:rPr lang="en-US" sz="1600" dirty="0" smtClean="0"/>
+                        <a:t>Core Code &amp; Demo</a:t>
+                      </a:r>
+                      <a:endParaRPr lang="en-GB" sz="1600" dirty="0"/>
+                    </a:p>
+                  </a:txBody>
+                  <a:tcPr>
+                    <a:lnL w="12700" cap="flat" cmpd="sng" algn="ctr">
+                      <a:solidFill>
+                        <a:schemeClr val="bg1"/>
+                      </a:solidFill>
+                      <a:prstDash val="solid"/>
+                      <a:round/>
+                      <a:headEnd type="none" w="med" len="med"/>
+                      <a:tailEnd type="none" w="med" len="med"/>
+                    </a:lnL>
+                    <a:lnR w="12700" cmpd="sng">
+                      <a:noFill/>
+                    </a:lnR>
+                    <a:lnT w="12700" cmpd="sng">
+                      <a:noFill/>
+                    </a:lnT>
+                    <a:lnB w="38100" cmpd="sng">
+                      <a:noFill/>
+                    </a:lnB>
+                    <a:lnTlToBr w="12700" cmpd="sng">
+                      <a:noFill/>
+                      <a:prstDash val="solid"/>
+                    </a:lnTlToBr>
+                    <a:lnBlToTr w="12700" cmpd="sng">
+                      <a:noFill/>
+                      <a:prstDash val="solid"/>
+                    </a:lnBlToTr>
+                  </a:tcPr>
+                </a:tc>
+                <a:extLst>
+                  <a:ext uri="{0D108BD9-81ED-4DB2-BD59-A6C34878D82A}">
+                    <a16:rowId xmlns:a16="http://schemas.microsoft.com/office/drawing/2014/main" val="3571636592"/>
+                  </a:ext>
+                </a:extLst>
+              </a:tr>
+            </a:tbl>
+          </a:graphicData>
+        </a:graphic>
+      </p:graphicFrame>
+    </p:spTree>
+    <p:extLst>
+      <p:ext uri="{BB962C8B-B14F-4D97-AF65-F5344CB8AC3E}">
+        <p14:creationId xmlns:p14="http://schemas.microsoft.com/office/powerpoint/2010/main" val="908591399"/>
+      </p:ext>
+    </p:extLst>
+  </p:cSld>
+  <p:clrMapOvr>
+    <a:masterClrMapping/>
+  </p:clrMapOvr>
+  <p:timing>
+    <p:tnLst>
+      <p:par>
+        <p:cTn id="1" dur="indefinite" restart="never" nodeType="tmRoot"/>
+      </p:par>
+    </p:tnLst>
+  </p:timing>
+</p:sld>
+</file>
+
 <file path=ppt/theme/theme1.xml><?xml version="1.0" encoding="utf-8"?>
 <a:theme xmlns:a="http://schemas.openxmlformats.org/drawingml/2006/main" name="Wood Type">
   <a:themeElements>

--- a/presentation/Tripster Presentation.pptx
+++ b/presentation/Tripster Presentation.pptx
@@ -4063,6 +4063,13 @@
   <p:clrMapOvr>
     <a:masterClrMapping/>
   </p:clrMapOvr>
+  <p:timing>
+    <p:tnLst>
+      <p:par>
+        <p:cTn id="1" dur="indefinite" restart="never" nodeType="tmRoot"/>
+      </p:par>
+    </p:tnLst>
+  </p:timing>
 </p:sld>
 </file>
 
@@ -11004,7 +11011,7 @@
       </p:grpSpPr>
       <p:sp>
         <p:nvSpPr>
-          <p:cNvPr id="5" name="Title 4"/>
+          <p:cNvPr id="8" name="Title 7"/>
           <p:cNvSpPr>
             <a:spLocks noGrp="1"/>
           </p:cNvSpPr>
@@ -11017,13 +11024,20 @@
           <a:bodyPr/>
           <a:lstStyle/>
           <a:p>
-            <a:endParaRPr lang="en-GB"/>
+            <a:r>
+              <a:rPr lang="en-GB" dirty="0" smtClean="0"/>
+              <a:t>Objective</a:t>
+            </a:r>
+            <a:br>
+              <a:rPr lang="en-GB" dirty="0" smtClean="0"/>
+            </a:br>
+            <a:endParaRPr lang="en-GB" dirty="0"/>
           </a:p>
         </p:txBody>
       </p:sp>
       <p:sp>
         <p:nvSpPr>
-          <p:cNvPr id="6" name="Content Placeholder 5"/>
+          <p:cNvPr id="9" name="Content Placeholder 8"/>
           <p:cNvSpPr>
             <a:spLocks noGrp="1"/>
           </p:cNvSpPr>
@@ -11031,12 +11045,17 @@
             <p:ph idx="1"/>
           </p:nvPr>
         </p:nvSpPr>
-        <p:spPr/>
+        <p:spPr>
+          <a:xfrm>
+            <a:off x="1069848" y="1958109"/>
+            <a:ext cx="10058400" cy="4214091"/>
+          </a:xfrm>
+        </p:spPr>
         <p:txBody>
           <a:bodyPr/>
           <a:lstStyle/>
           <a:p>
-            <a:endParaRPr lang="en-GB"/>
+            <a:endParaRPr lang="en-GB" dirty="0"/>
           </a:p>
         </p:txBody>
       </p:sp>

--- a/presentation/Tripster Presentation.pptx
+++ b/presentation/Tripster Presentation.pptx
@@ -12,7 +12,11 @@
     <p:sldId id="260" r:id="rId6"/>
     <p:sldId id="261" r:id="rId7"/>
     <p:sldId id="262" r:id="rId8"/>
-    <p:sldId id="263" r:id="rId9"/>
+    <p:sldId id="266" r:id="rId9"/>
+    <p:sldId id="264" r:id="rId10"/>
+    <p:sldId id="267" r:id="rId11"/>
+    <p:sldId id="268" r:id="rId12"/>
+    <p:sldId id="265" r:id="rId13"/>
   </p:sldIdLst>
   <p:sldSz cx="12192000" cy="6858000"/>
   <p:notesSz cx="6858000" cy="9144000"/>
@@ -111,6 +115,11 @@
       </a:defRPr>
     </a:lvl9pPr>
   </p:defaultTextStyle>
+  <p:extLst>
+    <p:ext uri="{EFAFB233-063F-42B5-8137-9DF3F51BA10A}">
+      <p15:sldGuideLst xmlns:p15="http://schemas.microsoft.com/office/powerpoint/2012/main"/>
+    </p:ext>
+  </p:extLst>
 </p:presentation>
 </file>
 
@@ -519,7 +528,7 @@
           <a:p>
             <a:fld id="{D91B805F-FF0F-4BAA-A3A3-E4F945D687F8}" type="datetimeFigureOut">
               <a:rPr lang="en-US" dirty="0"/>
-              <a:t>8/20/2016</a:t>
+              <a:t>8/21/2016</a:t>
             </a:fld>
             <a:endParaRPr lang="en-US" dirty="0"/>
           </a:p>
@@ -694,7 +703,7 @@
           <a:p>
             <a:fld id="{780B5C51-60B3-48EF-AA78-DB950F30DBA2}" type="datetimeFigureOut">
               <a:rPr lang="en-US" dirty="0"/>
-              <a:t>8/20/2016</a:t>
+              <a:t>8/21/2016</a:t>
             </a:fld>
             <a:endParaRPr lang="en-US" dirty="0"/>
           </a:p>
@@ -869,7 +878,7 @@
           <a:p>
             <a:fld id="{C35D676B-6E73-4E3B-A9B3-4966DB9B52A5}" type="datetimeFigureOut">
               <a:rPr lang="en-US" dirty="0"/>
-              <a:t>8/20/2016</a:t>
+              <a:t>8/21/2016</a:t>
             </a:fld>
             <a:endParaRPr lang="en-US" dirty="0"/>
           </a:p>
@@ -1034,7 +1043,7 @@
           <a:p>
             <a:fld id="{2261F3A6-CC5D-4649-8527-DB0C21FDDFD9}" type="datetimeFigureOut">
               <a:rPr lang="en-US" dirty="0"/>
-              <a:t>8/20/2016</a:t>
+              <a:t>8/21/2016</a:t>
             </a:fld>
             <a:endParaRPr lang="en-US" dirty="0"/>
           </a:p>
@@ -1366,7 +1375,7 @@
           <a:p>
             <a:fld id="{5B6F927C-B73E-4F9D-ADFE-F6E23BD7CEE8}" type="datetimeFigureOut">
               <a:rPr lang="en-US" dirty="0"/>
-              <a:t>8/20/2016</a:t>
+              <a:t>8/21/2016</a:t>
             </a:fld>
             <a:endParaRPr lang="en-US" dirty="0"/>
           </a:p>
@@ -1758,7 +1767,7 @@
           <a:p>
             <a:fld id="{65B1FFFF-984A-4EE5-9BF2-EC9310C878F1}" type="datetimeFigureOut">
               <a:rPr lang="en-US" dirty="0"/>
-              <a:t>8/20/2016</a:t>
+              <a:t>8/21/2016</a:t>
             </a:fld>
             <a:endParaRPr lang="en-US" dirty="0"/>
           </a:p>
@@ -2187,7 +2196,7 @@
           <a:p>
             <a:fld id="{703271C1-B42E-4A60-A25F-0185B888604B}" type="datetimeFigureOut">
               <a:rPr lang="en-US" dirty="0"/>
-              <a:t>8/20/2016</a:t>
+              <a:t>8/21/2016</a:t>
             </a:fld>
             <a:endParaRPr lang="en-US" dirty="0"/>
           </a:p>
@@ -2300,7 +2309,7 @@
           <a:p>
             <a:fld id="{80416292-3725-4763-8973-4C59F0403D99}" type="datetimeFigureOut">
               <a:rPr lang="en-US" dirty="0"/>
-              <a:t>8/20/2016</a:t>
+              <a:t>8/21/2016</a:t>
             </a:fld>
             <a:endParaRPr lang="en-US" dirty="0"/>
           </a:p>
@@ -2390,7 +2399,7 @@
           <a:p>
             <a:fld id="{386996D1-8909-469F-911A-4C12C68BF5D9}" type="datetimeFigureOut">
               <a:rPr lang="en-US" dirty="0"/>
-              <a:t>8/20/2016</a:t>
+              <a:t>8/21/2016</a:t>
             </a:fld>
             <a:endParaRPr lang="en-US" dirty="0"/>
           </a:p>
@@ -2735,7 +2744,7 @@
           <a:p>
             <a:fld id="{E16A73BC-5D11-4675-B334-102E1E8C9B50}" type="datetimeFigureOut">
               <a:rPr lang="en-US" dirty="0"/>
-              <a:t>8/20/2016</a:t>
+              <a:t>8/21/2016</a:t>
             </a:fld>
             <a:endParaRPr lang="en-US" dirty="0"/>
           </a:p>
@@ -3172,7 +3181,7 @@
           <a:p>
             <a:fld id="{27B8E45F-652B-4E89-8925-000B0AB8FD98}" type="datetimeFigureOut">
               <a:rPr lang="en-US" dirty="0"/>
-              <a:t>8/20/2016</a:t>
+              <a:t>8/21/2016</a:t>
             </a:fld>
             <a:endParaRPr lang="en-US" dirty="0"/>
           </a:p>
@@ -3450,7 +3459,7 @@
           <a:p>
             <a:fld id="{C4A3462A-2D5B-48AF-A3D4-EF8A90A50A80}" type="datetimeFigureOut">
               <a:rPr lang="en-US" dirty="0"/>
-              <a:t>8/20/2016</a:t>
+              <a:t>8/21/2016</a:t>
             </a:fld>
             <a:endParaRPr lang="en-US" dirty="0"/>
           </a:p>
@@ -4057,6 +4066,1796 @@
     <p:extLst>
       <p:ext uri="{BB962C8B-B14F-4D97-AF65-F5344CB8AC3E}">
         <p14:creationId xmlns:p14="http://schemas.microsoft.com/office/powerpoint/2010/main" val="1883555444"/>
+      </p:ext>
+    </p:extLst>
+  </p:cSld>
+  <p:clrMapOvr>
+    <a:masterClrMapping/>
+  </p:clrMapOvr>
+  <p:timing>
+    <p:tnLst>
+      <p:par>
+        <p:cTn id="1" dur="indefinite" restart="never" nodeType="tmRoot"/>
+      </p:par>
+    </p:tnLst>
+  </p:timing>
+</p:sld>
+</file>
+
+<file path=ppt/slides/slide10.xml><?xml version="1.0" encoding="utf-8"?>
+<p:sld xmlns:a="http://schemas.openxmlformats.org/drawingml/2006/main" xmlns:r="http://schemas.openxmlformats.org/officeDocument/2006/relationships" xmlns:p="http://schemas.openxmlformats.org/presentationml/2006/main">
+  <p:cSld>
+    <p:spTree>
+      <p:nvGrpSpPr>
+        <p:cNvPr id="1" name=""/>
+        <p:cNvGrpSpPr/>
+        <p:nvPr/>
+      </p:nvGrpSpPr>
+      <p:grpSpPr>
+        <a:xfrm>
+          <a:off x="0" y="0"/>
+          <a:ext cx="0" cy="0"/>
+          <a:chOff x="0" y="0"/>
+          <a:chExt cx="0" cy="0"/>
+        </a:xfrm>
+      </p:grpSpPr>
+      <p:sp>
+        <p:nvSpPr>
+          <p:cNvPr id="5" name="Title 4"/>
+          <p:cNvSpPr>
+            <a:spLocks noGrp="1"/>
+          </p:cNvSpPr>
+          <p:nvPr>
+            <p:ph type="title"/>
+          </p:nvPr>
+        </p:nvSpPr>
+        <p:spPr/>
+        <p:txBody>
+          <a:bodyPr/>
+          <a:lstStyle/>
+          <a:p>
+            <a:r>
+              <a:rPr lang="en-GB" dirty="0" smtClean="0"/>
+              <a:t>Data Relational </a:t>
+            </a:r>
+            <a:endParaRPr lang="en-GB" dirty="0"/>
+          </a:p>
+        </p:txBody>
+      </p:sp>
+      <p:graphicFrame>
+        <p:nvGraphicFramePr>
+          <p:cNvPr id="4" name="Content Placeholder 3"/>
+          <p:cNvGraphicFramePr>
+            <a:graphicFrameLocks noGrp="1"/>
+          </p:cNvGraphicFramePr>
+          <p:nvPr>
+            <p:ph idx="1"/>
+            <p:extLst/>
+          </p:nvPr>
+        </p:nvGraphicFramePr>
+        <p:xfrm>
+          <a:off x="2244035" y="1708912"/>
+          <a:ext cx="2249695" cy="1483360"/>
+        </p:xfrm>
+        <a:graphic>
+          <a:graphicData uri="http://schemas.openxmlformats.org/drawingml/2006/table">
+            <a:tbl>
+              <a:tblPr firstRow="1" bandRow="1">
+                <a:tableStyleId>{5C22544A-7EE6-4342-B048-85BDC9FD1C3A}</a:tableStyleId>
+              </a:tblPr>
+              <a:tblGrid>
+                <a:gridCol w="2249695">
+                  <a:extLst>
+                    <a:ext uri="{9D8B030D-6E8A-4147-A177-3AD203B41FA5}">
+                      <a16:colId xmlns:a16="http://schemas.microsoft.com/office/drawing/2014/main" val="3947616385"/>
+                    </a:ext>
+                  </a:extLst>
+                </a:gridCol>
+              </a:tblGrid>
+              <a:tr h="370840">
+                <a:tc>
+                  <a:txBody>
+                    <a:bodyPr/>
+                    <a:lstStyle/>
+                    <a:p>
+                      <a:pPr algn="ctr" latinLnBrk="1"/>
+                      <a:r>
+                        <a:rPr lang="en-US" altLang="ko-KR" dirty="0" err="1" smtClean="0">
+                          <a:latin typeface="Calibri" panose="020F0502020204030204" pitchFamily="34" charset="0"/>
+                        </a:rPr>
+                        <a:t>userlist</a:t>
+                      </a:r>
+                      <a:endParaRPr lang="ko-KR" altLang="en-US" dirty="0">
+                        <a:latin typeface="Calibri" panose="020F0502020204030204" pitchFamily="34" charset="0"/>
+                      </a:endParaRPr>
+                    </a:p>
+                  </a:txBody>
+                  <a:tcPr/>
+                </a:tc>
+                <a:extLst>
+                  <a:ext uri="{0D108BD9-81ED-4DB2-BD59-A6C34878D82A}">
+                    <a16:rowId xmlns:a16="http://schemas.microsoft.com/office/drawing/2014/main" val="2864245498"/>
+                  </a:ext>
+                </a:extLst>
+              </a:tr>
+              <a:tr h="370840">
+                <a:tc>
+                  <a:txBody>
+                    <a:bodyPr/>
+                    <a:lstStyle/>
+                    <a:p>
+                      <a:pPr algn="ctr" latinLnBrk="1"/>
+                      <a:r>
+                        <a:rPr lang="en-US" altLang="ko-KR" dirty="0" smtClean="0">
+                          <a:latin typeface="Calibri" panose="020F0502020204030204" pitchFamily="34" charset="0"/>
+                        </a:rPr>
+                        <a:t>id</a:t>
+                      </a:r>
+                      <a:endParaRPr lang="ko-KR" altLang="en-US" dirty="0">
+                        <a:latin typeface="Calibri" panose="020F0502020204030204" pitchFamily="34" charset="0"/>
+                      </a:endParaRPr>
+                    </a:p>
+                  </a:txBody>
+                  <a:tcPr/>
+                </a:tc>
+                <a:extLst>
+                  <a:ext uri="{0D108BD9-81ED-4DB2-BD59-A6C34878D82A}">
+                    <a16:rowId xmlns:a16="http://schemas.microsoft.com/office/drawing/2014/main" val="1923192993"/>
+                  </a:ext>
+                </a:extLst>
+              </a:tr>
+              <a:tr h="370840">
+                <a:tc>
+                  <a:txBody>
+                    <a:bodyPr/>
+                    <a:lstStyle/>
+                    <a:p>
+                      <a:pPr algn="ctr" latinLnBrk="1"/>
+                      <a:r>
+                        <a:rPr lang="en-US" altLang="ko-KR" dirty="0" smtClean="0">
+                          <a:latin typeface="Calibri" panose="020F0502020204030204" pitchFamily="34" charset="0"/>
+                        </a:rPr>
+                        <a:t>username</a:t>
+                      </a:r>
+                      <a:endParaRPr lang="ko-KR" altLang="en-US" dirty="0">
+                        <a:latin typeface="Calibri" panose="020F0502020204030204" pitchFamily="34" charset="0"/>
+                      </a:endParaRPr>
+                    </a:p>
+                  </a:txBody>
+                  <a:tcPr/>
+                </a:tc>
+                <a:extLst>
+                  <a:ext uri="{0D108BD9-81ED-4DB2-BD59-A6C34878D82A}">
+                    <a16:rowId xmlns:a16="http://schemas.microsoft.com/office/drawing/2014/main" val="435398560"/>
+                  </a:ext>
+                </a:extLst>
+              </a:tr>
+              <a:tr h="370840">
+                <a:tc>
+                  <a:txBody>
+                    <a:bodyPr/>
+                    <a:lstStyle/>
+                    <a:p>
+                      <a:pPr algn="ctr" latinLnBrk="1"/>
+                      <a:r>
+                        <a:rPr lang="en-US" altLang="ko-KR" dirty="0" smtClean="0">
+                          <a:latin typeface="Calibri" panose="020F0502020204030204" pitchFamily="34" charset="0"/>
+                        </a:rPr>
+                        <a:t>password</a:t>
+                      </a:r>
+                      <a:endParaRPr lang="ko-KR" altLang="en-US" dirty="0">
+                        <a:latin typeface="Calibri" panose="020F0502020204030204" pitchFamily="34" charset="0"/>
+                      </a:endParaRPr>
+                    </a:p>
+                  </a:txBody>
+                  <a:tcPr/>
+                </a:tc>
+                <a:extLst>
+                  <a:ext uri="{0D108BD9-81ED-4DB2-BD59-A6C34878D82A}">
+                    <a16:rowId xmlns:a16="http://schemas.microsoft.com/office/drawing/2014/main" val="1175708259"/>
+                  </a:ext>
+                </a:extLst>
+              </a:tr>
+            </a:tbl>
+          </a:graphicData>
+        </a:graphic>
+      </p:graphicFrame>
+      <p:graphicFrame>
+        <p:nvGraphicFramePr>
+          <p:cNvPr id="7" name="Table 6"/>
+          <p:cNvGraphicFramePr>
+            <a:graphicFrameLocks noGrp="1"/>
+          </p:cNvGraphicFramePr>
+          <p:nvPr>
+            <p:extLst/>
+          </p:nvPr>
+        </p:nvGraphicFramePr>
+        <p:xfrm>
+          <a:off x="0" y="6487160"/>
+          <a:ext cx="11397675" cy="370840"/>
+        </p:xfrm>
+        <a:graphic>
+          <a:graphicData uri="http://schemas.openxmlformats.org/drawingml/2006/table">
+            <a:tbl>
+              <a:tblPr firstRow="1" bandRow="1">
+                <a:tableStyleId>{5C22544A-7EE6-4342-B048-85BDC9FD1C3A}</a:tableStyleId>
+              </a:tblPr>
+              <a:tblGrid>
+                <a:gridCol w="2279535">
+                  <a:extLst>
+                    <a:ext uri="{9D8B030D-6E8A-4147-A177-3AD203B41FA5}">
+                      <a16:colId xmlns:a16="http://schemas.microsoft.com/office/drawing/2014/main" val="1650481923"/>
+                    </a:ext>
+                  </a:extLst>
+                </a:gridCol>
+                <a:gridCol w="2279535">
+                  <a:extLst>
+                    <a:ext uri="{9D8B030D-6E8A-4147-A177-3AD203B41FA5}">
+                      <a16:colId xmlns:a16="http://schemas.microsoft.com/office/drawing/2014/main" val="363490094"/>
+                    </a:ext>
+                  </a:extLst>
+                </a:gridCol>
+                <a:gridCol w="2279535">
+                  <a:extLst>
+                    <a:ext uri="{9D8B030D-6E8A-4147-A177-3AD203B41FA5}">
+                      <a16:colId xmlns:a16="http://schemas.microsoft.com/office/drawing/2014/main" val="2961371462"/>
+                    </a:ext>
+                  </a:extLst>
+                </a:gridCol>
+                <a:gridCol w="2279535">
+                  <a:extLst>
+                    <a:ext uri="{9D8B030D-6E8A-4147-A177-3AD203B41FA5}">
+                      <a16:colId xmlns:a16="http://schemas.microsoft.com/office/drawing/2014/main" val="1073095120"/>
+                    </a:ext>
+                  </a:extLst>
+                </a:gridCol>
+                <a:gridCol w="2279535">
+                  <a:extLst>
+                    <a:ext uri="{9D8B030D-6E8A-4147-A177-3AD203B41FA5}">
+                      <a16:colId xmlns:a16="http://schemas.microsoft.com/office/drawing/2014/main" val="1682139684"/>
+                    </a:ext>
+                  </a:extLst>
+                </a:gridCol>
+              </a:tblGrid>
+              <a:tr h="370840">
+                <a:tc>
+                  <a:txBody>
+                    <a:bodyPr/>
+                    <a:lstStyle/>
+                    <a:p>
+                      <a:r>
+                        <a:rPr lang="en-US" sz="1400" dirty="0" smtClean="0">
+                          <a:solidFill>
+                            <a:schemeClr val="bg1"/>
+                          </a:solidFill>
+                        </a:rPr>
+                        <a:t>Executive</a:t>
+                      </a:r>
+                      <a:r>
+                        <a:rPr lang="en-US" sz="1400" baseline="0" dirty="0" smtClean="0">
+                          <a:solidFill>
+                            <a:schemeClr val="bg1"/>
+                          </a:solidFill>
+                        </a:rPr>
+                        <a:t> Summary</a:t>
+                      </a:r>
+                      <a:endParaRPr lang="en-GB" sz="1400" dirty="0">
+                        <a:solidFill>
+                          <a:schemeClr val="bg1"/>
+                        </a:solidFill>
+                      </a:endParaRPr>
+                    </a:p>
+                  </a:txBody>
+                  <a:tcPr>
+                    <a:lnL w="12700" cmpd="sng">
+                      <a:noFill/>
+                    </a:lnL>
+                    <a:lnR w="12700" cap="flat" cmpd="sng" algn="ctr">
+                      <a:solidFill>
+                        <a:schemeClr val="bg1"/>
+                      </a:solidFill>
+                      <a:prstDash val="solid"/>
+                      <a:round/>
+                      <a:headEnd type="none" w="med" len="med"/>
+                      <a:tailEnd type="none" w="med" len="med"/>
+                    </a:lnR>
+                    <a:lnT w="12700" cmpd="sng">
+                      <a:noFill/>
+                    </a:lnT>
+                    <a:lnB w="38100" cmpd="sng">
+                      <a:noFill/>
+                    </a:lnB>
+                    <a:lnTlToBr w="12700" cmpd="sng">
+                      <a:noFill/>
+                      <a:prstDash val="solid"/>
+                    </a:lnTlToBr>
+                    <a:lnBlToTr w="12700" cmpd="sng">
+                      <a:noFill/>
+                      <a:prstDash val="solid"/>
+                    </a:lnBlToTr>
+                    <a:solidFill>
+                      <a:srgbClr val="6F8183"/>
+                    </a:solidFill>
+                  </a:tcPr>
+                </a:tc>
+                <a:tc>
+                  <a:txBody>
+                    <a:bodyPr/>
+                    <a:lstStyle/>
+                    <a:p>
+                      <a:r>
+                        <a:rPr lang="en-US" sz="1600" dirty="0" smtClean="0">
+                          <a:solidFill>
+                            <a:schemeClr val="bg1"/>
+                          </a:solidFill>
+                        </a:rPr>
+                        <a:t>Background</a:t>
+                      </a:r>
+                      <a:endParaRPr lang="en-GB" sz="1600" dirty="0">
+                        <a:solidFill>
+                          <a:schemeClr val="bg1"/>
+                        </a:solidFill>
+                      </a:endParaRPr>
+                    </a:p>
+                  </a:txBody>
+                  <a:tcPr>
+                    <a:lnL w="12700" cap="flat" cmpd="sng" algn="ctr">
+                      <a:solidFill>
+                        <a:schemeClr val="bg1"/>
+                      </a:solidFill>
+                      <a:prstDash val="solid"/>
+                      <a:round/>
+                      <a:headEnd type="none" w="med" len="med"/>
+                      <a:tailEnd type="none" w="med" len="med"/>
+                    </a:lnL>
+                    <a:lnR w="12700" cap="flat" cmpd="sng" algn="ctr">
+                      <a:solidFill>
+                        <a:schemeClr val="bg1"/>
+                      </a:solidFill>
+                      <a:prstDash val="solid"/>
+                      <a:round/>
+                      <a:headEnd type="none" w="med" len="med"/>
+                      <a:tailEnd type="none" w="med" len="med"/>
+                    </a:lnR>
+                    <a:lnT w="12700" cmpd="sng">
+                      <a:noFill/>
+                    </a:lnT>
+                    <a:lnB w="38100" cmpd="sng">
+                      <a:noFill/>
+                    </a:lnB>
+                    <a:lnTlToBr w="12700" cmpd="sng">
+                      <a:noFill/>
+                      <a:prstDash val="solid"/>
+                    </a:lnTlToBr>
+                    <a:lnBlToTr w="12700" cmpd="sng">
+                      <a:noFill/>
+                      <a:prstDash val="solid"/>
+                    </a:lnBlToTr>
+                    <a:solidFill>
+                      <a:srgbClr val="6F8183"/>
+                    </a:solidFill>
+                  </a:tcPr>
+                </a:tc>
+                <a:tc>
+                  <a:txBody>
+                    <a:bodyPr/>
+                    <a:lstStyle/>
+                    <a:p>
+                      <a:r>
+                        <a:rPr lang="en-US" sz="1600" dirty="0" smtClean="0">
+                          <a:solidFill>
+                            <a:schemeClr val="bg1"/>
+                          </a:solidFill>
+                        </a:rPr>
+                        <a:t>Objective</a:t>
+                      </a:r>
+                      <a:endParaRPr lang="en-GB" sz="1600" dirty="0">
+                        <a:solidFill>
+                          <a:schemeClr val="bg1"/>
+                        </a:solidFill>
+                      </a:endParaRPr>
+                    </a:p>
+                  </a:txBody>
+                  <a:tcPr>
+                    <a:lnL w="12700" cap="flat" cmpd="sng" algn="ctr">
+                      <a:solidFill>
+                        <a:schemeClr val="bg1"/>
+                      </a:solidFill>
+                      <a:prstDash val="solid"/>
+                      <a:round/>
+                      <a:headEnd type="none" w="med" len="med"/>
+                      <a:tailEnd type="none" w="med" len="med"/>
+                    </a:lnL>
+                    <a:lnR w="12700" cap="flat" cmpd="sng" algn="ctr">
+                      <a:solidFill>
+                        <a:schemeClr val="bg1"/>
+                      </a:solidFill>
+                      <a:prstDash val="solid"/>
+                      <a:round/>
+                      <a:headEnd type="none" w="med" len="med"/>
+                      <a:tailEnd type="none" w="med" len="med"/>
+                    </a:lnR>
+                    <a:lnT w="12700" cmpd="sng">
+                      <a:noFill/>
+                    </a:lnT>
+                    <a:lnB w="38100" cmpd="sng">
+                      <a:noFill/>
+                    </a:lnB>
+                    <a:lnTlToBr w="12700" cmpd="sng">
+                      <a:noFill/>
+                      <a:prstDash val="solid"/>
+                    </a:lnTlToBr>
+                    <a:lnBlToTr w="12700" cmpd="sng">
+                      <a:noFill/>
+                      <a:prstDash val="solid"/>
+                    </a:lnBlToTr>
+                    <a:solidFill>
+                      <a:schemeClr val="accent1"/>
+                    </a:solidFill>
+                  </a:tcPr>
+                </a:tc>
+                <a:tc>
+                  <a:txBody>
+                    <a:bodyPr/>
+                    <a:lstStyle/>
+                    <a:p>
+                      <a:r>
+                        <a:rPr lang="en-US" sz="1600" dirty="0" smtClean="0">
+                          <a:solidFill>
+                            <a:schemeClr val="accent1"/>
+                          </a:solidFill>
+                        </a:rPr>
+                        <a:t>Architecture</a:t>
+                      </a:r>
+                      <a:endParaRPr lang="en-GB" sz="1600" dirty="0">
+                        <a:solidFill>
+                          <a:schemeClr val="accent1"/>
+                        </a:solidFill>
+                      </a:endParaRPr>
+                    </a:p>
+                  </a:txBody>
+                  <a:tcPr>
+                    <a:lnL w="12700" cap="flat" cmpd="sng" algn="ctr">
+                      <a:solidFill>
+                        <a:schemeClr val="bg1"/>
+                      </a:solidFill>
+                      <a:prstDash val="solid"/>
+                      <a:round/>
+                      <a:headEnd type="none" w="med" len="med"/>
+                      <a:tailEnd type="none" w="med" len="med"/>
+                    </a:lnL>
+                    <a:lnR w="12700" cap="flat" cmpd="sng" algn="ctr">
+                      <a:solidFill>
+                        <a:schemeClr val="bg1"/>
+                      </a:solidFill>
+                      <a:prstDash val="solid"/>
+                      <a:round/>
+                      <a:headEnd type="none" w="med" len="med"/>
+                      <a:tailEnd type="none" w="med" len="med"/>
+                    </a:lnR>
+                    <a:lnT w="12700" cmpd="sng">
+                      <a:noFill/>
+                    </a:lnT>
+                    <a:lnB w="38100" cmpd="sng">
+                      <a:noFill/>
+                    </a:lnB>
+                    <a:lnTlToBr w="12700" cmpd="sng">
+                      <a:noFill/>
+                      <a:prstDash val="solid"/>
+                    </a:lnTlToBr>
+                    <a:lnBlToTr w="12700" cmpd="sng">
+                      <a:noFill/>
+                      <a:prstDash val="solid"/>
+                    </a:lnBlToTr>
+                    <a:noFill/>
+                  </a:tcPr>
+                </a:tc>
+                <a:tc>
+                  <a:txBody>
+                    <a:bodyPr/>
+                    <a:lstStyle/>
+                    <a:p>
+                      <a:r>
+                        <a:rPr lang="en-US" sz="1600" dirty="0" smtClean="0"/>
+                        <a:t>Core Code &amp; Demo</a:t>
+                      </a:r>
+                      <a:endParaRPr lang="en-GB" sz="1600" dirty="0"/>
+                    </a:p>
+                  </a:txBody>
+                  <a:tcPr>
+                    <a:lnL w="12700" cap="flat" cmpd="sng" algn="ctr">
+                      <a:solidFill>
+                        <a:schemeClr val="bg1"/>
+                      </a:solidFill>
+                      <a:prstDash val="solid"/>
+                      <a:round/>
+                      <a:headEnd type="none" w="med" len="med"/>
+                      <a:tailEnd type="none" w="med" len="med"/>
+                    </a:lnL>
+                    <a:lnR w="12700" cmpd="sng">
+                      <a:noFill/>
+                    </a:lnR>
+                    <a:lnT w="12700" cmpd="sng">
+                      <a:noFill/>
+                    </a:lnT>
+                    <a:lnB w="38100" cmpd="sng">
+                      <a:noFill/>
+                    </a:lnB>
+                    <a:lnTlToBr w="12700" cmpd="sng">
+                      <a:noFill/>
+                      <a:prstDash val="solid"/>
+                    </a:lnTlToBr>
+                    <a:lnBlToTr w="12700" cmpd="sng">
+                      <a:noFill/>
+                      <a:prstDash val="solid"/>
+                    </a:lnBlToTr>
+                  </a:tcPr>
+                </a:tc>
+                <a:extLst>
+                  <a:ext uri="{0D108BD9-81ED-4DB2-BD59-A6C34878D82A}">
+                    <a16:rowId xmlns:a16="http://schemas.microsoft.com/office/drawing/2014/main" val="3571636592"/>
+                  </a:ext>
+                </a:extLst>
+              </a:tr>
+            </a:tbl>
+          </a:graphicData>
+        </a:graphic>
+      </p:graphicFrame>
+      <p:graphicFrame>
+        <p:nvGraphicFramePr>
+          <p:cNvPr id="8" name="Table 7"/>
+          <p:cNvGraphicFramePr>
+            <a:graphicFrameLocks noGrp="1"/>
+          </p:cNvGraphicFramePr>
+          <p:nvPr>
+            <p:extLst/>
+          </p:nvPr>
+        </p:nvGraphicFramePr>
+        <p:xfrm>
+          <a:off x="2177014" y="3774440"/>
+          <a:ext cx="2383735" cy="2225040"/>
+        </p:xfrm>
+        <a:graphic>
+          <a:graphicData uri="http://schemas.openxmlformats.org/drawingml/2006/table">
+            <a:tbl>
+              <a:tblPr firstRow="1" bandRow="1">
+                <a:tableStyleId>{5C22544A-7EE6-4342-B048-85BDC9FD1C3A}</a:tableStyleId>
+              </a:tblPr>
+              <a:tblGrid>
+                <a:gridCol w="2383735">
+                  <a:extLst>
+                    <a:ext uri="{9D8B030D-6E8A-4147-A177-3AD203B41FA5}">
+                      <a16:colId xmlns:a16="http://schemas.microsoft.com/office/drawing/2014/main" val="1527951545"/>
+                    </a:ext>
+                  </a:extLst>
+                </a:gridCol>
+              </a:tblGrid>
+              <a:tr h="370840">
+                <a:tc>
+                  <a:txBody>
+                    <a:bodyPr/>
+                    <a:lstStyle/>
+                    <a:p>
+                      <a:pPr algn="ctr" latinLnBrk="1"/>
+                      <a:r>
+                        <a:rPr lang="en-US" altLang="ko-KR" dirty="0" err="1" smtClean="0">
+                          <a:latin typeface="Calibri" panose="020F0502020204030204" pitchFamily="34" charset="0"/>
+                        </a:rPr>
+                        <a:t>eventlist</a:t>
+                      </a:r>
+                      <a:endParaRPr lang="ko-KR" altLang="en-US" dirty="0">
+                        <a:latin typeface="Calibri" panose="020F0502020204030204" pitchFamily="34" charset="0"/>
+                      </a:endParaRPr>
+                    </a:p>
+                  </a:txBody>
+                  <a:tcPr/>
+                </a:tc>
+                <a:extLst>
+                  <a:ext uri="{0D108BD9-81ED-4DB2-BD59-A6C34878D82A}">
+                    <a16:rowId xmlns:a16="http://schemas.microsoft.com/office/drawing/2014/main" val="2780343503"/>
+                  </a:ext>
+                </a:extLst>
+              </a:tr>
+              <a:tr h="370840">
+                <a:tc>
+                  <a:txBody>
+                    <a:bodyPr/>
+                    <a:lstStyle/>
+                    <a:p>
+                      <a:pPr algn="ctr" latinLnBrk="1"/>
+                      <a:r>
+                        <a:rPr lang="en-US" altLang="ko-KR" dirty="0" err="1" smtClean="0">
+                          <a:latin typeface="Calibri" panose="020F0502020204030204" pitchFamily="34" charset="0"/>
+                        </a:rPr>
+                        <a:t>eventid</a:t>
+                      </a:r>
+                      <a:endParaRPr lang="ko-KR" altLang="en-US" dirty="0">
+                        <a:latin typeface="Calibri" panose="020F0502020204030204" pitchFamily="34" charset="0"/>
+                      </a:endParaRPr>
+                    </a:p>
+                  </a:txBody>
+                  <a:tcPr/>
+                </a:tc>
+                <a:extLst>
+                  <a:ext uri="{0D108BD9-81ED-4DB2-BD59-A6C34878D82A}">
+                    <a16:rowId xmlns:a16="http://schemas.microsoft.com/office/drawing/2014/main" val="4254940267"/>
+                  </a:ext>
+                </a:extLst>
+              </a:tr>
+              <a:tr h="370840">
+                <a:tc>
+                  <a:txBody>
+                    <a:bodyPr/>
+                    <a:lstStyle/>
+                    <a:p>
+                      <a:pPr algn="ctr" latinLnBrk="1"/>
+                      <a:r>
+                        <a:rPr lang="en-US" altLang="ko-KR" dirty="0" err="1" smtClean="0">
+                          <a:latin typeface="Calibri" panose="020F0502020204030204" pitchFamily="34" charset="0"/>
+                        </a:rPr>
+                        <a:t>creatorid</a:t>
+                      </a:r>
+                      <a:endParaRPr lang="ko-KR" altLang="en-US" dirty="0">
+                        <a:latin typeface="Calibri" panose="020F0502020204030204" pitchFamily="34" charset="0"/>
+                      </a:endParaRPr>
+                    </a:p>
+                  </a:txBody>
+                  <a:tcPr/>
+                </a:tc>
+                <a:extLst>
+                  <a:ext uri="{0D108BD9-81ED-4DB2-BD59-A6C34878D82A}">
+                    <a16:rowId xmlns:a16="http://schemas.microsoft.com/office/drawing/2014/main" val="2991679624"/>
+                  </a:ext>
+                </a:extLst>
+              </a:tr>
+              <a:tr h="370840">
+                <a:tc>
+                  <a:txBody>
+                    <a:bodyPr/>
+                    <a:lstStyle/>
+                    <a:p>
+                      <a:pPr algn="ctr" latinLnBrk="1"/>
+                      <a:r>
+                        <a:rPr lang="en-US" altLang="ko-KR" dirty="0" smtClean="0">
+                          <a:latin typeface="Calibri" panose="020F0502020204030204" pitchFamily="34" charset="0"/>
+                        </a:rPr>
+                        <a:t>destination</a:t>
+                      </a:r>
+                      <a:endParaRPr lang="ko-KR" altLang="en-US" dirty="0">
+                        <a:latin typeface="Calibri" panose="020F0502020204030204" pitchFamily="34" charset="0"/>
+                      </a:endParaRPr>
+                    </a:p>
+                  </a:txBody>
+                  <a:tcPr/>
+                </a:tc>
+                <a:extLst>
+                  <a:ext uri="{0D108BD9-81ED-4DB2-BD59-A6C34878D82A}">
+                    <a16:rowId xmlns:a16="http://schemas.microsoft.com/office/drawing/2014/main" val="1701803317"/>
+                  </a:ext>
+                </a:extLst>
+              </a:tr>
+              <a:tr h="370840">
+                <a:tc>
+                  <a:txBody>
+                    <a:bodyPr/>
+                    <a:lstStyle/>
+                    <a:p>
+                      <a:pPr algn="ctr" latinLnBrk="1"/>
+                      <a:r>
+                        <a:rPr lang="en-US" altLang="ko-KR" dirty="0" smtClean="0">
+                          <a:latin typeface="Calibri" panose="020F0502020204030204" pitchFamily="34" charset="0"/>
+                        </a:rPr>
+                        <a:t>description</a:t>
+                      </a:r>
+                      <a:endParaRPr lang="ko-KR" altLang="en-US" dirty="0">
+                        <a:latin typeface="Calibri" panose="020F0502020204030204" pitchFamily="34" charset="0"/>
+                      </a:endParaRPr>
+                    </a:p>
+                  </a:txBody>
+                  <a:tcPr/>
+                </a:tc>
+                <a:extLst>
+                  <a:ext uri="{0D108BD9-81ED-4DB2-BD59-A6C34878D82A}">
+                    <a16:rowId xmlns:a16="http://schemas.microsoft.com/office/drawing/2014/main" val="3403675677"/>
+                  </a:ext>
+                </a:extLst>
+              </a:tr>
+              <a:tr h="370840">
+                <a:tc>
+                  <a:txBody>
+                    <a:bodyPr/>
+                    <a:lstStyle/>
+                    <a:p>
+                      <a:pPr algn="ctr" latinLnBrk="1"/>
+                      <a:r>
+                        <a:rPr lang="en-US" altLang="ko-KR" dirty="0" smtClean="0">
+                          <a:latin typeface="Calibri" panose="020F0502020204030204" pitchFamily="34" charset="0"/>
+                        </a:rPr>
+                        <a:t>date</a:t>
+                      </a:r>
+                      <a:endParaRPr lang="ko-KR" altLang="en-US" dirty="0">
+                        <a:latin typeface="Calibri" panose="020F0502020204030204" pitchFamily="34" charset="0"/>
+                      </a:endParaRPr>
+                    </a:p>
+                  </a:txBody>
+                  <a:tcPr/>
+                </a:tc>
+                <a:extLst>
+                  <a:ext uri="{0D108BD9-81ED-4DB2-BD59-A6C34878D82A}">
+                    <a16:rowId xmlns:a16="http://schemas.microsoft.com/office/drawing/2014/main" val="2817336283"/>
+                  </a:ext>
+                </a:extLst>
+              </a:tr>
+            </a:tbl>
+          </a:graphicData>
+        </a:graphic>
+      </p:graphicFrame>
+      <p:graphicFrame>
+        <p:nvGraphicFramePr>
+          <p:cNvPr id="9" name="Table 8"/>
+          <p:cNvGraphicFramePr>
+            <a:graphicFrameLocks noGrp="1"/>
+          </p:cNvGraphicFramePr>
+          <p:nvPr>
+            <p:extLst/>
+          </p:nvPr>
+        </p:nvGraphicFramePr>
+        <p:xfrm>
+          <a:off x="7442200" y="3178048"/>
+          <a:ext cx="2108200" cy="1112520"/>
+        </p:xfrm>
+        <a:graphic>
+          <a:graphicData uri="http://schemas.openxmlformats.org/drawingml/2006/table">
+            <a:tbl>
+              <a:tblPr firstRow="1" bandRow="1">
+                <a:tableStyleId>{5C22544A-7EE6-4342-B048-85BDC9FD1C3A}</a:tableStyleId>
+              </a:tblPr>
+              <a:tblGrid>
+                <a:gridCol w="2108200">
+                  <a:extLst>
+                    <a:ext uri="{9D8B030D-6E8A-4147-A177-3AD203B41FA5}">
+                      <a16:colId xmlns:a16="http://schemas.microsoft.com/office/drawing/2014/main" val="331576455"/>
+                    </a:ext>
+                  </a:extLst>
+                </a:gridCol>
+              </a:tblGrid>
+              <a:tr h="370840">
+                <a:tc>
+                  <a:txBody>
+                    <a:bodyPr/>
+                    <a:lstStyle/>
+                    <a:p>
+                      <a:pPr algn="ctr" latinLnBrk="1"/>
+                      <a:r>
+                        <a:rPr lang="en-US" altLang="ko-KR" dirty="0" err="1" smtClean="0">
+                          <a:latin typeface="Calibri" panose="020F0502020204030204" pitchFamily="34" charset="0"/>
+                        </a:rPr>
+                        <a:t>followerlist</a:t>
+                      </a:r>
+                      <a:endParaRPr lang="ko-KR" altLang="en-US" dirty="0">
+                        <a:latin typeface="Calibri" panose="020F0502020204030204" pitchFamily="34" charset="0"/>
+                      </a:endParaRPr>
+                    </a:p>
+                  </a:txBody>
+                  <a:tcPr/>
+                </a:tc>
+                <a:extLst>
+                  <a:ext uri="{0D108BD9-81ED-4DB2-BD59-A6C34878D82A}">
+                    <a16:rowId xmlns:a16="http://schemas.microsoft.com/office/drawing/2014/main" val="322321037"/>
+                  </a:ext>
+                </a:extLst>
+              </a:tr>
+              <a:tr h="370840">
+                <a:tc>
+                  <a:txBody>
+                    <a:bodyPr/>
+                    <a:lstStyle/>
+                    <a:p>
+                      <a:pPr algn="ctr" latinLnBrk="1"/>
+                      <a:r>
+                        <a:rPr lang="en-US" altLang="ko-KR" dirty="0" err="1" smtClean="0">
+                          <a:latin typeface="Calibri" panose="020F0502020204030204" pitchFamily="34" charset="0"/>
+                        </a:rPr>
+                        <a:t>eventid</a:t>
+                      </a:r>
+                      <a:endParaRPr lang="ko-KR" altLang="en-US" dirty="0">
+                        <a:latin typeface="Calibri" panose="020F0502020204030204" pitchFamily="34" charset="0"/>
+                      </a:endParaRPr>
+                    </a:p>
+                  </a:txBody>
+                  <a:tcPr/>
+                </a:tc>
+                <a:extLst>
+                  <a:ext uri="{0D108BD9-81ED-4DB2-BD59-A6C34878D82A}">
+                    <a16:rowId xmlns:a16="http://schemas.microsoft.com/office/drawing/2014/main" val="927384625"/>
+                  </a:ext>
+                </a:extLst>
+              </a:tr>
+              <a:tr h="370840">
+                <a:tc>
+                  <a:txBody>
+                    <a:bodyPr/>
+                    <a:lstStyle/>
+                    <a:p>
+                      <a:pPr algn="ctr" latinLnBrk="1"/>
+                      <a:r>
+                        <a:rPr lang="en-US" altLang="ko-KR" dirty="0" smtClean="0">
+                          <a:latin typeface="Calibri" panose="020F0502020204030204" pitchFamily="34" charset="0"/>
+                        </a:rPr>
+                        <a:t>follower</a:t>
+                      </a:r>
+                      <a:endParaRPr lang="ko-KR" altLang="en-US" dirty="0">
+                        <a:latin typeface="Calibri" panose="020F0502020204030204" pitchFamily="34" charset="0"/>
+                      </a:endParaRPr>
+                    </a:p>
+                  </a:txBody>
+                  <a:tcPr/>
+                </a:tc>
+                <a:extLst>
+                  <a:ext uri="{0D108BD9-81ED-4DB2-BD59-A6C34878D82A}">
+                    <a16:rowId xmlns:a16="http://schemas.microsoft.com/office/drawing/2014/main" val="726243143"/>
+                  </a:ext>
+                </a:extLst>
+              </a:tr>
+            </a:tbl>
+          </a:graphicData>
+        </a:graphic>
+      </p:graphicFrame>
+      <p:cxnSp>
+        <p:nvCxnSpPr>
+          <p:cNvPr id="11" name="Straight Connector 10"/>
+          <p:cNvCxnSpPr>
+            <a:endCxn id="9" idx="1"/>
+          </p:cNvCxnSpPr>
+          <p:nvPr/>
+        </p:nvCxnSpPr>
+        <p:spPr>
+          <a:xfrm flipV="1">
+            <a:off x="4560749" y="3734308"/>
+            <a:ext cx="2881451" cy="556260"/>
+          </a:xfrm>
+          <a:prstGeom prst="line">
+            <a:avLst/>
+          </a:prstGeom>
+          <a:ln w="6350">
+            <a:headEnd type="oval"/>
+            <a:tailEnd type="oval"/>
+          </a:ln>
+        </p:spPr>
+        <p:style>
+          <a:lnRef idx="1">
+            <a:schemeClr val="accent1"/>
+          </a:lnRef>
+          <a:fillRef idx="0">
+            <a:schemeClr val="accent1"/>
+          </a:fillRef>
+          <a:effectRef idx="0">
+            <a:schemeClr val="accent1"/>
+          </a:effectRef>
+          <a:fontRef idx="minor">
+            <a:schemeClr val="tx1"/>
+          </a:fontRef>
+        </p:style>
+      </p:cxnSp>
+      <p:cxnSp>
+        <p:nvCxnSpPr>
+          <p:cNvPr id="12" name="Straight Connector 11"/>
+          <p:cNvCxnSpPr/>
+          <p:nvPr/>
+        </p:nvCxnSpPr>
+        <p:spPr>
+          <a:xfrm flipH="1" flipV="1">
+            <a:off x="4493730" y="2245805"/>
+            <a:ext cx="2948470" cy="1828102"/>
+          </a:xfrm>
+          <a:prstGeom prst="line">
+            <a:avLst/>
+          </a:prstGeom>
+          <a:ln w="6350">
+            <a:headEnd type="oval"/>
+            <a:tailEnd type="oval"/>
+          </a:ln>
+        </p:spPr>
+        <p:style>
+          <a:lnRef idx="1">
+            <a:schemeClr val="accent1"/>
+          </a:lnRef>
+          <a:fillRef idx="0">
+            <a:schemeClr val="accent1"/>
+          </a:fillRef>
+          <a:effectRef idx="0">
+            <a:schemeClr val="accent1"/>
+          </a:effectRef>
+          <a:fontRef idx="minor">
+            <a:schemeClr val="tx1"/>
+          </a:fontRef>
+        </p:style>
+      </p:cxnSp>
+    </p:spTree>
+    <p:extLst>
+      <p:ext uri="{BB962C8B-B14F-4D97-AF65-F5344CB8AC3E}">
+        <p14:creationId xmlns:p14="http://schemas.microsoft.com/office/powerpoint/2010/main" val="4213970485"/>
+      </p:ext>
+    </p:extLst>
+  </p:cSld>
+  <p:clrMapOvr>
+    <a:masterClrMapping/>
+  </p:clrMapOvr>
+  <p:timing>
+    <p:tnLst>
+      <p:par>
+        <p:cTn id="1" dur="indefinite" restart="never" nodeType="tmRoot"/>
+      </p:par>
+    </p:tnLst>
+  </p:timing>
+</p:sld>
+</file>
+
+<file path=ppt/slides/slide11.xml><?xml version="1.0" encoding="utf-8"?>
+<p:sld xmlns:a="http://schemas.openxmlformats.org/drawingml/2006/main" xmlns:r="http://schemas.openxmlformats.org/officeDocument/2006/relationships" xmlns:p="http://schemas.openxmlformats.org/presentationml/2006/main">
+  <p:cSld>
+    <p:spTree>
+      <p:nvGrpSpPr>
+        <p:cNvPr id="1" name=""/>
+        <p:cNvGrpSpPr/>
+        <p:nvPr/>
+      </p:nvGrpSpPr>
+      <p:grpSpPr>
+        <a:xfrm>
+          <a:off x="0" y="0"/>
+          <a:ext cx="0" cy="0"/>
+          <a:chOff x="0" y="0"/>
+          <a:chExt cx="0" cy="0"/>
+        </a:xfrm>
+      </p:grpSpPr>
+      <p:sp>
+        <p:nvSpPr>
+          <p:cNvPr id="2" name="Title 1"/>
+          <p:cNvSpPr>
+            <a:spLocks noGrp="1"/>
+          </p:cNvSpPr>
+          <p:nvPr>
+            <p:ph type="title"/>
+          </p:nvPr>
+        </p:nvSpPr>
+        <p:spPr>
+          <a:xfrm>
+            <a:off x="1069848" y="484632"/>
+            <a:ext cx="10058400" cy="593054"/>
+          </a:xfrm>
+        </p:spPr>
+        <p:txBody>
+          <a:bodyPr>
+            <a:normAutofit fontScale="90000"/>
+          </a:bodyPr>
+          <a:lstStyle/>
+          <a:p>
+            <a:r>
+              <a:rPr lang="en-US" dirty="0" smtClean="0"/>
+              <a:t>Sequence Diagram 1</a:t>
+            </a:r>
+            <a:endParaRPr lang="en-GB" dirty="0"/>
+          </a:p>
+        </p:txBody>
+      </p:sp>
+      <p:pic>
+        <p:nvPicPr>
+          <p:cNvPr id="5" name="Content Placeholder 4"/>
+          <p:cNvPicPr>
+            <a:picLocks noGrp="1" noChangeAspect="1"/>
+          </p:cNvPicPr>
+          <p:nvPr>
+            <p:ph idx="1"/>
+          </p:nvPr>
+        </p:nvPicPr>
+        <p:blipFill>
+          <a:blip r:embed="rId2">
+            <a:extLst>
+              <a:ext uri="{28A0092B-C50C-407E-A947-70E740481C1C}">
+                <a14:useLocalDpi xmlns:a14="http://schemas.microsoft.com/office/drawing/2010/main" val="0"/>
+              </a:ext>
+            </a:extLst>
+          </a:blip>
+          <a:stretch>
+            <a:fillRect/>
+          </a:stretch>
+        </p:blipFill>
+        <p:spPr>
+          <a:xfrm>
+            <a:off x="1069848" y="1349579"/>
+            <a:ext cx="9340275" cy="4865687"/>
+          </a:xfrm>
+        </p:spPr>
+      </p:pic>
+      <p:graphicFrame>
+        <p:nvGraphicFramePr>
+          <p:cNvPr id="4" name="Table 3"/>
+          <p:cNvGraphicFramePr>
+            <a:graphicFrameLocks noGrp="1"/>
+          </p:cNvGraphicFramePr>
+          <p:nvPr>
+            <p:extLst>
+              <p:ext uri="{D42A27DB-BD31-4B8C-83A1-F6EECF244321}">
+                <p14:modId xmlns:p14="http://schemas.microsoft.com/office/powerpoint/2010/main" val="1861292288"/>
+              </p:ext>
+            </p:extLst>
+          </p:nvPr>
+        </p:nvGraphicFramePr>
+        <p:xfrm>
+          <a:off x="0" y="6487160"/>
+          <a:ext cx="11397675" cy="370840"/>
+        </p:xfrm>
+        <a:graphic>
+          <a:graphicData uri="http://schemas.openxmlformats.org/drawingml/2006/table">
+            <a:tbl>
+              <a:tblPr firstRow="1" bandRow="1">
+                <a:tableStyleId>{5C22544A-7EE6-4342-B048-85BDC9FD1C3A}</a:tableStyleId>
+              </a:tblPr>
+              <a:tblGrid>
+                <a:gridCol w="2279535">
+                  <a:extLst>
+                    <a:ext uri="{9D8B030D-6E8A-4147-A177-3AD203B41FA5}">
+                      <a16:colId xmlns:a16="http://schemas.microsoft.com/office/drawing/2014/main" val="1650481923"/>
+                    </a:ext>
+                  </a:extLst>
+                </a:gridCol>
+                <a:gridCol w="2279535">
+                  <a:extLst>
+                    <a:ext uri="{9D8B030D-6E8A-4147-A177-3AD203B41FA5}">
+                      <a16:colId xmlns:a16="http://schemas.microsoft.com/office/drawing/2014/main" val="363490094"/>
+                    </a:ext>
+                  </a:extLst>
+                </a:gridCol>
+                <a:gridCol w="2279535">
+                  <a:extLst>
+                    <a:ext uri="{9D8B030D-6E8A-4147-A177-3AD203B41FA5}">
+                      <a16:colId xmlns:a16="http://schemas.microsoft.com/office/drawing/2014/main" val="2961371462"/>
+                    </a:ext>
+                  </a:extLst>
+                </a:gridCol>
+                <a:gridCol w="2279535">
+                  <a:extLst>
+                    <a:ext uri="{9D8B030D-6E8A-4147-A177-3AD203B41FA5}">
+                      <a16:colId xmlns:a16="http://schemas.microsoft.com/office/drawing/2014/main" val="1073095120"/>
+                    </a:ext>
+                  </a:extLst>
+                </a:gridCol>
+                <a:gridCol w="2279535">
+                  <a:extLst>
+                    <a:ext uri="{9D8B030D-6E8A-4147-A177-3AD203B41FA5}">
+                      <a16:colId xmlns:a16="http://schemas.microsoft.com/office/drawing/2014/main" val="1682139684"/>
+                    </a:ext>
+                  </a:extLst>
+                </a:gridCol>
+              </a:tblGrid>
+              <a:tr h="370840">
+                <a:tc>
+                  <a:txBody>
+                    <a:bodyPr/>
+                    <a:lstStyle/>
+                    <a:p>
+                      <a:r>
+                        <a:rPr lang="en-US" sz="1400" dirty="0" smtClean="0">
+                          <a:solidFill>
+                            <a:schemeClr val="bg1"/>
+                          </a:solidFill>
+                        </a:rPr>
+                        <a:t>Executive</a:t>
+                      </a:r>
+                      <a:r>
+                        <a:rPr lang="en-US" sz="1400" baseline="0" dirty="0" smtClean="0">
+                          <a:solidFill>
+                            <a:schemeClr val="bg1"/>
+                          </a:solidFill>
+                        </a:rPr>
+                        <a:t> Summary</a:t>
+                      </a:r>
+                      <a:endParaRPr lang="en-GB" sz="1400" dirty="0">
+                        <a:solidFill>
+                          <a:schemeClr val="bg1"/>
+                        </a:solidFill>
+                      </a:endParaRPr>
+                    </a:p>
+                  </a:txBody>
+                  <a:tcPr>
+                    <a:lnL w="12700" cmpd="sng">
+                      <a:noFill/>
+                    </a:lnL>
+                    <a:lnR w="12700" cap="flat" cmpd="sng" algn="ctr">
+                      <a:solidFill>
+                        <a:schemeClr val="bg1"/>
+                      </a:solidFill>
+                      <a:prstDash val="solid"/>
+                      <a:round/>
+                      <a:headEnd type="none" w="med" len="med"/>
+                      <a:tailEnd type="none" w="med" len="med"/>
+                    </a:lnR>
+                    <a:lnT w="12700" cmpd="sng">
+                      <a:noFill/>
+                    </a:lnT>
+                    <a:lnB w="38100" cmpd="sng">
+                      <a:noFill/>
+                    </a:lnB>
+                    <a:lnTlToBr w="12700" cmpd="sng">
+                      <a:noFill/>
+                      <a:prstDash val="solid"/>
+                    </a:lnTlToBr>
+                    <a:lnBlToTr w="12700" cmpd="sng">
+                      <a:noFill/>
+                      <a:prstDash val="solid"/>
+                    </a:lnBlToTr>
+                    <a:solidFill>
+                      <a:srgbClr val="6F8183"/>
+                    </a:solidFill>
+                  </a:tcPr>
+                </a:tc>
+                <a:tc>
+                  <a:txBody>
+                    <a:bodyPr/>
+                    <a:lstStyle/>
+                    <a:p>
+                      <a:r>
+                        <a:rPr lang="en-US" sz="1600" dirty="0" smtClean="0">
+                          <a:solidFill>
+                            <a:schemeClr val="bg1"/>
+                          </a:solidFill>
+                        </a:rPr>
+                        <a:t>Background</a:t>
+                      </a:r>
+                      <a:endParaRPr lang="en-GB" sz="1600" dirty="0">
+                        <a:solidFill>
+                          <a:schemeClr val="bg1"/>
+                        </a:solidFill>
+                      </a:endParaRPr>
+                    </a:p>
+                  </a:txBody>
+                  <a:tcPr>
+                    <a:lnL w="12700" cap="flat" cmpd="sng" algn="ctr">
+                      <a:solidFill>
+                        <a:schemeClr val="bg1"/>
+                      </a:solidFill>
+                      <a:prstDash val="solid"/>
+                      <a:round/>
+                      <a:headEnd type="none" w="med" len="med"/>
+                      <a:tailEnd type="none" w="med" len="med"/>
+                    </a:lnL>
+                    <a:lnR w="12700" cap="flat" cmpd="sng" algn="ctr">
+                      <a:solidFill>
+                        <a:schemeClr val="bg1"/>
+                      </a:solidFill>
+                      <a:prstDash val="solid"/>
+                      <a:round/>
+                      <a:headEnd type="none" w="med" len="med"/>
+                      <a:tailEnd type="none" w="med" len="med"/>
+                    </a:lnR>
+                    <a:lnT w="12700" cmpd="sng">
+                      <a:noFill/>
+                    </a:lnT>
+                    <a:lnB w="38100" cmpd="sng">
+                      <a:noFill/>
+                    </a:lnB>
+                    <a:lnTlToBr w="12700" cmpd="sng">
+                      <a:noFill/>
+                      <a:prstDash val="solid"/>
+                    </a:lnTlToBr>
+                    <a:lnBlToTr w="12700" cmpd="sng">
+                      <a:noFill/>
+                      <a:prstDash val="solid"/>
+                    </a:lnBlToTr>
+                    <a:solidFill>
+                      <a:srgbClr val="6F8183"/>
+                    </a:solidFill>
+                  </a:tcPr>
+                </a:tc>
+                <a:tc>
+                  <a:txBody>
+                    <a:bodyPr/>
+                    <a:lstStyle/>
+                    <a:p>
+                      <a:r>
+                        <a:rPr lang="en-US" sz="1600" dirty="0" smtClean="0">
+                          <a:solidFill>
+                            <a:schemeClr val="bg1"/>
+                          </a:solidFill>
+                        </a:rPr>
+                        <a:t>Objective</a:t>
+                      </a:r>
+                      <a:endParaRPr lang="en-GB" sz="1600" dirty="0">
+                        <a:solidFill>
+                          <a:schemeClr val="bg1"/>
+                        </a:solidFill>
+                      </a:endParaRPr>
+                    </a:p>
+                  </a:txBody>
+                  <a:tcPr>
+                    <a:lnL w="12700" cap="flat" cmpd="sng" algn="ctr">
+                      <a:solidFill>
+                        <a:schemeClr val="bg1"/>
+                      </a:solidFill>
+                      <a:prstDash val="solid"/>
+                      <a:round/>
+                      <a:headEnd type="none" w="med" len="med"/>
+                      <a:tailEnd type="none" w="med" len="med"/>
+                    </a:lnL>
+                    <a:lnR w="12700" cap="flat" cmpd="sng" algn="ctr">
+                      <a:solidFill>
+                        <a:schemeClr val="bg1"/>
+                      </a:solidFill>
+                      <a:prstDash val="solid"/>
+                      <a:round/>
+                      <a:headEnd type="none" w="med" len="med"/>
+                      <a:tailEnd type="none" w="med" len="med"/>
+                    </a:lnR>
+                    <a:lnT w="12700" cmpd="sng">
+                      <a:noFill/>
+                    </a:lnT>
+                    <a:lnB w="38100" cmpd="sng">
+                      <a:noFill/>
+                    </a:lnB>
+                    <a:lnTlToBr w="12700" cmpd="sng">
+                      <a:noFill/>
+                      <a:prstDash val="solid"/>
+                    </a:lnTlToBr>
+                    <a:lnBlToTr w="12700" cmpd="sng">
+                      <a:noFill/>
+                      <a:prstDash val="solid"/>
+                    </a:lnBlToTr>
+                    <a:solidFill>
+                      <a:srgbClr val="6F8183"/>
+                    </a:solidFill>
+                  </a:tcPr>
+                </a:tc>
+                <a:tc>
+                  <a:txBody>
+                    <a:bodyPr/>
+                    <a:lstStyle/>
+                    <a:p>
+                      <a:r>
+                        <a:rPr lang="en-US" sz="1600" dirty="0" smtClean="0">
+                          <a:solidFill>
+                            <a:srgbClr val="6F8183"/>
+                          </a:solidFill>
+                        </a:rPr>
+                        <a:t>Architecture</a:t>
+                      </a:r>
+                      <a:endParaRPr lang="en-GB" sz="1600" dirty="0">
+                        <a:solidFill>
+                          <a:srgbClr val="6F8183"/>
+                        </a:solidFill>
+                      </a:endParaRPr>
+                    </a:p>
+                  </a:txBody>
+                  <a:tcPr>
+                    <a:lnL w="12700" cap="flat" cmpd="sng" algn="ctr">
+                      <a:solidFill>
+                        <a:schemeClr val="bg1"/>
+                      </a:solidFill>
+                      <a:prstDash val="solid"/>
+                      <a:round/>
+                      <a:headEnd type="none" w="med" len="med"/>
+                      <a:tailEnd type="none" w="med" len="med"/>
+                    </a:lnL>
+                    <a:lnR w="12700" cap="flat" cmpd="sng" algn="ctr">
+                      <a:solidFill>
+                        <a:schemeClr val="bg1"/>
+                      </a:solidFill>
+                      <a:prstDash val="solid"/>
+                      <a:round/>
+                      <a:headEnd type="none" w="med" len="med"/>
+                      <a:tailEnd type="none" w="med" len="med"/>
+                    </a:lnR>
+                    <a:lnT w="12700" cmpd="sng">
+                      <a:noFill/>
+                    </a:lnT>
+                    <a:lnB w="38100" cmpd="sng">
+                      <a:noFill/>
+                    </a:lnB>
+                    <a:lnTlToBr w="12700" cmpd="sng">
+                      <a:noFill/>
+                      <a:prstDash val="solid"/>
+                    </a:lnTlToBr>
+                    <a:lnBlToTr w="12700" cmpd="sng">
+                      <a:noFill/>
+                      <a:prstDash val="solid"/>
+                    </a:lnBlToTr>
+                    <a:solidFill>
+                      <a:srgbClr val="F1F3F3"/>
+                    </a:solidFill>
+                  </a:tcPr>
+                </a:tc>
+                <a:tc>
+                  <a:txBody>
+                    <a:bodyPr/>
+                    <a:lstStyle/>
+                    <a:p>
+                      <a:r>
+                        <a:rPr lang="en-US" sz="1600" dirty="0" smtClean="0"/>
+                        <a:t>Core Code &amp; Demo</a:t>
+                      </a:r>
+                      <a:endParaRPr lang="en-GB" sz="1600" dirty="0"/>
+                    </a:p>
+                  </a:txBody>
+                  <a:tcPr>
+                    <a:lnL w="12700" cap="flat" cmpd="sng" algn="ctr">
+                      <a:solidFill>
+                        <a:schemeClr val="bg1"/>
+                      </a:solidFill>
+                      <a:prstDash val="solid"/>
+                      <a:round/>
+                      <a:headEnd type="none" w="med" len="med"/>
+                      <a:tailEnd type="none" w="med" len="med"/>
+                    </a:lnL>
+                    <a:lnR w="12700" cmpd="sng">
+                      <a:noFill/>
+                    </a:lnR>
+                    <a:lnT w="12700" cmpd="sng">
+                      <a:noFill/>
+                    </a:lnT>
+                    <a:lnB w="38100" cmpd="sng">
+                      <a:noFill/>
+                    </a:lnB>
+                    <a:lnTlToBr w="12700" cmpd="sng">
+                      <a:noFill/>
+                      <a:prstDash val="solid"/>
+                    </a:lnTlToBr>
+                    <a:lnBlToTr w="12700" cmpd="sng">
+                      <a:noFill/>
+                      <a:prstDash val="solid"/>
+                    </a:lnBlToTr>
+                  </a:tcPr>
+                </a:tc>
+                <a:extLst>
+                  <a:ext uri="{0D108BD9-81ED-4DB2-BD59-A6C34878D82A}">
+                    <a16:rowId xmlns:a16="http://schemas.microsoft.com/office/drawing/2014/main" val="3571636592"/>
+                  </a:ext>
+                </a:extLst>
+              </a:tr>
+            </a:tbl>
+          </a:graphicData>
+        </a:graphic>
+      </p:graphicFrame>
+    </p:spTree>
+    <p:extLst>
+      <p:ext uri="{BB962C8B-B14F-4D97-AF65-F5344CB8AC3E}">
+        <p14:creationId xmlns:p14="http://schemas.microsoft.com/office/powerpoint/2010/main" val="3182106073"/>
+      </p:ext>
+    </p:extLst>
+  </p:cSld>
+  <p:clrMapOvr>
+    <a:masterClrMapping/>
+  </p:clrMapOvr>
+  <p:timing>
+    <p:tnLst>
+      <p:par>
+        <p:cTn id="1" dur="indefinite" restart="never" nodeType="tmRoot"/>
+      </p:par>
+    </p:tnLst>
+  </p:timing>
+</p:sld>
+</file>
+
+<file path=ppt/slides/slide12.xml><?xml version="1.0" encoding="utf-8"?>
+<p:sld xmlns:a="http://schemas.openxmlformats.org/drawingml/2006/main" xmlns:r="http://schemas.openxmlformats.org/officeDocument/2006/relationships" xmlns:p="http://schemas.openxmlformats.org/presentationml/2006/main">
+  <p:cSld>
+    <p:spTree>
+      <p:nvGrpSpPr>
+        <p:cNvPr id="1" name=""/>
+        <p:cNvGrpSpPr/>
+        <p:nvPr/>
+      </p:nvGrpSpPr>
+      <p:grpSpPr>
+        <a:xfrm>
+          <a:off x="0" y="0"/>
+          <a:ext cx="0" cy="0"/>
+          <a:chOff x="0" y="0"/>
+          <a:chExt cx="0" cy="0"/>
+        </a:xfrm>
+      </p:grpSpPr>
+      <p:sp>
+        <p:nvSpPr>
+          <p:cNvPr id="2" name="Title 1"/>
+          <p:cNvSpPr>
+            <a:spLocks noGrp="1"/>
+          </p:cNvSpPr>
+          <p:nvPr>
+            <p:ph type="title"/>
+          </p:nvPr>
+        </p:nvSpPr>
+        <p:spPr>
+          <a:xfrm>
+            <a:off x="1069848" y="484632"/>
+            <a:ext cx="10058400" cy="217332"/>
+          </a:xfrm>
+        </p:spPr>
+        <p:txBody>
+          <a:bodyPr>
+            <a:normAutofit fontScale="90000"/>
+          </a:bodyPr>
+          <a:lstStyle/>
+          <a:p>
+            <a:r>
+              <a:rPr lang="en-US" dirty="0" smtClean="0"/>
+              <a:t>Sequence Diagram</a:t>
+            </a:r>
+            <a:endParaRPr lang="en-GB" dirty="0"/>
+          </a:p>
+        </p:txBody>
+      </p:sp>
+      <p:sp>
+        <p:nvSpPr>
+          <p:cNvPr id="3" name="Content Placeholder 2"/>
+          <p:cNvSpPr>
+            <a:spLocks noGrp="1"/>
+          </p:cNvSpPr>
+          <p:nvPr>
+            <p:ph idx="1"/>
+          </p:nvPr>
+        </p:nvSpPr>
+        <p:spPr>
+          <a:xfrm>
+            <a:off x="1069848" y="895927"/>
+            <a:ext cx="10058400" cy="5276273"/>
+          </a:xfrm>
+        </p:spPr>
+        <p:txBody>
+          <a:bodyPr/>
+          <a:lstStyle/>
+          <a:p>
+            <a:endParaRPr lang="en-GB"/>
+          </a:p>
+        </p:txBody>
+      </p:sp>
+      <p:graphicFrame>
+        <p:nvGraphicFramePr>
+          <p:cNvPr id="4" name="Table 3"/>
+          <p:cNvGraphicFramePr>
+            <a:graphicFrameLocks noGrp="1"/>
+          </p:cNvGraphicFramePr>
+          <p:nvPr>
+            <p:extLst>
+              <p:ext uri="{D42A27DB-BD31-4B8C-83A1-F6EECF244321}">
+                <p14:modId xmlns:p14="http://schemas.microsoft.com/office/powerpoint/2010/main" val="1901265385"/>
+              </p:ext>
+            </p:extLst>
+          </p:nvPr>
+        </p:nvGraphicFramePr>
+        <p:xfrm>
+          <a:off x="0" y="6487160"/>
+          <a:ext cx="11397675" cy="370840"/>
+        </p:xfrm>
+        <a:graphic>
+          <a:graphicData uri="http://schemas.openxmlformats.org/drawingml/2006/table">
+            <a:tbl>
+              <a:tblPr firstRow="1" bandRow="1">
+                <a:tableStyleId>{5C22544A-7EE6-4342-B048-85BDC9FD1C3A}</a:tableStyleId>
+              </a:tblPr>
+              <a:tblGrid>
+                <a:gridCol w="2279535">
+                  <a:extLst>
+                    <a:ext uri="{9D8B030D-6E8A-4147-A177-3AD203B41FA5}">
+                      <a16:colId xmlns:a16="http://schemas.microsoft.com/office/drawing/2014/main" val="1650481923"/>
+                    </a:ext>
+                  </a:extLst>
+                </a:gridCol>
+                <a:gridCol w="2279535">
+                  <a:extLst>
+                    <a:ext uri="{9D8B030D-6E8A-4147-A177-3AD203B41FA5}">
+                      <a16:colId xmlns:a16="http://schemas.microsoft.com/office/drawing/2014/main" val="363490094"/>
+                    </a:ext>
+                  </a:extLst>
+                </a:gridCol>
+                <a:gridCol w="2279535">
+                  <a:extLst>
+                    <a:ext uri="{9D8B030D-6E8A-4147-A177-3AD203B41FA5}">
+                      <a16:colId xmlns:a16="http://schemas.microsoft.com/office/drawing/2014/main" val="2961371462"/>
+                    </a:ext>
+                  </a:extLst>
+                </a:gridCol>
+                <a:gridCol w="2279535">
+                  <a:extLst>
+                    <a:ext uri="{9D8B030D-6E8A-4147-A177-3AD203B41FA5}">
+                      <a16:colId xmlns:a16="http://schemas.microsoft.com/office/drawing/2014/main" val="1073095120"/>
+                    </a:ext>
+                  </a:extLst>
+                </a:gridCol>
+                <a:gridCol w="2279535">
+                  <a:extLst>
+                    <a:ext uri="{9D8B030D-6E8A-4147-A177-3AD203B41FA5}">
+                      <a16:colId xmlns:a16="http://schemas.microsoft.com/office/drawing/2014/main" val="1682139684"/>
+                    </a:ext>
+                  </a:extLst>
+                </a:gridCol>
+              </a:tblGrid>
+              <a:tr h="370840">
+                <a:tc>
+                  <a:txBody>
+                    <a:bodyPr/>
+                    <a:lstStyle/>
+                    <a:p>
+                      <a:r>
+                        <a:rPr lang="en-US" sz="1400" dirty="0" smtClean="0">
+                          <a:solidFill>
+                            <a:schemeClr val="bg1"/>
+                          </a:solidFill>
+                        </a:rPr>
+                        <a:t>Executive</a:t>
+                      </a:r>
+                      <a:r>
+                        <a:rPr lang="en-US" sz="1400" baseline="0" dirty="0" smtClean="0">
+                          <a:solidFill>
+                            <a:schemeClr val="bg1"/>
+                          </a:solidFill>
+                        </a:rPr>
+                        <a:t> Summary</a:t>
+                      </a:r>
+                      <a:endParaRPr lang="en-GB" sz="1400" dirty="0">
+                        <a:solidFill>
+                          <a:schemeClr val="bg1"/>
+                        </a:solidFill>
+                      </a:endParaRPr>
+                    </a:p>
+                  </a:txBody>
+                  <a:tcPr>
+                    <a:lnL w="12700" cmpd="sng">
+                      <a:noFill/>
+                    </a:lnL>
+                    <a:lnR w="12700" cap="flat" cmpd="sng" algn="ctr">
+                      <a:solidFill>
+                        <a:schemeClr val="bg1"/>
+                      </a:solidFill>
+                      <a:prstDash val="solid"/>
+                      <a:round/>
+                      <a:headEnd type="none" w="med" len="med"/>
+                      <a:tailEnd type="none" w="med" len="med"/>
+                    </a:lnR>
+                    <a:lnT w="12700" cmpd="sng">
+                      <a:noFill/>
+                    </a:lnT>
+                    <a:lnB w="38100" cmpd="sng">
+                      <a:noFill/>
+                    </a:lnB>
+                    <a:lnTlToBr w="12700" cmpd="sng">
+                      <a:noFill/>
+                      <a:prstDash val="solid"/>
+                    </a:lnTlToBr>
+                    <a:lnBlToTr w="12700" cmpd="sng">
+                      <a:noFill/>
+                      <a:prstDash val="solid"/>
+                    </a:lnBlToTr>
+                    <a:solidFill>
+                      <a:srgbClr val="6F8183"/>
+                    </a:solidFill>
+                  </a:tcPr>
+                </a:tc>
+                <a:tc>
+                  <a:txBody>
+                    <a:bodyPr/>
+                    <a:lstStyle/>
+                    <a:p>
+                      <a:r>
+                        <a:rPr lang="en-US" sz="1600" dirty="0" smtClean="0">
+                          <a:solidFill>
+                            <a:schemeClr val="bg1"/>
+                          </a:solidFill>
+                        </a:rPr>
+                        <a:t>Background</a:t>
+                      </a:r>
+                      <a:endParaRPr lang="en-GB" sz="1600" dirty="0">
+                        <a:solidFill>
+                          <a:schemeClr val="bg1"/>
+                        </a:solidFill>
+                      </a:endParaRPr>
+                    </a:p>
+                  </a:txBody>
+                  <a:tcPr>
+                    <a:lnL w="12700" cap="flat" cmpd="sng" algn="ctr">
+                      <a:solidFill>
+                        <a:schemeClr val="bg1"/>
+                      </a:solidFill>
+                      <a:prstDash val="solid"/>
+                      <a:round/>
+                      <a:headEnd type="none" w="med" len="med"/>
+                      <a:tailEnd type="none" w="med" len="med"/>
+                    </a:lnL>
+                    <a:lnR w="12700" cap="flat" cmpd="sng" algn="ctr">
+                      <a:solidFill>
+                        <a:schemeClr val="bg1"/>
+                      </a:solidFill>
+                      <a:prstDash val="solid"/>
+                      <a:round/>
+                      <a:headEnd type="none" w="med" len="med"/>
+                      <a:tailEnd type="none" w="med" len="med"/>
+                    </a:lnR>
+                    <a:lnT w="12700" cmpd="sng">
+                      <a:noFill/>
+                    </a:lnT>
+                    <a:lnB w="38100" cmpd="sng">
+                      <a:noFill/>
+                    </a:lnB>
+                    <a:lnTlToBr w="12700" cmpd="sng">
+                      <a:noFill/>
+                      <a:prstDash val="solid"/>
+                    </a:lnTlToBr>
+                    <a:lnBlToTr w="12700" cmpd="sng">
+                      <a:noFill/>
+                      <a:prstDash val="solid"/>
+                    </a:lnBlToTr>
+                    <a:solidFill>
+                      <a:srgbClr val="6F8183"/>
+                    </a:solidFill>
+                  </a:tcPr>
+                </a:tc>
+                <a:tc>
+                  <a:txBody>
+                    <a:bodyPr/>
+                    <a:lstStyle/>
+                    <a:p>
+                      <a:r>
+                        <a:rPr lang="en-US" sz="1600" dirty="0" smtClean="0">
+                          <a:solidFill>
+                            <a:schemeClr val="bg1"/>
+                          </a:solidFill>
+                        </a:rPr>
+                        <a:t>Objective</a:t>
+                      </a:r>
+                      <a:endParaRPr lang="en-GB" sz="1600" dirty="0">
+                        <a:solidFill>
+                          <a:schemeClr val="bg1"/>
+                        </a:solidFill>
+                      </a:endParaRPr>
+                    </a:p>
+                  </a:txBody>
+                  <a:tcPr>
+                    <a:lnL w="12700" cap="flat" cmpd="sng" algn="ctr">
+                      <a:solidFill>
+                        <a:schemeClr val="bg1"/>
+                      </a:solidFill>
+                      <a:prstDash val="solid"/>
+                      <a:round/>
+                      <a:headEnd type="none" w="med" len="med"/>
+                      <a:tailEnd type="none" w="med" len="med"/>
+                    </a:lnL>
+                    <a:lnR w="12700" cap="flat" cmpd="sng" algn="ctr">
+                      <a:solidFill>
+                        <a:schemeClr val="bg1"/>
+                      </a:solidFill>
+                      <a:prstDash val="solid"/>
+                      <a:round/>
+                      <a:headEnd type="none" w="med" len="med"/>
+                      <a:tailEnd type="none" w="med" len="med"/>
+                    </a:lnR>
+                    <a:lnT w="12700" cmpd="sng">
+                      <a:noFill/>
+                    </a:lnT>
+                    <a:lnB w="38100" cmpd="sng">
+                      <a:noFill/>
+                    </a:lnB>
+                    <a:lnTlToBr w="12700" cmpd="sng">
+                      <a:noFill/>
+                      <a:prstDash val="solid"/>
+                    </a:lnTlToBr>
+                    <a:lnBlToTr w="12700" cmpd="sng">
+                      <a:noFill/>
+                      <a:prstDash val="solid"/>
+                    </a:lnBlToTr>
+                    <a:solidFill>
+                      <a:srgbClr val="6F8183"/>
+                    </a:solidFill>
+                  </a:tcPr>
+                </a:tc>
+                <a:tc>
+                  <a:txBody>
+                    <a:bodyPr/>
+                    <a:lstStyle/>
+                    <a:p>
+                      <a:r>
+                        <a:rPr lang="en-US" sz="1600" dirty="0" smtClean="0">
+                          <a:solidFill>
+                            <a:srgbClr val="6F8183"/>
+                          </a:solidFill>
+                        </a:rPr>
+                        <a:t>Architecture</a:t>
+                      </a:r>
+                      <a:endParaRPr lang="en-GB" sz="1600" dirty="0">
+                        <a:solidFill>
+                          <a:srgbClr val="6F8183"/>
+                        </a:solidFill>
+                      </a:endParaRPr>
+                    </a:p>
+                  </a:txBody>
+                  <a:tcPr>
+                    <a:lnL w="12700" cap="flat" cmpd="sng" algn="ctr">
+                      <a:solidFill>
+                        <a:schemeClr val="bg1"/>
+                      </a:solidFill>
+                      <a:prstDash val="solid"/>
+                      <a:round/>
+                      <a:headEnd type="none" w="med" len="med"/>
+                      <a:tailEnd type="none" w="med" len="med"/>
+                    </a:lnL>
+                    <a:lnR w="12700" cap="flat" cmpd="sng" algn="ctr">
+                      <a:solidFill>
+                        <a:schemeClr val="bg1"/>
+                      </a:solidFill>
+                      <a:prstDash val="solid"/>
+                      <a:round/>
+                      <a:headEnd type="none" w="med" len="med"/>
+                      <a:tailEnd type="none" w="med" len="med"/>
+                    </a:lnR>
+                    <a:lnT w="12700" cmpd="sng">
+                      <a:noFill/>
+                    </a:lnT>
+                    <a:lnB w="38100" cmpd="sng">
+                      <a:noFill/>
+                    </a:lnB>
+                    <a:lnTlToBr w="12700" cmpd="sng">
+                      <a:noFill/>
+                      <a:prstDash val="solid"/>
+                    </a:lnTlToBr>
+                    <a:lnBlToTr w="12700" cmpd="sng">
+                      <a:noFill/>
+                      <a:prstDash val="solid"/>
+                    </a:lnBlToTr>
+                    <a:solidFill>
+                      <a:srgbClr val="F1F3F3"/>
+                    </a:solidFill>
+                  </a:tcPr>
+                </a:tc>
+                <a:tc>
+                  <a:txBody>
+                    <a:bodyPr/>
+                    <a:lstStyle/>
+                    <a:p>
+                      <a:r>
+                        <a:rPr lang="en-US" sz="1600" dirty="0" smtClean="0"/>
+                        <a:t>Core Code &amp; Demo</a:t>
+                      </a:r>
+                      <a:endParaRPr lang="en-GB" sz="1600" dirty="0"/>
+                    </a:p>
+                  </a:txBody>
+                  <a:tcPr>
+                    <a:lnL w="12700" cap="flat" cmpd="sng" algn="ctr">
+                      <a:solidFill>
+                        <a:schemeClr val="bg1"/>
+                      </a:solidFill>
+                      <a:prstDash val="solid"/>
+                      <a:round/>
+                      <a:headEnd type="none" w="med" len="med"/>
+                      <a:tailEnd type="none" w="med" len="med"/>
+                    </a:lnL>
+                    <a:lnR w="12700" cmpd="sng">
+                      <a:noFill/>
+                    </a:lnR>
+                    <a:lnT w="12700" cmpd="sng">
+                      <a:noFill/>
+                    </a:lnT>
+                    <a:lnB w="38100" cmpd="sng">
+                      <a:noFill/>
+                    </a:lnB>
+                    <a:lnTlToBr w="12700" cmpd="sng">
+                      <a:noFill/>
+                      <a:prstDash val="solid"/>
+                    </a:lnTlToBr>
+                    <a:lnBlToTr w="12700" cmpd="sng">
+                      <a:noFill/>
+                      <a:prstDash val="solid"/>
+                    </a:lnBlToTr>
+                  </a:tcPr>
+                </a:tc>
+                <a:extLst>
+                  <a:ext uri="{0D108BD9-81ED-4DB2-BD59-A6C34878D82A}">
+                    <a16:rowId xmlns:a16="http://schemas.microsoft.com/office/drawing/2014/main" val="3571636592"/>
+                  </a:ext>
+                </a:extLst>
+              </a:tr>
+            </a:tbl>
+          </a:graphicData>
+        </a:graphic>
+      </p:graphicFrame>
+    </p:spTree>
+    <p:extLst>
+      <p:ext uri="{BB962C8B-B14F-4D97-AF65-F5344CB8AC3E}">
+        <p14:creationId xmlns:p14="http://schemas.microsoft.com/office/powerpoint/2010/main" val="1881972558"/>
       </p:ext>
     </p:extLst>
   </p:cSld>
@@ -11011,7 +12810,7 @@
       </p:grpSpPr>
       <p:sp>
         <p:nvSpPr>
-          <p:cNvPr id="8" name="Title 7"/>
+          <p:cNvPr id="5" name="Title 4"/>
           <p:cNvSpPr>
             <a:spLocks noGrp="1"/>
           </p:cNvSpPr>
@@ -11028,16 +12827,13 @@
               <a:rPr lang="en-GB" dirty="0" smtClean="0"/>
               <a:t>Objective</a:t>
             </a:r>
-            <a:br>
-              <a:rPr lang="en-GB" dirty="0" smtClean="0"/>
-            </a:br>
             <a:endParaRPr lang="en-GB" dirty="0"/>
           </a:p>
         </p:txBody>
       </p:sp>
       <p:sp>
         <p:nvSpPr>
-          <p:cNvPr id="9" name="Content Placeholder 8"/>
+          <p:cNvPr id="6" name="Content Placeholder 5"/>
           <p:cNvSpPr>
             <a:spLocks noGrp="1"/>
           </p:cNvSpPr>
@@ -11045,17 +12841,35 @@
             <p:ph idx="1"/>
           </p:nvPr>
         </p:nvSpPr>
-        <p:spPr>
-          <a:xfrm>
-            <a:off x="1069848" y="1958109"/>
-            <a:ext cx="10058400" cy="4214091"/>
-          </a:xfrm>
-        </p:spPr>
+        <p:spPr/>
         <p:txBody>
           <a:bodyPr/>
           <a:lstStyle/>
           <a:p>
-            <a:endParaRPr lang="en-GB" dirty="0"/>
+            <a:r>
+              <a:rPr lang="en-GB" dirty="0" smtClean="0"/>
+              <a:t>Manage trip : all people know trip schedule</a:t>
+            </a:r>
+          </a:p>
+          <a:p>
+            <a:r>
+              <a:rPr lang="en-GB" dirty="0" smtClean="0"/>
+              <a:t>Have more experience visiting many place in Korea</a:t>
+            </a:r>
+          </a:p>
+          <a:p>
+            <a:r>
+              <a:rPr lang="en-GB" dirty="0" smtClean="0"/>
+              <a:t>Spend time together, </a:t>
+            </a:r>
+            <a:r>
+              <a:rPr lang="en-GB" dirty="0"/>
+              <a:t>t</a:t>
+            </a:r>
+            <a:r>
+              <a:rPr lang="en-GB" dirty="0" smtClean="0"/>
+              <a:t>eam building : make the best teamwork</a:t>
+            </a:r>
           </a:p>
         </p:txBody>
       </p:sp>
@@ -11066,9 +12880,430 @@
             <a:graphicFrameLocks noGrp="1"/>
           </p:cNvGraphicFramePr>
           <p:nvPr>
+            <p:extLst/>
+          </p:nvPr>
+        </p:nvGraphicFramePr>
+        <p:xfrm>
+          <a:off x="0" y="6487160"/>
+          <a:ext cx="11397675" cy="370840"/>
+        </p:xfrm>
+        <a:graphic>
+          <a:graphicData uri="http://schemas.openxmlformats.org/drawingml/2006/table">
+            <a:tbl>
+              <a:tblPr firstRow="1" bandRow="1">
+                <a:tableStyleId>{5C22544A-7EE6-4342-B048-85BDC9FD1C3A}</a:tableStyleId>
+              </a:tblPr>
+              <a:tblGrid>
+                <a:gridCol w="2279535">
+                  <a:extLst>
+                    <a:ext uri="{9D8B030D-6E8A-4147-A177-3AD203B41FA5}">
+                      <a16:colId xmlns:a16="http://schemas.microsoft.com/office/drawing/2014/main" val="1650481923"/>
+                    </a:ext>
+                  </a:extLst>
+                </a:gridCol>
+                <a:gridCol w="2279535">
+                  <a:extLst>
+                    <a:ext uri="{9D8B030D-6E8A-4147-A177-3AD203B41FA5}">
+                      <a16:colId xmlns:a16="http://schemas.microsoft.com/office/drawing/2014/main" val="363490094"/>
+                    </a:ext>
+                  </a:extLst>
+                </a:gridCol>
+                <a:gridCol w="2279535">
+                  <a:extLst>
+                    <a:ext uri="{9D8B030D-6E8A-4147-A177-3AD203B41FA5}">
+                      <a16:colId xmlns:a16="http://schemas.microsoft.com/office/drawing/2014/main" val="2961371462"/>
+                    </a:ext>
+                  </a:extLst>
+                </a:gridCol>
+                <a:gridCol w="2279535">
+                  <a:extLst>
+                    <a:ext uri="{9D8B030D-6E8A-4147-A177-3AD203B41FA5}">
+                      <a16:colId xmlns:a16="http://schemas.microsoft.com/office/drawing/2014/main" val="1073095120"/>
+                    </a:ext>
+                  </a:extLst>
+                </a:gridCol>
+                <a:gridCol w="2279535">
+                  <a:extLst>
+                    <a:ext uri="{9D8B030D-6E8A-4147-A177-3AD203B41FA5}">
+                      <a16:colId xmlns:a16="http://schemas.microsoft.com/office/drawing/2014/main" val="1682139684"/>
+                    </a:ext>
+                  </a:extLst>
+                </a:gridCol>
+              </a:tblGrid>
+              <a:tr h="370840">
+                <a:tc>
+                  <a:txBody>
+                    <a:bodyPr/>
+                    <a:lstStyle/>
+                    <a:p>
+                      <a:r>
+                        <a:rPr lang="en-US" sz="1400" dirty="0" smtClean="0">
+                          <a:solidFill>
+                            <a:schemeClr val="bg1"/>
+                          </a:solidFill>
+                        </a:rPr>
+                        <a:t>Executive</a:t>
+                      </a:r>
+                      <a:r>
+                        <a:rPr lang="en-US" sz="1400" baseline="0" dirty="0" smtClean="0">
+                          <a:solidFill>
+                            <a:schemeClr val="bg1"/>
+                          </a:solidFill>
+                        </a:rPr>
+                        <a:t> Summary</a:t>
+                      </a:r>
+                      <a:endParaRPr lang="en-GB" sz="1400" dirty="0">
+                        <a:solidFill>
+                          <a:schemeClr val="bg1"/>
+                        </a:solidFill>
+                      </a:endParaRPr>
+                    </a:p>
+                  </a:txBody>
+                  <a:tcPr>
+                    <a:lnL w="12700" cmpd="sng">
+                      <a:noFill/>
+                    </a:lnL>
+                    <a:lnR w="12700" cap="flat" cmpd="sng" algn="ctr">
+                      <a:solidFill>
+                        <a:schemeClr val="bg1"/>
+                      </a:solidFill>
+                      <a:prstDash val="solid"/>
+                      <a:round/>
+                      <a:headEnd type="none" w="med" len="med"/>
+                      <a:tailEnd type="none" w="med" len="med"/>
+                    </a:lnR>
+                    <a:lnT w="12700" cmpd="sng">
+                      <a:noFill/>
+                    </a:lnT>
+                    <a:lnB w="38100" cmpd="sng">
+                      <a:noFill/>
+                    </a:lnB>
+                    <a:lnTlToBr w="12700" cmpd="sng">
+                      <a:noFill/>
+                      <a:prstDash val="solid"/>
+                    </a:lnTlToBr>
+                    <a:lnBlToTr w="12700" cmpd="sng">
+                      <a:noFill/>
+                      <a:prstDash val="solid"/>
+                    </a:lnBlToTr>
+                    <a:solidFill>
+                      <a:srgbClr val="6F8183"/>
+                    </a:solidFill>
+                  </a:tcPr>
+                </a:tc>
+                <a:tc>
+                  <a:txBody>
+                    <a:bodyPr/>
+                    <a:lstStyle/>
+                    <a:p>
+                      <a:r>
+                        <a:rPr lang="en-US" sz="1600" dirty="0" smtClean="0">
+                          <a:solidFill>
+                            <a:schemeClr val="bg1"/>
+                          </a:solidFill>
+                        </a:rPr>
+                        <a:t>Background</a:t>
+                      </a:r>
+                      <a:endParaRPr lang="en-GB" sz="1600" dirty="0">
+                        <a:solidFill>
+                          <a:schemeClr val="bg1"/>
+                        </a:solidFill>
+                      </a:endParaRPr>
+                    </a:p>
+                  </a:txBody>
+                  <a:tcPr>
+                    <a:lnL w="12700" cap="flat" cmpd="sng" algn="ctr">
+                      <a:solidFill>
+                        <a:schemeClr val="bg1"/>
+                      </a:solidFill>
+                      <a:prstDash val="solid"/>
+                      <a:round/>
+                      <a:headEnd type="none" w="med" len="med"/>
+                      <a:tailEnd type="none" w="med" len="med"/>
+                    </a:lnL>
+                    <a:lnR w="12700" cap="flat" cmpd="sng" algn="ctr">
+                      <a:solidFill>
+                        <a:schemeClr val="bg1"/>
+                      </a:solidFill>
+                      <a:prstDash val="solid"/>
+                      <a:round/>
+                      <a:headEnd type="none" w="med" len="med"/>
+                      <a:tailEnd type="none" w="med" len="med"/>
+                    </a:lnR>
+                    <a:lnT w="12700" cmpd="sng">
+                      <a:noFill/>
+                    </a:lnT>
+                    <a:lnB w="38100" cmpd="sng">
+                      <a:noFill/>
+                    </a:lnB>
+                    <a:lnTlToBr w="12700" cmpd="sng">
+                      <a:noFill/>
+                      <a:prstDash val="solid"/>
+                    </a:lnTlToBr>
+                    <a:lnBlToTr w="12700" cmpd="sng">
+                      <a:noFill/>
+                      <a:prstDash val="solid"/>
+                    </a:lnBlToTr>
+                    <a:solidFill>
+                      <a:srgbClr val="6F8183"/>
+                    </a:solidFill>
+                  </a:tcPr>
+                </a:tc>
+                <a:tc>
+                  <a:txBody>
+                    <a:bodyPr/>
+                    <a:lstStyle/>
+                    <a:p>
+                      <a:r>
+                        <a:rPr lang="en-US" sz="1600" dirty="0" smtClean="0">
+                          <a:solidFill>
+                            <a:srgbClr val="6F8183"/>
+                          </a:solidFill>
+                        </a:rPr>
+                        <a:t>Objective</a:t>
+                      </a:r>
+                      <a:endParaRPr lang="en-GB" sz="1600" dirty="0">
+                        <a:solidFill>
+                          <a:srgbClr val="6F8183"/>
+                        </a:solidFill>
+                      </a:endParaRPr>
+                    </a:p>
+                  </a:txBody>
+                  <a:tcPr>
+                    <a:lnL w="12700" cap="flat" cmpd="sng" algn="ctr">
+                      <a:solidFill>
+                        <a:schemeClr val="bg1"/>
+                      </a:solidFill>
+                      <a:prstDash val="solid"/>
+                      <a:round/>
+                      <a:headEnd type="none" w="med" len="med"/>
+                      <a:tailEnd type="none" w="med" len="med"/>
+                    </a:lnL>
+                    <a:lnR w="12700" cap="flat" cmpd="sng" algn="ctr">
+                      <a:solidFill>
+                        <a:schemeClr val="bg1"/>
+                      </a:solidFill>
+                      <a:prstDash val="solid"/>
+                      <a:round/>
+                      <a:headEnd type="none" w="med" len="med"/>
+                      <a:tailEnd type="none" w="med" len="med"/>
+                    </a:lnR>
+                    <a:lnT w="12700" cmpd="sng">
+                      <a:noFill/>
+                    </a:lnT>
+                    <a:lnB w="38100" cmpd="sng">
+                      <a:noFill/>
+                    </a:lnB>
+                    <a:lnTlToBr w="12700" cmpd="sng">
+                      <a:noFill/>
+                      <a:prstDash val="solid"/>
+                    </a:lnTlToBr>
+                    <a:lnBlToTr w="12700" cmpd="sng">
+                      <a:noFill/>
+                      <a:prstDash val="solid"/>
+                    </a:lnBlToTr>
+                    <a:solidFill>
+                      <a:srgbClr val="F1F3F3"/>
+                    </a:solidFill>
+                  </a:tcPr>
+                </a:tc>
+                <a:tc>
+                  <a:txBody>
+                    <a:bodyPr/>
+                    <a:lstStyle/>
+                    <a:p>
+                      <a:r>
+                        <a:rPr lang="en-US" sz="1600" dirty="0" smtClean="0"/>
+                        <a:t>Architecture</a:t>
+                      </a:r>
+                      <a:endParaRPr lang="en-GB" sz="1600" dirty="0"/>
+                    </a:p>
+                  </a:txBody>
+                  <a:tcPr>
+                    <a:lnL w="12700" cap="flat" cmpd="sng" algn="ctr">
+                      <a:solidFill>
+                        <a:schemeClr val="bg1"/>
+                      </a:solidFill>
+                      <a:prstDash val="solid"/>
+                      <a:round/>
+                      <a:headEnd type="none" w="med" len="med"/>
+                      <a:tailEnd type="none" w="med" len="med"/>
+                    </a:lnL>
+                    <a:lnR w="12700" cap="flat" cmpd="sng" algn="ctr">
+                      <a:solidFill>
+                        <a:schemeClr val="bg1"/>
+                      </a:solidFill>
+                      <a:prstDash val="solid"/>
+                      <a:round/>
+                      <a:headEnd type="none" w="med" len="med"/>
+                      <a:tailEnd type="none" w="med" len="med"/>
+                    </a:lnR>
+                    <a:lnT w="12700" cmpd="sng">
+                      <a:noFill/>
+                    </a:lnT>
+                    <a:lnB w="38100" cmpd="sng">
+                      <a:noFill/>
+                    </a:lnB>
+                    <a:lnTlToBr w="12700" cmpd="sng">
+                      <a:noFill/>
+                      <a:prstDash val="solid"/>
+                    </a:lnTlToBr>
+                    <a:lnBlToTr w="12700" cmpd="sng">
+                      <a:noFill/>
+                      <a:prstDash val="solid"/>
+                    </a:lnBlToTr>
+                  </a:tcPr>
+                </a:tc>
+                <a:tc>
+                  <a:txBody>
+                    <a:bodyPr/>
+                    <a:lstStyle/>
+                    <a:p>
+                      <a:r>
+                        <a:rPr lang="en-US" sz="1600" dirty="0" smtClean="0"/>
+                        <a:t>Core Code &amp; Demo</a:t>
+                      </a:r>
+                      <a:endParaRPr lang="en-GB" sz="1600" dirty="0"/>
+                    </a:p>
+                  </a:txBody>
+                  <a:tcPr>
+                    <a:lnL w="12700" cap="flat" cmpd="sng" algn="ctr">
+                      <a:solidFill>
+                        <a:schemeClr val="bg1"/>
+                      </a:solidFill>
+                      <a:prstDash val="solid"/>
+                      <a:round/>
+                      <a:headEnd type="none" w="med" len="med"/>
+                      <a:tailEnd type="none" w="med" len="med"/>
+                    </a:lnL>
+                    <a:lnR w="12700" cmpd="sng">
+                      <a:noFill/>
+                    </a:lnR>
+                    <a:lnT w="12700" cmpd="sng">
+                      <a:noFill/>
+                    </a:lnT>
+                    <a:lnB w="38100" cmpd="sng">
+                      <a:noFill/>
+                    </a:lnB>
+                    <a:lnTlToBr w="12700" cmpd="sng">
+                      <a:noFill/>
+                      <a:prstDash val="solid"/>
+                    </a:lnTlToBr>
+                    <a:lnBlToTr w="12700" cmpd="sng">
+                      <a:noFill/>
+                      <a:prstDash val="solid"/>
+                    </a:lnBlToTr>
+                  </a:tcPr>
+                </a:tc>
+                <a:extLst>
+                  <a:ext uri="{0D108BD9-81ED-4DB2-BD59-A6C34878D82A}">
+                    <a16:rowId xmlns:a16="http://schemas.microsoft.com/office/drawing/2014/main" val="3571636592"/>
+                  </a:ext>
+                </a:extLst>
+              </a:tr>
+            </a:tbl>
+          </a:graphicData>
+        </a:graphic>
+      </p:graphicFrame>
+    </p:spTree>
+    <p:extLst>
+      <p:ext uri="{BB962C8B-B14F-4D97-AF65-F5344CB8AC3E}">
+        <p14:creationId xmlns:p14="http://schemas.microsoft.com/office/powerpoint/2010/main" val="3311713051"/>
+      </p:ext>
+    </p:extLst>
+  </p:cSld>
+  <p:clrMapOvr>
+    <a:masterClrMapping/>
+  </p:clrMapOvr>
+  <p:timing>
+    <p:tnLst>
+      <p:par>
+        <p:cTn id="1" dur="indefinite" restart="never" nodeType="tmRoot"/>
+      </p:par>
+    </p:tnLst>
+  </p:timing>
+</p:sld>
+</file>
+
+<file path=ppt/slides/slide9.xml><?xml version="1.0" encoding="utf-8"?>
+<p:sld xmlns:a="http://schemas.openxmlformats.org/drawingml/2006/main" xmlns:r="http://schemas.openxmlformats.org/officeDocument/2006/relationships" xmlns:p="http://schemas.openxmlformats.org/presentationml/2006/main">
+  <p:cSld>
+    <p:spTree>
+      <p:nvGrpSpPr>
+        <p:cNvPr id="1" name=""/>
+        <p:cNvGrpSpPr/>
+        <p:nvPr/>
+      </p:nvGrpSpPr>
+      <p:grpSpPr>
+        <a:xfrm>
+          <a:off x="0" y="0"/>
+          <a:ext cx="0" cy="0"/>
+          <a:chOff x="0" y="0"/>
+          <a:chExt cx="0" cy="0"/>
+        </a:xfrm>
+      </p:grpSpPr>
+      <p:sp>
+        <p:nvSpPr>
+          <p:cNvPr id="2" name="Title 1"/>
+          <p:cNvSpPr>
+            <a:spLocks noGrp="1"/>
+          </p:cNvSpPr>
+          <p:nvPr>
+            <p:ph type="title"/>
+          </p:nvPr>
+        </p:nvSpPr>
+        <p:spPr/>
+        <p:txBody>
+          <a:bodyPr/>
+          <a:lstStyle/>
+          <a:p>
+            <a:r>
+              <a:rPr lang="en-US" dirty="0" smtClean="0"/>
+              <a:t>Site Sequence</a:t>
+            </a:r>
+            <a:endParaRPr lang="en-GB" dirty="0"/>
+          </a:p>
+        </p:txBody>
+      </p:sp>
+      <p:pic>
+        <p:nvPicPr>
+          <p:cNvPr id="5" name="Content Placeholder 4"/>
+          <p:cNvPicPr>
+            <a:picLocks noGrp="1" noChangeAspect="1"/>
+          </p:cNvPicPr>
+          <p:nvPr>
+            <p:ph idx="1"/>
+          </p:nvPr>
+        </p:nvPicPr>
+        <p:blipFill>
+          <a:blip r:embed="rId2">
+            <a:extLst>
+              <a:ext uri="{28A0092B-C50C-407E-A947-70E740481C1C}">
+                <a14:useLocalDpi xmlns:a14="http://schemas.microsoft.com/office/drawing/2010/main" val="0"/>
+              </a:ext>
+            </a:extLst>
+          </a:blip>
+          <a:stretch>
+            <a:fillRect/>
+          </a:stretch>
+        </p:blipFill>
+        <p:spPr>
+          <a:xfrm>
+            <a:off x="1150476" y="1631373"/>
+            <a:ext cx="10127123" cy="4851640"/>
+          </a:xfrm>
+        </p:spPr>
+      </p:pic>
+      <p:graphicFrame>
+        <p:nvGraphicFramePr>
+          <p:cNvPr id="4" name="Table 3"/>
+          <p:cNvGraphicFramePr>
+            <a:graphicFrameLocks noGrp="1"/>
+          </p:cNvGraphicFramePr>
+          <p:nvPr>
             <p:extLst>
               <p:ext uri="{D42A27DB-BD31-4B8C-83A1-F6EECF244321}">
-                <p14:modId xmlns:p14="http://schemas.microsoft.com/office/powerpoint/2010/main" val="3845011511"/>
+                <p14:modId xmlns:p14="http://schemas.microsoft.com/office/powerpoint/2010/main" val="1438793112"/>
               </p:ext>
             </p:extLst>
           </p:nvPr>
@@ -11247,10 +13482,68 @@
                       <a:r>
                         <a:rPr lang="en-US" sz="1600" dirty="0" smtClean="0">
                           <a:solidFill>
+                            <a:schemeClr val="bg1"/>
+                          </a:solidFill>
+                        </a:rPr>
+                        <a:t>Objective</a:t>
+                      </a:r>
+                      <a:endParaRPr lang="en-GB" sz="1600" dirty="0">
+                        <a:solidFill>
+                          <a:schemeClr val="bg1"/>
+                        </a:solidFill>
+                      </a:endParaRPr>
+                    </a:p>
+                  </a:txBody>
+                  <a:tcPr>
+                    <a:lnL w="12700" cap="flat" cmpd="sng" algn="ctr">
+                      <a:solidFill>
+                        <a:schemeClr val="bg1"/>
+                      </a:solidFill>
+                      <a:prstDash val="solid"/>
+                      <a:round/>
+                      <a:headEnd type="none" w="med" len="med"/>
+                      <a:tailEnd type="none" w="med" len="med"/>
+                    </a:lnL>
+                    <a:lnR w="12700" cap="flat" cmpd="sng" algn="ctr">
+                      <a:solidFill>
+                        <a:schemeClr val="bg1"/>
+                      </a:solidFill>
+                      <a:prstDash val="solid"/>
+                      <a:round/>
+                      <a:headEnd type="none" w="med" len="med"/>
+                      <a:tailEnd type="none" w="med" len="med"/>
+                    </a:lnR>
+                    <a:lnT w="12700" cmpd="sng">
+                      <a:noFill/>
+                    </a:lnT>
+                    <a:lnB w="38100" cmpd="sng">
+                      <a:noFill/>
+                    </a:lnB>
+                    <a:lnTlToBr w="12700" cmpd="sng">
+                      <a:noFill/>
+                      <a:prstDash val="solid"/>
+                    </a:lnTlToBr>
+                    <a:lnBlToTr w="12700" cmpd="sng">
+                      <a:noFill/>
+                      <a:prstDash val="solid"/>
+                    </a:lnBlToTr>
+                    <a:solidFill>
+                      <a:srgbClr val="6F8183"/>
+                    </a:solidFill>
+                  </a:tcPr>
+                </a:tc>
+                <a:tc>
+                  <a:txBody>
+                    <a:bodyPr/>
+                    <a:lstStyle/>
+                    <a:p>
+                      <a:r>
+                        <a:rPr lang="en-US" sz="1600" dirty="0" smtClean="0">
+                          <a:solidFill>
                             <a:srgbClr val="6F8183"/>
                           </a:solidFill>
                         </a:rPr>
-                        <a:t>Objective</a:t>
+                        <a:t>Architecture</a:t>
                       </a:r>
                       <a:endParaRPr lang="en-GB" sz="1600" dirty="0">
                         <a:solidFill>
@@ -11295,53 +13588,6 @@
                     <a:solidFill>
                       <a:srgbClr val="F1F3F3"/>
                     </a:solidFill>
-                  </a:tcPr>
-                </a:tc>
-                <a:tc>
-                  <a:txBody>
-                    <a:bodyPr/>
-                    <a:lstStyle/>
-                    <a:p>
-                      <a:r>
-                        <a:rPr lang="en-US" sz="1600" dirty="0" smtClean="0"/>
-                        <a:t>Architecture</a:t>
-                      </a:r>
-                      <a:endParaRPr lang="en-GB" sz="1600" dirty="0"/>
-                    </a:p>
-                  </a:txBody>
-                  <a:tcPr>
-                    <a:lnL w="12700" cap="flat" cmpd="sng" algn="ctr">
-                      <a:solidFill>
-                        <a:schemeClr val="bg1"/>
-                      </a:solidFill>
-                      <a:prstDash val="solid"/>
-                      <a:round/>
-                      <a:headEnd type="none" w="med" len="med"/>
-                      <a:tailEnd type="none" w="med" len="med"/>
-                    </a:lnL>
-                    <a:lnR w="12700" cap="flat" cmpd="sng" algn="ctr">
-                      <a:solidFill>
-                        <a:schemeClr val="bg1"/>
-                      </a:solidFill>
-                      <a:prstDash val="solid"/>
-                      <a:round/>
-                      <a:headEnd type="none" w="med" len="med"/>
-                      <a:tailEnd type="none" w="med" len="med"/>
-                    </a:lnR>
-                    <a:lnT w="12700" cmpd="sng">
-                      <a:noFill/>
-                    </a:lnT>
-                    <a:lnB w="38100" cmpd="sng">
-                      <a:noFill/>
-                    </a:lnB>
-                    <a:lnTlToBr w="12700" cmpd="sng">
-                      <a:noFill/>
-                      <a:prstDash val="solid"/>
-                    </a:lnTlToBr>
-                    <a:lnBlToTr w="12700" cmpd="sng">
-                      <a:noFill/>
-                      <a:prstDash val="solid"/>
-                    </a:lnBlToTr>
                   </a:tcPr>
                 </a:tc>
                 <a:tc>
@@ -11398,7 +13644,7 @@
     </p:spTree>
     <p:extLst>
       <p:ext uri="{BB962C8B-B14F-4D97-AF65-F5344CB8AC3E}">
-        <p14:creationId xmlns:p14="http://schemas.microsoft.com/office/powerpoint/2010/main" val="908591399"/>
+        <p14:creationId xmlns:p14="http://schemas.microsoft.com/office/powerpoint/2010/main" val="668820001"/>
       </p:ext>
     </p:extLst>
   </p:cSld>

--- a/presentation/Tripster Presentation.pptx
+++ b/presentation/Tripster Presentation.pptx
@@ -12,11 +12,16 @@
     <p:sldId id="260" r:id="rId6"/>
     <p:sldId id="261" r:id="rId7"/>
     <p:sldId id="262" r:id="rId8"/>
-    <p:sldId id="266" r:id="rId9"/>
-    <p:sldId id="264" r:id="rId10"/>
-    <p:sldId id="267" r:id="rId11"/>
-    <p:sldId id="268" r:id="rId12"/>
-    <p:sldId id="265" r:id="rId13"/>
+    <p:sldId id="269" r:id="rId9"/>
+    <p:sldId id="270" r:id="rId10"/>
+    <p:sldId id="271" r:id="rId11"/>
+    <p:sldId id="272" r:id="rId12"/>
+    <p:sldId id="273" r:id="rId13"/>
+    <p:sldId id="264" r:id="rId14"/>
+    <p:sldId id="267" r:id="rId15"/>
+    <p:sldId id="268" r:id="rId16"/>
+    <p:sldId id="265" r:id="rId17"/>
+    <p:sldId id="274" r:id="rId18"/>
   </p:sldIdLst>
   <p:sldSz cx="12192000" cy="6858000"/>
   <p:notesSz cx="6858000" cy="9144000"/>
@@ -4101,6 +4106,1800 @@
       </p:grpSpPr>
       <p:sp>
         <p:nvSpPr>
+          <p:cNvPr id="4" name="Title 3"/>
+          <p:cNvSpPr>
+            <a:spLocks noGrp="1"/>
+          </p:cNvSpPr>
+          <p:nvPr>
+            <p:ph type="title"/>
+          </p:nvPr>
+        </p:nvSpPr>
+        <p:spPr>
+          <a:xfrm>
+            <a:off x="8991600" y="685800"/>
+            <a:ext cx="3200400" cy="1737360"/>
+          </a:xfrm>
+        </p:spPr>
+        <p:txBody>
+          <a:bodyPr/>
+          <a:lstStyle/>
+          <a:p>
+            <a:r>
+              <a:rPr lang="en-US" dirty="0" smtClean="0"/>
+              <a:t>Objective</a:t>
+            </a:r>
+            <a:endParaRPr lang="en-GB" dirty="0"/>
+          </a:p>
+        </p:txBody>
+      </p:sp>
+      <p:pic>
+        <p:nvPicPr>
+          <p:cNvPr id="3" name="Content Placeholder 2"/>
+          <p:cNvPicPr>
+            <a:picLocks noGrp="1" noChangeAspect="1"/>
+          </p:cNvPicPr>
+          <p:nvPr>
+            <p:ph idx="1"/>
+          </p:nvPr>
+        </p:nvPicPr>
+        <p:blipFill>
+          <a:blip r:embed="rId2">
+            <a:extLst>
+              <a:ext uri="{28A0092B-C50C-407E-A947-70E740481C1C}">
+                <a14:useLocalDpi xmlns:a14="http://schemas.microsoft.com/office/drawing/2010/main" val="0"/>
+              </a:ext>
+            </a:extLst>
+          </a:blip>
+          <a:stretch>
+            <a:fillRect/>
+          </a:stretch>
+        </p:blipFill>
+        <p:spPr>
+          <a:xfrm>
+            <a:off x="0" y="1"/>
+            <a:ext cx="8818952" cy="6858000"/>
+          </a:xfrm>
+        </p:spPr>
+      </p:pic>
+      <p:sp>
+        <p:nvSpPr>
+          <p:cNvPr id="6" name="Text Placeholder 5"/>
+          <p:cNvSpPr>
+            <a:spLocks noGrp="1"/>
+          </p:cNvSpPr>
+          <p:nvPr>
+            <p:ph type="body" sz="half" idx="2"/>
+          </p:nvPr>
+        </p:nvSpPr>
+        <p:spPr>
+          <a:xfrm>
+            <a:off x="8991600" y="2423160"/>
+            <a:ext cx="3200400" cy="3291840"/>
+          </a:xfrm>
+        </p:spPr>
+        <p:txBody>
+          <a:bodyPr>
+            <a:normAutofit fontScale="92500"/>
+          </a:bodyPr>
+          <a:lstStyle/>
+          <a:p>
+            <a:r>
+              <a:rPr lang="en-GB" sz="3600" dirty="0" smtClean="0"/>
+              <a:t>Spend </a:t>
+            </a:r>
+            <a:r>
+              <a:rPr lang="en-GB" sz="3600" dirty="0"/>
+              <a:t>time together, team building : make the best teamwork</a:t>
+            </a:r>
+          </a:p>
+        </p:txBody>
+      </p:sp>
+      <p:graphicFrame>
+        <p:nvGraphicFramePr>
+          <p:cNvPr id="7" name="Table 6"/>
+          <p:cNvGraphicFramePr>
+            <a:graphicFrameLocks noGrp="1"/>
+          </p:cNvGraphicFramePr>
+          <p:nvPr>
+            <p:extLst>
+              <p:ext uri="{D42A27DB-BD31-4B8C-83A1-F6EECF244321}">
+                <p14:modId xmlns:p14="http://schemas.microsoft.com/office/powerpoint/2010/main" val="1008931027"/>
+              </p:ext>
+            </p:extLst>
+          </p:nvPr>
+        </p:nvGraphicFramePr>
+        <p:xfrm>
+          <a:off x="0" y="6487160"/>
+          <a:ext cx="11397675" cy="370840"/>
+        </p:xfrm>
+        <a:graphic>
+          <a:graphicData uri="http://schemas.openxmlformats.org/drawingml/2006/table">
+            <a:tbl>
+              <a:tblPr firstRow="1" bandRow="1">
+                <a:tableStyleId>{5C22544A-7EE6-4342-B048-85BDC9FD1C3A}</a:tableStyleId>
+              </a:tblPr>
+              <a:tblGrid>
+                <a:gridCol w="2279535">
+                  <a:extLst>
+                    <a:ext uri="{9D8B030D-6E8A-4147-A177-3AD203B41FA5}">
+                      <a16:colId xmlns:a16="http://schemas.microsoft.com/office/drawing/2014/main" val="1650481923"/>
+                    </a:ext>
+                  </a:extLst>
+                </a:gridCol>
+                <a:gridCol w="2279535">
+                  <a:extLst>
+                    <a:ext uri="{9D8B030D-6E8A-4147-A177-3AD203B41FA5}">
+                      <a16:colId xmlns:a16="http://schemas.microsoft.com/office/drawing/2014/main" val="363490094"/>
+                    </a:ext>
+                  </a:extLst>
+                </a:gridCol>
+                <a:gridCol w="2279535">
+                  <a:extLst>
+                    <a:ext uri="{9D8B030D-6E8A-4147-A177-3AD203B41FA5}">
+                      <a16:colId xmlns:a16="http://schemas.microsoft.com/office/drawing/2014/main" val="2961371462"/>
+                    </a:ext>
+                  </a:extLst>
+                </a:gridCol>
+                <a:gridCol w="2279535">
+                  <a:extLst>
+                    <a:ext uri="{9D8B030D-6E8A-4147-A177-3AD203B41FA5}">
+                      <a16:colId xmlns:a16="http://schemas.microsoft.com/office/drawing/2014/main" val="1073095120"/>
+                    </a:ext>
+                  </a:extLst>
+                </a:gridCol>
+                <a:gridCol w="2279535">
+                  <a:extLst>
+                    <a:ext uri="{9D8B030D-6E8A-4147-A177-3AD203B41FA5}">
+                      <a16:colId xmlns:a16="http://schemas.microsoft.com/office/drawing/2014/main" val="1682139684"/>
+                    </a:ext>
+                  </a:extLst>
+                </a:gridCol>
+              </a:tblGrid>
+              <a:tr h="370840">
+                <a:tc>
+                  <a:txBody>
+                    <a:bodyPr/>
+                    <a:lstStyle/>
+                    <a:p>
+                      <a:r>
+                        <a:rPr lang="en-US" sz="1400" dirty="0" smtClean="0">
+                          <a:solidFill>
+                            <a:schemeClr val="bg1"/>
+                          </a:solidFill>
+                        </a:rPr>
+                        <a:t>Executive</a:t>
+                      </a:r>
+                      <a:r>
+                        <a:rPr lang="en-US" sz="1400" baseline="0" dirty="0" smtClean="0">
+                          <a:solidFill>
+                            <a:schemeClr val="bg1"/>
+                          </a:solidFill>
+                        </a:rPr>
+                        <a:t> Summary</a:t>
+                      </a:r>
+                      <a:endParaRPr lang="en-GB" sz="1400" dirty="0">
+                        <a:solidFill>
+                          <a:schemeClr val="bg1"/>
+                        </a:solidFill>
+                      </a:endParaRPr>
+                    </a:p>
+                  </a:txBody>
+                  <a:tcPr>
+                    <a:lnL w="12700" cmpd="sng">
+                      <a:noFill/>
+                    </a:lnL>
+                    <a:lnR w="12700" cap="flat" cmpd="sng" algn="ctr">
+                      <a:solidFill>
+                        <a:schemeClr val="bg1"/>
+                      </a:solidFill>
+                      <a:prstDash val="solid"/>
+                      <a:round/>
+                      <a:headEnd type="none" w="med" len="med"/>
+                      <a:tailEnd type="none" w="med" len="med"/>
+                    </a:lnR>
+                    <a:lnT w="12700" cmpd="sng">
+                      <a:noFill/>
+                    </a:lnT>
+                    <a:lnB w="38100" cmpd="sng">
+                      <a:noFill/>
+                    </a:lnB>
+                    <a:lnTlToBr w="12700" cmpd="sng">
+                      <a:noFill/>
+                      <a:prstDash val="solid"/>
+                    </a:lnTlToBr>
+                    <a:lnBlToTr w="12700" cmpd="sng">
+                      <a:noFill/>
+                      <a:prstDash val="solid"/>
+                    </a:lnBlToTr>
+                    <a:solidFill>
+                      <a:srgbClr val="6F8183"/>
+                    </a:solidFill>
+                  </a:tcPr>
+                </a:tc>
+                <a:tc>
+                  <a:txBody>
+                    <a:bodyPr/>
+                    <a:lstStyle/>
+                    <a:p>
+                      <a:r>
+                        <a:rPr lang="en-US" sz="1600" dirty="0" smtClean="0">
+                          <a:solidFill>
+                            <a:srgbClr val="F1F3F3"/>
+                          </a:solidFill>
+                        </a:rPr>
+                        <a:t>Background</a:t>
+                      </a:r>
+                      <a:endParaRPr lang="en-GB" sz="1600" dirty="0">
+                        <a:solidFill>
+                          <a:srgbClr val="F1F3F3"/>
+                        </a:solidFill>
+                      </a:endParaRPr>
+                    </a:p>
+                  </a:txBody>
+                  <a:tcPr>
+                    <a:lnL w="12700" cap="flat" cmpd="sng" algn="ctr">
+                      <a:solidFill>
+                        <a:schemeClr val="bg1"/>
+                      </a:solidFill>
+                      <a:prstDash val="solid"/>
+                      <a:round/>
+                      <a:headEnd type="none" w="med" len="med"/>
+                      <a:tailEnd type="none" w="med" len="med"/>
+                    </a:lnL>
+                    <a:lnR w="12700" cap="flat" cmpd="sng" algn="ctr">
+                      <a:solidFill>
+                        <a:schemeClr val="bg1"/>
+                      </a:solidFill>
+                      <a:prstDash val="solid"/>
+                      <a:round/>
+                      <a:headEnd type="none" w="med" len="med"/>
+                      <a:tailEnd type="none" w="med" len="med"/>
+                    </a:lnR>
+                    <a:lnT w="12700" cmpd="sng">
+                      <a:noFill/>
+                    </a:lnT>
+                    <a:lnB w="38100" cmpd="sng">
+                      <a:noFill/>
+                    </a:lnB>
+                    <a:lnTlToBr w="12700" cmpd="sng">
+                      <a:noFill/>
+                      <a:prstDash val="solid"/>
+                    </a:lnTlToBr>
+                    <a:lnBlToTr w="12700" cmpd="sng">
+                      <a:noFill/>
+                      <a:prstDash val="solid"/>
+                    </a:lnBlToTr>
+                    <a:solidFill>
+                      <a:srgbClr val="6F8183"/>
+                    </a:solidFill>
+                  </a:tcPr>
+                </a:tc>
+                <a:tc>
+                  <a:txBody>
+                    <a:bodyPr/>
+                    <a:lstStyle/>
+                    <a:p>
+                      <a:r>
+                        <a:rPr lang="en-US" sz="1600" dirty="0" smtClean="0">
+                          <a:solidFill>
+                            <a:srgbClr val="6F8183"/>
+                          </a:solidFill>
+                        </a:rPr>
+                        <a:t>Objective</a:t>
+                      </a:r>
+                      <a:endParaRPr lang="en-GB" sz="1600" dirty="0">
+                        <a:solidFill>
+                          <a:srgbClr val="6F8183"/>
+                        </a:solidFill>
+                      </a:endParaRPr>
+                    </a:p>
+                  </a:txBody>
+                  <a:tcPr>
+                    <a:lnL w="12700" cap="flat" cmpd="sng" algn="ctr">
+                      <a:solidFill>
+                        <a:schemeClr val="bg1"/>
+                      </a:solidFill>
+                      <a:prstDash val="solid"/>
+                      <a:round/>
+                      <a:headEnd type="none" w="med" len="med"/>
+                      <a:tailEnd type="none" w="med" len="med"/>
+                    </a:lnL>
+                    <a:lnR w="12700" cap="flat" cmpd="sng" algn="ctr">
+                      <a:solidFill>
+                        <a:schemeClr val="bg1"/>
+                      </a:solidFill>
+                      <a:prstDash val="solid"/>
+                      <a:round/>
+                      <a:headEnd type="none" w="med" len="med"/>
+                      <a:tailEnd type="none" w="med" len="med"/>
+                    </a:lnR>
+                    <a:lnT w="12700" cmpd="sng">
+                      <a:noFill/>
+                    </a:lnT>
+                    <a:lnB w="38100" cmpd="sng">
+                      <a:noFill/>
+                    </a:lnB>
+                    <a:lnTlToBr w="12700" cmpd="sng">
+                      <a:noFill/>
+                      <a:prstDash val="solid"/>
+                    </a:lnTlToBr>
+                    <a:lnBlToTr w="12700" cmpd="sng">
+                      <a:noFill/>
+                      <a:prstDash val="solid"/>
+                    </a:lnBlToTr>
+                    <a:solidFill>
+                      <a:srgbClr val="F1F3F3"/>
+                    </a:solidFill>
+                  </a:tcPr>
+                </a:tc>
+                <a:tc>
+                  <a:txBody>
+                    <a:bodyPr/>
+                    <a:lstStyle/>
+                    <a:p>
+                      <a:r>
+                        <a:rPr lang="en-US" sz="1600" dirty="0" smtClean="0"/>
+                        <a:t>Architecture</a:t>
+                      </a:r>
+                      <a:endParaRPr lang="en-GB" sz="1600" dirty="0"/>
+                    </a:p>
+                  </a:txBody>
+                  <a:tcPr>
+                    <a:lnL w="12700" cap="flat" cmpd="sng" algn="ctr">
+                      <a:solidFill>
+                        <a:schemeClr val="bg1"/>
+                      </a:solidFill>
+                      <a:prstDash val="solid"/>
+                      <a:round/>
+                      <a:headEnd type="none" w="med" len="med"/>
+                      <a:tailEnd type="none" w="med" len="med"/>
+                    </a:lnL>
+                    <a:lnR w="12700" cap="flat" cmpd="sng" algn="ctr">
+                      <a:solidFill>
+                        <a:schemeClr val="bg1"/>
+                      </a:solidFill>
+                      <a:prstDash val="solid"/>
+                      <a:round/>
+                      <a:headEnd type="none" w="med" len="med"/>
+                      <a:tailEnd type="none" w="med" len="med"/>
+                    </a:lnR>
+                    <a:lnT w="12700" cmpd="sng">
+                      <a:noFill/>
+                    </a:lnT>
+                    <a:lnB w="38100" cmpd="sng">
+                      <a:noFill/>
+                    </a:lnB>
+                    <a:lnTlToBr w="12700" cmpd="sng">
+                      <a:noFill/>
+                      <a:prstDash val="solid"/>
+                    </a:lnTlToBr>
+                    <a:lnBlToTr w="12700" cmpd="sng">
+                      <a:noFill/>
+                      <a:prstDash val="solid"/>
+                    </a:lnBlToTr>
+                  </a:tcPr>
+                </a:tc>
+                <a:tc>
+                  <a:txBody>
+                    <a:bodyPr/>
+                    <a:lstStyle/>
+                    <a:p>
+                      <a:r>
+                        <a:rPr lang="en-US" sz="1600" dirty="0" smtClean="0"/>
+                        <a:t>Core Code &amp; Demo</a:t>
+                      </a:r>
+                      <a:endParaRPr lang="en-GB" sz="1600" dirty="0"/>
+                    </a:p>
+                  </a:txBody>
+                  <a:tcPr>
+                    <a:lnL w="12700" cap="flat" cmpd="sng" algn="ctr">
+                      <a:solidFill>
+                        <a:schemeClr val="bg1"/>
+                      </a:solidFill>
+                      <a:prstDash val="solid"/>
+                      <a:round/>
+                      <a:headEnd type="none" w="med" len="med"/>
+                      <a:tailEnd type="none" w="med" len="med"/>
+                    </a:lnL>
+                    <a:lnR w="12700" cmpd="sng">
+                      <a:noFill/>
+                    </a:lnR>
+                    <a:lnT w="12700" cmpd="sng">
+                      <a:noFill/>
+                    </a:lnT>
+                    <a:lnB w="38100" cmpd="sng">
+                      <a:noFill/>
+                    </a:lnB>
+                    <a:lnTlToBr w="12700" cmpd="sng">
+                      <a:noFill/>
+                      <a:prstDash val="solid"/>
+                    </a:lnTlToBr>
+                    <a:lnBlToTr w="12700" cmpd="sng">
+                      <a:noFill/>
+                      <a:prstDash val="solid"/>
+                    </a:lnBlToTr>
+                  </a:tcPr>
+                </a:tc>
+                <a:extLst>
+                  <a:ext uri="{0D108BD9-81ED-4DB2-BD59-A6C34878D82A}">
+                    <a16:rowId xmlns:a16="http://schemas.microsoft.com/office/drawing/2014/main" val="3571636592"/>
+                  </a:ext>
+                </a:extLst>
+              </a:tr>
+            </a:tbl>
+          </a:graphicData>
+        </a:graphic>
+      </p:graphicFrame>
+    </p:spTree>
+    <p:extLst>
+      <p:ext uri="{BB962C8B-B14F-4D97-AF65-F5344CB8AC3E}">
+        <p14:creationId xmlns:p14="http://schemas.microsoft.com/office/powerpoint/2010/main" val="2485767979"/>
+      </p:ext>
+    </p:extLst>
+  </p:cSld>
+  <p:clrMapOvr>
+    <a:masterClrMapping/>
+  </p:clrMapOvr>
+</p:sld>
+</file>
+
+<file path=ppt/slides/slide11.xml><?xml version="1.0" encoding="utf-8"?>
+<p:sld xmlns:a="http://schemas.openxmlformats.org/drawingml/2006/main" xmlns:r="http://schemas.openxmlformats.org/officeDocument/2006/relationships" xmlns:p="http://schemas.openxmlformats.org/presentationml/2006/main">
+  <p:cSld>
+    <p:spTree>
+      <p:nvGrpSpPr>
+        <p:cNvPr id="1" name=""/>
+        <p:cNvGrpSpPr/>
+        <p:nvPr/>
+      </p:nvGrpSpPr>
+      <p:grpSpPr>
+        <a:xfrm>
+          <a:off x="0" y="0"/>
+          <a:ext cx="0" cy="0"/>
+          <a:chOff x="0" y="0"/>
+          <a:chExt cx="0" cy="0"/>
+        </a:xfrm>
+      </p:grpSpPr>
+      <p:sp>
+        <p:nvSpPr>
+          <p:cNvPr id="2" name="Title 1"/>
+          <p:cNvSpPr>
+            <a:spLocks noGrp="1"/>
+          </p:cNvSpPr>
+          <p:nvPr>
+            <p:ph type="title"/>
+          </p:nvPr>
+        </p:nvSpPr>
+        <p:spPr/>
+        <p:txBody>
+          <a:bodyPr/>
+          <a:lstStyle/>
+          <a:p>
+            <a:r>
+              <a:rPr lang="en-GB" dirty="0" smtClean="0"/>
+              <a:t>Use Case Diagram</a:t>
+            </a:r>
+            <a:endParaRPr lang="en-GB" dirty="0"/>
+          </a:p>
+        </p:txBody>
+      </p:sp>
+      <p:pic>
+        <p:nvPicPr>
+          <p:cNvPr id="5" name="Content Placeholder 4"/>
+          <p:cNvPicPr>
+            <a:picLocks noGrp="1" noChangeAspect="1"/>
+          </p:cNvPicPr>
+          <p:nvPr>
+            <p:ph idx="1"/>
+          </p:nvPr>
+        </p:nvPicPr>
+        <p:blipFill>
+          <a:blip r:embed="rId2">
+            <a:extLst>
+              <a:ext uri="{28A0092B-C50C-407E-A947-70E740481C1C}">
+                <a14:useLocalDpi xmlns:a14="http://schemas.microsoft.com/office/drawing/2010/main" val="0"/>
+              </a:ext>
+            </a:extLst>
+          </a:blip>
+          <a:stretch>
+            <a:fillRect/>
+          </a:stretch>
+        </p:blipFill>
+        <p:spPr>
+          <a:xfrm>
+            <a:off x="1150476" y="1743570"/>
+            <a:ext cx="10127123" cy="4627245"/>
+          </a:xfrm>
+        </p:spPr>
+      </p:pic>
+      <p:graphicFrame>
+        <p:nvGraphicFramePr>
+          <p:cNvPr id="4" name="Table 3"/>
+          <p:cNvGraphicFramePr>
+            <a:graphicFrameLocks noGrp="1"/>
+          </p:cNvGraphicFramePr>
+          <p:nvPr>
+            <p:extLst>
+              <p:ext uri="{D42A27DB-BD31-4B8C-83A1-F6EECF244321}">
+                <p14:modId xmlns:p14="http://schemas.microsoft.com/office/powerpoint/2010/main" val="1438793112"/>
+              </p:ext>
+            </p:extLst>
+          </p:nvPr>
+        </p:nvGraphicFramePr>
+        <p:xfrm>
+          <a:off x="0" y="6487160"/>
+          <a:ext cx="11397675" cy="370840"/>
+        </p:xfrm>
+        <a:graphic>
+          <a:graphicData uri="http://schemas.openxmlformats.org/drawingml/2006/table">
+            <a:tbl>
+              <a:tblPr firstRow="1" bandRow="1">
+                <a:tableStyleId>{5C22544A-7EE6-4342-B048-85BDC9FD1C3A}</a:tableStyleId>
+              </a:tblPr>
+              <a:tblGrid>
+                <a:gridCol w="2279535">
+                  <a:extLst>
+                    <a:ext uri="{9D8B030D-6E8A-4147-A177-3AD203B41FA5}">
+                      <a16:colId xmlns:a16="http://schemas.microsoft.com/office/drawing/2014/main" val="1650481923"/>
+                    </a:ext>
+                  </a:extLst>
+                </a:gridCol>
+                <a:gridCol w="2279535">
+                  <a:extLst>
+                    <a:ext uri="{9D8B030D-6E8A-4147-A177-3AD203B41FA5}">
+                      <a16:colId xmlns:a16="http://schemas.microsoft.com/office/drawing/2014/main" val="363490094"/>
+                    </a:ext>
+                  </a:extLst>
+                </a:gridCol>
+                <a:gridCol w="2279535">
+                  <a:extLst>
+                    <a:ext uri="{9D8B030D-6E8A-4147-A177-3AD203B41FA5}">
+                      <a16:colId xmlns:a16="http://schemas.microsoft.com/office/drawing/2014/main" val="2961371462"/>
+                    </a:ext>
+                  </a:extLst>
+                </a:gridCol>
+                <a:gridCol w="2279535">
+                  <a:extLst>
+                    <a:ext uri="{9D8B030D-6E8A-4147-A177-3AD203B41FA5}">
+                      <a16:colId xmlns:a16="http://schemas.microsoft.com/office/drawing/2014/main" val="1073095120"/>
+                    </a:ext>
+                  </a:extLst>
+                </a:gridCol>
+                <a:gridCol w="2279535">
+                  <a:extLst>
+                    <a:ext uri="{9D8B030D-6E8A-4147-A177-3AD203B41FA5}">
+                      <a16:colId xmlns:a16="http://schemas.microsoft.com/office/drawing/2014/main" val="1682139684"/>
+                    </a:ext>
+                  </a:extLst>
+                </a:gridCol>
+              </a:tblGrid>
+              <a:tr h="370840">
+                <a:tc>
+                  <a:txBody>
+                    <a:bodyPr/>
+                    <a:lstStyle/>
+                    <a:p>
+                      <a:r>
+                        <a:rPr lang="en-US" sz="1400" dirty="0" smtClean="0">
+                          <a:solidFill>
+                            <a:schemeClr val="bg1"/>
+                          </a:solidFill>
+                        </a:rPr>
+                        <a:t>Executive</a:t>
+                      </a:r>
+                      <a:r>
+                        <a:rPr lang="en-US" sz="1400" baseline="0" dirty="0" smtClean="0">
+                          <a:solidFill>
+                            <a:schemeClr val="bg1"/>
+                          </a:solidFill>
+                        </a:rPr>
+                        <a:t> Summary</a:t>
+                      </a:r>
+                      <a:endParaRPr lang="en-GB" sz="1400" dirty="0">
+                        <a:solidFill>
+                          <a:schemeClr val="bg1"/>
+                        </a:solidFill>
+                      </a:endParaRPr>
+                    </a:p>
+                  </a:txBody>
+                  <a:tcPr>
+                    <a:lnL w="12700" cmpd="sng">
+                      <a:noFill/>
+                    </a:lnL>
+                    <a:lnR w="12700" cap="flat" cmpd="sng" algn="ctr">
+                      <a:solidFill>
+                        <a:schemeClr val="bg1"/>
+                      </a:solidFill>
+                      <a:prstDash val="solid"/>
+                      <a:round/>
+                      <a:headEnd type="none" w="med" len="med"/>
+                      <a:tailEnd type="none" w="med" len="med"/>
+                    </a:lnR>
+                    <a:lnT w="12700" cmpd="sng">
+                      <a:noFill/>
+                    </a:lnT>
+                    <a:lnB w="38100" cmpd="sng">
+                      <a:noFill/>
+                    </a:lnB>
+                    <a:lnTlToBr w="12700" cmpd="sng">
+                      <a:noFill/>
+                      <a:prstDash val="solid"/>
+                    </a:lnTlToBr>
+                    <a:lnBlToTr w="12700" cmpd="sng">
+                      <a:noFill/>
+                      <a:prstDash val="solid"/>
+                    </a:lnBlToTr>
+                    <a:solidFill>
+                      <a:srgbClr val="6F8183"/>
+                    </a:solidFill>
+                  </a:tcPr>
+                </a:tc>
+                <a:tc>
+                  <a:txBody>
+                    <a:bodyPr/>
+                    <a:lstStyle/>
+                    <a:p>
+                      <a:r>
+                        <a:rPr lang="en-US" sz="1600" dirty="0" smtClean="0">
+                          <a:solidFill>
+                            <a:schemeClr val="bg1"/>
+                          </a:solidFill>
+                        </a:rPr>
+                        <a:t>Background</a:t>
+                      </a:r>
+                      <a:endParaRPr lang="en-GB" sz="1600" dirty="0">
+                        <a:solidFill>
+                          <a:schemeClr val="bg1"/>
+                        </a:solidFill>
+                      </a:endParaRPr>
+                    </a:p>
+                  </a:txBody>
+                  <a:tcPr>
+                    <a:lnL w="12700" cap="flat" cmpd="sng" algn="ctr">
+                      <a:solidFill>
+                        <a:schemeClr val="bg1"/>
+                      </a:solidFill>
+                      <a:prstDash val="solid"/>
+                      <a:round/>
+                      <a:headEnd type="none" w="med" len="med"/>
+                      <a:tailEnd type="none" w="med" len="med"/>
+                    </a:lnL>
+                    <a:lnR w="12700" cap="flat" cmpd="sng" algn="ctr">
+                      <a:solidFill>
+                        <a:schemeClr val="bg1"/>
+                      </a:solidFill>
+                      <a:prstDash val="solid"/>
+                      <a:round/>
+                      <a:headEnd type="none" w="med" len="med"/>
+                      <a:tailEnd type="none" w="med" len="med"/>
+                    </a:lnR>
+                    <a:lnT w="12700" cmpd="sng">
+                      <a:noFill/>
+                    </a:lnT>
+                    <a:lnB w="38100" cmpd="sng">
+                      <a:noFill/>
+                    </a:lnB>
+                    <a:lnTlToBr w="12700" cmpd="sng">
+                      <a:noFill/>
+                      <a:prstDash val="solid"/>
+                    </a:lnTlToBr>
+                    <a:lnBlToTr w="12700" cmpd="sng">
+                      <a:noFill/>
+                      <a:prstDash val="solid"/>
+                    </a:lnBlToTr>
+                    <a:solidFill>
+                      <a:srgbClr val="6F8183"/>
+                    </a:solidFill>
+                  </a:tcPr>
+                </a:tc>
+                <a:tc>
+                  <a:txBody>
+                    <a:bodyPr/>
+                    <a:lstStyle/>
+                    <a:p>
+                      <a:r>
+                        <a:rPr lang="en-US" sz="1600" dirty="0" smtClean="0">
+                          <a:solidFill>
+                            <a:schemeClr val="bg1"/>
+                          </a:solidFill>
+                        </a:rPr>
+                        <a:t>Objective</a:t>
+                      </a:r>
+                      <a:endParaRPr lang="en-GB" sz="1600" dirty="0">
+                        <a:solidFill>
+                          <a:schemeClr val="bg1"/>
+                        </a:solidFill>
+                      </a:endParaRPr>
+                    </a:p>
+                  </a:txBody>
+                  <a:tcPr>
+                    <a:lnL w="12700" cap="flat" cmpd="sng" algn="ctr">
+                      <a:solidFill>
+                        <a:schemeClr val="bg1"/>
+                      </a:solidFill>
+                      <a:prstDash val="solid"/>
+                      <a:round/>
+                      <a:headEnd type="none" w="med" len="med"/>
+                      <a:tailEnd type="none" w="med" len="med"/>
+                    </a:lnL>
+                    <a:lnR w="12700" cap="flat" cmpd="sng" algn="ctr">
+                      <a:solidFill>
+                        <a:schemeClr val="bg1"/>
+                      </a:solidFill>
+                      <a:prstDash val="solid"/>
+                      <a:round/>
+                      <a:headEnd type="none" w="med" len="med"/>
+                      <a:tailEnd type="none" w="med" len="med"/>
+                    </a:lnR>
+                    <a:lnT w="12700" cmpd="sng">
+                      <a:noFill/>
+                    </a:lnT>
+                    <a:lnB w="38100" cmpd="sng">
+                      <a:noFill/>
+                    </a:lnB>
+                    <a:lnTlToBr w="12700" cmpd="sng">
+                      <a:noFill/>
+                      <a:prstDash val="solid"/>
+                    </a:lnTlToBr>
+                    <a:lnBlToTr w="12700" cmpd="sng">
+                      <a:noFill/>
+                      <a:prstDash val="solid"/>
+                    </a:lnBlToTr>
+                    <a:solidFill>
+                      <a:srgbClr val="6F8183"/>
+                    </a:solidFill>
+                  </a:tcPr>
+                </a:tc>
+                <a:tc>
+                  <a:txBody>
+                    <a:bodyPr/>
+                    <a:lstStyle/>
+                    <a:p>
+                      <a:r>
+                        <a:rPr lang="en-US" sz="1600" dirty="0" smtClean="0">
+                          <a:solidFill>
+                            <a:srgbClr val="6F8183"/>
+                          </a:solidFill>
+                        </a:rPr>
+                        <a:t>Architecture</a:t>
+                      </a:r>
+                      <a:endParaRPr lang="en-GB" sz="1600" dirty="0">
+                        <a:solidFill>
+                          <a:srgbClr val="6F8183"/>
+                        </a:solidFill>
+                      </a:endParaRPr>
+                    </a:p>
+                  </a:txBody>
+                  <a:tcPr>
+                    <a:lnL w="12700" cap="flat" cmpd="sng" algn="ctr">
+                      <a:solidFill>
+                        <a:schemeClr val="bg1"/>
+                      </a:solidFill>
+                      <a:prstDash val="solid"/>
+                      <a:round/>
+                      <a:headEnd type="none" w="med" len="med"/>
+                      <a:tailEnd type="none" w="med" len="med"/>
+                    </a:lnL>
+                    <a:lnR w="12700" cap="flat" cmpd="sng" algn="ctr">
+                      <a:solidFill>
+                        <a:schemeClr val="bg1"/>
+                      </a:solidFill>
+                      <a:prstDash val="solid"/>
+                      <a:round/>
+                      <a:headEnd type="none" w="med" len="med"/>
+                      <a:tailEnd type="none" w="med" len="med"/>
+                    </a:lnR>
+                    <a:lnT w="12700" cmpd="sng">
+                      <a:noFill/>
+                    </a:lnT>
+                    <a:lnB w="38100" cmpd="sng">
+                      <a:noFill/>
+                    </a:lnB>
+                    <a:lnTlToBr w="12700" cmpd="sng">
+                      <a:noFill/>
+                      <a:prstDash val="solid"/>
+                    </a:lnTlToBr>
+                    <a:lnBlToTr w="12700" cmpd="sng">
+                      <a:noFill/>
+                      <a:prstDash val="solid"/>
+                    </a:lnBlToTr>
+                    <a:solidFill>
+                      <a:srgbClr val="F1F3F3"/>
+                    </a:solidFill>
+                  </a:tcPr>
+                </a:tc>
+                <a:tc>
+                  <a:txBody>
+                    <a:bodyPr/>
+                    <a:lstStyle/>
+                    <a:p>
+                      <a:r>
+                        <a:rPr lang="en-US" sz="1600" dirty="0" smtClean="0"/>
+                        <a:t>Core Code &amp; Demo</a:t>
+                      </a:r>
+                      <a:endParaRPr lang="en-GB" sz="1600" dirty="0"/>
+                    </a:p>
+                  </a:txBody>
+                  <a:tcPr>
+                    <a:lnL w="12700" cap="flat" cmpd="sng" algn="ctr">
+                      <a:solidFill>
+                        <a:schemeClr val="bg1"/>
+                      </a:solidFill>
+                      <a:prstDash val="solid"/>
+                      <a:round/>
+                      <a:headEnd type="none" w="med" len="med"/>
+                      <a:tailEnd type="none" w="med" len="med"/>
+                    </a:lnL>
+                    <a:lnR w="12700" cmpd="sng">
+                      <a:noFill/>
+                    </a:lnR>
+                    <a:lnT w="12700" cmpd="sng">
+                      <a:noFill/>
+                    </a:lnT>
+                    <a:lnB w="38100" cmpd="sng">
+                      <a:noFill/>
+                    </a:lnB>
+                    <a:lnTlToBr w="12700" cmpd="sng">
+                      <a:noFill/>
+                      <a:prstDash val="solid"/>
+                    </a:lnTlToBr>
+                    <a:lnBlToTr w="12700" cmpd="sng">
+                      <a:noFill/>
+                      <a:prstDash val="solid"/>
+                    </a:lnBlToTr>
+                  </a:tcPr>
+                </a:tc>
+                <a:extLst>
+                  <a:ext uri="{0D108BD9-81ED-4DB2-BD59-A6C34878D82A}">
+                    <a16:rowId xmlns:a16="http://schemas.microsoft.com/office/drawing/2014/main" val="3571636592"/>
+                  </a:ext>
+                </a:extLst>
+              </a:tr>
+            </a:tbl>
+          </a:graphicData>
+        </a:graphic>
+      </p:graphicFrame>
+    </p:spTree>
+    <p:extLst>
+      <p:ext uri="{BB962C8B-B14F-4D97-AF65-F5344CB8AC3E}">
+        <p14:creationId xmlns:p14="http://schemas.microsoft.com/office/powerpoint/2010/main" val="129870614"/>
+      </p:ext>
+    </p:extLst>
+  </p:cSld>
+  <p:clrMapOvr>
+    <a:masterClrMapping/>
+  </p:clrMapOvr>
+  <p:timing>
+    <p:tnLst>
+      <p:par>
+        <p:cTn id="1" dur="indefinite" restart="never" nodeType="tmRoot"/>
+      </p:par>
+    </p:tnLst>
+  </p:timing>
+</p:sld>
+</file>
+
+<file path=ppt/slides/slide12.xml><?xml version="1.0" encoding="utf-8"?>
+<p:sld xmlns:a="http://schemas.openxmlformats.org/drawingml/2006/main" xmlns:r="http://schemas.openxmlformats.org/officeDocument/2006/relationships" xmlns:p="http://schemas.openxmlformats.org/presentationml/2006/main">
+  <p:cSld>
+    <p:spTree>
+      <p:nvGrpSpPr>
+        <p:cNvPr id="1" name=""/>
+        <p:cNvGrpSpPr/>
+        <p:nvPr/>
+      </p:nvGrpSpPr>
+      <p:grpSpPr>
+        <a:xfrm>
+          <a:off x="0" y="0"/>
+          <a:ext cx="0" cy="0"/>
+          <a:chOff x="0" y="0"/>
+          <a:chExt cx="0" cy="0"/>
+        </a:xfrm>
+      </p:grpSpPr>
+      <p:sp>
+        <p:nvSpPr>
+          <p:cNvPr id="2" name="Title 1"/>
+          <p:cNvSpPr>
+            <a:spLocks noGrp="1"/>
+          </p:cNvSpPr>
+          <p:nvPr>
+            <p:ph type="title"/>
+          </p:nvPr>
+        </p:nvSpPr>
+        <p:spPr/>
+        <p:txBody>
+          <a:bodyPr/>
+          <a:lstStyle/>
+          <a:p>
+            <a:r>
+              <a:rPr lang="en-GB" dirty="0" smtClean="0"/>
+              <a:t>Development Environment</a:t>
+            </a:r>
+            <a:endParaRPr lang="en-GB" dirty="0"/>
+          </a:p>
+        </p:txBody>
+      </p:sp>
+      <p:pic>
+        <p:nvPicPr>
+          <p:cNvPr id="5" name="Content Placeholder 4"/>
+          <p:cNvPicPr>
+            <a:picLocks noGrp="1" noChangeAspect="1"/>
+          </p:cNvPicPr>
+          <p:nvPr>
+            <p:ph idx="1"/>
+          </p:nvPr>
+        </p:nvPicPr>
+        <p:blipFill>
+          <a:blip r:embed="rId2">
+            <a:extLst>
+              <a:ext uri="{28A0092B-C50C-407E-A947-70E740481C1C}">
+                <a14:useLocalDpi xmlns:a14="http://schemas.microsoft.com/office/drawing/2010/main" val="0"/>
+              </a:ext>
+            </a:extLst>
+          </a:blip>
+          <a:stretch>
+            <a:fillRect/>
+          </a:stretch>
+        </p:blipFill>
+        <p:spPr>
+          <a:xfrm>
+            <a:off x="0" y="1697271"/>
+            <a:ext cx="6633239" cy="4627245"/>
+          </a:xfrm>
+        </p:spPr>
+      </p:pic>
+      <p:graphicFrame>
+        <p:nvGraphicFramePr>
+          <p:cNvPr id="4" name="Table 3"/>
+          <p:cNvGraphicFramePr>
+            <a:graphicFrameLocks noGrp="1"/>
+          </p:cNvGraphicFramePr>
+          <p:nvPr>
+            <p:extLst>
+              <p:ext uri="{D42A27DB-BD31-4B8C-83A1-F6EECF244321}">
+                <p14:modId xmlns:p14="http://schemas.microsoft.com/office/powerpoint/2010/main" val="1438793112"/>
+              </p:ext>
+            </p:extLst>
+          </p:nvPr>
+        </p:nvGraphicFramePr>
+        <p:xfrm>
+          <a:off x="0" y="6487160"/>
+          <a:ext cx="11397675" cy="370840"/>
+        </p:xfrm>
+        <a:graphic>
+          <a:graphicData uri="http://schemas.openxmlformats.org/drawingml/2006/table">
+            <a:tbl>
+              <a:tblPr firstRow="1" bandRow="1">
+                <a:tableStyleId>{5C22544A-7EE6-4342-B048-85BDC9FD1C3A}</a:tableStyleId>
+              </a:tblPr>
+              <a:tblGrid>
+                <a:gridCol w="2279535">
+                  <a:extLst>
+                    <a:ext uri="{9D8B030D-6E8A-4147-A177-3AD203B41FA5}">
+                      <a16:colId xmlns:a16="http://schemas.microsoft.com/office/drawing/2014/main" val="1650481923"/>
+                    </a:ext>
+                  </a:extLst>
+                </a:gridCol>
+                <a:gridCol w="2279535">
+                  <a:extLst>
+                    <a:ext uri="{9D8B030D-6E8A-4147-A177-3AD203B41FA5}">
+                      <a16:colId xmlns:a16="http://schemas.microsoft.com/office/drawing/2014/main" val="363490094"/>
+                    </a:ext>
+                  </a:extLst>
+                </a:gridCol>
+                <a:gridCol w="2279535">
+                  <a:extLst>
+                    <a:ext uri="{9D8B030D-6E8A-4147-A177-3AD203B41FA5}">
+                      <a16:colId xmlns:a16="http://schemas.microsoft.com/office/drawing/2014/main" val="2961371462"/>
+                    </a:ext>
+                  </a:extLst>
+                </a:gridCol>
+                <a:gridCol w="2279535">
+                  <a:extLst>
+                    <a:ext uri="{9D8B030D-6E8A-4147-A177-3AD203B41FA5}">
+                      <a16:colId xmlns:a16="http://schemas.microsoft.com/office/drawing/2014/main" val="1073095120"/>
+                    </a:ext>
+                  </a:extLst>
+                </a:gridCol>
+                <a:gridCol w="2279535">
+                  <a:extLst>
+                    <a:ext uri="{9D8B030D-6E8A-4147-A177-3AD203B41FA5}">
+                      <a16:colId xmlns:a16="http://schemas.microsoft.com/office/drawing/2014/main" val="1682139684"/>
+                    </a:ext>
+                  </a:extLst>
+                </a:gridCol>
+              </a:tblGrid>
+              <a:tr h="370840">
+                <a:tc>
+                  <a:txBody>
+                    <a:bodyPr/>
+                    <a:lstStyle/>
+                    <a:p>
+                      <a:r>
+                        <a:rPr lang="en-US" sz="1400" dirty="0" smtClean="0">
+                          <a:solidFill>
+                            <a:schemeClr val="bg1"/>
+                          </a:solidFill>
+                        </a:rPr>
+                        <a:t>Executive</a:t>
+                      </a:r>
+                      <a:r>
+                        <a:rPr lang="en-US" sz="1400" baseline="0" dirty="0" smtClean="0">
+                          <a:solidFill>
+                            <a:schemeClr val="bg1"/>
+                          </a:solidFill>
+                        </a:rPr>
+                        <a:t> Summary</a:t>
+                      </a:r>
+                      <a:endParaRPr lang="en-GB" sz="1400" dirty="0">
+                        <a:solidFill>
+                          <a:schemeClr val="bg1"/>
+                        </a:solidFill>
+                      </a:endParaRPr>
+                    </a:p>
+                  </a:txBody>
+                  <a:tcPr>
+                    <a:lnL w="12700" cmpd="sng">
+                      <a:noFill/>
+                    </a:lnL>
+                    <a:lnR w="12700" cap="flat" cmpd="sng" algn="ctr">
+                      <a:solidFill>
+                        <a:schemeClr val="bg1"/>
+                      </a:solidFill>
+                      <a:prstDash val="solid"/>
+                      <a:round/>
+                      <a:headEnd type="none" w="med" len="med"/>
+                      <a:tailEnd type="none" w="med" len="med"/>
+                    </a:lnR>
+                    <a:lnT w="12700" cmpd="sng">
+                      <a:noFill/>
+                    </a:lnT>
+                    <a:lnB w="38100" cmpd="sng">
+                      <a:noFill/>
+                    </a:lnB>
+                    <a:lnTlToBr w="12700" cmpd="sng">
+                      <a:noFill/>
+                      <a:prstDash val="solid"/>
+                    </a:lnTlToBr>
+                    <a:lnBlToTr w="12700" cmpd="sng">
+                      <a:noFill/>
+                      <a:prstDash val="solid"/>
+                    </a:lnBlToTr>
+                    <a:solidFill>
+                      <a:srgbClr val="6F8183"/>
+                    </a:solidFill>
+                  </a:tcPr>
+                </a:tc>
+                <a:tc>
+                  <a:txBody>
+                    <a:bodyPr/>
+                    <a:lstStyle/>
+                    <a:p>
+                      <a:r>
+                        <a:rPr lang="en-US" sz="1600" dirty="0" smtClean="0">
+                          <a:solidFill>
+                            <a:schemeClr val="bg1"/>
+                          </a:solidFill>
+                        </a:rPr>
+                        <a:t>Background</a:t>
+                      </a:r>
+                      <a:endParaRPr lang="en-GB" sz="1600" dirty="0">
+                        <a:solidFill>
+                          <a:schemeClr val="bg1"/>
+                        </a:solidFill>
+                      </a:endParaRPr>
+                    </a:p>
+                  </a:txBody>
+                  <a:tcPr>
+                    <a:lnL w="12700" cap="flat" cmpd="sng" algn="ctr">
+                      <a:solidFill>
+                        <a:schemeClr val="bg1"/>
+                      </a:solidFill>
+                      <a:prstDash val="solid"/>
+                      <a:round/>
+                      <a:headEnd type="none" w="med" len="med"/>
+                      <a:tailEnd type="none" w="med" len="med"/>
+                    </a:lnL>
+                    <a:lnR w="12700" cap="flat" cmpd="sng" algn="ctr">
+                      <a:solidFill>
+                        <a:schemeClr val="bg1"/>
+                      </a:solidFill>
+                      <a:prstDash val="solid"/>
+                      <a:round/>
+                      <a:headEnd type="none" w="med" len="med"/>
+                      <a:tailEnd type="none" w="med" len="med"/>
+                    </a:lnR>
+                    <a:lnT w="12700" cmpd="sng">
+                      <a:noFill/>
+                    </a:lnT>
+                    <a:lnB w="38100" cmpd="sng">
+                      <a:noFill/>
+                    </a:lnB>
+                    <a:lnTlToBr w="12700" cmpd="sng">
+                      <a:noFill/>
+                      <a:prstDash val="solid"/>
+                    </a:lnTlToBr>
+                    <a:lnBlToTr w="12700" cmpd="sng">
+                      <a:noFill/>
+                      <a:prstDash val="solid"/>
+                    </a:lnBlToTr>
+                    <a:solidFill>
+                      <a:srgbClr val="6F8183"/>
+                    </a:solidFill>
+                  </a:tcPr>
+                </a:tc>
+                <a:tc>
+                  <a:txBody>
+                    <a:bodyPr/>
+                    <a:lstStyle/>
+                    <a:p>
+                      <a:r>
+                        <a:rPr lang="en-US" sz="1600" dirty="0" smtClean="0">
+                          <a:solidFill>
+                            <a:schemeClr val="bg1"/>
+                          </a:solidFill>
+                        </a:rPr>
+                        <a:t>Objective</a:t>
+                      </a:r>
+                      <a:endParaRPr lang="en-GB" sz="1600" dirty="0">
+                        <a:solidFill>
+                          <a:schemeClr val="bg1"/>
+                        </a:solidFill>
+                      </a:endParaRPr>
+                    </a:p>
+                  </a:txBody>
+                  <a:tcPr>
+                    <a:lnL w="12700" cap="flat" cmpd="sng" algn="ctr">
+                      <a:solidFill>
+                        <a:schemeClr val="bg1"/>
+                      </a:solidFill>
+                      <a:prstDash val="solid"/>
+                      <a:round/>
+                      <a:headEnd type="none" w="med" len="med"/>
+                      <a:tailEnd type="none" w="med" len="med"/>
+                    </a:lnL>
+                    <a:lnR w="12700" cap="flat" cmpd="sng" algn="ctr">
+                      <a:solidFill>
+                        <a:schemeClr val="bg1"/>
+                      </a:solidFill>
+                      <a:prstDash val="solid"/>
+                      <a:round/>
+                      <a:headEnd type="none" w="med" len="med"/>
+                      <a:tailEnd type="none" w="med" len="med"/>
+                    </a:lnR>
+                    <a:lnT w="12700" cmpd="sng">
+                      <a:noFill/>
+                    </a:lnT>
+                    <a:lnB w="38100" cmpd="sng">
+                      <a:noFill/>
+                    </a:lnB>
+                    <a:lnTlToBr w="12700" cmpd="sng">
+                      <a:noFill/>
+                      <a:prstDash val="solid"/>
+                    </a:lnTlToBr>
+                    <a:lnBlToTr w="12700" cmpd="sng">
+                      <a:noFill/>
+                      <a:prstDash val="solid"/>
+                    </a:lnBlToTr>
+                    <a:solidFill>
+                      <a:srgbClr val="6F8183"/>
+                    </a:solidFill>
+                  </a:tcPr>
+                </a:tc>
+                <a:tc>
+                  <a:txBody>
+                    <a:bodyPr/>
+                    <a:lstStyle/>
+                    <a:p>
+                      <a:r>
+                        <a:rPr lang="en-US" sz="1600" dirty="0" smtClean="0">
+                          <a:solidFill>
+                            <a:srgbClr val="6F8183"/>
+                          </a:solidFill>
+                        </a:rPr>
+                        <a:t>Architecture</a:t>
+                      </a:r>
+                      <a:endParaRPr lang="en-GB" sz="1600" dirty="0">
+                        <a:solidFill>
+                          <a:srgbClr val="6F8183"/>
+                        </a:solidFill>
+                      </a:endParaRPr>
+                    </a:p>
+                  </a:txBody>
+                  <a:tcPr>
+                    <a:lnL w="12700" cap="flat" cmpd="sng" algn="ctr">
+                      <a:solidFill>
+                        <a:schemeClr val="bg1"/>
+                      </a:solidFill>
+                      <a:prstDash val="solid"/>
+                      <a:round/>
+                      <a:headEnd type="none" w="med" len="med"/>
+                      <a:tailEnd type="none" w="med" len="med"/>
+                    </a:lnL>
+                    <a:lnR w="12700" cap="flat" cmpd="sng" algn="ctr">
+                      <a:solidFill>
+                        <a:schemeClr val="bg1"/>
+                      </a:solidFill>
+                      <a:prstDash val="solid"/>
+                      <a:round/>
+                      <a:headEnd type="none" w="med" len="med"/>
+                      <a:tailEnd type="none" w="med" len="med"/>
+                    </a:lnR>
+                    <a:lnT w="12700" cmpd="sng">
+                      <a:noFill/>
+                    </a:lnT>
+                    <a:lnB w="38100" cmpd="sng">
+                      <a:noFill/>
+                    </a:lnB>
+                    <a:lnTlToBr w="12700" cmpd="sng">
+                      <a:noFill/>
+                      <a:prstDash val="solid"/>
+                    </a:lnTlToBr>
+                    <a:lnBlToTr w="12700" cmpd="sng">
+                      <a:noFill/>
+                      <a:prstDash val="solid"/>
+                    </a:lnBlToTr>
+                    <a:solidFill>
+                      <a:srgbClr val="F1F3F3"/>
+                    </a:solidFill>
+                  </a:tcPr>
+                </a:tc>
+                <a:tc>
+                  <a:txBody>
+                    <a:bodyPr/>
+                    <a:lstStyle/>
+                    <a:p>
+                      <a:r>
+                        <a:rPr lang="en-US" sz="1600" dirty="0" smtClean="0"/>
+                        <a:t>Core Code &amp; Demo</a:t>
+                      </a:r>
+                      <a:endParaRPr lang="en-GB" sz="1600" dirty="0"/>
+                    </a:p>
+                  </a:txBody>
+                  <a:tcPr>
+                    <a:lnL w="12700" cap="flat" cmpd="sng" algn="ctr">
+                      <a:solidFill>
+                        <a:schemeClr val="bg1"/>
+                      </a:solidFill>
+                      <a:prstDash val="solid"/>
+                      <a:round/>
+                      <a:headEnd type="none" w="med" len="med"/>
+                      <a:tailEnd type="none" w="med" len="med"/>
+                    </a:lnL>
+                    <a:lnR w="12700" cmpd="sng">
+                      <a:noFill/>
+                    </a:lnR>
+                    <a:lnT w="12700" cmpd="sng">
+                      <a:noFill/>
+                    </a:lnT>
+                    <a:lnB w="38100" cmpd="sng">
+                      <a:noFill/>
+                    </a:lnB>
+                    <a:lnTlToBr w="12700" cmpd="sng">
+                      <a:noFill/>
+                      <a:prstDash val="solid"/>
+                    </a:lnTlToBr>
+                    <a:lnBlToTr w="12700" cmpd="sng">
+                      <a:noFill/>
+                      <a:prstDash val="solid"/>
+                    </a:lnBlToTr>
+                  </a:tcPr>
+                </a:tc>
+                <a:extLst>
+                  <a:ext uri="{0D108BD9-81ED-4DB2-BD59-A6C34878D82A}">
+                    <a16:rowId xmlns:a16="http://schemas.microsoft.com/office/drawing/2014/main" val="3571636592"/>
+                  </a:ext>
+                </a:extLst>
+              </a:tr>
+            </a:tbl>
+          </a:graphicData>
+        </a:graphic>
+      </p:graphicFrame>
+      <p:pic>
+        <p:nvPicPr>
+          <p:cNvPr id="3" name="Picture 2"/>
+          <p:cNvPicPr>
+            <a:picLocks noChangeAspect="1"/>
+          </p:cNvPicPr>
+          <p:nvPr/>
+        </p:nvPicPr>
+        <p:blipFill>
+          <a:blip r:embed="rId3">
+            <a:extLst>
+              <a:ext uri="{28A0092B-C50C-407E-A947-70E740481C1C}">
+                <a14:useLocalDpi xmlns:a14="http://schemas.microsoft.com/office/drawing/2010/main" val="0"/>
+              </a:ext>
+            </a:extLst>
+          </a:blip>
+          <a:stretch>
+            <a:fillRect/>
+          </a:stretch>
+        </p:blipFill>
+        <p:spPr>
+          <a:xfrm>
+            <a:off x="6633239" y="3541152"/>
+            <a:ext cx="5355040" cy="939481"/>
+          </a:xfrm>
+          <a:prstGeom prst="rect">
+            <a:avLst/>
+          </a:prstGeom>
+        </p:spPr>
+      </p:pic>
+    </p:spTree>
+    <p:extLst>
+      <p:ext uri="{BB962C8B-B14F-4D97-AF65-F5344CB8AC3E}">
+        <p14:creationId xmlns:p14="http://schemas.microsoft.com/office/powerpoint/2010/main" val="2640862167"/>
+      </p:ext>
+    </p:extLst>
+  </p:cSld>
+  <p:clrMapOvr>
+    <a:masterClrMapping/>
+  </p:clrMapOvr>
+  <p:timing>
+    <p:tnLst>
+      <p:par>
+        <p:cTn id="1" dur="indefinite" restart="never" nodeType="tmRoot"/>
+      </p:par>
+    </p:tnLst>
+  </p:timing>
+</p:sld>
+</file>
+
+<file path=ppt/slides/slide13.xml><?xml version="1.0" encoding="utf-8"?>
+<p:sld xmlns:a="http://schemas.openxmlformats.org/drawingml/2006/main" xmlns:r="http://schemas.openxmlformats.org/officeDocument/2006/relationships" xmlns:p="http://schemas.openxmlformats.org/presentationml/2006/main">
+  <p:cSld>
+    <p:spTree>
+      <p:nvGrpSpPr>
+        <p:cNvPr id="1" name=""/>
+        <p:cNvGrpSpPr/>
+        <p:nvPr/>
+      </p:nvGrpSpPr>
+      <p:grpSpPr>
+        <a:xfrm>
+          <a:off x="0" y="0"/>
+          <a:ext cx="0" cy="0"/>
+          <a:chOff x="0" y="0"/>
+          <a:chExt cx="0" cy="0"/>
+        </a:xfrm>
+      </p:grpSpPr>
+      <p:sp>
+        <p:nvSpPr>
+          <p:cNvPr id="2" name="Title 1"/>
+          <p:cNvSpPr>
+            <a:spLocks noGrp="1"/>
+          </p:cNvSpPr>
+          <p:nvPr>
+            <p:ph type="title"/>
+          </p:nvPr>
+        </p:nvSpPr>
+        <p:spPr/>
+        <p:txBody>
+          <a:bodyPr/>
+          <a:lstStyle/>
+          <a:p>
+            <a:r>
+              <a:rPr lang="en-US" dirty="0" smtClean="0"/>
+              <a:t>Site Sequence</a:t>
+            </a:r>
+            <a:endParaRPr lang="en-GB" dirty="0"/>
+          </a:p>
+        </p:txBody>
+      </p:sp>
+      <p:pic>
+        <p:nvPicPr>
+          <p:cNvPr id="5" name="Content Placeholder 4"/>
+          <p:cNvPicPr>
+            <a:picLocks noGrp="1" noChangeAspect="1"/>
+          </p:cNvPicPr>
+          <p:nvPr>
+            <p:ph idx="1"/>
+          </p:nvPr>
+        </p:nvPicPr>
+        <p:blipFill>
+          <a:blip r:embed="rId2">
+            <a:extLst>
+              <a:ext uri="{28A0092B-C50C-407E-A947-70E740481C1C}">
+                <a14:useLocalDpi xmlns:a14="http://schemas.microsoft.com/office/drawing/2010/main" val="0"/>
+              </a:ext>
+            </a:extLst>
+          </a:blip>
+          <a:stretch>
+            <a:fillRect/>
+          </a:stretch>
+        </p:blipFill>
+        <p:spPr>
+          <a:xfrm>
+            <a:off x="1150476" y="1631373"/>
+            <a:ext cx="10127123" cy="4851640"/>
+          </a:xfrm>
+        </p:spPr>
+      </p:pic>
+      <p:graphicFrame>
+        <p:nvGraphicFramePr>
+          <p:cNvPr id="4" name="Table 3"/>
+          <p:cNvGraphicFramePr>
+            <a:graphicFrameLocks noGrp="1"/>
+          </p:cNvGraphicFramePr>
+          <p:nvPr>
+            <p:extLst>
+              <p:ext uri="{D42A27DB-BD31-4B8C-83A1-F6EECF244321}">
+                <p14:modId xmlns:p14="http://schemas.microsoft.com/office/powerpoint/2010/main" val="1438793112"/>
+              </p:ext>
+            </p:extLst>
+          </p:nvPr>
+        </p:nvGraphicFramePr>
+        <p:xfrm>
+          <a:off x="0" y="6487160"/>
+          <a:ext cx="11397675" cy="370840"/>
+        </p:xfrm>
+        <a:graphic>
+          <a:graphicData uri="http://schemas.openxmlformats.org/drawingml/2006/table">
+            <a:tbl>
+              <a:tblPr firstRow="1" bandRow="1">
+                <a:tableStyleId>{5C22544A-7EE6-4342-B048-85BDC9FD1C3A}</a:tableStyleId>
+              </a:tblPr>
+              <a:tblGrid>
+                <a:gridCol w="2279535">
+                  <a:extLst>
+                    <a:ext uri="{9D8B030D-6E8A-4147-A177-3AD203B41FA5}">
+                      <a16:colId xmlns:a16="http://schemas.microsoft.com/office/drawing/2014/main" val="1650481923"/>
+                    </a:ext>
+                  </a:extLst>
+                </a:gridCol>
+                <a:gridCol w="2279535">
+                  <a:extLst>
+                    <a:ext uri="{9D8B030D-6E8A-4147-A177-3AD203B41FA5}">
+                      <a16:colId xmlns:a16="http://schemas.microsoft.com/office/drawing/2014/main" val="363490094"/>
+                    </a:ext>
+                  </a:extLst>
+                </a:gridCol>
+                <a:gridCol w="2279535">
+                  <a:extLst>
+                    <a:ext uri="{9D8B030D-6E8A-4147-A177-3AD203B41FA5}">
+                      <a16:colId xmlns:a16="http://schemas.microsoft.com/office/drawing/2014/main" val="2961371462"/>
+                    </a:ext>
+                  </a:extLst>
+                </a:gridCol>
+                <a:gridCol w="2279535">
+                  <a:extLst>
+                    <a:ext uri="{9D8B030D-6E8A-4147-A177-3AD203B41FA5}">
+                      <a16:colId xmlns:a16="http://schemas.microsoft.com/office/drawing/2014/main" val="1073095120"/>
+                    </a:ext>
+                  </a:extLst>
+                </a:gridCol>
+                <a:gridCol w="2279535">
+                  <a:extLst>
+                    <a:ext uri="{9D8B030D-6E8A-4147-A177-3AD203B41FA5}">
+                      <a16:colId xmlns:a16="http://schemas.microsoft.com/office/drawing/2014/main" val="1682139684"/>
+                    </a:ext>
+                  </a:extLst>
+                </a:gridCol>
+              </a:tblGrid>
+              <a:tr h="370840">
+                <a:tc>
+                  <a:txBody>
+                    <a:bodyPr/>
+                    <a:lstStyle/>
+                    <a:p>
+                      <a:r>
+                        <a:rPr lang="en-US" sz="1400" dirty="0" smtClean="0">
+                          <a:solidFill>
+                            <a:schemeClr val="bg1"/>
+                          </a:solidFill>
+                        </a:rPr>
+                        <a:t>Executive</a:t>
+                      </a:r>
+                      <a:r>
+                        <a:rPr lang="en-US" sz="1400" baseline="0" dirty="0" smtClean="0">
+                          <a:solidFill>
+                            <a:schemeClr val="bg1"/>
+                          </a:solidFill>
+                        </a:rPr>
+                        <a:t> Summary</a:t>
+                      </a:r>
+                      <a:endParaRPr lang="en-GB" sz="1400" dirty="0">
+                        <a:solidFill>
+                          <a:schemeClr val="bg1"/>
+                        </a:solidFill>
+                      </a:endParaRPr>
+                    </a:p>
+                  </a:txBody>
+                  <a:tcPr>
+                    <a:lnL w="12700" cmpd="sng">
+                      <a:noFill/>
+                    </a:lnL>
+                    <a:lnR w="12700" cap="flat" cmpd="sng" algn="ctr">
+                      <a:solidFill>
+                        <a:schemeClr val="bg1"/>
+                      </a:solidFill>
+                      <a:prstDash val="solid"/>
+                      <a:round/>
+                      <a:headEnd type="none" w="med" len="med"/>
+                      <a:tailEnd type="none" w="med" len="med"/>
+                    </a:lnR>
+                    <a:lnT w="12700" cmpd="sng">
+                      <a:noFill/>
+                    </a:lnT>
+                    <a:lnB w="38100" cmpd="sng">
+                      <a:noFill/>
+                    </a:lnB>
+                    <a:lnTlToBr w="12700" cmpd="sng">
+                      <a:noFill/>
+                      <a:prstDash val="solid"/>
+                    </a:lnTlToBr>
+                    <a:lnBlToTr w="12700" cmpd="sng">
+                      <a:noFill/>
+                      <a:prstDash val="solid"/>
+                    </a:lnBlToTr>
+                    <a:solidFill>
+                      <a:srgbClr val="6F8183"/>
+                    </a:solidFill>
+                  </a:tcPr>
+                </a:tc>
+                <a:tc>
+                  <a:txBody>
+                    <a:bodyPr/>
+                    <a:lstStyle/>
+                    <a:p>
+                      <a:r>
+                        <a:rPr lang="en-US" sz="1600" dirty="0" smtClean="0">
+                          <a:solidFill>
+                            <a:schemeClr val="bg1"/>
+                          </a:solidFill>
+                        </a:rPr>
+                        <a:t>Background</a:t>
+                      </a:r>
+                      <a:endParaRPr lang="en-GB" sz="1600" dirty="0">
+                        <a:solidFill>
+                          <a:schemeClr val="bg1"/>
+                        </a:solidFill>
+                      </a:endParaRPr>
+                    </a:p>
+                  </a:txBody>
+                  <a:tcPr>
+                    <a:lnL w="12700" cap="flat" cmpd="sng" algn="ctr">
+                      <a:solidFill>
+                        <a:schemeClr val="bg1"/>
+                      </a:solidFill>
+                      <a:prstDash val="solid"/>
+                      <a:round/>
+                      <a:headEnd type="none" w="med" len="med"/>
+                      <a:tailEnd type="none" w="med" len="med"/>
+                    </a:lnL>
+                    <a:lnR w="12700" cap="flat" cmpd="sng" algn="ctr">
+                      <a:solidFill>
+                        <a:schemeClr val="bg1"/>
+                      </a:solidFill>
+                      <a:prstDash val="solid"/>
+                      <a:round/>
+                      <a:headEnd type="none" w="med" len="med"/>
+                      <a:tailEnd type="none" w="med" len="med"/>
+                    </a:lnR>
+                    <a:lnT w="12700" cmpd="sng">
+                      <a:noFill/>
+                    </a:lnT>
+                    <a:lnB w="38100" cmpd="sng">
+                      <a:noFill/>
+                    </a:lnB>
+                    <a:lnTlToBr w="12700" cmpd="sng">
+                      <a:noFill/>
+                      <a:prstDash val="solid"/>
+                    </a:lnTlToBr>
+                    <a:lnBlToTr w="12700" cmpd="sng">
+                      <a:noFill/>
+                      <a:prstDash val="solid"/>
+                    </a:lnBlToTr>
+                    <a:solidFill>
+                      <a:srgbClr val="6F8183"/>
+                    </a:solidFill>
+                  </a:tcPr>
+                </a:tc>
+                <a:tc>
+                  <a:txBody>
+                    <a:bodyPr/>
+                    <a:lstStyle/>
+                    <a:p>
+                      <a:r>
+                        <a:rPr lang="en-US" sz="1600" dirty="0" smtClean="0">
+                          <a:solidFill>
+                            <a:schemeClr val="bg1"/>
+                          </a:solidFill>
+                        </a:rPr>
+                        <a:t>Objective</a:t>
+                      </a:r>
+                      <a:endParaRPr lang="en-GB" sz="1600" dirty="0">
+                        <a:solidFill>
+                          <a:schemeClr val="bg1"/>
+                        </a:solidFill>
+                      </a:endParaRPr>
+                    </a:p>
+                  </a:txBody>
+                  <a:tcPr>
+                    <a:lnL w="12700" cap="flat" cmpd="sng" algn="ctr">
+                      <a:solidFill>
+                        <a:schemeClr val="bg1"/>
+                      </a:solidFill>
+                      <a:prstDash val="solid"/>
+                      <a:round/>
+                      <a:headEnd type="none" w="med" len="med"/>
+                      <a:tailEnd type="none" w="med" len="med"/>
+                    </a:lnL>
+                    <a:lnR w="12700" cap="flat" cmpd="sng" algn="ctr">
+                      <a:solidFill>
+                        <a:schemeClr val="bg1"/>
+                      </a:solidFill>
+                      <a:prstDash val="solid"/>
+                      <a:round/>
+                      <a:headEnd type="none" w="med" len="med"/>
+                      <a:tailEnd type="none" w="med" len="med"/>
+                    </a:lnR>
+                    <a:lnT w="12700" cmpd="sng">
+                      <a:noFill/>
+                    </a:lnT>
+                    <a:lnB w="38100" cmpd="sng">
+                      <a:noFill/>
+                    </a:lnB>
+                    <a:lnTlToBr w="12700" cmpd="sng">
+                      <a:noFill/>
+                      <a:prstDash val="solid"/>
+                    </a:lnTlToBr>
+                    <a:lnBlToTr w="12700" cmpd="sng">
+                      <a:noFill/>
+                      <a:prstDash val="solid"/>
+                    </a:lnBlToTr>
+                    <a:solidFill>
+                      <a:srgbClr val="6F8183"/>
+                    </a:solidFill>
+                  </a:tcPr>
+                </a:tc>
+                <a:tc>
+                  <a:txBody>
+                    <a:bodyPr/>
+                    <a:lstStyle/>
+                    <a:p>
+                      <a:r>
+                        <a:rPr lang="en-US" sz="1600" dirty="0" smtClean="0">
+                          <a:solidFill>
+                            <a:srgbClr val="6F8183"/>
+                          </a:solidFill>
+                        </a:rPr>
+                        <a:t>Architecture</a:t>
+                      </a:r>
+                      <a:endParaRPr lang="en-GB" sz="1600" dirty="0">
+                        <a:solidFill>
+                          <a:srgbClr val="6F8183"/>
+                        </a:solidFill>
+                      </a:endParaRPr>
+                    </a:p>
+                  </a:txBody>
+                  <a:tcPr>
+                    <a:lnL w="12700" cap="flat" cmpd="sng" algn="ctr">
+                      <a:solidFill>
+                        <a:schemeClr val="bg1"/>
+                      </a:solidFill>
+                      <a:prstDash val="solid"/>
+                      <a:round/>
+                      <a:headEnd type="none" w="med" len="med"/>
+                      <a:tailEnd type="none" w="med" len="med"/>
+                    </a:lnL>
+                    <a:lnR w="12700" cap="flat" cmpd="sng" algn="ctr">
+                      <a:solidFill>
+                        <a:schemeClr val="bg1"/>
+                      </a:solidFill>
+                      <a:prstDash val="solid"/>
+                      <a:round/>
+                      <a:headEnd type="none" w="med" len="med"/>
+                      <a:tailEnd type="none" w="med" len="med"/>
+                    </a:lnR>
+                    <a:lnT w="12700" cmpd="sng">
+                      <a:noFill/>
+                    </a:lnT>
+                    <a:lnB w="38100" cmpd="sng">
+                      <a:noFill/>
+                    </a:lnB>
+                    <a:lnTlToBr w="12700" cmpd="sng">
+                      <a:noFill/>
+                      <a:prstDash val="solid"/>
+                    </a:lnTlToBr>
+                    <a:lnBlToTr w="12700" cmpd="sng">
+                      <a:noFill/>
+                      <a:prstDash val="solid"/>
+                    </a:lnBlToTr>
+                    <a:solidFill>
+                      <a:srgbClr val="F1F3F3"/>
+                    </a:solidFill>
+                  </a:tcPr>
+                </a:tc>
+                <a:tc>
+                  <a:txBody>
+                    <a:bodyPr/>
+                    <a:lstStyle/>
+                    <a:p>
+                      <a:r>
+                        <a:rPr lang="en-US" sz="1600" dirty="0" smtClean="0"/>
+                        <a:t>Core Code &amp; Demo</a:t>
+                      </a:r>
+                      <a:endParaRPr lang="en-GB" sz="1600" dirty="0"/>
+                    </a:p>
+                  </a:txBody>
+                  <a:tcPr>
+                    <a:lnL w="12700" cap="flat" cmpd="sng" algn="ctr">
+                      <a:solidFill>
+                        <a:schemeClr val="bg1"/>
+                      </a:solidFill>
+                      <a:prstDash val="solid"/>
+                      <a:round/>
+                      <a:headEnd type="none" w="med" len="med"/>
+                      <a:tailEnd type="none" w="med" len="med"/>
+                    </a:lnL>
+                    <a:lnR w="12700" cmpd="sng">
+                      <a:noFill/>
+                    </a:lnR>
+                    <a:lnT w="12700" cmpd="sng">
+                      <a:noFill/>
+                    </a:lnT>
+                    <a:lnB w="38100" cmpd="sng">
+                      <a:noFill/>
+                    </a:lnB>
+                    <a:lnTlToBr w="12700" cmpd="sng">
+                      <a:noFill/>
+                      <a:prstDash val="solid"/>
+                    </a:lnTlToBr>
+                    <a:lnBlToTr w="12700" cmpd="sng">
+                      <a:noFill/>
+                      <a:prstDash val="solid"/>
+                    </a:lnBlToTr>
+                  </a:tcPr>
+                </a:tc>
+                <a:extLst>
+                  <a:ext uri="{0D108BD9-81ED-4DB2-BD59-A6C34878D82A}">
+                    <a16:rowId xmlns:a16="http://schemas.microsoft.com/office/drawing/2014/main" val="3571636592"/>
+                  </a:ext>
+                </a:extLst>
+              </a:tr>
+            </a:tbl>
+          </a:graphicData>
+        </a:graphic>
+      </p:graphicFrame>
+    </p:spTree>
+    <p:extLst>
+      <p:ext uri="{BB962C8B-B14F-4D97-AF65-F5344CB8AC3E}">
+        <p14:creationId xmlns:p14="http://schemas.microsoft.com/office/powerpoint/2010/main" val="668820001"/>
+      </p:ext>
+    </p:extLst>
+  </p:cSld>
+  <p:clrMapOvr>
+    <a:masterClrMapping/>
+  </p:clrMapOvr>
+  <p:timing>
+    <p:tnLst>
+      <p:par>
+        <p:cTn id="1" dur="indefinite" restart="never" nodeType="tmRoot"/>
+      </p:par>
+    </p:tnLst>
+  </p:timing>
+</p:sld>
+</file>
+
+<file path=ppt/slides/slide14.xml><?xml version="1.0" encoding="utf-8"?>
+<p:sld xmlns:a="http://schemas.openxmlformats.org/drawingml/2006/main" xmlns:r="http://schemas.openxmlformats.org/officeDocument/2006/relationships" xmlns:p="http://schemas.openxmlformats.org/presentationml/2006/main">
+  <p:cSld>
+    <p:spTree>
+      <p:nvGrpSpPr>
+        <p:cNvPr id="1" name=""/>
+        <p:cNvGrpSpPr/>
+        <p:nvPr/>
+      </p:nvGrpSpPr>
+      <p:grpSpPr>
+        <a:xfrm>
+          <a:off x="0" y="0"/>
+          <a:ext cx="0" cy="0"/>
+          <a:chOff x="0" y="0"/>
+          <a:chExt cx="0" cy="0"/>
+        </a:xfrm>
+      </p:grpSpPr>
+      <p:sp>
+        <p:nvSpPr>
           <p:cNvPr id="5" name="Title 4"/>
           <p:cNvSpPr>
             <a:spLocks noGrp="1"/>
@@ -4130,12 +5929,16 @@
           </p:cNvGraphicFramePr>
           <p:nvPr>
             <p:ph idx="1"/>
-            <p:extLst/>
+            <p:extLst>
+              <p:ext uri="{D42A27DB-BD31-4B8C-83A1-F6EECF244321}">
+                <p14:modId xmlns:p14="http://schemas.microsoft.com/office/powerpoint/2010/main" val="4142632087"/>
+              </p:ext>
+            </p:extLst>
           </p:nvPr>
         </p:nvGraphicFramePr>
         <p:xfrm>
-          <a:off x="2244035" y="1708912"/>
-          <a:ext cx="2249695" cy="1483360"/>
+          <a:off x="3170009" y="1590803"/>
+          <a:ext cx="2249695" cy="2225040"/>
         </p:xfrm>
         <a:graphic>
           <a:graphicData uri="http://schemas.openxmlformats.org/drawingml/2006/table">
@@ -4256,6 +6059,58 @@
                   </a:ext>
                 </a:extLst>
               </a:tr>
+              <a:tr h="370840">
+                <a:tc>
+                  <a:txBody>
+                    <a:bodyPr/>
+                    <a:lstStyle/>
+                    <a:p>
+                      <a:pPr algn="ctr" latinLnBrk="1"/>
+                      <a:r>
+                        <a:rPr lang="en-US" altLang="ko-KR" dirty="0" smtClean="0">
+                          <a:latin typeface="Calibri" panose="020F0502020204030204" pitchFamily="34" charset="0"/>
+                        </a:rPr>
+                        <a:t>email</a:t>
+                      </a:r>
+                      <a:endParaRPr lang="ko-KR" altLang="en-US" dirty="0">
+                        <a:latin typeface="Calibri" panose="020F0502020204030204" pitchFamily="34" charset="0"/>
+                      </a:endParaRPr>
+                    </a:p>
+                  </a:txBody>
+                  <a:tcPr/>
+                </a:tc>
+                <a:extLst>
+                  <a:ext uri="{0D108BD9-81ED-4DB2-BD59-A6C34878D82A}">
+                    <a16:rowId xmlns:a16="http://schemas.microsoft.com/office/drawing/2014/main" val="3961626982"/>
+                  </a:ext>
+                </a:extLst>
+              </a:tr>
+              <a:tr h="370840">
+                <a:tc>
+                  <a:txBody>
+                    <a:bodyPr/>
+                    <a:lstStyle/>
+                    <a:p>
+                      <a:pPr algn="ctr" latinLnBrk="1"/>
+                      <a:r>
+                        <a:rPr lang="en-US" altLang="ko-KR" dirty="0" err="1" smtClean="0">
+                          <a:latin typeface="Calibri" panose="020F0502020204030204" pitchFamily="34" charset="0"/>
+                        </a:rPr>
+                        <a:t>phonenumber</a:t>
+                      </a:r>
+                      <a:endParaRPr lang="ko-KR" altLang="en-US" dirty="0">
+                        <a:latin typeface="Calibri" panose="020F0502020204030204" pitchFamily="34" charset="0"/>
+                      </a:endParaRPr>
+                    </a:p>
+                  </a:txBody>
+                  <a:tcPr/>
+                </a:tc>
+                <a:extLst>
+                  <a:ext uri="{0D108BD9-81ED-4DB2-BD59-A6C34878D82A}">
+                    <a16:rowId xmlns:a16="http://schemas.microsoft.com/office/drawing/2014/main" val="1873592106"/>
+                  </a:ext>
+                </a:extLst>
+              </a:tr>
             </a:tbl>
           </a:graphicData>
         </a:graphic>
@@ -4608,11 +6463,15 @@
             <a:graphicFrameLocks noGrp="1"/>
           </p:cNvGraphicFramePr>
           <p:nvPr>
-            <p:extLst/>
+            <p:extLst>
+              <p:ext uri="{D42A27DB-BD31-4B8C-83A1-F6EECF244321}">
+                <p14:modId xmlns:p14="http://schemas.microsoft.com/office/powerpoint/2010/main" val="3870400206"/>
+              </p:ext>
+            </p:extLst>
           </p:nvPr>
         </p:nvGraphicFramePr>
         <p:xfrm>
-          <a:off x="2177014" y="3774440"/>
+          <a:off x="1667728" y="4073907"/>
           <a:ext cx="2383735" cy="2225040"/>
         </p:xfrm>
         <a:graphic>
@@ -4904,15 +6763,13 @@
       <p:cxnSp>
         <p:nvCxnSpPr>
           <p:cNvPr id="11" name="Straight Connector 10"/>
-          <p:cNvCxnSpPr>
-            <a:endCxn id="9" idx="1"/>
-          </p:cNvCxnSpPr>
+          <p:cNvCxnSpPr/>
           <p:nvPr/>
         </p:nvCxnSpPr>
         <p:spPr>
           <a:xfrm flipV="1">
-            <a:off x="4560749" y="3734308"/>
-            <a:ext cx="2881451" cy="556260"/>
+            <a:off x="4051463" y="3734308"/>
+            <a:ext cx="3390737" cy="901701"/>
           </a:xfrm>
           <a:prstGeom prst="line">
             <a:avLst/>
@@ -4945,8 +6802,8 @@
         </p:nvCxnSpPr>
         <p:spPr>
           <a:xfrm flipH="1" flipV="1">
-            <a:off x="4493730" y="2245805"/>
-            <a:ext cx="2948470" cy="1828102"/>
+            <a:off x="5431500" y="2105500"/>
+            <a:ext cx="2010700" cy="1968407"/>
           </a:xfrm>
           <a:prstGeom prst="line">
             <a:avLst/>
@@ -4991,7 +6848,7 @@
 </p:sld>
 </file>
 
-<file path=ppt/slides/slide11.xml><?xml version="1.0" encoding="utf-8"?>
+<file path=ppt/slides/slide15.xml><?xml version="1.0" encoding="utf-8"?>
 <p:sld xmlns:a="http://schemas.openxmlformats.org/drawingml/2006/main" xmlns:r="http://schemas.openxmlformats.org/officeDocument/2006/relationships" xmlns:p="http://schemas.openxmlformats.org/presentationml/2006/main">
   <p:cSld>
     <p:spTree>
@@ -5434,7 +7291,7 @@
 </p:sld>
 </file>
 
-<file path=ppt/slides/slide12.xml><?xml version="1.0" encoding="utf-8"?>
+<file path=ppt/slides/slide16.xml><?xml version="1.0" encoding="utf-8"?>
 <p:sld xmlns:a="http://schemas.openxmlformats.org/drawingml/2006/main" xmlns:r="http://schemas.openxmlformats.org/officeDocument/2006/relationships" xmlns:p="http://schemas.openxmlformats.org/presentationml/2006/main">
   <p:cSld>
     <p:spTree>
@@ -5475,36 +7332,41 @@
           <a:p>
             <a:r>
               <a:rPr lang="en-US" dirty="0" smtClean="0"/>
-              <a:t>Sequence Diagram</a:t>
+              <a:t>Sequence Diagram 2 add and show event</a:t>
             </a:r>
             <a:endParaRPr lang="en-GB" dirty="0"/>
           </a:p>
         </p:txBody>
       </p:sp>
-      <p:sp>
-        <p:nvSpPr>
-          <p:cNvPr id="3" name="Content Placeholder 2"/>
-          <p:cNvSpPr>
-            <a:spLocks noGrp="1"/>
-          </p:cNvSpPr>
+      <p:pic>
+        <p:nvPicPr>
+          <p:cNvPr id="5" name="Content Placeholder 4"/>
+          <p:cNvPicPr>
+            <a:picLocks noGrp="1" noChangeAspect="1"/>
+          </p:cNvPicPr>
           <p:nvPr>
             <p:ph idx="1"/>
           </p:nvPr>
-        </p:nvSpPr>
+        </p:nvPicPr>
+        <p:blipFill>
+          <a:blip r:embed="rId2">
+            <a:extLst>
+              <a:ext uri="{28A0092B-C50C-407E-A947-70E740481C1C}">
+                <a14:useLocalDpi xmlns:a14="http://schemas.microsoft.com/office/drawing/2010/main" val="0"/>
+              </a:ext>
+            </a:extLst>
+          </a:blip>
+          <a:stretch>
+            <a:fillRect/>
+          </a:stretch>
+        </p:blipFill>
         <p:spPr>
           <a:xfrm>
-            <a:off x="1069848" y="895927"/>
-            <a:ext cx="10058400" cy="5276273"/>
+            <a:off x="2521275" y="1466492"/>
+            <a:ext cx="7155800" cy="4602879"/>
           </a:xfrm>
         </p:spPr>
-        <p:txBody>
-          <a:bodyPr/>
-          <a:lstStyle/>
-          <a:p>
-            <a:endParaRPr lang="en-GB"/>
-          </a:p>
-        </p:txBody>
-      </p:sp>
+      </p:pic>
       <p:graphicFrame>
         <p:nvGraphicFramePr>
           <p:cNvPr id="4" name="Table 3"/>
@@ -5869,6 +7731,446 @@
       </p:par>
     </p:tnLst>
   </p:timing>
+</p:sld>
+</file>
+
+<file path=ppt/slides/slide17.xml><?xml version="1.0" encoding="utf-8"?>
+<p:sld xmlns:a="http://schemas.openxmlformats.org/drawingml/2006/main" xmlns:r="http://schemas.openxmlformats.org/officeDocument/2006/relationships" xmlns:p="http://schemas.openxmlformats.org/presentationml/2006/main">
+  <p:cSld>
+    <p:spTree>
+      <p:nvGrpSpPr>
+        <p:cNvPr id="1" name=""/>
+        <p:cNvGrpSpPr/>
+        <p:nvPr/>
+      </p:nvGrpSpPr>
+      <p:grpSpPr>
+        <a:xfrm>
+          <a:off x="0" y="0"/>
+          <a:ext cx="0" cy="0"/>
+          <a:chOff x="0" y="0"/>
+          <a:chExt cx="0" cy="0"/>
+        </a:xfrm>
+      </p:grpSpPr>
+      <p:sp>
+        <p:nvSpPr>
+          <p:cNvPr id="2" name="Title 1"/>
+          <p:cNvSpPr>
+            <a:spLocks noGrp="1"/>
+          </p:cNvSpPr>
+          <p:nvPr>
+            <p:ph type="title"/>
+          </p:nvPr>
+        </p:nvSpPr>
+        <p:spPr>
+          <a:xfrm>
+            <a:off x="1069848" y="484632"/>
+            <a:ext cx="10058400" cy="950629"/>
+          </a:xfrm>
+        </p:spPr>
+        <p:txBody>
+          <a:bodyPr/>
+          <a:lstStyle/>
+          <a:p>
+            <a:r>
+              <a:rPr lang="en-GB" dirty="0" smtClean="0"/>
+              <a:t>Core Code</a:t>
+            </a:r>
+            <a:endParaRPr lang="en-GB" dirty="0"/>
+          </a:p>
+        </p:txBody>
+      </p:sp>
+      <p:sp>
+        <p:nvSpPr>
+          <p:cNvPr id="3" name="Content Placeholder 2"/>
+          <p:cNvSpPr>
+            <a:spLocks noGrp="1"/>
+          </p:cNvSpPr>
+          <p:nvPr>
+            <p:ph idx="1"/>
+          </p:nvPr>
+        </p:nvSpPr>
+        <p:spPr>
+          <a:xfrm>
+            <a:off x="1069848" y="1632030"/>
+            <a:ext cx="10058400" cy="4540170"/>
+          </a:xfrm>
+        </p:spPr>
+        <p:txBody>
+          <a:bodyPr/>
+          <a:lstStyle/>
+          <a:p>
+            <a:endParaRPr lang="en-GB" dirty="0"/>
+          </a:p>
+        </p:txBody>
+      </p:sp>
+      <p:graphicFrame>
+        <p:nvGraphicFramePr>
+          <p:cNvPr id="4" name="Table 3"/>
+          <p:cNvGraphicFramePr>
+            <a:graphicFrameLocks noGrp="1"/>
+          </p:cNvGraphicFramePr>
+          <p:nvPr>
+            <p:extLst>
+              <p:ext uri="{D42A27DB-BD31-4B8C-83A1-F6EECF244321}">
+                <p14:modId xmlns:p14="http://schemas.microsoft.com/office/powerpoint/2010/main" val="3669018319"/>
+              </p:ext>
+            </p:extLst>
+          </p:nvPr>
+        </p:nvGraphicFramePr>
+        <p:xfrm>
+          <a:off x="0" y="6487160"/>
+          <a:ext cx="11397675" cy="370840"/>
+        </p:xfrm>
+        <a:graphic>
+          <a:graphicData uri="http://schemas.openxmlformats.org/drawingml/2006/table">
+            <a:tbl>
+              <a:tblPr firstRow="1" bandRow="1">
+                <a:tableStyleId>{5C22544A-7EE6-4342-B048-85BDC9FD1C3A}</a:tableStyleId>
+              </a:tblPr>
+              <a:tblGrid>
+                <a:gridCol w="2279535">
+                  <a:extLst>
+                    <a:ext uri="{9D8B030D-6E8A-4147-A177-3AD203B41FA5}">
+                      <a16:colId xmlns:a16="http://schemas.microsoft.com/office/drawing/2014/main" val="1650481923"/>
+                    </a:ext>
+                  </a:extLst>
+                </a:gridCol>
+                <a:gridCol w="2279535">
+                  <a:extLst>
+                    <a:ext uri="{9D8B030D-6E8A-4147-A177-3AD203B41FA5}">
+                      <a16:colId xmlns:a16="http://schemas.microsoft.com/office/drawing/2014/main" val="363490094"/>
+                    </a:ext>
+                  </a:extLst>
+                </a:gridCol>
+                <a:gridCol w="2279535">
+                  <a:extLst>
+                    <a:ext uri="{9D8B030D-6E8A-4147-A177-3AD203B41FA5}">
+                      <a16:colId xmlns:a16="http://schemas.microsoft.com/office/drawing/2014/main" val="2961371462"/>
+                    </a:ext>
+                  </a:extLst>
+                </a:gridCol>
+                <a:gridCol w="2279535">
+                  <a:extLst>
+                    <a:ext uri="{9D8B030D-6E8A-4147-A177-3AD203B41FA5}">
+                      <a16:colId xmlns:a16="http://schemas.microsoft.com/office/drawing/2014/main" val="1073095120"/>
+                    </a:ext>
+                  </a:extLst>
+                </a:gridCol>
+                <a:gridCol w="2279535">
+                  <a:extLst>
+                    <a:ext uri="{9D8B030D-6E8A-4147-A177-3AD203B41FA5}">
+                      <a16:colId xmlns:a16="http://schemas.microsoft.com/office/drawing/2014/main" val="1682139684"/>
+                    </a:ext>
+                  </a:extLst>
+                </a:gridCol>
+              </a:tblGrid>
+              <a:tr h="370840">
+                <a:tc>
+                  <a:txBody>
+                    <a:bodyPr/>
+                    <a:lstStyle/>
+                    <a:p>
+                      <a:r>
+                        <a:rPr lang="en-US" sz="1400" dirty="0" smtClean="0">
+                          <a:solidFill>
+                            <a:schemeClr val="bg1"/>
+                          </a:solidFill>
+                        </a:rPr>
+                        <a:t>Executive</a:t>
+                      </a:r>
+                      <a:r>
+                        <a:rPr lang="en-US" sz="1400" baseline="0" dirty="0" smtClean="0">
+                          <a:solidFill>
+                            <a:schemeClr val="bg1"/>
+                          </a:solidFill>
+                        </a:rPr>
+                        <a:t> Summary</a:t>
+                      </a:r>
+                      <a:endParaRPr lang="en-GB" sz="1400" dirty="0">
+                        <a:solidFill>
+                          <a:schemeClr val="bg1"/>
+                        </a:solidFill>
+                      </a:endParaRPr>
+                    </a:p>
+                  </a:txBody>
+                  <a:tcPr>
+                    <a:lnL w="12700" cmpd="sng">
+                      <a:noFill/>
+                    </a:lnL>
+                    <a:lnR w="12700" cap="flat" cmpd="sng" algn="ctr">
+                      <a:solidFill>
+                        <a:schemeClr val="bg1"/>
+                      </a:solidFill>
+                      <a:prstDash val="solid"/>
+                      <a:round/>
+                      <a:headEnd type="none" w="med" len="med"/>
+                      <a:tailEnd type="none" w="med" len="med"/>
+                    </a:lnR>
+                    <a:lnT w="12700" cmpd="sng">
+                      <a:noFill/>
+                    </a:lnT>
+                    <a:lnB w="38100" cmpd="sng">
+                      <a:noFill/>
+                    </a:lnB>
+                    <a:lnTlToBr w="12700" cmpd="sng">
+                      <a:noFill/>
+                      <a:prstDash val="solid"/>
+                    </a:lnTlToBr>
+                    <a:lnBlToTr w="12700" cmpd="sng">
+                      <a:noFill/>
+                      <a:prstDash val="solid"/>
+                    </a:lnBlToTr>
+                    <a:solidFill>
+                      <a:srgbClr val="6F8183"/>
+                    </a:solidFill>
+                  </a:tcPr>
+                </a:tc>
+                <a:tc>
+                  <a:txBody>
+                    <a:bodyPr/>
+                    <a:lstStyle/>
+                    <a:p>
+                      <a:r>
+                        <a:rPr lang="en-US" sz="1600" dirty="0" smtClean="0">
+                          <a:solidFill>
+                            <a:schemeClr val="bg1"/>
+                          </a:solidFill>
+                        </a:rPr>
+                        <a:t>Background</a:t>
+                      </a:r>
+                      <a:endParaRPr lang="en-GB" sz="1600" dirty="0">
+                        <a:solidFill>
+                          <a:schemeClr val="bg1"/>
+                        </a:solidFill>
+                      </a:endParaRPr>
+                    </a:p>
+                  </a:txBody>
+                  <a:tcPr>
+                    <a:lnL w="12700" cap="flat" cmpd="sng" algn="ctr">
+                      <a:solidFill>
+                        <a:schemeClr val="bg1"/>
+                      </a:solidFill>
+                      <a:prstDash val="solid"/>
+                      <a:round/>
+                      <a:headEnd type="none" w="med" len="med"/>
+                      <a:tailEnd type="none" w="med" len="med"/>
+                    </a:lnL>
+                    <a:lnR w="12700" cap="flat" cmpd="sng" algn="ctr">
+                      <a:solidFill>
+                        <a:schemeClr val="bg1"/>
+                      </a:solidFill>
+                      <a:prstDash val="solid"/>
+                      <a:round/>
+                      <a:headEnd type="none" w="med" len="med"/>
+                      <a:tailEnd type="none" w="med" len="med"/>
+                    </a:lnR>
+                    <a:lnT w="12700" cmpd="sng">
+                      <a:noFill/>
+                    </a:lnT>
+                    <a:lnB w="38100" cmpd="sng">
+                      <a:noFill/>
+                    </a:lnB>
+                    <a:lnTlToBr w="12700" cmpd="sng">
+                      <a:noFill/>
+                      <a:prstDash val="solid"/>
+                    </a:lnTlToBr>
+                    <a:lnBlToTr w="12700" cmpd="sng">
+                      <a:noFill/>
+                      <a:prstDash val="solid"/>
+                    </a:lnBlToTr>
+                    <a:solidFill>
+                      <a:srgbClr val="6F8183"/>
+                    </a:solidFill>
+                  </a:tcPr>
+                </a:tc>
+                <a:tc>
+                  <a:txBody>
+                    <a:bodyPr/>
+                    <a:lstStyle/>
+                    <a:p>
+                      <a:r>
+                        <a:rPr lang="en-US" sz="1600" dirty="0" smtClean="0">
+                          <a:solidFill>
+                            <a:schemeClr val="bg1"/>
+                          </a:solidFill>
+                        </a:rPr>
+                        <a:t>Objective</a:t>
+                      </a:r>
+                      <a:endParaRPr lang="en-GB" sz="1600" dirty="0">
+                        <a:solidFill>
+                          <a:schemeClr val="bg1"/>
+                        </a:solidFill>
+                      </a:endParaRPr>
+                    </a:p>
+                  </a:txBody>
+                  <a:tcPr>
+                    <a:lnL w="12700" cap="flat" cmpd="sng" algn="ctr">
+                      <a:solidFill>
+                        <a:schemeClr val="bg1"/>
+                      </a:solidFill>
+                      <a:prstDash val="solid"/>
+                      <a:round/>
+                      <a:headEnd type="none" w="med" len="med"/>
+                      <a:tailEnd type="none" w="med" len="med"/>
+                    </a:lnL>
+                    <a:lnR w="12700" cap="flat" cmpd="sng" algn="ctr">
+                      <a:solidFill>
+                        <a:schemeClr val="bg1"/>
+                      </a:solidFill>
+                      <a:prstDash val="solid"/>
+                      <a:round/>
+                      <a:headEnd type="none" w="med" len="med"/>
+                      <a:tailEnd type="none" w="med" len="med"/>
+                    </a:lnR>
+                    <a:lnT w="12700" cmpd="sng">
+                      <a:noFill/>
+                    </a:lnT>
+                    <a:lnB w="38100" cmpd="sng">
+                      <a:noFill/>
+                    </a:lnB>
+                    <a:lnTlToBr w="12700" cmpd="sng">
+                      <a:noFill/>
+                      <a:prstDash val="solid"/>
+                    </a:lnTlToBr>
+                    <a:lnBlToTr w="12700" cmpd="sng">
+                      <a:noFill/>
+                      <a:prstDash val="solid"/>
+                    </a:lnBlToTr>
+                    <a:solidFill>
+                      <a:srgbClr val="6F8183"/>
+                    </a:solidFill>
+                  </a:tcPr>
+                </a:tc>
+                <a:tc>
+                  <a:txBody>
+                    <a:bodyPr/>
+                    <a:lstStyle/>
+                    <a:p>
+                      <a:r>
+                        <a:rPr lang="en-US" sz="1600" dirty="0" smtClean="0">
+                          <a:solidFill>
+                            <a:srgbClr val="F1F3F3"/>
+                          </a:solidFill>
+                        </a:rPr>
+                        <a:t>Architecture</a:t>
+                      </a:r>
+                      <a:endParaRPr lang="en-GB" sz="1600" dirty="0">
+                        <a:solidFill>
+                          <a:srgbClr val="F1F3F3"/>
+                        </a:solidFill>
+                      </a:endParaRPr>
+                    </a:p>
+                  </a:txBody>
+                  <a:tcPr>
+                    <a:lnL w="12700" cap="flat" cmpd="sng" algn="ctr">
+                      <a:solidFill>
+                        <a:schemeClr val="bg1"/>
+                      </a:solidFill>
+                      <a:prstDash val="solid"/>
+                      <a:round/>
+                      <a:headEnd type="none" w="med" len="med"/>
+                      <a:tailEnd type="none" w="med" len="med"/>
+                    </a:lnL>
+                    <a:lnR w="12700" cap="flat" cmpd="sng" algn="ctr">
+                      <a:solidFill>
+                        <a:schemeClr val="bg1"/>
+                      </a:solidFill>
+                      <a:prstDash val="solid"/>
+                      <a:round/>
+                      <a:headEnd type="none" w="med" len="med"/>
+                      <a:tailEnd type="none" w="med" len="med"/>
+                    </a:lnR>
+                    <a:lnT w="12700" cmpd="sng">
+                      <a:noFill/>
+                    </a:lnT>
+                    <a:lnB w="38100" cmpd="sng">
+                      <a:noFill/>
+                    </a:lnB>
+                    <a:lnTlToBr w="12700" cmpd="sng">
+                      <a:noFill/>
+                      <a:prstDash val="solid"/>
+                    </a:lnTlToBr>
+                    <a:lnBlToTr w="12700" cmpd="sng">
+                      <a:noFill/>
+                      <a:prstDash val="solid"/>
+                    </a:lnBlToTr>
+                    <a:solidFill>
+                      <a:srgbClr val="6F8183"/>
+                    </a:solidFill>
+                  </a:tcPr>
+                </a:tc>
+                <a:tc>
+                  <a:txBody>
+                    <a:bodyPr/>
+                    <a:lstStyle/>
+                    <a:p>
+                      <a:r>
+                        <a:rPr lang="en-US" sz="1600" dirty="0" smtClean="0">
+                          <a:solidFill>
+                            <a:srgbClr val="6F8183"/>
+                          </a:solidFill>
+                        </a:rPr>
+                        <a:t>Core Code &amp; Demo</a:t>
+                      </a:r>
+                      <a:endParaRPr lang="en-GB" sz="1600" dirty="0">
+                        <a:solidFill>
+                          <a:srgbClr val="6F8183"/>
+                        </a:solidFill>
+                      </a:endParaRPr>
+                    </a:p>
+                  </a:txBody>
+                  <a:tcPr>
+                    <a:lnL w="12700" cap="flat" cmpd="sng" algn="ctr">
+                      <a:solidFill>
+                        <a:schemeClr val="bg1"/>
+                      </a:solidFill>
+                      <a:prstDash val="solid"/>
+                      <a:round/>
+                      <a:headEnd type="none" w="med" len="med"/>
+                      <a:tailEnd type="none" w="med" len="med"/>
+                    </a:lnL>
+                    <a:lnR w="12700" cmpd="sng">
+                      <a:noFill/>
+                    </a:lnR>
+                    <a:lnT w="12700" cmpd="sng">
+                      <a:noFill/>
+                    </a:lnT>
+                    <a:lnB w="38100" cmpd="sng">
+                      <a:noFill/>
+                    </a:lnB>
+                    <a:lnTlToBr w="12700" cmpd="sng">
+                      <a:noFill/>
+                      <a:prstDash val="solid"/>
+                    </a:lnTlToBr>
+                    <a:lnBlToTr w="12700" cmpd="sng">
+                      <a:noFill/>
+                      <a:prstDash val="solid"/>
+                    </a:lnBlToTr>
+                    <a:solidFill>
+                      <a:schemeClr val="bg1"/>
+                    </a:solidFill>
+                  </a:tcPr>
+                </a:tc>
+                <a:extLst>
+                  <a:ext uri="{0D108BD9-81ED-4DB2-BD59-A6C34878D82A}">
+                    <a16:rowId xmlns:a16="http://schemas.microsoft.com/office/drawing/2014/main" val="3571636592"/>
+                  </a:ext>
+                </a:extLst>
+              </a:tr>
+            </a:tbl>
+          </a:graphicData>
+        </a:graphic>
+      </p:graphicFrame>
+    </p:spTree>
+    <p:extLst>
+      <p:ext uri="{BB962C8B-B14F-4D97-AF65-F5344CB8AC3E}">
+        <p14:creationId xmlns:p14="http://schemas.microsoft.com/office/powerpoint/2010/main" val="4202343275"/>
+      </p:ext>
+    </p:extLst>
+  </p:cSld>
+  <p:clrMapOvr>
+    <a:masterClrMapping/>
+  </p:clrMapOvr>
 </p:sld>
 </file>
 
@@ -12808,466 +15110,9 @@
           <a:chExt cx="0" cy="0"/>
         </a:xfrm>
       </p:grpSpPr>
-      <p:sp>
-        <p:nvSpPr>
-          <p:cNvPr id="5" name="Title 4"/>
-          <p:cNvSpPr>
-            <a:spLocks noGrp="1"/>
-          </p:cNvSpPr>
-          <p:nvPr>
-            <p:ph type="title"/>
-          </p:nvPr>
-        </p:nvSpPr>
-        <p:spPr/>
-        <p:txBody>
-          <a:bodyPr/>
-          <a:lstStyle/>
-          <a:p>
-            <a:r>
-              <a:rPr lang="en-GB" dirty="0" smtClean="0"/>
-              <a:t>Objective</a:t>
-            </a:r>
-            <a:endParaRPr lang="en-GB" dirty="0"/>
-          </a:p>
-        </p:txBody>
-      </p:sp>
-      <p:sp>
-        <p:nvSpPr>
-          <p:cNvPr id="6" name="Content Placeholder 5"/>
-          <p:cNvSpPr>
-            <a:spLocks noGrp="1"/>
-          </p:cNvSpPr>
-          <p:nvPr>
-            <p:ph idx="1"/>
-          </p:nvPr>
-        </p:nvSpPr>
-        <p:spPr/>
-        <p:txBody>
-          <a:bodyPr/>
-          <a:lstStyle/>
-          <a:p>
-            <a:r>
-              <a:rPr lang="en-GB" dirty="0" smtClean="0"/>
-              <a:t>Manage trip : all people know trip schedule</a:t>
-            </a:r>
-          </a:p>
-          <a:p>
-            <a:r>
-              <a:rPr lang="en-GB" dirty="0" smtClean="0"/>
-              <a:t>Have more experience visiting many place in Korea</a:t>
-            </a:r>
-          </a:p>
-          <a:p>
-            <a:r>
-              <a:rPr lang="en-GB" dirty="0" smtClean="0"/>
-              <a:t>Spend time together, </a:t>
-            </a:r>
-            <a:r>
-              <a:rPr lang="en-GB" dirty="0"/>
-              <a:t>t</a:t>
-            </a:r>
-            <a:r>
-              <a:rPr lang="en-GB" dirty="0" smtClean="0"/>
-              <a:t>eam building : make the best teamwork</a:t>
-            </a:r>
-          </a:p>
-        </p:txBody>
-      </p:sp>
-      <p:graphicFrame>
-        <p:nvGraphicFramePr>
-          <p:cNvPr id="7" name="Table 6"/>
-          <p:cNvGraphicFramePr>
-            <a:graphicFrameLocks noGrp="1"/>
-          </p:cNvGraphicFramePr>
-          <p:nvPr>
-            <p:extLst/>
-          </p:nvPr>
-        </p:nvGraphicFramePr>
-        <p:xfrm>
-          <a:off x="0" y="6487160"/>
-          <a:ext cx="11397675" cy="370840"/>
-        </p:xfrm>
-        <a:graphic>
-          <a:graphicData uri="http://schemas.openxmlformats.org/drawingml/2006/table">
-            <a:tbl>
-              <a:tblPr firstRow="1" bandRow="1">
-                <a:tableStyleId>{5C22544A-7EE6-4342-B048-85BDC9FD1C3A}</a:tableStyleId>
-              </a:tblPr>
-              <a:tblGrid>
-                <a:gridCol w="2279535">
-                  <a:extLst>
-                    <a:ext uri="{9D8B030D-6E8A-4147-A177-3AD203B41FA5}">
-                      <a16:colId xmlns:a16="http://schemas.microsoft.com/office/drawing/2014/main" val="1650481923"/>
-                    </a:ext>
-                  </a:extLst>
-                </a:gridCol>
-                <a:gridCol w="2279535">
-                  <a:extLst>
-                    <a:ext uri="{9D8B030D-6E8A-4147-A177-3AD203B41FA5}">
-                      <a16:colId xmlns:a16="http://schemas.microsoft.com/office/drawing/2014/main" val="363490094"/>
-                    </a:ext>
-                  </a:extLst>
-                </a:gridCol>
-                <a:gridCol w="2279535">
-                  <a:extLst>
-                    <a:ext uri="{9D8B030D-6E8A-4147-A177-3AD203B41FA5}">
-                      <a16:colId xmlns:a16="http://schemas.microsoft.com/office/drawing/2014/main" val="2961371462"/>
-                    </a:ext>
-                  </a:extLst>
-                </a:gridCol>
-                <a:gridCol w="2279535">
-                  <a:extLst>
-                    <a:ext uri="{9D8B030D-6E8A-4147-A177-3AD203B41FA5}">
-                      <a16:colId xmlns:a16="http://schemas.microsoft.com/office/drawing/2014/main" val="1073095120"/>
-                    </a:ext>
-                  </a:extLst>
-                </a:gridCol>
-                <a:gridCol w="2279535">
-                  <a:extLst>
-                    <a:ext uri="{9D8B030D-6E8A-4147-A177-3AD203B41FA5}">
-                      <a16:colId xmlns:a16="http://schemas.microsoft.com/office/drawing/2014/main" val="1682139684"/>
-                    </a:ext>
-                  </a:extLst>
-                </a:gridCol>
-              </a:tblGrid>
-              <a:tr h="370840">
-                <a:tc>
-                  <a:txBody>
-                    <a:bodyPr/>
-                    <a:lstStyle/>
-                    <a:p>
-                      <a:r>
-                        <a:rPr lang="en-US" sz="1400" dirty="0" smtClean="0">
-                          <a:solidFill>
-                            <a:schemeClr val="bg1"/>
-                          </a:solidFill>
-                        </a:rPr>
-                        <a:t>Executive</a:t>
-                      </a:r>
-                      <a:r>
-                        <a:rPr lang="en-US" sz="1400" baseline="0" dirty="0" smtClean="0">
-                          <a:solidFill>
-                            <a:schemeClr val="bg1"/>
-                          </a:solidFill>
-                        </a:rPr>
-                        <a:t> Summary</a:t>
-                      </a:r>
-                      <a:endParaRPr lang="en-GB" sz="1400" dirty="0">
-                        <a:solidFill>
-                          <a:schemeClr val="bg1"/>
-                        </a:solidFill>
-                      </a:endParaRPr>
-                    </a:p>
-                  </a:txBody>
-                  <a:tcPr>
-                    <a:lnL w="12700" cmpd="sng">
-                      <a:noFill/>
-                    </a:lnL>
-                    <a:lnR w="12700" cap="flat" cmpd="sng" algn="ctr">
-                      <a:solidFill>
-                        <a:schemeClr val="bg1"/>
-                      </a:solidFill>
-                      <a:prstDash val="solid"/>
-                      <a:round/>
-                      <a:headEnd type="none" w="med" len="med"/>
-                      <a:tailEnd type="none" w="med" len="med"/>
-                    </a:lnR>
-                    <a:lnT w="12700" cmpd="sng">
-                      <a:noFill/>
-                    </a:lnT>
-                    <a:lnB w="38100" cmpd="sng">
-                      <a:noFill/>
-                    </a:lnB>
-                    <a:lnTlToBr w="12700" cmpd="sng">
-                      <a:noFill/>
-                      <a:prstDash val="solid"/>
-                    </a:lnTlToBr>
-                    <a:lnBlToTr w="12700" cmpd="sng">
-                      <a:noFill/>
-                      <a:prstDash val="solid"/>
-                    </a:lnBlToTr>
-                    <a:solidFill>
-                      <a:srgbClr val="6F8183"/>
-                    </a:solidFill>
-                  </a:tcPr>
-                </a:tc>
-                <a:tc>
-                  <a:txBody>
-                    <a:bodyPr/>
-                    <a:lstStyle/>
-                    <a:p>
-                      <a:r>
-                        <a:rPr lang="en-US" sz="1600" dirty="0" smtClean="0">
-                          <a:solidFill>
-                            <a:schemeClr val="bg1"/>
-                          </a:solidFill>
-                        </a:rPr>
-                        <a:t>Background</a:t>
-                      </a:r>
-                      <a:endParaRPr lang="en-GB" sz="1600" dirty="0">
-                        <a:solidFill>
-                          <a:schemeClr val="bg1"/>
-                        </a:solidFill>
-                      </a:endParaRPr>
-                    </a:p>
-                  </a:txBody>
-                  <a:tcPr>
-                    <a:lnL w="12700" cap="flat" cmpd="sng" algn="ctr">
-                      <a:solidFill>
-                        <a:schemeClr val="bg1"/>
-                      </a:solidFill>
-                      <a:prstDash val="solid"/>
-                      <a:round/>
-                      <a:headEnd type="none" w="med" len="med"/>
-                      <a:tailEnd type="none" w="med" len="med"/>
-                    </a:lnL>
-                    <a:lnR w="12700" cap="flat" cmpd="sng" algn="ctr">
-                      <a:solidFill>
-                        <a:schemeClr val="bg1"/>
-                      </a:solidFill>
-                      <a:prstDash val="solid"/>
-                      <a:round/>
-                      <a:headEnd type="none" w="med" len="med"/>
-                      <a:tailEnd type="none" w="med" len="med"/>
-                    </a:lnR>
-                    <a:lnT w="12700" cmpd="sng">
-                      <a:noFill/>
-                    </a:lnT>
-                    <a:lnB w="38100" cmpd="sng">
-                      <a:noFill/>
-                    </a:lnB>
-                    <a:lnTlToBr w="12700" cmpd="sng">
-                      <a:noFill/>
-                      <a:prstDash val="solid"/>
-                    </a:lnTlToBr>
-                    <a:lnBlToTr w="12700" cmpd="sng">
-                      <a:noFill/>
-                      <a:prstDash val="solid"/>
-                    </a:lnBlToTr>
-                    <a:solidFill>
-                      <a:srgbClr val="6F8183"/>
-                    </a:solidFill>
-                  </a:tcPr>
-                </a:tc>
-                <a:tc>
-                  <a:txBody>
-                    <a:bodyPr/>
-                    <a:lstStyle/>
-                    <a:p>
-                      <a:r>
-                        <a:rPr lang="en-US" sz="1600" dirty="0" smtClean="0">
-                          <a:solidFill>
-                            <a:srgbClr val="6F8183"/>
-                          </a:solidFill>
-                        </a:rPr>
-                        <a:t>Objective</a:t>
-                      </a:r>
-                      <a:endParaRPr lang="en-GB" sz="1600" dirty="0">
-                        <a:solidFill>
-                          <a:srgbClr val="6F8183"/>
-                        </a:solidFill>
-                      </a:endParaRPr>
-                    </a:p>
-                  </a:txBody>
-                  <a:tcPr>
-                    <a:lnL w="12700" cap="flat" cmpd="sng" algn="ctr">
-                      <a:solidFill>
-                        <a:schemeClr val="bg1"/>
-                      </a:solidFill>
-                      <a:prstDash val="solid"/>
-                      <a:round/>
-                      <a:headEnd type="none" w="med" len="med"/>
-                      <a:tailEnd type="none" w="med" len="med"/>
-                    </a:lnL>
-                    <a:lnR w="12700" cap="flat" cmpd="sng" algn="ctr">
-                      <a:solidFill>
-                        <a:schemeClr val="bg1"/>
-                      </a:solidFill>
-                      <a:prstDash val="solid"/>
-                      <a:round/>
-                      <a:headEnd type="none" w="med" len="med"/>
-                      <a:tailEnd type="none" w="med" len="med"/>
-                    </a:lnR>
-                    <a:lnT w="12700" cmpd="sng">
-                      <a:noFill/>
-                    </a:lnT>
-                    <a:lnB w="38100" cmpd="sng">
-                      <a:noFill/>
-                    </a:lnB>
-                    <a:lnTlToBr w="12700" cmpd="sng">
-                      <a:noFill/>
-                      <a:prstDash val="solid"/>
-                    </a:lnTlToBr>
-                    <a:lnBlToTr w="12700" cmpd="sng">
-                      <a:noFill/>
-                      <a:prstDash val="solid"/>
-                    </a:lnBlToTr>
-                    <a:solidFill>
-                      <a:srgbClr val="F1F3F3"/>
-                    </a:solidFill>
-                  </a:tcPr>
-                </a:tc>
-                <a:tc>
-                  <a:txBody>
-                    <a:bodyPr/>
-                    <a:lstStyle/>
-                    <a:p>
-                      <a:r>
-                        <a:rPr lang="en-US" sz="1600" dirty="0" smtClean="0"/>
-                        <a:t>Architecture</a:t>
-                      </a:r>
-                      <a:endParaRPr lang="en-GB" sz="1600" dirty="0"/>
-                    </a:p>
-                  </a:txBody>
-                  <a:tcPr>
-                    <a:lnL w="12700" cap="flat" cmpd="sng" algn="ctr">
-                      <a:solidFill>
-                        <a:schemeClr val="bg1"/>
-                      </a:solidFill>
-                      <a:prstDash val="solid"/>
-                      <a:round/>
-                      <a:headEnd type="none" w="med" len="med"/>
-                      <a:tailEnd type="none" w="med" len="med"/>
-                    </a:lnL>
-                    <a:lnR w="12700" cap="flat" cmpd="sng" algn="ctr">
-                      <a:solidFill>
-                        <a:schemeClr val="bg1"/>
-                      </a:solidFill>
-                      <a:prstDash val="solid"/>
-                      <a:round/>
-                      <a:headEnd type="none" w="med" len="med"/>
-                      <a:tailEnd type="none" w="med" len="med"/>
-                    </a:lnR>
-                    <a:lnT w="12700" cmpd="sng">
-                      <a:noFill/>
-                    </a:lnT>
-                    <a:lnB w="38100" cmpd="sng">
-                      <a:noFill/>
-                    </a:lnB>
-                    <a:lnTlToBr w="12700" cmpd="sng">
-                      <a:noFill/>
-                      <a:prstDash val="solid"/>
-                    </a:lnTlToBr>
-                    <a:lnBlToTr w="12700" cmpd="sng">
-                      <a:noFill/>
-                      <a:prstDash val="solid"/>
-                    </a:lnBlToTr>
-                  </a:tcPr>
-                </a:tc>
-                <a:tc>
-                  <a:txBody>
-                    <a:bodyPr/>
-                    <a:lstStyle/>
-                    <a:p>
-                      <a:r>
-                        <a:rPr lang="en-US" sz="1600" dirty="0" smtClean="0"/>
-                        <a:t>Core Code &amp; Demo</a:t>
-                      </a:r>
-                      <a:endParaRPr lang="en-GB" sz="1600" dirty="0"/>
-                    </a:p>
-                  </a:txBody>
-                  <a:tcPr>
-                    <a:lnL w="12700" cap="flat" cmpd="sng" algn="ctr">
-                      <a:solidFill>
-                        <a:schemeClr val="bg1"/>
-                      </a:solidFill>
-                      <a:prstDash val="solid"/>
-                      <a:round/>
-                      <a:headEnd type="none" w="med" len="med"/>
-                      <a:tailEnd type="none" w="med" len="med"/>
-                    </a:lnL>
-                    <a:lnR w="12700" cmpd="sng">
-                      <a:noFill/>
-                    </a:lnR>
-                    <a:lnT w="12700" cmpd="sng">
-                      <a:noFill/>
-                    </a:lnT>
-                    <a:lnB w="38100" cmpd="sng">
-                      <a:noFill/>
-                    </a:lnB>
-                    <a:lnTlToBr w="12700" cmpd="sng">
-                      <a:noFill/>
-                      <a:prstDash val="solid"/>
-                    </a:lnTlToBr>
-                    <a:lnBlToTr w="12700" cmpd="sng">
-                      <a:noFill/>
-                      <a:prstDash val="solid"/>
-                    </a:lnBlToTr>
-                  </a:tcPr>
-                </a:tc>
-                <a:extLst>
-                  <a:ext uri="{0D108BD9-81ED-4DB2-BD59-A6C34878D82A}">
-                    <a16:rowId xmlns:a16="http://schemas.microsoft.com/office/drawing/2014/main" val="3571636592"/>
-                  </a:ext>
-                </a:extLst>
-              </a:tr>
-            </a:tbl>
-          </a:graphicData>
-        </a:graphic>
-      </p:graphicFrame>
-    </p:spTree>
-    <p:extLst>
-      <p:ext uri="{BB962C8B-B14F-4D97-AF65-F5344CB8AC3E}">
-        <p14:creationId xmlns:p14="http://schemas.microsoft.com/office/powerpoint/2010/main" val="3311713051"/>
-      </p:ext>
-    </p:extLst>
-  </p:cSld>
-  <p:clrMapOvr>
-    <a:masterClrMapping/>
-  </p:clrMapOvr>
-  <p:timing>
-    <p:tnLst>
-      <p:par>
-        <p:cTn id="1" dur="indefinite" restart="never" nodeType="tmRoot"/>
-      </p:par>
-    </p:tnLst>
-  </p:timing>
-</p:sld>
-</file>
-
-<file path=ppt/slides/slide9.xml><?xml version="1.0" encoding="utf-8"?>
-<p:sld xmlns:a="http://schemas.openxmlformats.org/drawingml/2006/main" xmlns:r="http://schemas.openxmlformats.org/officeDocument/2006/relationships" xmlns:p="http://schemas.openxmlformats.org/presentationml/2006/main">
-  <p:cSld>
-    <p:spTree>
-      <p:nvGrpSpPr>
-        <p:cNvPr id="1" name=""/>
-        <p:cNvGrpSpPr/>
-        <p:nvPr/>
-      </p:nvGrpSpPr>
-      <p:grpSpPr>
-        <a:xfrm>
-          <a:off x="0" y="0"/>
-          <a:ext cx="0" cy="0"/>
-          <a:chOff x="0" y="0"/>
-          <a:chExt cx="0" cy="0"/>
-        </a:xfrm>
-      </p:grpSpPr>
-      <p:sp>
-        <p:nvSpPr>
-          <p:cNvPr id="2" name="Title 1"/>
-          <p:cNvSpPr>
-            <a:spLocks noGrp="1"/>
-          </p:cNvSpPr>
-          <p:nvPr>
-            <p:ph type="title"/>
-          </p:nvPr>
-        </p:nvSpPr>
-        <p:spPr/>
-        <p:txBody>
-          <a:bodyPr/>
-          <a:lstStyle/>
-          <a:p>
-            <a:r>
-              <a:rPr lang="en-US" dirty="0" smtClean="0"/>
-              <a:t>Site Sequence</a:t>
-            </a:r>
-            <a:endParaRPr lang="en-GB" dirty="0"/>
-          </a:p>
-        </p:txBody>
-      </p:sp>
       <p:pic>
         <p:nvPicPr>
-          <p:cNvPr id="5" name="Content Placeholder 4"/>
+          <p:cNvPr id="7" name="Content Placeholder 6"/>
           <p:cNvPicPr>
             <a:picLocks noGrp="1" noChangeAspect="1"/>
           </p:cNvPicPr>
@@ -13289,21 +15134,89 @@
         </p:blipFill>
         <p:spPr>
           <a:xfrm>
-            <a:off x="1150476" y="1631373"/>
-            <a:ext cx="10127123" cy="4851640"/>
+            <a:off x="0" y="0"/>
+            <a:ext cx="9144000" cy="6858000"/>
           </a:xfrm>
         </p:spPr>
       </p:pic>
+      <p:sp>
+        <p:nvSpPr>
+          <p:cNvPr id="4" name="Title 3"/>
+          <p:cNvSpPr>
+            <a:spLocks noGrp="1"/>
+          </p:cNvSpPr>
+          <p:nvPr>
+            <p:ph type="title"/>
+          </p:nvPr>
+        </p:nvSpPr>
+        <p:spPr>
+          <a:xfrm>
+            <a:off x="9144000" y="685800"/>
+            <a:ext cx="3200400" cy="1737360"/>
+          </a:xfrm>
+        </p:spPr>
+        <p:txBody>
+          <a:bodyPr/>
+          <a:lstStyle/>
+          <a:p>
+            <a:r>
+              <a:rPr lang="en-US" dirty="0" smtClean="0"/>
+              <a:t>Objective</a:t>
+            </a:r>
+            <a:endParaRPr lang="en-GB" dirty="0"/>
+          </a:p>
+        </p:txBody>
+      </p:sp>
+      <p:sp>
+        <p:nvSpPr>
+          <p:cNvPr id="6" name="Text Placeholder 5"/>
+          <p:cNvSpPr>
+            <a:spLocks noGrp="1"/>
+          </p:cNvSpPr>
+          <p:nvPr>
+            <p:ph type="body" sz="half" idx="2"/>
+          </p:nvPr>
+        </p:nvSpPr>
+        <p:spPr>
+          <a:xfrm>
+            <a:off x="9225022" y="2423160"/>
+            <a:ext cx="3119378" cy="2496081"/>
+          </a:xfrm>
+        </p:spPr>
+        <p:txBody>
+          <a:bodyPr>
+            <a:normAutofit/>
+          </a:bodyPr>
+          <a:lstStyle/>
+          <a:p>
+            <a:r>
+              <a:rPr lang="en-GB" sz="3600" dirty="0"/>
+              <a:t>Manage trip : all </a:t>
+            </a:r>
+            <a:r>
+              <a:rPr lang="en-GB" sz="3600" dirty="0" smtClean="0"/>
+              <a:t>member </a:t>
+            </a:r>
+            <a:r>
+              <a:rPr lang="en-GB" sz="3600" dirty="0"/>
+              <a:t>know trip schedule</a:t>
+            </a:r>
+          </a:p>
+          <a:p>
+            <a:endParaRPr lang="en-GB" sz="3600" dirty="0"/>
+          </a:p>
+        </p:txBody>
+      </p:sp>
       <p:graphicFrame>
         <p:nvGraphicFramePr>
-          <p:cNvPr id="4" name="Table 3"/>
+          <p:cNvPr id="8" name="Table 7"/>
           <p:cNvGraphicFramePr>
             <a:graphicFrameLocks noGrp="1"/>
           </p:cNvGraphicFramePr>
           <p:nvPr>
             <p:extLst>
               <p:ext uri="{D42A27DB-BD31-4B8C-83A1-F6EECF244321}">
-                <p14:modId xmlns:p14="http://schemas.microsoft.com/office/powerpoint/2010/main" val="1438793112"/>
+                <p14:modId xmlns:p14="http://schemas.microsoft.com/office/powerpoint/2010/main" val="2778388067"/>
               </p:ext>
             </p:extLst>
           </p:nvPr>
@@ -13424,72 +15337,14 @@
                       <a:r>
                         <a:rPr lang="en-US" sz="1600" dirty="0" smtClean="0">
                           <a:solidFill>
-                            <a:schemeClr val="bg1"/>
+                            <a:srgbClr val="F1F3F3"/>
                           </a:solidFill>
                         </a:rPr>
                         <a:t>Background</a:t>
                       </a:r>
                       <a:endParaRPr lang="en-GB" sz="1600" dirty="0">
                         <a:solidFill>
-                          <a:schemeClr val="bg1"/>
-                        </a:solidFill>
-                      </a:endParaRPr>
-                    </a:p>
-                  </a:txBody>
-                  <a:tcPr>
-                    <a:lnL w="12700" cap="flat" cmpd="sng" algn="ctr">
-                      <a:solidFill>
-                        <a:schemeClr val="bg1"/>
-                      </a:solidFill>
-                      <a:prstDash val="solid"/>
-                      <a:round/>
-                      <a:headEnd type="none" w="med" len="med"/>
-                      <a:tailEnd type="none" w="med" len="med"/>
-                    </a:lnL>
-                    <a:lnR w="12700" cap="flat" cmpd="sng" algn="ctr">
-                      <a:solidFill>
-                        <a:schemeClr val="bg1"/>
-                      </a:solidFill>
-                      <a:prstDash val="solid"/>
-                      <a:round/>
-                      <a:headEnd type="none" w="med" len="med"/>
-                      <a:tailEnd type="none" w="med" len="med"/>
-                    </a:lnR>
-                    <a:lnT w="12700" cmpd="sng">
-                      <a:noFill/>
-                    </a:lnT>
-                    <a:lnB w="38100" cmpd="sng">
-                      <a:noFill/>
-                    </a:lnB>
-                    <a:lnTlToBr w="12700" cmpd="sng">
-                      <a:noFill/>
-                      <a:prstDash val="solid"/>
-                    </a:lnTlToBr>
-                    <a:lnBlToTr w="12700" cmpd="sng">
-                      <a:noFill/>
-                      <a:prstDash val="solid"/>
-                    </a:lnBlToTr>
-                    <a:solidFill>
-                      <a:srgbClr val="6F8183"/>
-                    </a:solidFill>
-                  </a:tcPr>
-                </a:tc>
-                <a:tc>
-                  <a:txBody>
-                    <a:bodyPr/>
-                    <a:lstStyle/>
-                    <a:p>
-                      <a:r>
-                        <a:rPr lang="en-US" sz="1600" dirty="0" smtClean="0">
-                          <a:solidFill>
-                            <a:schemeClr val="bg1"/>
-                          </a:solidFill>
-                        </a:rPr>
-                        <a:t>Objective</a:t>
-                      </a:r>
-                      <a:endParaRPr lang="en-GB" sz="1600" dirty="0">
-                        <a:solidFill>
-                          <a:schemeClr val="bg1"/>
+                          <a:srgbClr val="F1F3F3"/>
                         </a:solidFill>
                       </a:endParaRPr>
                     </a:p>
@@ -13543,7 +15398,7 @@
                             <a:srgbClr val="6F8183"/>
                           </a:solidFill>
                         </a:rPr>
-                        <a:t>Architecture</a:t>
+                        <a:t>Objective</a:t>
                       </a:r>
                       <a:endParaRPr lang="en-GB" sz="1600" dirty="0">
                         <a:solidFill>
@@ -13588,6 +15443,53 @@
                     <a:solidFill>
                       <a:srgbClr val="F1F3F3"/>
                     </a:solidFill>
+                  </a:tcPr>
+                </a:tc>
+                <a:tc>
+                  <a:txBody>
+                    <a:bodyPr/>
+                    <a:lstStyle/>
+                    <a:p>
+                      <a:r>
+                        <a:rPr lang="en-US" sz="1600" dirty="0" smtClean="0"/>
+                        <a:t>Architecture</a:t>
+                      </a:r>
+                      <a:endParaRPr lang="en-GB" sz="1600" dirty="0"/>
+                    </a:p>
+                  </a:txBody>
+                  <a:tcPr>
+                    <a:lnL w="12700" cap="flat" cmpd="sng" algn="ctr">
+                      <a:solidFill>
+                        <a:schemeClr val="bg1"/>
+                      </a:solidFill>
+                      <a:prstDash val="solid"/>
+                      <a:round/>
+                      <a:headEnd type="none" w="med" len="med"/>
+                      <a:tailEnd type="none" w="med" len="med"/>
+                    </a:lnL>
+                    <a:lnR w="12700" cap="flat" cmpd="sng" algn="ctr">
+                      <a:solidFill>
+                        <a:schemeClr val="bg1"/>
+                      </a:solidFill>
+                      <a:prstDash val="solid"/>
+                      <a:round/>
+                      <a:headEnd type="none" w="med" len="med"/>
+                      <a:tailEnd type="none" w="med" len="med"/>
+                    </a:lnR>
+                    <a:lnT w="12700" cmpd="sng">
+                      <a:noFill/>
+                    </a:lnT>
+                    <a:lnB w="38100" cmpd="sng">
+                      <a:noFill/>
+                    </a:lnB>
+                    <a:lnTlToBr w="12700" cmpd="sng">
+                      <a:noFill/>
+                      <a:prstDash val="solid"/>
+                    </a:lnTlToBr>
+                    <a:lnBlToTr w="12700" cmpd="sng">
+                      <a:noFill/>
+                      <a:prstDash val="solid"/>
+                    </a:lnBlToTr>
                   </a:tcPr>
                 </a:tc>
                 <a:tc>
@@ -13644,20 +15546,465 @@
     </p:spTree>
     <p:extLst>
       <p:ext uri="{BB962C8B-B14F-4D97-AF65-F5344CB8AC3E}">
-        <p14:creationId xmlns:p14="http://schemas.microsoft.com/office/powerpoint/2010/main" val="668820001"/>
+        <p14:creationId xmlns:p14="http://schemas.microsoft.com/office/powerpoint/2010/main" val="4125367121"/>
       </p:ext>
     </p:extLst>
   </p:cSld>
   <p:clrMapOvr>
     <a:masterClrMapping/>
   </p:clrMapOvr>
-  <p:timing>
-    <p:tnLst>
-      <p:par>
-        <p:cTn id="1" dur="indefinite" restart="never" nodeType="tmRoot"/>
-      </p:par>
-    </p:tnLst>
-  </p:timing>
+</p:sld>
+</file>
+
+<file path=ppt/slides/slide9.xml><?xml version="1.0" encoding="utf-8"?>
+<p:sld xmlns:a="http://schemas.openxmlformats.org/drawingml/2006/main" xmlns:r="http://schemas.openxmlformats.org/officeDocument/2006/relationships" xmlns:p="http://schemas.openxmlformats.org/presentationml/2006/main">
+  <p:cSld>
+    <p:spTree>
+      <p:nvGrpSpPr>
+        <p:cNvPr id="1" name=""/>
+        <p:cNvGrpSpPr/>
+        <p:nvPr/>
+      </p:nvGrpSpPr>
+      <p:grpSpPr>
+        <a:xfrm>
+          <a:off x="0" y="0"/>
+          <a:ext cx="0" cy="0"/>
+          <a:chOff x="0" y="0"/>
+          <a:chExt cx="0" cy="0"/>
+        </a:xfrm>
+      </p:grpSpPr>
+      <p:sp>
+        <p:nvSpPr>
+          <p:cNvPr id="4" name="Title 3"/>
+          <p:cNvSpPr>
+            <a:spLocks noGrp="1"/>
+          </p:cNvSpPr>
+          <p:nvPr>
+            <p:ph type="title"/>
+          </p:nvPr>
+        </p:nvSpPr>
+        <p:spPr>
+          <a:xfrm>
+            <a:off x="9290419" y="685800"/>
+            <a:ext cx="3200400" cy="1737360"/>
+          </a:xfrm>
+        </p:spPr>
+        <p:txBody>
+          <a:bodyPr/>
+          <a:lstStyle/>
+          <a:p>
+            <a:r>
+              <a:rPr lang="en-US" dirty="0" smtClean="0"/>
+              <a:t>Objective</a:t>
+            </a:r>
+            <a:endParaRPr lang="en-GB" dirty="0"/>
+          </a:p>
+        </p:txBody>
+      </p:sp>
+      <p:sp>
+        <p:nvSpPr>
+          <p:cNvPr id="6" name="Text Placeholder 5"/>
+          <p:cNvSpPr>
+            <a:spLocks noGrp="1"/>
+          </p:cNvSpPr>
+          <p:nvPr>
+            <p:ph type="body" sz="half" idx="2"/>
+          </p:nvPr>
+        </p:nvSpPr>
+        <p:spPr>
+          <a:xfrm>
+            <a:off x="9290419" y="2423160"/>
+            <a:ext cx="3059768" cy="3291840"/>
+          </a:xfrm>
+        </p:spPr>
+        <p:txBody>
+          <a:bodyPr>
+            <a:normAutofit/>
+          </a:bodyPr>
+          <a:lstStyle/>
+          <a:p>
+            <a:r>
+              <a:rPr lang="en-GB" sz="3600" dirty="0"/>
+              <a:t>Have more experience visiting many place in Korea</a:t>
+            </a:r>
+          </a:p>
+        </p:txBody>
+      </p:sp>
+      <p:pic>
+        <p:nvPicPr>
+          <p:cNvPr id="7" name="Content Placeholder 6"/>
+          <p:cNvPicPr>
+            <a:picLocks noGrp="1" noChangeAspect="1"/>
+          </p:cNvPicPr>
+          <p:nvPr>
+            <p:ph idx="1"/>
+          </p:nvPr>
+        </p:nvPicPr>
+        <p:blipFill>
+          <a:blip r:embed="rId2">
+            <a:extLst>
+              <a:ext uri="{28A0092B-C50C-407E-A947-70E740481C1C}">
+                <a14:useLocalDpi xmlns:a14="http://schemas.microsoft.com/office/drawing/2010/main" val="0"/>
+              </a:ext>
+            </a:extLst>
+          </a:blip>
+          <a:stretch>
+            <a:fillRect/>
+          </a:stretch>
+        </p:blipFill>
+        <p:spPr>
+          <a:xfrm>
+            <a:off x="0" y="0"/>
+            <a:ext cx="8981954" cy="7002684"/>
+          </a:xfrm>
+        </p:spPr>
+      </p:pic>
+      <p:graphicFrame>
+        <p:nvGraphicFramePr>
+          <p:cNvPr id="9" name="Table 8"/>
+          <p:cNvGraphicFramePr>
+            <a:graphicFrameLocks noGrp="1"/>
+          </p:cNvGraphicFramePr>
+          <p:nvPr>
+            <p:extLst>
+              <p:ext uri="{D42A27DB-BD31-4B8C-83A1-F6EECF244321}">
+                <p14:modId xmlns:p14="http://schemas.microsoft.com/office/powerpoint/2010/main" val="1008931027"/>
+              </p:ext>
+            </p:extLst>
+          </p:nvPr>
+        </p:nvGraphicFramePr>
+        <p:xfrm>
+          <a:off x="0" y="6487160"/>
+          <a:ext cx="11397675" cy="370840"/>
+        </p:xfrm>
+        <a:graphic>
+          <a:graphicData uri="http://schemas.openxmlformats.org/drawingml/2006/table">
+            <a:tbl>
+              <a:tblPr firstRow="1" bandRow="1">
+                <a:tableStyleId>{5C22544A-7EE6-4342-B048-85BDC9FD1C3A}</a:tableStyleId>
+              </a:tblPr>
+              <a:tblGrid>
+                <a:gridCol w="2279535">
+                  <a:extLst>
+                    <a:ext uri="{9D8B030D-6E8A-4147-A177-3AD203B41FA5}">
+                      <a16:colId xmlns:a16="http://schemas.microsoft.com/office/drawing/2014/main" val="1650481923"/>
+                    </a:ext>
+                  </a:extLst>
+                </a:gridCol>
+                <a:gridCol w="2279535">
+                  <a:extLst>
+                    <a:ext uri="{9D8B030D-6E8A-4147-A177-3AD203B41FA5}">
+                      <a16:colId xmlns:a16="http://schemas.microsoft.com/office/drawing/2014/main" val="363490094"/>
+                    </a:ext>
+                  </a:extLst>
+                </a:gridCol>
+                <a:gridCol w="2279535">
+                  <a:extLst>
+                    <a:ext uri="{9D8B030D-6E8A-4147-A177-3AD203B41FA5}">
+                      <a16:colId xmlns:a16="http://schemas.microsoft.com/office/drawing/2014/main" val="2961371462"/>
+                    </a:ext>
+                  </a:extLst>
+                </a:gridCol>
+                <a:gridCol w="2279535">
+                  <a:extLst>
+                    <a:ext uri="{9D8B030D-6E8A-4147-A177-3AD203B41FA5}">
+                      <a16:colId xmlns:a16="http://schemas.microsoft.com/office/drawing/2014/main" val="1073095120"/>
+                    </a:ext>
+                  </a:extLst>
+                </a:gridCol>
+                <a:gridCol w="2279535">
+                  <a:extLst>
+                    <a:ext uri="{9D8B030D-6E8A-4147-A177-3AD203B41FA5}">
+                      <a16:colId xmlns:a16="http://schemas.microsoft.com/office/drawing/2014/main" val="1682139684"/>
+                    </a:ext>
+                  </a:extLst>
+                </a:gridCol>
+              </a:tblGrid>
+              <a:tr h="370840">
+                <a:tc>
+                  <a:txBody>
+                    <a:bodyPr/>
+                    <a:lstStyle/>
+                    <a:p>
+                      <a:r>
+                        <a:rPr lang="en-US" sz="1400" dirty="0" smtClean="0">
+                          <a:solidFill>
+                            <a:schemeClr val="bg1"/>
+                          </a:solidFill>
+                        </a:rPr>
+                        <a:t>Executive</a:t>
+                      </a:r>
+                      <a:r>
+                        <a:rPr lang="en-US" sz="1400" baseline="0" dirty="0" smtClean="0">
+                          <a:solidFill>
+                            <a:schemeClr val="bg1"/>
+                          </a:solidFill>
+                        </a:rPr>
+                        <a:t> Summary</a:t>
+                      </a:r>
+                      <a:endParaRPr lang="en-GB" sz="1400" dirty="0">
+                        <a:solidFill>
+                          <a:schemeClr val="bg1"/>
+                        </a:solidFill>
+                      </a:endParaRPr>
+                    </a:p>
+                  </a:txBody>
+                  <a:tcPr>
+                    <a:lnL w="12700" cmpd="sng">
+                      <a:noFill/>
+                    </a:lnL>
+                    <a:lnR w="12700" cap="flat" cmpd="sng" algn="ctr">
+                      <a:solidFill>
+                        <a:schemeClr val="bg1"/>
+                      </a:solidFill>
+                      <a:prstDash val="solid"/>
+                      <a:round/>
+                      <a:headEnd type="none" w="med" len="med"/>
+                      <a:tailEnd type="none" w="med" len="med"/>
+                    </a:lnR>
+                    <a:lnT w="12700" cmpd="sng">
+                      <a:noFill/>
+                    </a:lnT>
+                    <a:lnB w="38100" cmpd="sng">
+                      <a:noFill/>
+                    </a:lnB>
+                    <a:lnTlToBr w="12700" cmpd="sng">
+                      <a:noFill/>
+                      <a:prstDash val="solid"/>
+                    </a:lnTlToBr>
+                    <a:lnBlToTr w="12700" cmpd="sng">
+                      <a:noFill/>
+                      <a:prstDash val="solid"/>
+                    </a:lnBlToTr>
+                    <a:solidFill>
+                      <a:srgbClr val="6F8183"/>
+                    </a:solidFill>
+                  </a:tcPr>
+                </a:tc>
+                <a:tc>
+                  <a:txBody>
+                    <a:bodyPr/>
+                    <a:lstStyle/>
+                    <a:p>
+                      <a:r>
+                        <a:rPr lang="en-US" sz="1600" dirty="0" smtClean="0">
+                          <a:solidFill>
+                            <a:srgbClr val="F1F3F3"/>
+                          </a:solidFill>
+                        </a:rPr>
+                        <a:t>Background</a:t>
+                      </a:r>
+                      <a:endParaRPr lang="en-GB" sz="1600" dirty="0">
+                        <a:solidFill>
+                          <a:srgbClr val="F1F3F3"/>
+                        </a:solidFill>
+                      </a:endParaRPr>
+                    </a:p>
+                  </a:txBody>
+                  <a:tcPr>
+                    <a:lnL w="12700" cap="flat" cmpd="sng" algn="ctr">
+                      <a:solidFill>
+                        <a:schemeClr val="bg1"/>
+                      </a:solidFill>
+                      <a:prstDash val="solid"/>
+                      <a:round/>
+                      <a:headEnd type="none" w="med" len="med"/>
+                      <a:tailEnd type="none" w="med" len="med"/>
+                    </a:lnL>
+                    <a:lnR w="12700" cap="flat" cmpd="sng" algn="ctr">
+                      <a:solidFill>
+                        <a:schemeClr val="bg1"/>
+                      </a:solidFill>
+                      <a:prstDash val="solid"/>
+                      <a:round/>
+                      <a:headEnd type="none" w="med" len="med"/>
+                      <a:tailEnd type="none" w="med" len="med"/>
+                    </a:lnR>
+                    <a:lnT w="12700" cmpd="sng">
+                      <a:noFill/>
+                    </a:lnT>
+                    <a:lnB w="38100" cmpd="sng">
+                      <a:noFill/>
+                    </a:lnB>
+                    <a:lnTlToBr w="12700" cmpd="sng">
+                      <a:noFill/>
+                      <a:prstDash val="solid"/>
+                    </a:lnTlToBr>
+                    <a:lnBlToTr w="12700" cmpd="sng">
+                      <a:noFill/>
+                      <a:prstDash val="solid"/>
+                    </a:lnBlToTr>
+                    <a:solidFill>
+                      <a:srgbClr val="6F8183"/>
+                    </a:solidFill>
+                  </a:tcPr>
+                </a:tc>
+                <a:tc>
+                  <a:txBody>
+                    <a:bodyPr/>
+                    <a:lstStyle/>
+                    <a:p>
+                      <a:r>
+                        <a:rPr lang="en-US" sz="1600" dirty="0" smtClean="0">
+                          <a:solidFill>
+                            <a:srgbClr val="6F8183"/>
+                          </a:solidFill>
+                        </a:rPr>
+                        <a:t>Objective</a:t>
+                      </a:r>
+                      <a:endParaRPr lang="en-GB" sz="1600" dirty="0">
+                        <a:solidFill>
+                          <a:srgbClr val="6F8183"/>
+                        </a:solidFill>
+                      </a:endParaRPr>
+                    </a:p>
+                  </a:txBody>
+                  <a:tcPr>
+                    <a:lnL w="12700" cap="flat" cmpd="sng" algn="ctr">
+                      <a:solidFill>
+                        <a:schemeClr val="bg1"/>
+                      </a:solidFill>
+                      <a:prstDash val="solid"/>
+                      <a:round/>
+                      <a:headEnd type="none" w="med" len="med"/>
+                      <a:tailEnd type="none" w="med" len="med"/>
+                    </a:lnL>
+                    <a:lnR w="12700" cap="flat" cmpd="sng" algn="ctr">
+                      <a:solidFill>
+                        <a:schemeClr val="bg1"/>
+                      </a:solidFill>
+                      <a:prstDash val="solid"/>
+                      <a:round/>
+                      <a:headEnd type="none" w="med" len="med"/>
+                      <a:tailEnd type="none" w="med" len="med"/>
+                    </a:lnR>
+                    <a:lnT w="12700" cmpd="sng">
+                      <a:noFill/>
+                    </a:lnT>
+                    <a:lnB w="38100" cmpd="sng">
+                      <a:noFill/>
+                    </a:lnB>
+                    <a:lnTlToBr w="12700" cmpd="sng">
+                      <a:noFill/>
+                      <a:prstDash val="solid"/>
+                    </a:lnTlToBr>
+                    <a:lnBlToTr w="12700" cmpd="sng">
+                      <a:noFill/>
+                      <a:prstDash val="solid"/>
+                    </a:lnBlToTr>
+                    <a:solidFill>
+                      <a:srgbClr val="F1F3F3"/>
+                    </a:solidFill>
+                  </a:tcPr>
+                </a:tc>
+                <a:tc>
+                  <a:txBody>
+                    <a:bodyPr/>
+                    <a:lstStyle/>
+                    <a:p>
+                      <a:r>
+                        <a:rPr lang="en-US" sz="1600" dirty="0" smtClean="0"/>
+                        <a:t>Architecture</a:t>
+                      </a:r>
+                      <a:endParaRPr lang="en-GB" sz="1600" dirty="0"/>
+                    </a:p>
+                  </a:txBody>
+                  <a:tcPr>
+                    <a:lnL w="12700" cap="flat" cmpd="sng" algn="ctr">
+                      <a:solidFill>
+                        <a:schemeClr val="bg1"/>
+                      </a:solidFill>
+                      <a:prstDash val="solid"/>
+                      <a:round/>
+                      <a:headEnd type="none" w="med" len="med"/>
+                      <a:tailEnd type="none" w="med" len="med"/>
+                    </a:lnL>
+                    <a:lnR w="12700" cap="flat" cmpd="sng" algn="ctr">
+                      <a:solidFill>
+                        <a:schemeClr val="bg1"/>
+                      </a:solidFill>
+                      <a:prstDash val="solid"/>
+                      <a:round/>
+                      <a:headEnd type="none" w="med" len="med"/>
+                      <a:tailEnd type="none" w="med" len="med"/>
+                    </a:lnR>
+                    <a:lnT w="12700" cmpd="sng">
+                      <a:noFill/>
+                    </a:lnT>
+                    <a:lnB w="38100" cmpd="sng">
+                      <a:noFill/>
+                    </a:lnB>
+                    <a:lnTlToBr w="12700" cmpd="sng">
+                      <a:noFill/>
+                      <a:prstDash val="solid"/>
+                    </a:lnTlToBr>
+                    <a:lnBlToTr w="12700" cmpd="sng">
+                      <a:noFill/>
+                      <a:prstDash val="solid"/>
+                    </a:lnBlToTr>
+                  </a:tcPr>
+                </a:tc>
+                <a:tc>
+                  <a:txBody>
+                    <a:bodyPr/>
+                    <a:lstStyle/>
+                    <a:p>
+                      <a:r>
+                        <a:rPr lang="en-US" sz="1600" dirty="0" smtClean="0"/>
+                        <a:t>Core Code &amp; Demo</a:t>
+                      </a:r>
+                      <a:endParaRPr lang="en-GB" sz="1600" dirty="0"/>
+                    </a:p>
+                  </a:txBody>
+                  <a:tcPr>
+                    <a:lnL w="12700" cap="flat" cmpd="sng" algn="ctr">
+                      <a:solidFill>
+                        <a:schemeClr val="bg1"/>
+                      </a:solidFill>
+                      <a:prstDash val="solid"/>
+                      <a:round/>
+                      <a:headEnd type="none" w="med" len="med"/>
+                      <a:tailEnd type="none" w="med" len="med"/>
+                    </a:lnL>
+                    <a:lnR w="12700" cmpd="sng">
+                      <a:noFill/>
+                    </a:lnR>
+                    <a:lnT w="12700" cmpd="sng">
+                      <a:noFill/>
+                    </a:lnT>
+                    <a:lnB w="38100" cmpd="sng">
+                      <a:noFill/>
+                    </a:lnB>
+                    <a:lnTlToBr w="12700" cmpd="sng">
+                      <a:noFill/>
+                      <a:prstDash val="solid"/>
+                    </a:lnTlToBr>
+                    <a:lnBlToTr w="12700" cmpd="sng">
+                      <a:noFill/>
+                      <a:prstDash val="solid"/>
+                    </a:lnBlToTr>
+                  </a:tcPr>
+                </a:tc>
+                <a:extLst>
+                  <a:ext uri="{0D108BD9-81ED-4DB2-BD59-A6C34878D82A}">
+                    <a16:rowId xmlns:a16="http://schemas.microsoft.com/office/drawing/2014/main" val="3571636592"/>
+                  </a:ext>
+                </a:extLst>
+              </a:tr>
+            </a:tbl>
+          </a:graphicData>
+        </a:graphic>
+      </p:graphicFrame>
+    </p:spTree>
+    <p:extLst>
+      <p:ext uri="{BB962C8B-B14F-4D97-AF65-F5344CB8AC3E}">
+        <p14:creationId xmlns:p14="http://schemas.microsoft.com/office/powerpoint/2010/main" val="1423680325"/>
+      </p:ext>
+    </p:extLst>
+  </p:cSld>
+  <p:clrMapOvr>
+    <a:masterClrMapping/>
+  </p:clrMapOvr>
 </p:sld>
 </file>
 

--- a/presentation/Tripster Presentation.pptx
+++ b/presentation/Tripster Presentation.pptx
@@ -22,6 +22,9 @@
     <p:sldId id="268" r:id="rId16"/>
     <p:sldId id="265" r:id="rId17"/>
     <p:sldId id="274" r:id="rId18"/>
+    <p:sldId id="276" r:id="rId19"/>
+    <p:sldId id="277" r:id="rId20"/>
+    <p:sldId id="278" r:id="rId21"/>
   </p:sldIdLst>
   <p:sldSz cx="12192000" cy="6858000"/>
   <p:notesSz cx="6858000" cy="9144000"/>
@@ -533,7 +536,7 @@
           <a:p>
             <a:fld id="{D91B805F-FF0F-4BAA-A3A3-E4F945D687F8}" type="datetimeFigureOut">
               <a:rPr lang="en-US" dirty="0"/>
-              <a:t>8/21/2016</a:t>
+              <a:t>8/22/2016</a:t>
             </a:fld>
             <a:endParaRPr lang="en-US" dirty="0"/>
           </a:p>
@@ -708,7 +711,7 @@
           <a:p>
             <a:fld id="{780B5C51-60B3-48EF-AA78-DB950F30DBA2}" type="datetimeFigureOut">
               <a:rPr lang="en-US" dirty="0"/>
-              <a:t>8/21/2016</a:t>
+              <a:t>8/22/2016</a:t>
             </a:fld>
             <a:endParaRPr lang="en-US" dirty="0"/>
           </a:p>
@@ -883,7 +886,7 @@
           <a:p>
             <a:fld id="{C35D676B-6E73-4E3B-A9B3-4966DB9B52A5}" type="datetimeFigureOut">
               <a:rPr lang="en-US" dirty="0"/>
-              <a:t>8/21/2016</a:t>
+              <a:t>8/22/2016</a:t>
             </a:fld>
             <a:endParaRPr lang="en-US" dirty="0"/>
           </a:p>
@@ -1048,7 +1051,7 @@
           <a:p>
             <a:fld id="{2261F3A6-CC5D-4649-8527-DB0C21FDDFD9}" type="datetimeFigureOut">
               <a:rPr lang="en-US" dirty="0"/>
-              <a:t>8/21/2016</a:t>
+              <a:t>8/22/2016</a:t>
             </a:fld>
             <a:endParaRPr lang="en-US" dirty="0"/>
           </a:p>
@@ -1380,7 +1383,7 @@
           <a:p>
             <a:fld id="{5B6F927C-B73E-4F9D-ADFE-F6E23BD7CEE8}" type="datetimeFigureOut">
               <a:rPr lang="en-US" dirty="0"/>
-              <a:t>8/21/2016</a:t>
+              <a:t>8/22/2016</a:t>
             </a:fld>
             <a:endParaRPr lang="en-US" dirty="0"/>
           </a:p>
@@ -1772,7 +1775,7 @@
           <a:p>
             <a:fld id="{65B1FFFF-984A-4EE5-9BF2-EC9310C878F1}" type="datetimeFigureOut">
               <a:rPr lang="en-US" dirty="0"/>
-              <a:t>8/21/2016</a:t>
+              <a:t>8/22/2016</a:t>
             </a:fld>
             <a:endParaRPr lang="en-US" dirty="0"/>
           </a:p>
@@ -2201,7 +2204,7 @@
           <a:p>
             <a:fld id="{703271C1-B42E-4A60-A25F-0185B888604B}" type="datetimeFigureOut">
               <a:rPr lang="en-US" dirty="0"/>
-              <a:t>8/21/2016</a:t>
+              <a:t>8/22/2016</a:t>
             </a:fld>
             <a:endParaRPr lang="en-US" dirty="0"/>
           </a:p>
@@ -2314,7 +2317,7 @@
           <a:p>
             <a:fld id="{80416292-3725-4763-8973-4C59F0403D99}" type="datetimeFigureOut">
               <a:rPr lang="en-US" dirty="0"/>
-              <a:t>8/21/2016</a:t>
+              <a:t>8/22/2016</a:t>
             </a:fld>
             <a:endParaRPr lang="en-US" dirty="0"/>
           </a:p>
@@ -2404,7 +2407,7 @@
           <a:p>
             <a:fld id="{386996D1-8909-469F-911A-4C12C68BF5D9}" type="datetimeFigureOut">
               <a:rPr lang="en-US" dirty="0"/>
-              <a:t>8/21/2016</a:t>
+              <a:t>8/22/2016</a:t>
             </a:fld>
             <a:endParaRPr lang="en-US" dirty="0"/>
           </a:p>
@@ -2749,7 +2752,7 @@
           <a:p>
             <a:fld id="{E16A73BC-5D11-4675-B334-102E1E8C9B50}" type="datetimeFigureOut">
               <a:rPr lang="en-US" dirty="0"/>
-              <a:t>8/21/2016</a:t>
+              <a:t>8/22/2016</a:t>
             </a:fld>
             <a:endParaRPr lang="en-US" dirty="0"/>
           </a:p>
@@ -3186,7 +3189,7 @@
           <a:p>
             <a:fld id="{27B8E45F-652B-4E89-8925-000B0AB8FD98}" type="datetimeFigureOut">
               <a:rPr lang="en-US" dirty="0"/>
-              <a:t>8/21/2016</a:t>
+              <a:t>8/22/2016</a:t>
             </a:fld>
             <a:endParaRPr lang="en-US" dirty="0"/>
           </a:p>
@@ -3464,7 +3467,7 @@
           <a:p>
             <a:fld id="{C4A3462A-2D5B-48AF-A3D4-EF8A90A50A80}" type="datetimeFigureOut">
               <a:rPr lang="en-US" dirty="0"/>
-              <a:t>8/21/2016</a:t>
+              <a:t>8/22/2016</a:t>
             </a:fld>
             <a:endParaRPr lang="en-US" dirty="0"/>
           </a:p>
@@ -7779,26 +7782,447 @@
           </a:p>
         </p:txBody>
       </p:sp>
+      <p:graphicFrame>
+        <p:nvGraphicFramePr>
+          <p:cNvPr id="4" name="Table 3"/>
+          <p:cNvGraphicFramePr>
+            <a:graphicFrameLocks noGrp="1"/>
+          </p:cNvGraphicFramePr>
+          <p:nvPr>
+            <p:extLst>
+              <p:ext uri="{D42A27DB-BD31-4B8C-83A1-F6EECF244321}">
+                <p14:modId xmlns:p14="http://schemas.microsoft.com/office/powerpoint/2010/main" val="3669018319"/>
+              </p:ext>
+            </p:extLst>
+          </p:nvPr>
+        </p:nvGraphicFramePr>
+        <p:xfrm>
+          <a:off x="0" y="6487160"/>
+          <a:ext cx="11397675" cy="370840"/>
+        </p:xfrm>
+        <a:graphic>
+          <a:graphicData uri="http://schemas.openxmlformats.org/drawingml/2006/table">
+            <a:tbl>
+              <a:tblPr firstRow="1" bandRow="1">
+                <a:tableStyleId>{5C22544A-7EE6-4342-B048-85BDC9FD1C3A}</a:tableStyleId>
+              </a:tblPr>
+              <a:tblGrid>
+                <a:gridCol w="2279535">
+                  <a:extLst>
+                    <a:ext uri="{9D8B030D-6E8A-4147-A177-3AD203B41FA5}">
+                      <a16:colId xmlns:a16="http://schemas.microsoft.com/office/drawing/2014/main" val="1650481923"/>
+                    </a:ext>
+                  </a:extLst>
+                </a:gridCol>
+                <a:gridCol w="2279535">
+                  <a:extLst>
+                    <a:ext uri="{9D8B030D-6E8A-4147-A177-3AD203B41FA5}">
+                      <a16:colId xmlns:a16="http://schemas.microsoft.com/office/drawing/2014/main" val="363490094"/>
+                    </a:ext>
+                  </a:extLst>
+                </a:gridCol>
+                <a:gridCol w="2279535">
+                  <a:extLst>
+                    <a:ext uri="{9D8B030D-6E8A-4147-A177-3AD203B41FA5}">
+                      <a16:colId xmlns:a16="http://schemas.microsoft.com/office/drawing/2014/main" val="2961371462"/>
+                    </a:ext>
+                  </a:extLst>
+                </a:gridCol>
+                <a:gridCol w="2279535">
+                  <a:extLst>
+                    <a:ext uri="{9D8B030D-6E8A-4147-A177-3AD203B41FA5}">
+                      <a16:colId xmlns:a16="http://schemas.microsoft.com/office/drawing/2014/main" val="1073095120"/>
+                    </a:ext>
+                  </a:extLst>
+                </a:gridCol>
+                <a:gridCol w="2279535">
+                  <a:extLst>
+                    <a:ext uri="{9D8B030D-6E8A-4147-A177-3AD203B41FA5}">
+                      <a16:colId xmlns:a16="http://schemas.microsoft.com/office/drawing/2014/main" val="1682139684"/>
+                    </a:ext>
+                  </a:extLst>
+                </a:gridCol>
+              </a:tblGrid>
+              <a:tr h="370840">
+                <a:tc>
+                  <a:txBody>
+                    <a:bodyPr/>
+                    <a:lstStyle/>
+                    <a:p>
+                      <a:r>
+                        <a:rPr lang="en-US" sz="1400" dirty="0" smtClean="0">
+                          <a:solidFill>
+                            <a:schemeClr val="bg1"/>
+                          </a:solidFill>
+                        </a:rPr>
+                        <a:t>Executive</a:t>
+                      </a:r>
+                      <a:r>
+                        <a:rPr lang="en-US" sz="1400" baseline="0" dirty="0" smtClean="0">
+                          <a:solidFill>
+                            <a:schemeClr val="bg1"/>
+                          </a:solidFill>
+                        </a:rPr>
+                        <a:t> Summary</a:t>
+                      </a:r>
+                      <a:endParaRPr lang="en-GB" sz="1400" dirty="0">
+                        <a:solidFill>
+                          <a:schemeClr val="bg1"/>
+                        </a:solidFill>
+                      </a:endParaRPr>
+                    </a:p>
+                  </a:txBody>
+                  <a:tcPr>
+                    <a:lnL w="12700" cmpd="sng">
+                      <a:noFill/>
+                    </a:lnL>
+                    <a:lnR w="12700" cap="flat" cmpd="sng" algn="ctr">
+                      <a:solidFill>
+                        <a:schemeClr val="bg1"/>
+                      </a:solidFill>
+                      <a:prstDash val="solid"/>
+                      <a:round/>
+                      <a:headEnd type="none" w="med" len="med"/>
+                      <a:tailEnd type="none" w="med" len="med"/>
+                    </a:lnR>
+                    <a:lnT w="12700" cmpd="sng">
+                      <a:noFill/>
+                    </a:lnT>
+                    <a:lnB w="38100" cmpd="sng">
+                      <a:noFill/>
+                    </a:lnB>
+                    <a:lnTlToBr w="12700" cmpd="sng">
+                      <a:noFill/>
+                      <a:prstDash val="solid"/>
+                    </a:lnTlToBr>
+                    <a:lnBlToTr w="12700" cmpd="sng">
+                      <a:noFill/>
+                      <a:prstDash val="solid"/>
+                    </a:lnBlToTr>
+                    <a:solidFill>
+                      <a:srgbClr val="6F8183"/>
+                    </a:solidFill>
+                  </a:tcPr>
+                </a:tc>
+                <a:tc>
+                  <a:txBody>
+                    <a:bodyPr/>
+                    <a:lstStyle/>
+                    <a:p>
+                      <a:r>
+                        <a:rPr lang="en-US" sz="1600" dirty="0" smtClean="0">
+                          <a:solidFill>
+                            <a:schemeClr val="bg1"/>
+                          </a:solidFill>
+                        </a:rPr>
+                        <a:t>Background</a:t>
+                      </a:r>
+                      <a:endParaRPr lang="en-GB" sz="1600" dirty="0">
+                        <a:solidFill>
+                          <a:schemeClr val="bg1"/>
+                        </a:solidFill>
+                      </a:endParaRPr>
+                    </a:p>
+                  </a:txBody>
+                  <a:tcPr>
+                    <a:lnL w="12700" cap="flat" cmpd="sng" algn="ctr">
+                      <a:solidFill>
+                        <a:schemeClr val="bg1"/>
+                      </a:solidFill>
+                      <a:prstDash val="solid"/>
+                      <a:round/>
+                      <a:headEnd type="none" w="med" len="med"/>
+                      <a:tailEnd type="none" w="med" len="med"/>
+                    </a:lnL>
+                    <a:lnR w="12700" cap="flat" cmpd="sng" algn="ctr">
+                      <a:solidFill>
+                        <a:schemeClr val="bg1"/>
+                      </a:solidFill>
+                      <a:prstDash val="solid"/>
+                      <a:round/>
+                      <a:headEnd type="none" w="med" len="med"/>
+                      <a:tailEnd type="none" w="med" len="med"/>
+                    </a:lnR>
+                    <a:lnT w="12700" cmpd="sng">
+                      <a:noFill/>
+                    </a:lnT>
+                    <a:lnB w="38100" cmpd="sng">
+                      <a:noFill/>
+                    </a:lnB>
+                    <a:lnTlToBr w="12700" cmpd="sng">
+                      <a:noFill/>
+                      <a:prstDash val="solid"/>
+                    </a:lnTlToBr>
+                    <a:lnBlToTr w="12700" cmpd="sng">
+                      <a:noFill/>
+                      <a:prstDash val="solid"/>
+                    </a:lnBlToTr>
+                    <a:solidFill>
+                      <a:srgbClr val="6F8183"/>
+                    </a:solidFill>
+                  </a:tcPr>
+                </a:tc>
+                <a:tc>
+                  <a:txBody>
+                    <a:bodyPr/>
+                    <a:lstStyle/>
+                    <a:p>
+                      <a:r>
+                        <a:rPr lang="en-US" sz="1600" dirty="0" smtClean="0">
+                          <a:solidFill>
+                            <a:schemeClr val="bg1"/>
+                          </a:solidFill>
+                        </a:rPr>
+                        <a:t>Objective</a:t>
+                      </a:r>
+                      <a:endParaRPr lang="en-GB" sz="1600" dirty="0">
+                        <a:solidFill>
+                          <a:schemeClr val="bg1"/>
+                        </a:solidFill>
+                      </a:endParaRPr>
+                    </a:p>
+                  </a:txBody>
+                  <a:tcPr>
+                    <a:lnL w="12700" cap="flat" cmpd="sng" algn="ctr">
+                      <a:solidFill>
+                        <a:schemeClr val="bg1"/>
+                      </a:solidFill>
+                      <a:prstDash val="solid"/>
+                      <a:round/>
+                      <a:headEnd type="none" w="med" len="med"/>
+                      <a:tailEnd type="none" w="med" len="med"/>
+                    </a:lnL>
+                    <a:lnR w="12700" cap="flat" cmpd="sng" algn="ctr">
+                      <a:solidFill>
+                        <a:schemeClr val="bg1"/>
+                      </a:solidFill>
+                      <a:prstDash val="solid"/>
+                      <a:round/>
+                      <a:headEnd type="none" w="med" len="med"/>
+                      <a:tailEnd type="none" w="med" len="med"/>
+                    </a:lnR>
+                    <a:lnT w="12700" cmpd="sng">
+                      <a:noFill/>
+                    </a:lnT>
+                    <a:lnB w="38100" cmpd="sng">
+                      <a:noFill/>
+                    </a:lnB>
+                    <a:lnTlToBr w="12700" cmpd="sng">
+                      <a:noFill/>
+                      <a:prstDash val="solid"/>
+                    </a:lnTlToBr>
+                    <a:lnBlToTr w="12700" cmpd="sng">
+                      <a:noFill/>
+                      <a:prstDash val="solid"/>
+                    </a:lnBlToTr>
+                    <a:solidFill>
+                      <a:srgbClr val="6F8183"/>
+                    </a:solidFill>
+                  </a:tcPr>
+                </a:tc>
+                <a:tc>
+                  <a:txBody>
+                    <a:bodyPr/>
+                    <a:lstStyle/>
+                    <a:p>
+                      <a:r>
+                        <a:rPr lang="en-US" sz="1600" dirty="0" smtClean="0">
+                          <a:solidFill>
+                            <a:srgbClr val="F1F3F3"/>
+                          </a:solidFill>
+                        </a:rPr>
+                        <a:t>Architecture</a:t>
+                      </a:r>
+                      <a:endParaRPr lang="en-GB" sz="1600" dirty="0">
+                        <a:solidFill>
+                          <a:srgbClr val="F1F3F3"/>
+                        </a:solidFill>
+                      </a:endParaRPr>
+                    </a:p>
+                  </a:txBody>
+                  <a:tcPr>
+                    <a:lnL w="12700" cap="flat" cmpd="sng" algn="ctr">
+                      <a:solidFill>
+                        <a:schemeClr val="bg1"/>
+                      </a:solidFill>
+                      <a:prstDash val="solid"/>
+                      <a:round/>
+                      <a:headEnd type="none" w="med" len="med"/>
+                      <a:tailEnd type="none" w="med" len="med"/>
+                    </a:lnL>
+                    <a:lnR w="12700" cap="flat" cmpd="sng" algn="ctr">
+                      <a:solidFill>
+                        <a:schemeClr val="bg1"/>
+                      </a:solidFill>
+                      <a:prstDash val="solid"/>
+                      <a:round/>
+                      <a:headEnd type="none" w="med" len="med"/>
+                      <a:tailEnd type="none" w="med" len="med"/>
+                    </a:lnR>
+                    <a:lnT w="12700" cmpd="sng">
+                      <a:noFill/>
+                    </a:lnT>
+                    <a:lnB w="38100" cmpd="sng">
+                      <a:noFill/>
+                    </a:lnB>
+                    <a:lnTlToBr w="12700" cmpd="sng">
+                      <a:noFill/>
+                      <a:prstDash val="solid"/>
+                    </a:lnTlToBr>
+                    <a:lnBlToTr w="12700" cmpd="sng">
+                      <a:noFill/>
+                      <a:prstDash val="solid"/>
+                    </a:lnBlToTr>
+                    <a:solidFill>
+                      <a:srgbClr val="6F8183"/>
+                    </a:solidFill>
+                  </a:tcPr>
+                </a:tc>
+                <a:tc>
+                  <a:txBody>
+                    <a:bodyPr/>
+                    <a:lstStyle/>
+                    <a:p>
+                      <a:r>
+                        <a:rPr lang="en-US" sz="1600" dirty="0" smtClean="0">
+                          <a:solidFill>
+                            <a:srgbClr val="6F8183"/>
+                          </a:solidFill>
+                        </a:rPr>
+                        <a:t>Core Code &amp; Demo</a:t>
+                      </a:r>
+                      <a:endParaRPr lang="en-GB" sz="1600" dirty="0">
+                        <a:solidFill>
+                          <a:srgbClr val="6F8183"/>
+                        </a:solidFill>
+                      </a:endParaRPr>
+                    </a:p>
+                  </a:txBody>
+                  <a:tcPr>
+                    <a:lnL w="12700" cap="flat" cmpd="sng" algn="ctr">
+                      <a:solidFill>
+                        <a:schemeClr val="bg1"/>
+                      </a:solidFill>
+                      <a:prstDash val="solid"/>
+                      <a:round/>
+                      <a:headEnd type="none" w="med" len="med"/>
+                      <a:tailEnd type="none" w="med" len="med"/>
+                    </a:lnL>
+                    <a:lnR w="12700" cmpd="sng">
+                      <a:noFill/>
+                    </a:lnR>
+                    <a:lnT w="12700" cmpd="sng">
+                      <a:noFill/>
+                    </a:lnT>
+                    <a:lnB w="38100" cmpd="sng">
+                      <a:noFill/>
+                    </a:lnB>
+                    <a:lnTlToBr w="12700" cmpd="sng">
+                      <a:noFill/>
+                      <a:prstDash val="solid"/>
+                    </a:lnTlToBr>
+                    <a:lnBlToTr w="12700" cmpd="sng">
+                      <a:noFill/>
+                      <a:prstDash val="solid"/>
+                    </a:lnBlToTr>
+                    <a:solidFill>
+                      <a:schemeClr val="bg1"/>
+                    </a:solidFill>
+                  </a:tcPr>
+                </a:tc>
+                <a:extLst>
+                  <a:ext uri="{0D108BD9-81ED-4DB2-BD59-A6C34878D82A}">
+                    <a16:rowId xmlns:a16="http://schemas.microsoft.com/office/drawing/2014/main" val="3571636592"/>
+                  </a:ext>
+                </a:extLst>
+              </a:tr>
+            </a:tbl>
+          </a:graphicData>
+        </a:graphic>
+      </p:graphicFrame>
+      <p:pic>
+        <p:nvPicPr>
+          <p:cNvPr id="7" name="Content Placeholder 6"/>
+          <p:cNvPicPr>
+            <a:picLocks noGrp="1" noChangeAspect="1"/>
+          </p:cNvPicPr>
+          <p:nvPr>
+            <p:ph idx="1"/>
+          </p:nvPr>
+        </p:nvPicPr>
+        <p:blipFill>
+          <a:blip r:embed="rId2">
+            <a:extLst>
+              <a:ext uri="{28A0092B-C50C-407E-A947-70E740481C1C}">
+                <a14:useLocalDpi xmlns:a14="http://schemas.microsoft.com/office/drawing/2010/main" val="0"/>
+              </a:ext>
+            </a:extLst>
+          </a:blip>
+          <a:stretch>
+            <a:fillRect/>
+          </a:stretch>
+        </p:blipFill>
+        <p:spPr>
+          <a:xfrm>
+            <a:off x="1478605" y="1966073"/>
+            <a:ext cx="5121084" cy="2469094"/>
+          </a:xfrm>
+        </p:spPr>
+      </p:pic>
+    </p:spTree>
+    <p:extLst>
+      <p:ext uri="{BB962C8B-B14F-4D97-AF65-F5344CB8AC3E}">
+        <p14:creationId xmlns:p14="http://schemas.microsoft.com/office/powerpoint/2010/main" val="4202343275"/>
+      </p:ext>
+    </p:extLst>
+  </p:cSld>
+  <p:clrMapOvr>
+    <a:masterClrMapping/>
+  </p:clrMapOvr>
+</p:sld>
+</file>
+
+<file path=ppt/slides/slide18.xml><?xml version="1.0" encoding="utf-8"?>
+<p:sld xmlns:a="http://schemas.openxmlformats.org/drawingml/2006/main" xmlns:r="http://schemas.openxmlformats.org/officeDocument/2006/relationships" xmlns:p="http://schemas.openxmlformats.org/presentationml/2006/main">
+  <p:cSld>
+    <p:spTree>
+      <p:nvGrpSpPr>
+        <p:cNvPr id="1" name=""/>
+        <p:cNvGrpSpPr/>
+        <p:nvPr/>
+      </p:nvGrpSpPr>
+      <p:grpSpPr>
+        <a:xfrm>
+          <a:off x="0" y="0"/>
+          <a:ext cx="0" cy="0"/>
+          <a:chOff x="0" y="0"/>
+          <a:chExt cx="0" cy="0"/>
+        </a:xfrm>
+      </p:grpSpPr>
       <p:sp>
         <p:nvSpPr>
-          <p:cNvPr id="3" name="Content Placeholder 2"/>
+          <p:cNvPr id="2" name="Title 1"/>
           <p:cNvSpPr>
             <a:spLocks noGrp="1"/>
           </p:cNvSpPr>
           <p:nvPr>
-            <p:ph idx="1"/>
+            <p:ph type="title"/>
           </p:nvPr>
         </p:nvSpPr>
         <p:spPr>
           <a:xfrm>
-            <a:off x="1069848" y="1632030"/>
-            <a:ext cx="10058400" cy="4540170"/>
+            <a:off x="1069848" y="484632"/>
+            <a:ext cx="10058400" cy="950629"/>
           </a:xfrm>
         </p:spPr>
         <p:txBody>
           <a:bodyPr/>
           <a:lstStyle/>
           <a:p>
+            <a:r>
+              <a:rPr lang="en-GB" dirty="0" smtClean="0"/>
+              <a:t>Core Code</a:t>
+            </a:r>
             <a:endParaRPr lang="en-GB" dirty="0"/>
           </a:p>
         </p:txBody>
@@ -8161,10 +8585,484 @@
           </a:graphicData>
         </a:graphic>
       </p:graphicFrame>
+      <p:pic>
+        <p:nvPicPr>
+          <p:cNvPr id="5" name="Content Placeholder 4"/>
+          <p:cNvPicPr>
+            <a:picLocks noGrp="1" noChangeAspect="1"/>
+          </p:cNvPicPr>
+          <p:nvPr>
+            <p:ph idx="1"/>
+          </p:nvPr>
+        </p:nvPicPr>
+        <p:blipFill>
+          <a:blip r:embed="rId2">
+            <a:extLst>
+              <a:ext uri="{28A0092B-C50C-407E-A947-70E740481C1C}">
+                <a14:useLocalDpi xmlns:a14="http://schemas.microsoft.com/office/drawing/2010/main" val="0"/>
+              </a:ext>
+            </a:extLst>
+          </a:blip>
+          <a:stretch>
+            <a:fillRect/>
+          </a:stretch>
+        </p:blipFill>
+        <p:spPr>
+          <a:xfrm>
+            <a:off x="1069848" y="2790494"/>
+            <a:ext cx="10058400" cy="1976387"/>
+          </a:xfrm>
+        </p:spPr>
+      </p:pic>
     </p:spTree>
     <p:extLst>
       <p:ext uri="{BB962C8B-B14F-4D97-AF65-F5344CB8AC3E}">
-        <p14:creationId xmlns:p14="http://schemas.microsoft.com/office/powerpoint/2010/main" val="4202343275"/>
+        <p14:creationId xmlns:p14="http://schemas.microsoft.com/office/powerpoint/2010/main" val="188284003"/>
+      </p:ext>
+    </p:extLst>
+  </p:cSld>
+  <p:clrMapOvr>
+    <a:masterClrMapping/>
+  </p:clrMapOvr>
+</p:sld>
+</file>
+
+<file path=ppt/slides/slide19.xml><?xml version="1.0" encoding="utf-8"?>
+<p:sld xmlns:a="http://schemas.openxmlformats.org/drawingml/2006/main" xmlns:r="http://schemas.openxmlformats.org/officeDocument/2006/relationships" xmlns:p="http://schemas.openxmlformats.org/presentationml/2006/main">
+  <p:cSld>
+    <p:spTree>
+      <p:nvGrpSpPr>
+        <p:cNvPr id="1" name=""/>
+        <p:cNvGrpSpPr/>
+        <p:nvPr/>
+      </p:nvGrpSpPr>
+      <p:grpSpPr>
+        <a:xfrm>
+          <a:off x="0" y="0"/>
+          <a:ext cx="0" cy="0"/>
+          <a:chOff x="0" y="0"/>
+          <a:chExt cx="0" cy="0"/>
+        </a:xfrm>
+      </p:grpSpPr>
+      <p:sp>
+        <p:nvSpPr>
+          <p:cNvPr id="2" name="Title 1"/>
+          <p:cNvSpPr>
+            <a:spLocks noGrp="1"/>
+          </p:cNvSpPr>
+          <p:nvPr>
+            <p:ph type="title"/>
+          </p:nvPr>
+        </p:nvSpPr>
+        <p:spPr>
+          <a:xfrm>
+            <a:off x="1069848" y="484632"/>
+            <a:ext cx="10058400" cy="950629"/>
+          </a:xfrm>
+        </p:spPr>
+        <p:txBody>
+          <a:bodyPr/>
+          <a:lstStyle/>
+          <a:p>
+            <a:r>
+              <a:rPr lang="en-GB" dirty="0" smtClean="0"/>
+              <a:t>Core Code</a:t>
+            </a:r>
+            <a:endParaRPr lang="en-GB" dirty="0"/>
+          </a:p>
+        </p:txBody>
+      </p:sp>
+      <p:graphicFrame>
+        <p:nvGraphicFramePr>
+          <p:cNvPr id="4" name="Table 3"/>
+          <p:cNvGraphicFramePr>
+            <a:graphicFrameLocks noGrp="1"/>
+          </p:cNvGraphicFramePr>
+          <p:nvPr>
+            <p:extLst>
+              <p:ext uri="{D42A27DB-BD31-4B8C-83A1-F6EECF244321}">
+                <p14:modId xmlns:p14="http://schemas.microsoft.com/office/powerpoint/2010/main" val="3669018319"/>
+              </p:ext>
+            </p:extLst>
+          </p:nvPr>
+        </p:nvGraphicFramePr>
+        <p:xfrm>
+          <a:off x="0" y="6487160"/>
+          <a:ext cx="11397675" cy="370840"/>
+        </p:xfrm>
+        <a:graphic>
+          <a:graphicData uri="http://schemas.openxmlformats.org/drawingml/2006/table">
+            <a:tbl>
+              <a:tblPr firstRow="1" bandRow="1">
+                <a:tableStyleId>{5C22544A-7EE6-4342-B048-85BDC9FD1C3A}</a:tableStyleId>
+              </a:tblPr>
+              <a:tblGrid>
+                <a:gridCol w="2279535">
+                  <a:extLst>
+                    <a:ext uri="{9D8B030D-6E8A-4147-A177-3AD203B41FA5}">
+                      <a16:colId xmlns:a16="http://schemas.microsoft.com/office/drawing/2014/main" val="1650481923"/>
+                    </a:ext>
+                  </a:extLst>
+                </a:gridCol>
+                <a:gridCol w="2279535">
+                  <a:extLst>
+                    <a:ext uri="{9D8B030D-6E8A-4147-A177-3AD203B41FA5}">
+                      <a16:colId xmlns:a16="http://schemas.microsoft.com/office/drawing/2014/main" val="363490094"/>
+                    </a:ext>
+                  </a:extLst>
+                </a:gridCol>
+                <a:gridCol w="2279535">
+                  <a:extLst>
+                    <a:ext uri="{9D8B030D-6E8A-4147-A177-3AD203B41FA5}">
+                      <a16:colId xmlns:a16="http://schemas.microsoft.com/office/drawing/2014/main" val="2961371462"/>
+                    </a:ext>
+                  </a:extLst>
+                </a:gridCol>
+                <a:gridCol w="2279535">
+                  <a:extLst>
+                    <a:ext uri="{9D8B030D-6E8A-4147-A177-3AD203B41FA5}">
+                      <a16:colId xmlns:a16="http://schemas.microsoft.com/office/drawing/2014/main" val="1073095120"/>
+                    </a:ext>
+                  </a:extLst>
+                </a:gridCol>
+                <a:gridCol w="2279535">
+                  <a:extLst>
+                    <a:ext uri="{9D8B030D-6E8A-4147-A177-3AD203B41FA5}">
+                      <a16:colId xmlns:a16="http://schemas.microsoft.com/office/drawing/2014/main" val="1682139684"/>
+                    </a:ext>
+                  </a:extLst>
+                </a:gridCol>
+              </a:tblGrid>
+              <a:tr h="370840">
+                <a:tc>
+                  <a:txBody>
+                    <a:bodyPr/>
+                    <a:lstStyle/>
+                    <a:p>
+                      <a:r>
+                        <a:rPr lang="en-US" sz="1400" dirty="0" smtClean="0">
+                          <a:solidFill>
+                            <a:schemeClr val="bg1"/>
+                          </a:solidFill>
+                        </a:rPr>
+                        <a:t>Executive</a:t>
+                      </a:r>
+                      <a:r>
+                        <a:rPr lang="en-US" sz="1400" baseline="0" dirty="0" smtClean="0">
+                          <a:solidFill>
+                            <a:schemeClr val="bg1"/>
+                          </a:solidFill>
+                        </a:rPr>
+                        <a:t> Summary</a:t>
+                      </a:r>
+                      <a:endParaRPr lang="en-GB" sz="1400" dirty="0">
+                        <a:solidFill>
+                          <a:schemeClr val="bg1"/>
+                        </a:solidFill>
+                      </a:endParaRPr>
+                    </a:p>
+                  </a:txBody>
+                  <a:tcPr>
+                    <a:lnL w="12700" cmpd="sng">
+                      <a:noFill/>
+                    </a:lnL>
+                    <a:lnR w="12700" cap="flat" cmpd="sng" algn="ctr">
+                      <a:solidFill>
+                        <a:schemeClr val="bg1"/>
+                      </a:solidFill>
+                      <a:prstDash val="solid"/>
+                      <a:round/>
+                      <a:headEnd type="none" w="med" len="med"/>
+                      <a:tailEnd type="none" w="med" len="med"/>
+                    </a:lnR>
+                    <a:lnT w="12700" cmpd="sng">
+                      <a:noFill/>
+                    </a:lnT>
+                    <a:lnB w="38100" cmpd="sng">
+                      <a:noFill/>
+                    </a:lnB>
+                    <a:lnTlToBr w="12700" cmpd="sng">
+                      <a:noFill/>
+                      <a:prstDash val="solid"/>
+                    </a:lnTlToBr>
+                    <a:lnBlToTr w="12700" cmpd="sng">
+                      <a:noFill/>
+                      <a:prstDash val="solid"/>
+                    </a:lnBlToTr>
+                    <a:solidFill>
+                      <a:srgbClr val="6F8183"/>
+                    </a:solidFill>
+                  </a:tcPr>
+                </a:tc>
+                <a:tc>
+                  <a:txBody>
+                    <a:bodyPr/>
+                    <a:lstStyle/>
+                    <a:p>
+                      <a:r>
+                        <a:rPr lang="en-US" sz="1600" dirty="0" smtClean="0">
+                          <a:solidFill>
+                            <a:schemeClr val="bg1"/>
+                          </a:solidFill>
+                        </a:rPr>
+                        <a:t>Background</a:t>
+                      </a:r>
+                      <a:endParaRPr lang="en-GB" sz="1600" dirty="0">
+                        <a:solidFill>
+                          <a:schemeClr val="bg1"/>
+                        </a:solidFill>
+                      </a:endParaRPr>
+                    </a:p>
+                  </a:txBody>
+                  <a:tcPr>
+                    <a:lnL w="12700" cap="flat" cmpd="sng" algn="ctr">
+                      <a:solidFill>
+                        <a:schemeClr val="bg1"/>
+                      </a:solidFill>
+                      <a:prstDash val="solid"/>
+                      <a:round/>
+                      <a:headEnd type="none" w="med" len="med"/>
+                      <a:tailEnd type="none" w="med" len="med"/>
+                    </a:lnL>
+                    <a:lnR w="12700" cap="flat" cmpd="sng" algn="ctr">
+                      <a:solidFill>
+                        <a:schemeClr val="bg1"/>
+                      </a:solidFill>
+                      <a:prstDash val="solid"/>
+                      <a:round/>
+                      <a:headEnd type="none" w="med" len="med"/>
+                      <a:tailEnd type="none" w="med" len="med"/>
+                    </a:lnR>
+                    <a:lnT w="12700" cmpd="sng">
+                      <a:noFill/>
+                    </a:lnT>
+                    <a:lnB w="38100" cmpd="sng">
+                      <a:noFill/>
+                    </a:lnB>
+                    <a:lnTlToBr w="12700" cmpd="sng">
+                      <a:noFill/>
+                      <a:prstDash val="solid"/>
+                    </a:lnTlToBr>
+                    <a:lnBlToTr w="12700" cmpd="sng">
+                      <a:noFill/>
+                      <a:prstDash val="solid"/>
+                    </a:lnBlToTr>
+                    <a:solidFill>
+                      <a:srgbClr val="6F8183"/>
+                    </a:solidFill>
+                  </a:tcPr>
+                </a:tc>
+                <a:tc>
+                  <a:txBody>
+                    <a:bodyPr/>
+                    <a:lstStyle/>
+                    <a:p>
+                      <a:r>
+                        <a:rPr lang="en-US" sz="1600" dirty="0" smtClean="0">
+                          <a:solidFill>
+                            <a:schemeClr val="bg1"/>
+                          </a:solidFill>
+                        </a:rPr>
+                        <a:t>Objective</a:t>
+                      </a:r>
+                      <a:endParaRPr lang="en-GB" sz="1600" dirty="0">
+                        <a:solidFill>
+                          <a:schemeClr val="bg1"/>
+                        </a:solidFill>
+                      </a:endParaRPr>
+                    </a:p>
+                  </a:txBody>
+                  <a:tcPr>
+                    <a:lnL w="12700" cap="flat" cmpd="sng" algn="ctr">
+                      <a:solidFill>
+                        <a:schemeClr val="bg1"/>
+                      </a:solidFill>
+                      <a:prstDash val="solid"/>
+                      <a:round/>
+                      <a:headEnd type="none" w="med" len="med"/>
+                      <a:tailEnd type="none" w="med" len="med"/>
+                    </a:lnL>
+                    <a:lnR w="12700" cap="flat" cmpd="sng" algn="ctr">
+                      <a:solidFill>
+                        <a:schemeClr val="bg1"/>
+                      </a:solidFill>
+                      <a:prstDash val="solid"/>
+                      <a:round/>
+                      <a:headEnd type="none" w="med" len="med"/>
+                      <a:tailEnd type="none" w="med" len="med"/>
+                    </a:lnR>
+                    <a:lnT w="12700" cmpd="sng">
+                      <a:noFill/>
+                    </a:lnT>
+                    <a:lnB w="38100" cmpd="sng">
+                      <a:noFill/>
+                    </a:lnB>
+                    <a:lnTlToBr w="12700" cmpd="sng">
+                      <a:noFill/>
+                      <a:prstDash val="solid"/>
+                    </a:lnTlToBr>
+                    <a:lnBlToTr w="12700" cmpd="sng">
+                      <a:noFill/>
+                      <a:prstDash val="solid"/>
+                    </a:lnBlToTr>
+                    <a:solidFill>
+                      <a:srgbClr val="6F8183"/>
+                    </a:solidFill>
+                  </a:tcPr>
+                </a:tc>
+                <a:tc>
+                  <a:txBody>
+                    <a:bodyPr/>
+                    <a:lstStyle/>
+                    <a:p>
+                      <a:r>
+                        <a:rPr lang="en-US" sz="1600" dirty="0" smtClean="0">
+                          <a:solidFill>
+                            <a:srgbClr val="F1F3F3"/>
+                          </a:solidFill>
+                        </a:rPr>
+                        <a:t>Architecture</a:t>
+                      </a:r>
+                      <a:endParaRPr lang="en-GB" sz="1600" dirty="0">
+                        <a:solidFill>
+                          <a:srgbClr val="F1F3F3"/>
+                        </a:solidFill>
+                      </a:endParaRPr>
+                    </a:p>
+                  </a:txBody>
+                  <a:tcPr>
+                    <a:lnL w="12700" cap="flat" cmpd="sng" algn="ctr">
+                      <a:solidFill>
+                        <a:schemeClr val="bg1"/>
+                      </a:solidFill>
+                      <a:prstDash val="solid"/>
+                      <a:round/>
+                      <a:headEnd type="none" w="med" len="med"/>
+                      <a:tailEnd type="none" w="med" len="med"/>
+                    </a:lnL>
+                    <a:lnR w="12700" cap="flat" cmpd="sng" algn="ctr">
+                      <a:solidFill>
+                        <a:schemeClr val="bg1"/>
+                      </a:solidFill>
+                      <a:prstDash val="solid"/>
+                      <a:round/>
+                      <a:headEnd type="none" w="med" len="med"/>
+                      <a:tailEnd type="none" w="med" len="med"/>
+                    </a:lnR>
+                    <a:lnT w="12700" cmpd="sng">
+                      <a:noFill/>
+                    </a:lnT>
+                    <a:lnB w="38100" cmpd="sng">
+                      <a:noFill/>
+                    </a:lnB>
+                    <a:lnTlToBr w="12700" cmpd="sng">
+                      <a:noFill/>
+                      <a:prstDash val="solid"/>
+                    </a:lnTlToBr>
+                    <a:lnBlToTr w="12700" cmpd="sng">
+                      <a:noFill/>
+                      <a:prstDash val="solid"/>
+                    </a:lnBlToTr>
+                    <a:solidFill>
+                      <a:srgbClr val="6F8183"/>
+                    </a:solidFill>
+                  </a:tcPr>
+                </a:tc>
+                <a:tc>
+                  <a:txBody>
+                    <a:bodyPr/>
+                    <a:lstStyle/>
+                    <a:p>
+                      <a:r>
+                        <a:rPr lang="en-US" sz="1600" dirty="0" smtClean="0">
+                          <a:solidFill>
+                            <a:srgbClr val="6F8183"/>
+                          </a:solidFill>
+                        </a:rPr>
+                        <a:t>Core Code &amp; Demo</a:t>
+                      </a:r>
+                      <a:endParaRPr lang="en-GB" sz="1600" dirty="0">
+                        <a:solidFill>
+                          <a:srgbClr val="6F8183"/>
+                        </a:solidFill>
+                      </a:endParaRPr>
+                    </a:p>
+                  </a:txBody>
+                  <a:tcPr>
+                    <a:lnL w="12700" cap="flat" cmpd="sng" algn="ctr">
+                      <a:solidFill>
+                        <a:schemeClr val="bg1"/>
+                      </a:solidFill>
+                      <a:prstDash val="solid"/>
+                      <a:round/>
+                      <a:headEnd type="none" w="med" len="med"/>
+                      <a:tailEnd type="none" w="med" len="med"/>
+                    </a:lnL>
+                    <a:lnR w="12700" cmpd="sng">
+                      <a:noFill/>
+                    </a:lnR>
+                    <a:lnT w="12700" cmpd="sng">
+                      <a:noFill/>
+                    </a:lnT>
+                    <a:lnB w="38100" cmpd="sng">
+                      <a:noFill/>
+                    </a:lnB>
+                    <a:lnTlToBr w="12700" cmpd="sng">
+                      <a:noFill/>
+                      <a:prstDash val="solid"/>
+                    </a:lnTlToBr>
+                    <a:lnBlToTr w="12700" cmpd="sng">
+                      <a:noFill/>
+                      <a:prstDash val="solid"/>
+                    </a:lnBlToTr>
+                    <a:solidFill>
+                      <a:schemeClr val="bg1"/>
+                    </a:solidFill>
+                  </a:tcPr>
+                </a:tc>
+                <a:extLst>
+                  <a:ext uri="{0D108BD9-81ED-4DB2-BD59-A6C34878D82A}">
+                    <a16:rowId xmlns:a16="http://schemas.microsoft.com/office/drawing/2014/main" val="3571636592"/>
+                  </a:ext>
+                </a:extLst>
+              </a:tr>
+            </a:tbl>
+          </a:graphicData>
+        </a:graphic>
+      </p:graphicFrame>
+      <p:pic>
+        <p:nvPicPr>
+          <p:cNvPr id="6" name="Content Placeholder 5"/>
+          <p:cNvPicPr>
+            <a:picLocks noGrp="1" noChangeAspect="1"/>
+          </p:cNvPicPr>
+          <p:nvPr>
+            <p:ph idx="1"/>
+          </p:nvPr>
+        </p:nvPicPr>
+        <p:blipFill>
+          <a:blip r:embed="rId2">
+            <a:extLst>
+              <a:ext uri="{28A0092B-C50C-407E-A947-70E740481C1C}">
+                <a14:useLocalDpi xmlns:a14="http://schemas.microsoft.com/office/drawing/2010/main" val="0"/>
+              </a:ext>
+            </a:extLst>
+          </a:blip>
+          <a:stretch>
+            <a:fillRect/>
+          </a:stretch>
+        </p:blipFill>
+        <p:spPr>
+          <a:xfrm>
+            <a:off x="1933823" y="1736223"/>
+            <a:ext cx="5387807" cy="4000847"/>
+          </a:xfrm>
+        </p:spPr>
+      </p:pic>
+    </p:spTree>
+    <p:extLst>
+      <p:ext uri="{BB962C8B-B14F-4D97-AF65-F5344CB8AC3E}">
+        <p14:creationId xmlns:p14="http://schemas.microsoft.com/office/powerpoint/2010/main" val="2679667279"/>
       </p:ext>
     </p:extLst>
   </p:cSld>
@@ -8903,6 +9801,481 @@
       </p:par>
     </p:tnLst>
   </p:timing>
+</p:sld>
+</file>
+
+<file path=ppt/slides/slide20.xml><?xml version="1.0" encoding="utf-8"?>
+<p:sld xmlns:a="http://schemas.openxmlformats.org/drawingml/2006/main" xmlns:r="http://schemas.openxmlformats.org/officeDocument/2006/relationships" xmlns:p="http://schemas.openxmlformats.org/presentationml/2006/main">
+  <p:cSld>
+    <p:spTree>
+      <p:nvGrpSpPr>
+        <p:cNvPr id="1" name=""/>
+        <p:cNvGrpSpPr/>
+        <p:nvPr/>
+      </p:nvGrpSpPr>
+      <p:grpSpPr>
+        <a:xfrm>
+          <a:off x="0" y="0"/>
+          <a:ext cx="0" cy="0"/>
+          <a:chOff x="0" y="0"/>
+          <a:chExt cx="0" cy="0"/>
+        </a:xfrm>
+      </p:grpSpPr>
+      <p:sp>
+        <p:nvSpPr>
+          <p:cNvPr id="2" name="Title 1"/>
+          <p:cNvSpPr>
+            <a:spLocks noGrp="1"/>
+          </p:cNvSpPr>
+          <p:nvPr>
+            <p:ph type="title"/>
+          </p:nvPr>
+        </p:nvSpPr>
+        <p:spPr>
+          <a:xfrm>
+            <a:off x="1069848" y="484632"/>
+            <a:ext cx="10058400" cy="950629"/>
+          </a:xfrm>
+        </p:spPr>
+        <p:txBody>
+          <a:bodyPr/>
+          <a:lstStyle/>
+          <a:p>
+            <a:r>
+              <a:rPr lang="en-GB" dirty="0" smtClean="0"/>
+              <a:t>Core Code</a:t>
+            </a:r>
+            <a:endParaRPr lang="en-GB" dirty="0"/>
+          </a:p>
+        </p:txBody>
+      </p:sp>
+      <p:graphicFrame>
+        <p:nvGraphicFramePr>
+          <p:cNvPr id="4" name="Table 3"/>
+          <p:cNvGraphicFramePr>
+            <a:graphicFrameLocks noGrp="1"/>
+          </p:cNvGraphicFramePr>
+          <p:nvPr>
+            <p:extLst>
+              <p:ext uri="{D42A27DB-BD31-4B8C-83A1-F6EECF244321}">
+                <p14:modId xmlns:p14="http://schemas.microsoft.com/office/powerpoint/2010/main" val="3669018319"/>
+              </p:ext>
+            </p:extLst>
+          </p:nvPr>
+        </p:nvGraphicFramePr>
+        <p:xfrm>
+          <a:off x="0" y="6487160"/>
+          <a:ext cx="11397675" cy="370840"/>
+        </p:xfrm>
+        <a:graphic>
+          <a:graphicData uri="http://schemas.openxmlformats.org/drawingml/2006/table">
+            <a:tbl>
+              <a:tblPr firstRow="1" bandRow="1">
+                <a:tableStyleId>{5C22544A-7EE6-4342-B048-85BDC9FD1C3A}</a:tableStyleId>
+              </a:tblPr>
+              <a:tblGrid>
+                <a:gridCol w="2279535">
+                  <a:extLst>
+                    <a:ext uri="{9D8B030D-6E8A-4147-A177-3AD203B41FA5}">
+                      <a16:colId xmlns:a16="http://schemas.microsoft.com/office/drawing/2014/main" val="1650481923"/>
+                    </a:ext>
+                  </a:extLst>
+                </a:gridCol>
+                <a:gridCol w="2279535">
+                  <a:extLst>
+                    <a:ext uri="{9D8B030D-6E8A-4147-A177-3AD203B41FA5}">
+                      <a16:colId xmlns:a16="http://schemas.microsoft.com/office/drawing/2014/main" val="363490094"/>
+                    </a:ext>
+                  </a:extLst>
+                </a:gridCol>
+                <a:gridCol w="2279535">
+                  <a:extLst>
+                    <a:ext uri="{9D8B030D-6E8A-4147-A177-3AD203B41FA5}">
+                      <a16:colId xmlns:a16="http://schemas.microsoft.com/office/drawing/2014/main" val="2961371462"/>
+                    </a:ext>
+                  </a:extLst>
+                </a:gridCol>
+                <a:gridCol w="2279535">
+                  <a:extLst>
+                    <a:ext uri="{9D8B030D-6E8A-4147-A177-3AD203B41FA5}">
+                      <a16:colId xmlns:a16="http://schemas.microsoft.com/office/drawing/2014/main" val="1073095120"/>
+                    </a:ext>
+                  </a:extLst>
+                </a:gridCol>
+                <a:gridCol w="2279535">
+                  <a:extLst>
+                    <a:ext uri="{9D8B030D-6E8A-4147-A177-3AD203B41FA5}">
+                      <a16:colId xmlns:a16="http://schemas.microsoft.com/office/drawing/2014/main" val="1682139684"/>
+                    </a:ext>
+                  </a:extLst>
+                </a:gridCol>
+              </a:tblGrid>
+              <a:tr h="370840">
+                <a:tc>
+                  <a:txBody>
+                    <a:bodyPr/>
+                    <a:lstStyle/>
+                    <a:p>
+                      <a:r>
+                        <a:rPr lang="en-US" sz="1400" dirty="0" smtClean="0">
+                          <a:solidFill>
+                            <a:schemeClr val="bg1"/>
+                          </a:solidFill>
+                        </a:rPr>
+                        <a:t>Executive</a:t>
+                      </a:r>
+                      <a:r>
+                        <a:rPr lang="en-US" sz="1400" baseline="0" dirty="0" smtClean="0">
+                          <a:solidFill>
+                            <a:schemeClr val="bg1"/>
+                          </a:solidFill>
+                        </a:rPr>
+                        <a:t> Summary</a:t>
+                      </a:r>
+                      <a:endParaRPr lang="en-GB" sz="1400" dirty="0">
+                        <a:solidFill>
+                          <a:schemeClr val="bg1"/>
+                        </a:solidFill>
+                      </a:endParaRPr>
+                    </a:p>
+                  </a:txBody>
+                  <a:tcPr>
+                    <a:lnL w="12700" cmpd="sng">
+                      <a:noFill/>
+                    </a:lnL>
+                    <a:lnR w="12700" cap="flat" cmpd="sng" algn="ctr">
+                      <a:solidFill>
+                        <a:schemeClr val="bg1"/>
+                      </a:solidFill>
+                      <a:prstDash val="solid"/>
+                      <a:round/>
+                      <a:headEnd type="none" w="med" len="med"/>
+                      <a:tailEnd type="none" w="med" len="med"/>
+                    </a:lnR>
+                    <a:lnT w="12700" cmpd="sng">
+                      <a:noFill/>
+                    </a:lnT>
+                    <a:lnB w="38100" cmpd="sng">
+                      <a:noFill/>
+                    </a:lnB>
+                    <a:lnTlToBr w="12700" cmpd="sng">
+                      <a:noFill/>
+                      <a:prstDash val="solid"/>
+                    </a:lnTlToBr>
+                    <a:lnBlToTr w="12700" cmpd="sng">
+                      <a:noFill/>
+                      <a:prstDash val="solid"/>
+                    </a:lnBlToTr>
+                    <a:solidFill>
+                      <a:srgbClr val="6F8183"/>
+                    </a:solidFill>
+                  </a:tcPr>
+                </a:tc>
+                <a:tc>
+                  <a:txBody>
+                    <a:bodyPr/>
+                    <a:lstStyle/>
+                    <a:p>
+                      <a:r>
+                        <a:rPr lang="en-US" sz="1600" dirty="0" smtClean="0">
+                          <a:solidFill>
+                            <a:schemeClr val="bg1"/>
+                          </a:solidFill>
+                        </a:rPr>
+                        <a:t>Background</a:t>
+                      </a:r>
+                      <a:endParaRPr lang="en-GB" sz="1600" dirty="0">
+                        <a:solidFill>
+                          <a:schemeClr val="bg1"/>
+                        </a:solidFill>
+                      </a:endParaRPr>
+                    </a:p>
+                  </a:txBody>
+                  <a:tcPr>
+                    <a:lnL w="12700" cap="flat" cmpd="sng" algn="ctr">
+                      <a:solidFill>
+                        <a:schemeClr val="bg1"/>
+                      </a:solidFill>
+                      <a:prstDash val="solid"/>
+                      <a:round/>
+                      <a:headEnd type="none" w="med" len="med"/>
+                      <a:tailEnd type="none" w="med" len="med"/>
+                    </a:lnL>
+                    <a:lnR w="12700" cap="flat" cmpd="sng" algn="ctr">
+                      <a:solidFill>
+                        <a:schemeClr val="bg1"/>
+                      </a:solidFill>
+                      <a:prstDash val="solid"/>
+                      <a:round/>
+                      <a:headEnd type="none" w="med" len="med"/>
+                      <a:tailEnd type="none" w="med" len="med"/>
+                    </a:lnR>
+                    <a:lnT w="12700" cmpd="sng">
+                      <a:noFill/>
+                    </a:lnT>
+                    <a:lnB w="38100" cmpd="sng">
+                      <a:noFill/>
+                    </a:lnB>
+                    <a:lnTlToBr w="12700" cmpd="sng">
+                      <a:noFill/>
+                      <a:prstDash val="solid"/>
+                    </a:lnTlToBr>
+                    <a:lnBlToTr w="12700" cmpd="sng">
+                      <a:noFill/>
+                      <a:prstDash val="solid"/>
+                    </a:lnBlToTr>
+                    <a:solidFill>
+                      <a:srgbClr val="6F8183"/>
+                    </a:solidFill>
+                  </a:tcPr>
+                </a:tc>
+                <a:tc>
+                  <a:txBody>
+                    <a:bodyPr/>
+                    <a:lstStyle/>
+                    <a:p>
+                      <a:r>
+                        <a:rPr lang="en-US" sz="1600" dirty="0" smtClean="0">
+                          <a:solidFill>
+                            <a:schemeClr val="bg1"/>
+                          </a:solidFill>
+                        </a:rPr>
+                        <a:t>Objective</a:t>
+                      </a:r>
+                      <a:endParaRPr lang="en-GB" sz="1600" dirty="0">
+                        <a:solidFill>
+                          <a:schemeClr val="bg1"/>
+                        </a:solidFill>
+                      </a:endParaRPr>
+                    </a:p>
+                  </a:txBody>
+                  <a:tcPr>
+                    <a:lnL w="12700" cap="flat" cmpd="sng" algn="ctr">
+                      <a:solidFill>
+                        <a:schemeClr val="bg1"/>
+                      </a:solidFill>
+                      <a:prstDash val="solid"/>
+                      <a:round/>
+                      <a:headEnd type="none" w="med" len="med"/>
+                      <a:tailEnd type="none" w="med" len="med"/>
+                    </a:lnL>
+                    <a:lnR w="12700" cap="flat" cmpd="sng" algn="ctr">
+                      <a:solidFill>
+                        <a:schemeClr val="bg1"/>
+                      </a:solidFill>
+                      <a:prstDash val="solid"/>
+                      <a:round/>
+                      <a:headEnd type="none" w="med" len="med"/>
+                      <a:tailEnd type="none" w="med" len="med"/>
+                    </a:lnR>
+                    <a:lnT w="12700" cmpd="sng">
+                      <a:noFill/>
+                    </a:lnT>
+                    <a:lnB w="38100" cmpd="sng">
+                      <a:noFill/>
+                    </a:lnB>
+                    <a:lnTlToBr w="12700" cmpd="sng">
+                      <a:noFill/>
+                      <a:prstDash val="solid"/>
+                    </a:lnTlToBr>
+                    <a:lnBlToTr w="12700" cmpd="sng">
+                      <a:noFill/>
+                      <a:prstDash val="solid"/>
+                    </a:lnBlToTr>
+                    <a:solidFill>
+                      <a:srgbClr val="6F8183"/>
+                    </a:solidFill>
+                  </a:tcPr>
+                </a:tc>
+                <a:tc>
+                  <a:txBody>
+                    <a:bodyPr/>
+                    <a:lstStyle/>
+                    <a:p>
+                      <a:r>
+                        <a:rPr lang="en-US" sz="1600" dirty="0" smtClean="0">
+                          <a:solidFill>
+                            <a:srgbClr val="F1F3F3"/>
+                          </a:solidFill>
+                        </a:rPr>
+                        <a:t>Architecture</a:t>
+                      </a:r>
+                      <a:endParaRPr lang="en-GB" sz="1600" dirty="0">
+                        <a:solidFill>
+                          <a:srgbClr val="F1F3F3"/>
+                        </a:solidFill>
+                      </a:endParaRPr>
+                    </a:p>
+                  </a:txBody>
+                  <a:tcPr>
+                    <a:lnL w="12700" cap="flat" cmpd="sng" algn="ctr">
+                      <a:solidFill>
+                        <a:schemeClr val="bg1"/>
+                      </a:solidFill>
+                      <a:prstDash val="solid"/>
+                      <a:round/>
+                      <a:headEnd type="none" w="med" len="med"/>
+                      <a:tailEnd type="none" w="med" len="med"/>
+                    </a:lnL>
+                    <a:lnR w="12700" cap="flat" cmpd="sng" algn="ctr">
+                      <a:solidFill>
+                        <a:schemeClr val="bg1"/>
+                      </a:solidFill>
+                      <a:prstDash val="solid"/>
+                      <a:round/>
+                      <a:headEnd type="none" w="med" len="med"/>
+                      <a:tailEnd type="none" w="med" len="med"/>
+                    </a:lnR>
+                    <a:lnT w="12700" cmpd="sng">
+                      <a:noFill/>
+                    </a:lnT>
+                    <a:lnB w="38100" cmpd="sng">
+                      <a:noFill/>
+                    </a:lnB>
+                    <a:lnTlToBr w="12700" cmpd="sng">
+                      <a:noFill/>
+                      <a:prstDash val="solid"/>
+                    </a:lnTlToBr>
+                    <a:lnBlToTr w="12700" cmpd="sng">
+                      <a:noFill/>
+                      <a:prstDash val="solid"/>
+                    </a:lnBlToTr>
+                    <a:solidFill>
+                      <a:srgbClr val="6F8183"/>
+                    </a:solidFill>
+                  </a:tcPr>
+                </a:tc>
+                <a:tc>
+                  <a:txBody>
+                    <a:bodyPr/>
+                    <a:lstStyle/>
+                    <a:p>
+                      <a:r>
+                        <a:rPr lang="en-US" sz="1600" dirty="0" smtClean="0">
+                          <a:solidFill>
+                            <a:srgbClr val="6F8183"/>
+                          </a:solidFill>
+                        </a:rPr>
+                        <a:t>Core Code &amp; Demo</a:t>
+                      </a:r>
+                      <a:endParaRPr lang="en-GB" sz="1600" dirty="0">
+                        <a:solidFill>
+                          <a:srgbClr val="6F8183"/>
+                        </a:solidFill>
+                      </a:endParaRPr>
+                    </a:p>
+                  </a:txBody>
+                  <a:tcPr>
+                    <a:lnL w="12700" cap="flat" cmpd="sng" algn="ctr">
+                      <a:solidFill>
+                        <a:schemeClr val="bg1"/>
+                      </a:solidFill>
+                      <a:prstDash val="solid"/>
+                      <a:round/>
+                      <a:headEnd type="none" w="med" len="med"/>
+                      <a:tailEnd type="none" w="med" len="med"/>
+                    </a:lnL>
+                    <a:lnR w="12700" cmpd="sng">
+                      <a:noFill/>
+                    </a:lnR>
+                    <a:lnT w="12700" cmpd="sng">
+                      <a:noFill/>
+                    </a:lnT>
+                    <a:lnB w="38100" cmpd="sng">
+                      <a:noFill/>
+                    </a:lnB>
+                    <a:lnTlToBr w="12700" cmpd="sng">
+                      <a:noFill/>
+                      <a:prstDash val="solid"/>
+                    </a:lnTlToBr>
+                    <a:lnBlToTr w="12700" cmpd="sng">
+                      <a:noFill/>
+                      <a:prstDash val="solid"/>
+                    </a:lnBlToTr>
+                    <a:solidFill>
+                      <a:schemeClr val="bg1"/>
+                    </a:solidFill>
+                  </a:tcPr>
+                </a:tc>
+                <a:extLst>
+                  <a:ext uri="{0D108BD9-81ED-4DB2-BD59-A6C34878D82A}">
+                    <a16:rowId xmlns:a16="http://schemas.microsoft.com/office/drawing/2014/main" val="3571636592"/>
+                  </a:ext>
+                </a:extLst>
+              </a:tr>
+            </a:tbl>
+          </a:graphicData>
+        </a:graphic>
+      </p:graphicFrame>
+      <p:pic>
+        <p:nvPicPr>
+          <p:cNvPr id="6" name="Content Placeholder 5"/>
+          <p:cNvPicPr>
+            <a:picLocks noGrp="1" noChangeAspect="1"/>
+          </p:cNvPicPr>
+          <p:nvPr>
+            <p:ph idx="1"/>
+          </p:nvPr>
+        </p:nvPicPr>
+        <p:blipFill>
+          <a:blip r:embed="rId2">
+            <a:extLst>
+              <a:ext uri="{28A0092B-C50C-407E-A947-70E740481C1C}">
+                <a14:useLocalDpi xmlns:a14="http://schemas.microsoft.com/office/drawing/2010/main" val="0"/>
+              </a:ext>
+            </a:extLst>
+          </a:blip>
+          <a:stretch>
+            <a:fillRect/>
+          </a:stretch>
+        </p:blipFill>
+        <p:spPr>
+          <a:xfrm>
+            <a:off x="1933823" y="1736223"/>
+            <a:ext cx="5387807" cy="4000847"/>
+          </a:xfrm>
+        </p:spPr>
+      </p:pic>
+      <p:pic>
+        <p:nvPicPr>
+          <p:cNvPr id="3" name="Picture 2"/>
+          <p:cNvPicPr>
+            <a:picLocks noChangeAspect="1"/>
+          </p:cNvPicPr>
+          <p:nvPr/>
+        </p:nvPicPr>
+        <p:blipFill>
+          <a:blip r:embed="rId3">
+            <a:extLst>
+              <a:ext uri="{28A0092B-C50C-407E-A947-70E740481C1C}">
+                <a14:useLocalDpi xmlns:a14="http://schemas.microsoft.com/office/drawing/2010/main" val="0"/>
+              </a:ext>
+            </a:extLst>
+          </a:blip>
+          <a:stretch>
+            <a:fillRect/>
+          </a:stretch>
+        </p:blipFill>
+        <p:spPr>
+          <a:xfrm>
+            <a:off x="1161367" y="1545707"/>
+            <a:ext cx="9701101" cy="4191363"/>
+          </a:xfrm>
+          <a:prstGeom prst="rect">
+            <a:avLst/>
+          </a:prstGeom>
+        </p:spPr>
+      </p:pic>
+    </p:spTree>
+    <p:extLst>
+      <p:ext uri="{BB962C8B-B14F-4D97-AF65-F5344CB8AC3E}">
+        <p14:creationId xmlns:p14="http://schemas.microsoft.com/office/powerpoint/2010/main" val="3894317934"/>
+      </p:ext>
+    </p:extLst>
+  </p:cSld>
+  <p:clrMapOvr>
+    <a:masterClrMapping/>
+  </p:clrMapOvr>
 </p:sld>
 </file>
 

--- a/presentation/Tripster Presentation.pptx
+++ b/presentation/Tripster Presentation.pptx
@@ -4540,6 +4540,136 @@
   <p:clrMapOvr>
     <a:masterClrMapping/>
   </p:clrMapOvr>
+  <p:timing>
+    <p:tnLst>
+      <p:par>
+        <p:cTn id="1" dur="indefinite" restart="never" nodeType="tmRoot">
+          <p:childTnLst>
+            <p:seq concurrent="1" nextAc="seek">
+              <p:cTn id="2" dur="indefinite" nodeType="mainSeq">
+                <p:childTnLst>
+                  <p:par>
+                    <p:cTn id="3" fill="hold">
+                      <p:stCondLst>
+                        <p:cond delay="indefinite"/>
+                      </p:stCondLst>
+                      <p:childTnLst>
+                        <p:par>
+                          <p:cTn id="4" fill="hold">
+                            <p:stCondLst>
+                              <p:cond delay="0"/>
+                            </p:stCondLst>
+                            <p:childTnLst>
+                              <p:par>
+                                <p:cTn id="5" presetID="22" presetClass="entr" presetSubtype="1" fill="hold" grpId="0" nodeType="clickEffect">
+                                  <p:stCondLst>
+                                    <p:cond delay="0"/>
+                                  </p:stCondLst>
+                                  <p:childTnLst>
+                                    <p:set>
+                                      <p:cBhvr>
+                                        <p:cTn id="6" dur="1" fill="hold">
+                                          <p:stCondLst>
+                                            <p:cond delay="0"/>
+                                          </p:stCondLst>
+                                        </p:cTn>
+                                        <p:tgtEl>
+                                          <p:spTgt spid="4"/>
+                                        </p:tgtEl>
+                                        <p:attrNameLst>
+                                          <p:attrName>style.visibility</p:attrName>
+                                        </p:attrNameLst>
+                                      </p:cBhvr>
+                                      <p:to>
+                                        <p:strVal val="visible"/>
+                                      </p:to>
+                                    </p:set>
+                                    <p:animEffect transition="in" filter="wipe(up)">
+                                      <p:cBhvr>
+                                        <p:cTn id="7" dur="500"/>
+                                        <p:tgtEl>
+                                          <p:spTgt spid="4"/>
+                                        </p:tgtEl>
+                                      </p:cBhvr>
+                                    </p:animEffect>
+                                  </p:childTnLst>
+                                </p:cTn>
+                              </p:par>
+                              <p:par>
+                                <p:cTn id="8" presetID="22" presetClass="entr" presetSubtype="1" fill="hold" grpId="0" nodeType="withEffect">
+                                  <p:stCondLst>
+                                    <p:cond delay="0"/>
+                                  </p:stCondLst>
+                                  <p:childTnLst>
+                                    <p:set>
+                                      <p:cBhvr>
+                                        <p:cTn id="9" dur="1" fill="hold">
+                                          <p:stCondLst>
+                                            <p:cond delay="0"/>
+                                          </p:stCondLst>
+                                        </p:cTn>
+                                        <p:tgtEl>
+                                          <p:spTgt spid="6">
+                                            <p:txEl>
+                                              <p:pRg st="0" end="0"/>
+                                            </p:txEl>
+                                          </p:spTgt>
+                                        </p:tgtEl>
+                                        <p:attrNameLst>
+                                          <p:attrName>style.visibility</p:attrName>
+                                        </p:attrNameLst>
+                                      </p:cBhvr>
+                                      <p:to>
+                                        <p:strVal val="visible"/>
+                                      </p:to>
+                                    </p:set>
+                                    <p:animEffect transition="in" filter="wipe(up)">
+                                      <p:cBhvr>
+                                        <p:cTn id="10" dur="500"/>
+                                        <p:tgtEl>
+                                          <p:spTgt spid="6">
+                                            <p:txEl>
+                                              <p:pRg st="0" end="0"/>
+                                            </p:txEl>
+                                          </p:spTgt>
+                                        </p:tgtEl>
+                                      </p:cBhvr>
+                                    </p:animEffect>
+                                  </p:childTnLst>
+                                </p:cTn>
+                              </p:par>
+                            </p:childTnLst>
+                          </p:cTn>
+                        </p:par>
+                      </p:childTnLst>
+                    </p:cTn>
+                  </p:par>
+                </p:childTnLst>
+              </p:cTn>
+              <p:prevCondLst>
+                <p:cond evt="onPrev" delay="0">
+                  <p:tgtEl>
+                    <p:sldTgt/>
+                  </p:tgtEl>
+                </p:cond>
+              </p:prevCondLst>
+              <p:nextCondLst>
+                <p:cond evt="onNext" delay="0">
+                  <p:tgtEl>
+                    <p:sldTgt/>
+                  </p:tgtEl>
+                </p:cond>
+              </p:nextCondLst>
+            </p:seq>
+          </p:childTnLst>
+        </p:cTn>
+      </p:par>
+    </p:tnLst>
+    <p:bldLst>
+      <p:bldP spid="4" grpId="0"/>
+      <p:bldP spid="6" grpId="0" build="p"/>
+    </p:bldLst>
+  </p:timing>
 </p:sld>
 </file>
 
@@ -8171,6 +8301,13 @@
   <p:clrMapOvr>
     <a:masterClrMapping/>
   </p:clrMapOvr>
+  <p:timing>
+    <p:tnLst>
+      <p:par>
+        <p:cTn id="1" dur="indefinite" restart="never" nodeType="tmRoot"/>
+      </p:par>
+    </p:tnLst>
+  </p:timing>
 </p:sld>
 </file>
 
@@ -13807,13 +13944,18 @@
             <p:ph type="title"/>
           </p:nvPr>
         </p:nvSpPr>
-        <p:spPr/>
+        <p:spPr>
+          <a:xfrm>
+            <a:off x="8549640" y="70926"/>
+            <a:ext cx="3200400" cy="721682"/>
+          </a:xfrm>
+        </p:spPr>
         <p:txBody>
           <a:bodyPr/>
           <a:lstStyle/>
           <a:p>
             <a:r>
-              <a:rPr lang="en-US" dirty="0" smtClean="0"/>
+              <a:rPr lang="en-US" dirty="0"/>
               <a:t>Background</a:t>
             </a:r>
             <a:endParaRPr lang="en-GB" dirty="0"/>
@@ -13855,7 +13997,12 @@
             <p:ph type="body" sz="half" idx="2"/>
           </p:nvPr>
         </p:nvSpPr>
-        <p:spPr/>
+        <p:spPr>
+          <a:xfrm>
+            <a:off x="8549640" y="2457884"/>
+            <a:ext cx="3200400" cy="3291840"/>
+          </a:xfrm>
+        </p:spPr>
         <p:txBody>
           <a:bodyPr>
             <a:normAutofit/>
@@ -14197,6 +14344,62 @@
           </a:graphicData>
         </a:graphic>
       </p:graphicFrame>
+      <p:sp>
+        <p:nvSpPr>
+          <p:cNvPr id="8" name="Title 1"/>
+          <p:cNvSpPr txBox="1">
+            <a:spLocks/>
+          </p:cNvSpPr>
+          <p:nvPr/>
+        </p:nvSpPr>
+        <p:spPr>
+          <a:xfrm>
+            <a:off x="9502405" y="1376872"/>
+            <a:ext cx="696604" cy="1244472"/>
+          </a:xfrm>
+          <a:prstGeom prst="rect">
+            <a:avLst/>
+          </a:prstGeom>
+        </p:spPr>
+        <p:txBody>
+          <a:bodyPr vert="horz" lIns="91440" tIns="45720" rIns="91440" bIns="45720" rtlCol="0" anchor="b">
+            <a:noAutofit/>
+          </a:bodyPr>
+          <a:lstStyle>
+            <a:lvl1pPr algn="l" defTabSz="914400" rtl="0" eaLnBrk="1" latinLnBrk="0" hangingPunct="1">
+              <a:lnSpc>
+                <a:spcPct val="90000"/>
+              </a:lnSpc>
+              <a:spcBef>
+                <a:spcPct val="0"/>
+              </a:spcBef>
+              <a:buNone/>
+              <a:defRPr sz="3200" b="1" kern="1200" cap="none" baseline="0">
+                <a:blipFill>
+                  <a:blip r:embed="rId3">
+                    <a:extLst>
+                      <a:ext uri="{28A0092B-C50C-407E-A947-70E740481C1C}">
+                        <a14:useLocalDpi xmlns:a14="http://schemas.microsoft.com/office/drawing/2010/main" val="0"/>
+                      </a:ext>
+                    </a:extLst>
+                  </a:blip>
+                  <a:tile tx="6350" ty="-127000" sx="65000" sy="64000" flip="none" algn="tl"/>
+                </a:blipFill>
+                <a:latin typeface="+mj-lt"/>
+                <a:ea typeface="+mj-ea"/>
+                <a:cs typeface="+mj-cs"/>
+              </a:defRPr>
+            </a:lvl1pPr>
+          </a:lstStyle>
+          <a:p>
+            <a:r>
+              <a:rPr lang="en-US" sz="13800" dirty="0" smtClean="0"/>
+              <a:t>1</a:t>
+            </a:r>
+            <a:endParaRPr lang="en-GB" sz="13800" dirty="0"/>
+          </a:p>
+        </p:txBody>
+      </p:sp>
     </p:spTree>
     <p:extLst>
       <p:ext uri="{BB962C8B-B14F-4D97-AF65-F5344CB8AC3E}">
@@ -14210,9 +14413,141 @@
   <p:timing>
     <p:tnLst>
       <p:par>
-        <p:cTn id="1" dur="indefinite" restart="never" nodeType="tmRoot"/>
+        <p:cTn id="1" dur="indefinite" restart="never" nodeType="tmRoot">
+          <p:childTnLst>
+            <p:seq concurrent="1" nextAc="seek">
+              <p:cTn id="2" dur="indefinite" nodeType="mainSeq">
+                <p:childTnLst>
+                  <p:par>
+                    <p:cTn id="3" fill="hold">
+                      <p:stCondLst>
+                        <p:cond delay="indefinite"/>
+                      </p:stCondLst>
+                      <p:childTnLst>
+                        <p:par>
+                          <p:cTn id="4" fill="hold">
+                            <p:stCondLst>
+                              <p:cond delay="0"/>
+                            </p:stCondLst>
+                            <p:childTnLst>
+                              <p:par>
+                                <p:cTn id="5" presetID="22" presetClass="entr" presetSubtype="1" fill="hold" grpId="0" nodeType="clickEffect">
+                                  <p:stCondLst>
+                                    <p:cond delay="0"/>
+                                  </p:stCondLst>
+                                  <p:childTnLst>
+                                    <p:set>
+                                      <p:cBhvr>
+                                        <p:cTn id="6" dur="1" fill="hold">
+                                          <p:stCondLst>
+                                            <p:cond delay="0"/>
+                                          </p:stCondLst>
+                                        </p:cTn>
+                                        <p:tgtEl>
+                                          <p:spTgt spid="8"/>
+                                        </p:tgtEl>
+                                        <p:attrNameLst>
+                                          <p:attrName>style.visibility</p:attrName>
+                                        </p:attrNameLst>
+                                      </p:cBhvr>
+                                      <p:to>
+                                        <p:strVal val="visible"/>
+                                      </p:to>
+                                    </p:set>
+                                    <p:animEffect transition="in" filter="wipe(up)">
+                                      <p:cBhvr>
+                                        <p:cTn id="7" dur="500"/>
+                                        <p:tgtEl>
+                                          <p:spTgt spid="8"/>
+                                        </p:tgtEl>
+                                      </p:cBhvr>
+                                    </p:animEffect>
+                                  </p:childTnLst>
+                                </p:cTn>
+                              </p:par>
+                            </p:childTnLst>
+                          </p:cTn>
+                        </p:par>
+                        <p:par>
+                          <p:cTn id="8" fill="hold">
+                            <p:stCondLst>
+                              <p:cond delay="500"/>
+                            </p:stCondLst>
+                            <p:childTnLst>
+                              <p:par>
+                                <p:cTn id="9" presetID="22" presetClass="entr" presetSubtype="8" fill="hold" grpId="0" nodeType="afterEffect">
+                                  <p:stCondLst>
+                                    <p:cond delay="0"/>
+                                  </p:stCondLst>
+                                  <p:childTnLst>
+                                    <p:set>
+                                      <p:cBhvr>
+                                        <p:cTn id="10" dur="1" fill="hold">
+                                          <p:stCondLst>
+                                            <p:cond delay="0"/>
+                                          </p:stCondLst>
+                                        </p:cTn>
+                                        <p:tgtEl>
+                                          <p:spTgt spid="6">
+                                            <p:txEl>
+                                              <p:pRg st="0" end="0"/>
+                                            </p:txEl>
+                                          </p:spTgt>
+                                        </p:tgtEl>
+                                        <p:attrNameLst>
+                                          <p:attrName>style.visibility</p:attrName>
+                                        </p:attrNameLst>
+                                      </p:cBhvr>
+                                      <p:to>
+                                        <p:strVal val="visible"/>
+                                      </p:to>
+                                    </p:set>
+                                    <p:animEffect transition="in" filter="wipe(left)">
+                                      <p:cBhvr>
+                                        <p:cTn id="11" dur="500"/>
+                                        <p:tgtEl>
+                                          <p:spTgt spid="6">
+                                            <p:txEl>
+                                              <p:pRg st="0" end="0"/>
+                                            </p:txEl>
+                                          </p:spTgt>
+                                        </p:tgtEl>
+                                      </p:cBhvr>
+                                    </p:animEffect>
+                                  </p:childTnLst>
+                                </p:cTn>
+                              </p:par>
+                            </p:childTnLst>
+                          </p:cTn>
+                        </p:par>
+                      </p:childTnLst>
+                    </p:cTn>
+                  </p:par>
+                </p:childTnLst>
+              </p:cTn>
+              <p:prevCondLst>
+                <p:cond evt="onPrev" delay="0">
+                  <p:tgtEl>
+                    <p:sldTgt/>
+                  </p:tgtEl>
+                </p:cond>
+              </p:prevCondLst>
+              <p:nextCondLst>
+                <p:cond evt="onNext" delay="0">
+                  <p:tgtEl>
+                    <p:sldTgt/>
+                  </p:tgtEl>
+                </p:cond>
+              </p:nextCondLst>
+            </p:seq>
+          </p:childTnLst>
+        </p:cTn>
       </p:par>
     </p:tnLst>
+    <p:bldLst>
+      <p:bldP spid="6" grpId="0" build="p"/>
+      <p:bldP spid="8" grpId="0"/>
+    </p:bldLst>
   </p:timing>
 </p:sld>
 </file>
@@ -14244,9 +14579,16 @@
             <p:ph type="title"/>
           </p:nvPr>
         </p:nvSpPr>
-        <p:spPr/>
+        <p:spPr>
+          <a:xfrm>
+            <a:off x="8549640" y="685800"/>
+            <a:ext cx="3200400" cy="205451"/>
+          </a:xfrm>
+        </p:spPr>
         <p:txBody>
-          <a:bodyPr/>
+          <a:bodyPr>
+            <a:normAutofit fontScale="90000"/>
+          </a:bodyPr>
           <a:lstStyle/>
           <a:p>
             <a:r>
@@ -14636,6 +14978,62 @@
           </a:graphicData>
         </a:graphic>
       </p:graphicFrame>
+      <p:sp>
+        <p:nvSpPr>
+          <p:cNvPr id="8" name="Title 1"/>
+          <p:cNvSpPr txBox="1">
+            <a:spLocks/>
+          </p:cNvSpPr>
+          <p:nvPr/>
+        </p:nvSpPr>
+        <p:spPr>
+          <a:xfrm>
+            <a:off x="9722734" y="1701478"/>
+            <a:ext cx="1006998" cy="721682"/>
+          </a:xfrm>
+          <a:prstGeom prst="rect">
+            <a:avLst/>
+          </a:prstGeom>
+        </p:spPr>
+        <p:txBody>
+          <a:bodyPr vert="horz" lIns="91440" tIns="45720" rIns="91440" bIns="45720" rtlCol="0" anchor="b">
+            <a:noAutofit/>
+          </a:bodyPr>
+          <a:lstStyle>
+            <a:lvl1pPr algn="l" defTabSz="914400" rtl="0" eaLnBrk="1" latinLnBrk="0" hangingPunct="1">
+              <a:lnSpc>
+                <a:spcPct val="90000"/>
+              </a:lnSpc>
+              <a:spcBef>
+                <a:spcPct val="0"/>
+              </a:spcBef>
+              <a:buNone/>
+              <a:defRPr sz="3200" b="1" kern="1200" cap="none" baseline="0">
+                <a:blipFill>
+                  <a:blip r:embed="rId3">
+                    <a:extLst>
+                      <a:ext uri="{28A0092B-C50C-407E-A947-70E740481C1C}">
+                        <a14:useLocalDpi xmlns:a14="http://schemas.microsoft.com/office/drawing/2010/main" val="0"/>
+                      </a:ext>
+                    </a:extLst>
+                  </a:blip>
+                  <a:tile tx="6350" ty="-127000" sx="65000" sy="64000" flip="none" algn="tl"/>
+                </a:blipFill>
+                <a:latin typeface="+mj-lt"/>
+                <a:ea typeface="+mj-ea"/>
+                <a:cs typeface="+mj-cs"/>
+              </a:defRPr>
+            </a:lvl1pPr>
+          </a:lstStyle>
+          <a:p>
+            <a:r>
+              <a:rPr lang="en-US" sz="11500" dirty="0" smtClean="0"/>
+              <a:t>2</a:t>
+            </a:r>
+            <a:endParaRPr lang="en-GB" sz="11500" dirty="0"/>
+          </a:p>
+        </p:txBody>
+      </p:sp>
     </p:spTree>
     <p:extLst>
       <p:ext uri="{BB962C8B-B14F-4D97-AF65-F5344CB8AC3E}">
@@ -14649,9 +15047,141 @@
   <p:timing>
     <p:tnLst>
       <p:par>
-        <p:cTn id="1" dur="indefinite" restart="never" nodeType="tmRoot"/>
+        <p:cTn id="1" dur="indefinite" restart="never" nodeType="tmRoot">
+          <p:childTnLst>
+            <p:seq concurrent="1" nextAc="seek">
+              <p:cTn id="2" dur="indefinite" nodeType="mainSeq">
+                <p:childTnLst>
+                  <p:par>
+                    <p:cTn id="3" fill="hold">
+                      <p:stCondLst>
+                        <p:cond delay="indefinite"/>
+                      </p:stCondLst>
+                      <p:childTnLst>
+                        <p:par>
+                          <p:cTn id="4" fill="hold">
+                            <p:stCondLst>
+                              <p:cond delay="0"/>
+                            </p:stCondLst>
+                            <p:childTnLst>
+                              <p:par>
+                                <p:cTn id="5" presetID="22" presetClass="entr" presetSubtype="1" fill="hold" grpId="0" nodeType="clickEffect">
+                                  <p:stCondLst>
+                                    <p:cond delay="0"/>
+                                  </p:stCondLst>
+                                  <p:childTnLst>
+                                    <p:set>
+                                      <p:cBhvr>
+                                        <p:cTn id="6" dur="1" fill="hold">
+                                          <p:stCondLst>
+                                            <p:cond delay="0"/>
+                                          </p:stCondLst>
+                                        </p:cTn>
+                                        <p:tgtEl>
+                                          <p:spTgt spid="8"/>
+                                        </p:tgtEl>
+                                        <p:attrNameLst>
+                                          <p:attrName>style.visibility</p:attrName>
+                                        </p:attrNameLst>
+                                      </p:cBhvr>
+                                      <p:to>
+                                        <p:strVal val="visible"/>
+                                      </p:to>
+                                    </p:set>
+                                    <p:animEffect transition="in" filter="wipe(up)">
+                                      <p:cBhvr>
+                                        <p:cTn id="7" dur="500"/>
+                                        <p:tgtEl>
+                                          <p:spTgt spid="8"/>
+                                        </p:tgtEl>
+                                      </p:cBhvr>
+                                    </p:animEffect>
+                                  </p:childTnLst>
+                                </p:cTn>
+                              </p:par>
+                            </p:childTnLst>
+                          </p:cTn>
+                        </p:par>
+                        <p:par>
+                          <p:cTn id="8" fill="hold">
+                            <p:stCondLst>
+                              <p:cond delay="500"/>
+                            </p:stCondLst>
+                            <p:childTnLst>
+                              <p:par>
+                                <p:cTn id="9" presetID="22" presetClass="entr" presetSubtype="8" fill="hold" grpId="0" nodeType="afterEffect">
+                                  <p:stCondLst>
+                                    <p:cond delay="0"/>
+                                  </p:stCondLst>
+                                  <p:childTnLst>
+                                    <p:set>
+                                      <p:cBhvr>
+                                        <p:cTn id="10" dur="1" fill="hold">
+                                          <p:stCondLst>
+                                            <p:cond delay="0"/>
+                                          </p:stCondLst>
+                                        </p:cTn>
+                                        <p:tgtEl>
+                                          <p:spTgt spid="4">
+                                            <p:txEl>
+                                              <p:pRg st="0" end="0"/>
+                                            </p:txEl>
+                                          </p:spTgt>
+                                        </p:tgtEl>
+                                        <p:attrNameLst>
+                                          <p:attrName>style.visibility</p:attrName>
+                                        </p:attrNameLst>
+                                      </p:cBhvr>
+                                      <p:to>
+                                        <p:strVal val="visible"/>
+                                      </p:to>
+                                    </p:set>
+                                    <p:animEffect transition="in" filter="wipe(left)">
+                                      <p:cBhvr>
+                                        <p:cTn id="11" dur="500"/>
+                                        <p:tgtEl>
+                                          <p:spTgt spid="4">
+                                            <p:txEl>
+                                              <p:pRg st="0" end="0"/>
+                                            </p:txEl>
+                                          </p:spTgt>
+                                        </p:tgtEl>
+                                      </p:cBhvr>
+                                    </p:animEffect>
+                                  </p:childTnLst>
+                                </p:cTn>
+                              </p:par>
+                            </p:childTnLst>
+                          </p:cTn>
+                        </p:par>
+                      </p:childTnLst>
+                    </p:cTn>
+                  </p:par>
+                </p:childTnLst>
+              </p:cTn>
+              <p:prevCondLst>
+                <p:cond evt="onPrev" delay="0">
+                  <p:tgtEl>
+                    <p:sldTgt/>
+                  </p:tgtEl>
+                </p:cond>
+              </p:prevCondLst>
+              <p:nextCondLst>
+                <p:cond evt="onNext" delay="0">
+                  <p:tgtEl>
+                    <p:sldTgt/>
+                  </p:tgtEl>
+                </p:cond>
+              </p:nextCondLst>
+            </p:seq>
+          </p:childTnLst>
+        </p:cTn>
       </p:par>
     </p:tnLst>
+    <p:bldLst>
+      <p:bldP spid="4" grpId="0" build="p"/>
+      <p:bldP spid="8" grpId="0"/>
+    </p:bldLst>
   </p:timing>
 </p:sld>
 </file>
@@ -14683,9 +15213,16 @@
             <p:ph type="title"/>
           </p:nvPr>
         </p:nvSpPr>
-        <p:spPr/>
+        <p:spPr>
+          <a:xfrm>
+            <a:off x="8549640" y="685800"/>
+            <a:ext cx="3200400" cy="243518"/>
+          </a:xfrm>
+        </p:spPr>
         <p:txBody>
-          <a:bodyPr/>
+          <a:bodyPr>
+            <a:normAutofit fontScale="90000"/>
+          </a:bodyPr>
           <a:lstStyle/>
           <a:p>
             <a:r>
@@ -15073,6 +15610,62 @@
           </a:graphicData>
         </a:graphic>
       </p:graphicFrame>
+      <p:sp>
+        <p:nvSpPr>
+          <p:cNvPr id="6" name="Title 1"/>
+          <p:cNvSpPr txBox="1">
+            <a:spLocks/>
+          </p:cNvSpPr>
+          <p:nvPr/>
+        </p:nvSpPr>
+        <p:spPr>
+          <a:xfrm>
+            <a:off x="9722734" y="1701478"/>
+            <a:ext cx="1006998" cy="721682"/>
+          </a:xfrm>
+          <a:prstGeom prst="rect">
+            <a:avLst/>
+          </a:prstGeom>
+        </p:spPr>
+        <p:txBody>
+          <a:bodyPr vert="horz" lIns="91440" tIns="45720" rIns="91440" bIns="45720" rtlCol="0" anchor="b">
+            <a:noAutofit/>
+          </a:bodyPr>
+          <a:lstStyle>
+            <a:lvl1pPr algn="l" defTabSz="914400" rtl="0" eaLnBrk="1" latinLnBrk="0" hangingPunct="1">
+              <a:lnSpc>
+                <a:spcPct val="90000"/>
+              </a:lnSpc>
+              <a:spcBef>
+                <a:spcPct val="0"/>
+              </a:spcBef>
+              <a:buNone/>
+              <a:defRPr sz="3200" b="1" kern="1200" cap="none" baseline="0">
+                <a:blipFill>
+                  <a:blip r:embed="rId3">
+                    <a:extLst>
+                      <a:ext uri="{28A0092B-C50C-407E-A947-70E740481C1C}">
+                        <a14:useLocalDpi xmlns:a14="http://schemas.microsoft.com/office/drawing/2010/main" val="0"/>
+                      </a:ext>
+                    </a:extLst>
+                  </a:blip>
+                  <a:tile tx="6350" ty="-127000" sx="65000" sy="64000" flip="none" algn="tl"/>
+                </a:blipFill>
+                <a:latin typeface="+mj-lt"/>
+                <a:ea typeface="+mj-ea"/>
+                <a:cs typeface="+mj-cs"/>
+              </a:defRPr>
+            </a:lvl1pPr>
+          </a:lstStyle>
+          <a:p>
+            <a:r>
+              <a:rPr lang="en-US" sz="11500" dirty="0"/>
+              <a:t>3</a:t>
+            </a:r>
+            <a:endParaRPr lang="en-GB" sz="11500" dirty="0"/>
+          </a:p>
+        </p:txBody>
+      </p:sp>
     </p:spTree>
     <p:extLst>
       <p:ext uri="{BB962C8B-B14F-4D97-AF65-F5344CB8AC3E}">
@@ -15086,9 +15679,141 @@
   <p:timing>
     <p:tnLst>
       <p:par>
-        <p:cTn id="1" dur="indefinite" restart="never" nodeType="tmRoot"/>
+        <p:cTn id="1" dur="indefinite" restart="never" nodeType="tmRoot">
+          <p:childTnLst>
+            <p:seq concurrent="1" nextAc="seek">
+              <p:cTn id="2" dur="indefinite" nodeType="mainSeq">
+                <p:childTnLst>
+                  <p:par>
+                    <p:cTn id="3" fill="hold">
+                      <p:stCondLst>
+                        <p:cond delay="indefinite"/>
+                      </p:stCondLst>
+                      <p:childTnLst>
+                        <p:par>
+                          <p:cTn id="4" fill="hold">
+                            <p:stCondLst>
+                              <p:cond delay="0"/>
+                            </p:stCondLst>
+                            <p:childTnLst>
+                              <p:par>
+                                <p:cTn id="5" presetID="22" presetClass="entr" presetSubtype="1" fill="hold" grpId="0" nodeType="clickEffect">
+                                  <p:stCondLst>
+                                    <p:cond delay="0"/>
+                                  </p:stCondLst>
+                                  <p:childTnLst>
+                                    <p:set>
+                                      <p:cBhvr>
+                                        <p:cTn id="6" dur="1" fill="hold">
+                                          <p:stCondLst>
+                                            <p:cond delay="0"/>
+                                          </p:stCondLst>
+                                        </p:cTn>
+                                        <p:tgtEl>
+                                          <p:spTgt spid="6"/>
+                                        </p:tgtEl>
+                                        <p:attrNameLst>
+                                          <p:attrName>style.visibility</p:attrName>
+                                        </p:attrNameLst>
+                                      </p:cBhvr>
+                                      <p:to>
+                                        <p:strVal val="visible"/>
+                                      </p:to>
+                                    </p:set>
+                                    <p:animEffect transition="in" filter="wipe(up)">
+                                      <p:cBhvr>
+                                        <p:cTn id="7" dur="500"/>
+                                        <p:tgtEl>
+                                          <p:spTgt spid="6"/>
+                                        </p:tgtEl>
+                                      </p:cBhvr>
+                                    </p:animEffect>
+                                  </p:childTnLst>
+                                </p:cTn>
+                              </p:par>
+                            </p:childTnLst>
+                          </p:cTn>
+                        </p:par>
+                        <p:par>
+                          <p:cTn id="8" fill="hold">
+                            <p:stCondLst>
+                              <p:cond delay="500"/>
+                            </p:stCondLst>
+                            <p:childTnLst>
+                              <p:par>
+                                <p:cTn id="9" presetID="22" presetClass="entr" presetSubtype="8" fill="hold" grpId="0" nodeType="afterEffect">
+                                  <p:stCondLst>
+                                    <p:cond delay="0"/>
+                                  </p:stCondLst>
+                                  <p:childTnLst>
+                                    <p:set>
+                                      <p:cBhvr>
+                                        <p:cTn id="10" dur="1" fill="hold">
+                                          <p:stCondLst>
+                                            <p:cond delay="0"/>
+                                          </p:stCondLst>
+                                        </p:cTn>
+                                        <p:tgtEl>
+                                          <p:spTgt spid="4">
+                                            <p:txEl>
+                                              <p:pRg st="0" end="0"/>
+                                            </p:txEl>
+                                          </p:spTgt>
+                                        </p:tgtEl>
+                                        <p:attrNameLst>
+                                          <p:attrName>style.visibility</p:attrName>
+                                        </p:attrNameLst>
+                                      </p:cBhvr>
+                                      <p:to>
+                                        <p:strVal val="visible"/>
+                                      </p:to>
+                                    </p:set>
+                                    <p:animEffect transition="in" filter="wipe(left)">
+                                      <p:cBhvr>
+                                        <p:cTn id="11" dur="500"/>
+                                        <p:tgtEl>
+                                          <p:spTgt spid="4">
+                                            <p:txEl>
+                                              <p:pRg st="0" end="0"/>
+                                            </p:txEl>
+                                          </p:spTgt>
+                                        </p:tgtEl>
+                                      </p:cBhvr>
+                                    </p:animEffect>
+                                  </p:childTnLst>
+                                </p:cTn>
+                              </p:par>
+                            </p:childTnLst>
+                          </p:cTn>
+                        </p:par>
+                      </p:childTnLst>
+                    </p:cTn>
+                  </p:par>
+                </p:childTnLst>
+              </p:cTn>
+              <p:prevCondLst>
+                <p:cond evt="onPrev" delay="0">
+                  <p:tgtEl>
+                    <p:sldTgt/>
+                  </p:tgtEl>
+                </p:cond>
+              </p:prevCondLst>
+              <p:nextCondLst>
+                <p:cond evt="onNext" delay="0">
+                  <p:tgtEl>
+                    <p:sldTgt/>
+                  </p:tgtEl>
+                </p:cond>
+              </p:nextCondLst>
+            </p:seq>
+          </p:childTnLst>
+        </p:cTn>
       </p:par>
     </p:tnLst>
+    <p:bldLst>
+      <p:bldP spid="4" grpId="0" build="p"/>
+      <p:bldP spid="6" grpId="0"/>
+    </p:bldLst>
   </p:timing>
 </p:sld>
 </file>
@@ -15553,6 +16278,136 @@
   <p:clrMapOvr>
     <a:masterClrMapping/>
   </p:clrMapOvr>
+  <p:timing>
+    <p:tnLst>
+      <p:par>
+        <p:cTn id="1" dur="indefinite" restart="never" nodeType="tmRoot">
+          <p:childTnLst>
+            <p:seq concurrent="1" nextAc="seek">
+              <p:cTn id="2" dur="indefinite" nodeType="mainSeq">
+                <p:childTnLst>
+                  <p:par>
+                    <p:cTn id="3" fill="hold">
+                      <p:stCondLst>
+                        <p:cond delay="indefinite"/>
+                      </p:stCondLst>
+                      <p:childTnLst>
+                        <p:par>
+                          <p:cTn id="4" fill="hold">
+                            <p:stCondLst>
+                              <p:cond delay="0"/>
+                            </p:stCondLst>
+                            <p:childTnLst>
+                              <p:par>
+                                <p:cTn id="5" presetID="22" presetClass="entr" presetSubtype="1" fill="hold" grpId="0" nodeType="clickEffect">
+                                  <p:stCondLst>
+                                    <p:cond delay="0"/>
+                                  </p:stCondLst>
+                                  <p:childTnLst>
+                                    <p:set>
+                                      <p:cBhvr>
+                                        <p:cTn id="6" dur="1" fill="hold">
+                                          <p:stCondLst>
+                                            <p:cond delay="0"/>
+                                          </p:stCondLst>
+                                        </p:cTn>
+                                        <p:tgtEl>
+                                          <p:spTgt spid="6">
+                                            <p:txEl>
+                                              <p:pRg st="0" end="0"/>
+                                            </p:txEl>
+                                          </p:spTgt>
+                                        </p:tgtEl>
+                                        <p:attrNameLst>
+                                          <p:attrName>style.visibility</p:attrName>
+                                        </p:attrNameLst>
+                                      </p:cBhvr>
+                                      <p:to>
+                                        <p:strVal val="visible"/>
+                                      </p:to>
+                                    </p:set>
+                                    <p:animEffect transition="in" filter="wipe(up)">
+                                      <p:cBhvr>
+                                        <p:cTn id="7" dur="500"/>
+                                        <p:tgtEl>
+                                          <p:spTgt spid="6">
+                                            <p:txEl>
+                                              <p:pRg st="0" end="0"/>
+                                            </p:txEl>
+                                          </p:spTgt>
+                                        </p:tgtEl>
+                                      </p:cBhvr>
+                                    </p:animEffect>
+                                  </p:childTnLst>
+                                </p:cTn>
+                              </p:par>
+                              <p:par>
+                                <p:cTn id="8" presetID="22" presetClass="entr" presetSubtype="1" fill="hold" grpId="0" nodeType="withEffect">
+                                  <p:stCondLst>
+                                    <p:cond delay="0"/>
+                                  </p:stCondLst>
+                                  <p:childTnLst>
+                                    <p:set>
+                                      <p:cBhvr>
+                                        <p:cTn id="9" dur="1" fill="hold">
+                                          <p:stCondLst>
+                                            <p:cond delay="0"/>
+                                          </p:stCondLst>
+                                        </p:cTn>
+                                        <p:tgtEl>
+                                          <p:spTgt spid="4"/>
+                                        </p:tgtEl>
+                                        <p:attrNameLst>
+                                          <p:attrName>style.visibility</p:attrName>
+                                        </p:attrNameLst>
+                                      </p:cBhvr>
+                                      <p:to>
+                                        <p:strVal val="visible"/>
+                                      </p:to>
+                                    </p:set>
+                                    <p:animEffect transition="in" filter="wipe(up)">
+                                      <p:cBhvr>
+                                        <p:cTn id="10" dur="500"/>
+                                        <p:tgtEl>
+                                          <p:spTgt spid="4"/>
+                                        </p:tgtEl>
+                                      </p:cBhvr>
+                                    </p:animEffect>
+                                  </p:childTnLst>
+                                </p:cTn>
+                              </p:par>
+                            </p:childTnLst>
+                          </p:cTn>
+                        </p:par>
+                      </p:childTnLst>
+                    </p:cTn>
+                  </p:par>
+                </p:childTnLst>
+              </p:cTn>
+              <p:prevCondLst>
+                <p:cond evt="onPrev" delay="0">
+                  <p:tgtEl>
+                    <p:sldTgt/>
+                  </p:tgtEl>
+                </p:cond>
+              </p:prevCondLst>
+              <p:nextCondLst>
+                <p:cond evt="onNext" delay="0">
+                  <p:tgtEl>
+                    <p:sldTgt/>
+                  </p:tgtEl>
+                </p:cond>
+              </p:nextCondLst>
+            </p:seq>
+          </p:childTnLst>
+        </p:cTn>
+      </p:par>
+    </p:tnLst>
+    <p:bldLst>
+      <p:bldP spid="4" grpId="0"/>
+      <p:bldP spid="6" grpId="0" build="p"/>
+    </p:bldLst>
+  </p:timing>
 </p:sld>
 </file>
 
@@ -16005,6 +16860,136 @@
   <p:clrMapOvr>
     <a:masterClrMapping/>
   </p:clrMapOvr>
+  <p:timing>
+    <p:tnLst>
+      <p:par>
+        <p:cTn id="1" dur="indefinite" restart="never" nodeType="tmRoot">
+          <p:childTnLst>
+            <p:seq concurrent="1" nextAc="seek">
+              <p:cTn id="2" dur="indefinite" nodeType="mainSeq">
+                <p:childTnLst>
+                  <p:par>
+                    <p:cTn id="3" fill="hold">
+                      <p:stCondLst>
+                        <p:cond delay="indefinite"/>
+                      </p:stCondLst>
+                      <p:childTnLst>
+                        <p:par>
+                          <p:cTn id="4" fill="hold">
+                            <p:stCondLst>
+                              <p:cond delay="0"/>
+                            </p:stCondLst>
+                            <p:childTnLst>
+                              <p:par>
+                                <p:cTn id="5" presetID="22" presetClass="entr" presetSubtype="1" fill="hold" grpId="0" nodeType="clickEffect">
+                                  <p:stCondLst>
+                                    <p:cond delay="0"/>
+                                  </p:stCondLst>
+                                  <p:childTnLst>
+                                    <p:set>
+                                      <p:cBhvr>
+                                        <p:cTn id="6" dur="1" fill="hold">
+                                          <p:stCondLst>
+                                            <p:cond delay="0"/>
+                                          </p:stCondLst>
+                                        </p:cTn>
+                                        <p:tgtEl>
+                                          <p:spTgt spid="4"/>
+                                        </p:tgtEl>
+                                        <p:attrNameLst>
+                                          <p:attrName>style.visibility</p:attrName>
+                                        </p:attrNameLst>
+                                      </p:cBhvr>
+                                      <p:to>
+                                        <p:strVal val="visible"/>
+                                      </p:to>
+                                    </p:set>
+                                    <p:animEffect transition="in" filter="wipe(up)">
+                                      <p:cBhvr>
+                                        <p:cTn id="7" dur="500"/>
+                                        <p:tgtEl>
+                                          <p:spTgt spid="4"/>
+                                        </p:tgtEl>
+                                      </p:cBhvr>
+                                    </p:animEffect>
+                                  </p:childTnLst>
+                                </p:cTn>
+                              </p:par>
+                              <p:par>
+                                <p:cTn id="8" presetID="22" presetClass="entr" presetSubtype="1" fill="hold" grpId="0" nodeType="withEffect">
+                                  <p:stCondLst>
+                                    <p:cond delay="0"/>
+                                  </p:stCondLst>
+                                  <p:childTnLst>
+                                    <p:set>
+                                      <p:cBhvr>
+                                        <p:cTn id="9" dur="1" fill="hold">
+                                          <p:stCondLst>
+                                            <p:cond delay="0"/>
+                                          </p:stCondLst>
+                                        </p:cTn>
+                                        <p:tgtEl>
+                                          <p:spTgt spid="6">
+                                            <p:txEl>
+                                              <p:pRg st="0" end="0"/>
+                                            </p:txEl>
+                                          </p:spTgt>
+                                        </p:tgtEl>
+                                        <p:attrNameLst>
+                                          <p:attrName>style.visibility</p:attrName>
+                                        </p:attrNameLst>
+                                      </p:cBhvr>
+                                      <p:to>
+                                        <p:strVal val="visible"/>
+                                      </p:to>
+                                    </p:set>
+                                    <p:animEffect transition="in" filter="wipe(up)">
+                                      <p:cBhvr>
+                                        <p:cTn id="10" dur="500"/>
+                                        <p:tgtEl>
+                                          <p:spTgt spid="6">
+                                            <p:txEl>
+                                              <p:pRg st="0" end="0"/>
+                                            </p:txEl>
+                                          </p:spTgt>
+                                        </p:tgtEl>
+                                      </p:cBhvr>
+                                    </p:animEffect>
+                                  </p:childTnLst>
+                                </p:cTn>
+                              </p:par>
+                            </p:childTnLst>
+                          </p:cTn>
+                        </p:par>
+                      </p:childTnLst>
+                    </p:cTn>
+                  </p:par>
+                </p:childTnLst>
+              </p:cTn>
+              <p:prevCondLst>
+                <p:cond evt="onPrev" delay="0">
+                  <p:tgtEl>
+                    <p:sldTgt/>
+                  </p:tgtEl>
+                </p:cond>
+              </p:prevCondLst>
+              <p:nextCondLst>
+                <p:cond evt="onNext" delay="0">
+                  <p:tgtEl>
+                    <p:sldTgt/>
+                  </p:tgtEl>
+                </p:cond>
+              </p:nextCondLst>
+            </p:seq>
+          </p:childTnLst>
+        </p:cTn>
+      </p:par>
+    </p:tnLst>
+    <p:bldLst>
+      <p:bldP spid="4" grpId="0"/>
+      <p:bldP spid="6" grpId="0" build="p"/>
+    </p:bldLst>
+  </p:timing>
 </p:sld>
 </file>
 

--- a/presentation/Tripster Presentation.pptx
+++ b/presentation/Tripster Presentation.pptx
@@ -8142,7 +8142,7 @@
       </p:graphicFrame>
       <p:pic>
         <p:nvPicPr>
-          <p:cNvPr id="7" name="Content Placeholder 6"/>
+          <p:cNvPr id="10" name="Content Placeholder 9"/>
           <p:cNvPicPr>
             <a:picLocks noGrp="1" noChangeAspect="1"/>
           </p:cNvPicPr>
@@ -8164,8 +8164,8 @@
         </p:blipFill>
         <p:spPr>
           <a:xfrm>
-            <a:off x="1478605" y="1966073"/>
-            <a:ext cx="5121084" cy="2469094"/>
+            <a:off x="1355834" y="1590074"/>
+            <a:ext cx="4180797" cy="4540085"/>
           </a:xfrm>
         </p:spPr>
       </p:pic>
@@ -8179,6 +8179,13 @@
   <p:clrMapOvr>
     <a:masterClrMapping/>
   </p:clrMapOvr>
+  <p:timing>
+    <p:tnLst>
+      <p:par>
+        <p:cTn id="1" dur="indefinite" restart="never" nodeType="tmRoot"/>
+      </p:par>
+    </p:tnLst>
+  </p:timing>
 </p:sld>
 </file>
 
@@ -8587,7 +8594,7 @@
       </p:graphicFrame>
       <p:pic>
         <p:nvPicPr>
-          <p:cNvPr id="5" name="Content Placeholder 4"/>
+          <p:cNvPr id="8" name="Content Placeholder 7"/>
           <p:cNvPicPr>
             <a:picLocks noGrp="1" noChangeAspect="1"/>
           </p:cNvPicPr>
@@ -8609,8 +8616,8 @@
         </p:blipFill>
         <p:spPr>
           <a:xfrm>
-            <a:off x="1069848" y="2790494"/>
-            <a:ext cx="10058400" cy="1976387"/>
+            <a:off x="1217427" y="2440367"/>
+            <a:ext cx="8039797" cy="2088061"/>
           </a:xfrm>
         </p:spPr>
       </p:pic>
@@ -8624,6 +8631,13 @@
   <p:clrMapOvr>
     <a:masterClrMapping/>
   </p:clrMapOvr>
+  <p:timing>
+    <p:tnLst>
+      <p:par>
+        <p:cTn id="1" dur="indefinite" restart="never" nodeType="tmRoot"/>
+      </p:par>
+    </p:tnLst>
+  </p:timing>
 </p:sld>
 </file>
 
@@ -9032,7 +9046,7 @@
       </p:graphicFrame>
       <p:pic>
         <p:nvPicPr>
-          <p:cNvPr id="6" name="Content Placeholder 5"/>
+          <p:cNvPr id="8" name="Content Placeholder 7"/>
           <p:cNvPicPr>
             <a:picLocks noGrp="1" noChangeAspect="1"/>
           </p:cNvPicPr>
@@ -9054,8 +9068,8 @@
         </p:blipFill>
         <p:spPr>
           <a:xfrm>
-            <a:off x="1933823" y="1736223"/>
-            <a:ext cx="5387807" cy="4000847"/>
+            <a:off x="2299997" y="1786932"/>
+            <a:ext cx="4907705" cy="4046571"/>
           </a:xfrm>
         </p:spPr>
       </p:pic>
@@ -9069,6 +9083,13 @@
   <p:clrMapOvr>
     <a:masterClrMapping/>
   </p:clrMapOvr>
+  <p:timing>
+    <p:tnLst>
+      <p:par>
+        <p:cTn id="1" dur="indefinite" restart="never" nodeType="tmRoot"/>
+      </p:par>
+    </p:tnLst>
+  </p:timing>
 </p:sld>
 </file>
 
@@ -10209,7 +10230,7 @@
       </p:graphicFrame>
       <p:pic>
         <p:nvPicPr>
-          <p:cNvPr id="6" name="Content Placeholder 5"/>
+          <p:cNvPr id="7" name="Content Placeholder 6"/>
           <p:cNvPicPr>
             <a:picLocks noGrp="1" noChangeAspect="1"/>
           </p:cNvPicPr>
@@ -10231,39 +10252,9 @@
         </p:blipFill>
         <p:spPr>
           <a:xfrm>
-            <a:off x="1933823" y="1736223"/>
-            <a:ext cx="5387807" cy="4000847"/>
+            <a:off x="1188457" y="1605893"/>
+            <a:ext cx="7425078" cy="4051300"/>
           </a:xfrm>
-        </p:spPr>
-      </p:pic>
-      <p:pic>
-        <p:nvPicPr>
-          <p:cNvPr id="3" name="Picture 2"/>
-          <p:cNvPicPr>
-            <a:picLocks noChangeAspect="1"/>
-          </p:cNvPicPr>
-          <p:nvPr/>
-        </p:nvPicPr>
-        <p:blipFill>
-          <a:blip r:embed="rId3">
-            <a:extLst>
-              <a:ext uri="{28A0092B-C50C-407E-A947-70E740481C1C}">
-                <a14:useLocalDpi xmlns:a14="http://schemas.microsoft.com/office/drawing/2010/main" val="0"/>
-              </a:ext>
-            </a:extLst>
-          </a:blip>
-          <a:stretch>
-            <a:fillRect/>
-          </a:stretch>
-        </p:blipFill>
-        <p:spPr>
-          <a:xfrm>
-            <a:off x="1161367" y="1545707"/>
-            <a:ext cx="9701101" cy="4191363"/>
-          </a:xfrm>
-          <a:prstGeom prst="rect">
-            <a:avLst/>
-          </a:prstGeom>
         </p:spPr>
       </p:pic>
     </p:spTree>
@@ -10276,6 +10267,13 @@
   <p:clrMapOvr>
     <a:masterClrMapping/>
   </p:clrMapOvr>
+  <p:timing>
+    <p:tnLst>
+      <p:par>
+        <p:cTn id="1" dur="indefinite" restart="never" nodeType="tmRoot"/>
+      </p:par>
+    </p:tnLst>
+  </p:timing>
 </p:sld>
 </file>
 
